--- a/SCM.pptx
+++ b/SCM.pptx
@@ -5,45 +5,47 @@
     <p:sldMasterId id="2147483658" r:id="rId4"/>
   </p:sldMasterIdLst>
   <p:notesMasterIdLst>
-    <p:notesMasterId r:id="rId41"/>
+    <p:notesMasterId r:id="rId43"/>
   </p:notesMasterIdLst>
   <p:sldIdLst>
     <p:sldId id="378" r:id="rId5"/>
-    <p:sldId id="393" r:id="rId6"/>
-    <p:sldId id="377" r:id="rId7"/>
-    <p:sldId id="335" r:id="rId8"/>
-    <p:sldId id="343" r:id="rId9"/>
-    <p:sldId id="355" r:id="rId10"/>
-    <p:sldId id="364" r:id="rId11"/>
-    <p:sldId id="356" r:id="rId12"/>
-    <p:sldId id="357" r:id="rId13"/>
-    <p:sldId id="358" r:id="rId14"/>
-    <p:sldId id="359" r:id="rId15"/>
-    <p:sldId id="360" r:id="rId16"/>
+    <p:sldId id="377" r:id="rId6"/>
+    <p:sldId id="335" r:id="rId7"/>
+    <p:sldId id="343" r:id="rId8"/>
+    <p:sldId id="355" r:id="rId9"/>
+    <p:sldId id="356" r:id="rId10"/>
+    <p:sldId id="357" r:id="rId11"/>
+    <p:sldId id="358" r:id="rId12"/>
+    <p:sldId id="393" r:id="rId13"/>
+    <p:sldId id="359" r:id="rId14"/>
+    <p:sldId id="360" r:id="rId15"/>
+    <p:sldId id="394" r:id="rId16"/>
     <p:sldId id="361" r:id="rId17"/>
     <p:sldId id="363" r:id="rId18"/>
-    <p:sldId id="366" r:id="rId19"/>
-    <p:sldId id="365" r:id="rId20"/>
-    <p:sldId id="367" r:id="rId21"/>
-    <p:sldId id="368" r:id="rId22"/>
-    <p:sldId id="369" r:id="rId23"/>
-    <p:sldId id="370" r:id="rId24"/>
-    <p:sldId id="379" r:id="rId25"/>
-    <p:sldId id="375" r:id="rId26"/>
-    <p:sldId id="376" r:id="rId27"/>
-    <p:sldId id="384" r:id="rId28"/>
-    <p:sldId id="380" r:id="rId29"/>
-    <p:sldId id="381" r:id="rId30"/>
-    <p:sldId id="382" r:id="rId31"/>
-    <p:sldId id="383" r:id="rId32"/>
-    <p:sldId id="385" r:id="rId33"/>
-    <p:sldId id="386" r:id="rId34"/>
-    <p:sldId id="387" r:id="rId35"/>
-    <p:sldId id="389" r:id="rId36"/>
-    <p:sldId id="388" r:id="rId37"/>
-    <p:sldId id="390" r:id="rId38"/>
-    <p:sldId id="391" r:id="rId39"/>
-    <p:sldId id="392" r:id="rId40"/>
+    <p:sldId id="396" r:id="rId19"/>
+    <p:sldId id="366" r:id="rId20"/>
+    <p:sldId id="365" r:id="rId21"/>
+    <p:sldId id="367" r:id="rId22"/>
+    <p:sldId id="368" r:id="rId23"/>
+    <p:sldId id="369" r:id="rId24"/>
+    <p:sldId id="370" r:id="rId25"/>
+    <p:sldId id="379" r:id="rId26"/>
+    <p:sldId id="375" r:id="rId27"/>
+    <p:sldId id="376" r:id="rId28"/>
+    <p:sldId id="384" r:id="rId29"/>
+    <p:sldId id="380" r:id="rId30"/>
+    <p:sldId id="381" r:id="rId31"/>
+    <p:sldId id="382" r:id="rId32"/>
+    <p:sldId id="383" r:id="rId33"/>
+    <p:sldId id="385" r:id="rId34"/>
+    <p:sldId id="386" r:id="rId35"/>
+    <p:sldId id="387" r:id="rId36"/>
+    <p:sldId id="395" r:id="rId37"/>
+    <p:sldId id="389" r:id="rId38"/>
+    <p:sldId id="388" r:id="rId39"/>
+    <p:sldId id="390" r:id="rId40"/>
+    <p:sldId id="391" r:id="rId41"/>
+    <p:sldId id="392" r:id="rId42"/>
   </p:sldIdLst>
   <p:sldSz cx="12192000" cy="6858000"/>
   <p:notesSz cx="6858000" cy="9144000"/>
@@ -177,6 +179,90 @@
           <inkml:channelProperty channel="F" name="resolution" value="0" units="1/dev"/>
         </inkml:channelProperties>
       </inkml:inkSource>
+      <inkml:timestamp xml:id="ts0" timeString="2024-05-09T15:14:41.053"/>
+    </inkml:context>
+    <inkml:brush xml:id="br0">
+      <inkml:brushProperty name="width" value="0.025" units="cm"/>
+      <inkml:brushProperty name="height" value="0.025" units="cm"/>
+      <inkml:brushProperty name="color" value="#E71224"/>
+    </inkml:brush>
+  </inkml:definitions>
+  <inkml:trace contextRef="#ctx0" brushRef="#br0">373 1 24575,'-6'1'0,"1"1"0,-1 0 0,1 0 0,0 1 0,0-1 0,-8 6 0,2-1 0,-27 14 0,0 2 0,1 1 0,1 3 0,2 0 0,-41 43 0,69-62 0,1 0 0,1 0 0,-1 1 0,1-1 0,1 1 0,0 0 0,0 0 0,0 1 0,1-1 0,1 1 0,-1 14 0,-5 17 0,4-24 0,0 1 0,1 0 0,0-1 0,2 1 0,0 0 0,5 30 0,-4-39 0,1-1 0,1 1 0,-1-1 0,1 0 0,1 0 0,-1 0 0,1 0 0,1-1 0,0 1 0,0-1 0,0 0 0,1-1 0,0 1 0,0-1 0,11 8 0,2 2 0,0 1 0,22 26 0,-15-16 0,97 85 0,-100-91 0,2-2 0,0-1 0,45 25 0,-56-36 0,-1-2 0,1 0 0,0-1 0,1 0 0,-1-1 0,1-1 0,-1 0 0,1-1 0,0 0 0,-1-1 0,1-1 0,0 0 0,-1-1 0,1-1 0,23-7 0,-27 4 0,-1 1 0,0-1 0,0-1 0,0 0 0,-1 0 0,0-1 0,0 0 0,-1-1 0,13-15 0,-7 4 0,-1-1 0,0 1 0,17-41 0,-25 49 0,-1-1 0,0 0 0,-1 0 0,-1-1 0,0 1 0,0-15 0,-4-85 0,0 46 0,2 47 0,-1-1 0,-1 0 0,-5-27 0,5 39 0,-1 1 0,0-1 0,0 1 0,-1 0 0,0 1 0,0-1 0,-1 1 0,0-1 0,0 1 0,-11-10 0,-14-15 0,-47-63 0,64 79-124,0 1 0,-1 0 0,-1 1 0,0 1 0,-1 0 0,0 1-1,-1 1 1,-1 0 0,0 1 0,-27-10 0,23 11-6702</inkml:trace>
+</inkml:ink>
+</file>
+
+<file path=ppt/ink/ink2.xml><?xml version="1.0" encoding="utf-8"?>
+<inkml:ink xmlns:inkml="http://www.w3.org/2003/InkML">
+  <inkml:definitions>
+    <inkml:context xml:id="ctx0">
+      <inkml:inkSource xml:id="inkSrc0">
+        <inkml:traceFormat>
+          <inkml:channel name="X" type="integer" min="-2.14748E9" max="2.14748E9" units="cm"/>
+          <inkml:channel name="Y" type="integer" min="-2.14748E9" max="2.14748E9" units="cm"/>
+          <inkml:channel name="F" type="integer" max="32767" units="dev"/>
+        </inkml:traceFormat>
+        <inkml:channelProperties>
+          <inkml:channelProperty channel="X" name="resolution" value="1000" units="1/cm"/>
+          <inkml:channelProperty channel="Y" name="resolution" value="1000" units="1/cm"/>
+          <inkml:channelProperty channel="F" name="resolution" value="0" units="1/dev"/>
+        </inkml:channelProperties>
+      </inkml:inkSource>
+      <inkml:timestamp xml:id="ts0" timeString="2024-05-09T15:58:53.010"/>
+    </inkml:context>
+    <inkml:brush xml:id="br0">
+      <inkml:brushProperty name="width" value="0.025" units="cm"/>
+      <inkml:brushProperty name="height" value="0.025" units="cm"/>
+      <inkml:brushProperty name="color" value="#E71224"/>
+    </inkml:brush>
+  </inkml:definitions>
+  <inkml:trace contextRef="#ctx0" brushRef="#br0">459 25 24575,'-88'-2'0,"-96"4"0,177 0 0,0-1 0,0 1 0,0 0 0,0 0 0,0 1 0,0 0 0,1 1 0,0-1 0,-1 1 0,1 0 0,1 1 0,-7 4 0,-7 9 0,-32 39 0,49-53 0,-1-1 0,0 1 0,1 0 0,0-1 0,0 1 0,0 0 0,0 1 0,0-1 0,1 0 0,0 0 0,0 0 0,0 1 0,1-1 0,-1 1 0,1-1 0,0 0 0,0 1 0,0-1 0,1 1 0,0-1 0,2 9 0,2 1 0,2-1 0,-1 1 0,1-1 0,18 24 0,-20-30 0,2 3 0,1 0 0,0-1 0,1 0 0,0-1 0,0 0 0,1 0 0,0-1 0,0 0 0,1-1 0,0 0 0,0 0 0,0-2 0,1 1 0,0-1 0,0-1 0,0 0 0,0-1 0,0 0 0,0-1 0,15 0 0,45 8 0,-54-6 0,38 3 0,-43-5 0,0-1 0,-1 0 0,1-1 0,0-1 0,0 0 0,-1 0 0,1-1 0,-1-1 0,13-5 0,1-2 0,-14 6 0,0-1 0,0 0 0,-1 0 0,15-11 0,-23 14 0,0 1 0,0-1 0,0 0 0,-1 0 0,1-1 0,-1 1 0,0 0 0,1-1 0,-2 0 0,1 1 0,0-1 0,-1 0 0,1 0 0,-1 0 0,0 0 0,-1 0 0,1 0 0,0-5 0,-1-2 0,0 0 0,0 0 0,-1 1 0,-1-1 0,0 0 0,0 0 0,-1 1 0,0-1 0,-1 1 0,0 0 0,-1 0 0,0 0 0,0 1 0,-1 0 0,0 0 0,-1 0 0,0 1 0,-13-13 0,-5-4 0,19 17 0,-2 0 0,1 0 0,-1 1 0,0 0 0,-1 0 0,0 1 0,0 0 0,0 1 0,-20-9 0,19 11-119,-2-1-193,1 1 1,0-2-1,-11-5 1,13 4-6515</inkml:trace>
+</inkml:ink>
+</file>
+
+<file path=ppt/ink/ink3.xml><?xml version="1.0" encoding="utf-8"?>
+<inkml:ink xmlns:inkml="http://www.w3.org/2003/InkML">
+  <inkml:definitions>
+    <inkml:context xml:id="ctx0">
+      <inkml:inkSource xml:id="inkSrc0">
+        <inkml:traceFormat>
+          <inkml:channel name="X" type="integer" min="-2.14748E9" max="2.14748E9" units="cm"/>
+          <inkml:channel name="Y" type="integer" min="-2.14748E9" max="2.14748E9" units="cm"/>
+          <inkml:channel name="F" type="integer" max="32767" units="dev"/>
+        </inkml:traceFormat>
+        <inkml:channelProperties>
+          <inkml:channelProperty channel="X" name="resolution" value="1000" units="1/cm"/>
+          <inkml:channelProperty channel="Y" name="resolution" value="1000" units="1/cm"/>
+          <inkml:channelProperty channel="F" name="resolution" value="0" units="1/dev"/>
+        </inkml:channelProperties>
+      </inkml:inkSource>
+      <inkml:timestamp xml:id="ts0" timeString="2024-05-09T15:58:55.220"/>
+    </inkml:context>
+    <inkml:brush xml:id="br0">
+      <inkml:brushProperty name="width" value="0.025" units="cm"/>
+      <inkml:brushProperty name="height" value="0.025" units="cm"/>
+      <inkml:brushProperty name="color" value="#E71224"/>
+    </inkml:brush>
+  </inkml:definitions>
+  <inkml:trace contextRef="#ctx0" brushRef="#br0">2130 3071 24575,'-5'-1'0,"1"0"0,0 0 0,0 0 0,0 0 0,0-1 0,0 1 0,0-1 0,0 0 0,0 0 0,1-1 0,-6-3 0,-1-1 0,-234-163 0,-319-291 0,422 331 0,5-6 0,6-5 0,7-7 0,6-4 0,-97-168 0,184 269 0,-169-301 0,163 279 0,4-1 0,-46-154 0,70 185 0,1 0 0,2-1 0,2 1 0,3-1 0,4-54 0,-2 86 0,0 0 0,1 0 0,0 1 0,1 0 0,0-1 0,0 1 0,1 1 0,1-1 0,13-19 0,-1 1 0,-14 20 16,0 0 0,0 0 0,-1 0 0,-1-1 0,3-18-1,4-13-1475,-5 28-5366</inkml:trace>
+</inkml:ink>
+</file>
+
+<file path=ppt/ink/ink4.xml><?xml version="1.0" encoding="utf-8"?>
+<inkml:ink xmlns:inkml="http://www.w3.org/2003/InkML">
+  <inkml:definitions>
+    <inkml:context xml:id="ctx0">
+      <inkml:inkSource xml:id="inkSrc0">
+        <inkml:traceFormat>
+          <inkml:channel name="X" type="integer" min="-2.14748E9" max="2.14748E9" units="cm"/>
+          <inkml:channel name="Y" type="integer" min="-2.14748E9" max="2.14748E9" units="cm"/>
+          <inkml:channel name="F" type="integer" max="32767" units="dev"/>
+        </inkml:traceFormat>
+        <inkml:channelProperties>
+          <inkml:channelProperty channel="X" name="resolution" value="1000" units="1/cm"/>
+          <inkml:channelProperty channel="Y" name="resolution" value="1000" units="1/cm"/>
+          <inkml:channelProperty channel="F" name="resolution" value="0" units="1/dev"/>
+        </inkml:channelProperties>
+      </inkml:inkSource>
       <inkml:timestamp xml:id="ts0" timeString="2024-05-08T08:35:37.125"/>
     </inkml:context>
     <inkml:brush xml:id="br0">
@@ -271,7 +357,7 @@
           <a:p>
             <a:fld id="{6EE7A52F-9D89-7442-A8E9-48D1527B5F6B}" type="datetimeFigureOut">
               <a:rPr lang="en-US" smtClean="0"/>
-              <a:t>5/8/2024</a:t>
+              <a:t>5/10/2024</a:t>
             </a:fld>
             <a:endParaRPr lang="en-US" dirty="0"/>
           </a:p>
@@ -618,7 +704,7 @@
           <a:p>
             <a:fld id="{A89C7E07-3C67-C64C-8DA0-0404F6303970}" type="slidenum">
               <a:rPr lang="en-US" smtClean="0"/>
-              <a:t>20</a:t>
+              <a:t>21</a:t>
             </a:fld>
             <a:endParaRPr lang="en-US" dirty="0"/>
           </a:p>
@@ -705,7 +791,7 @@
           <a:p>
             <a:fld id="{A89C7E07-3C67-C64C-8DA0-0404F6303970}" type="slidenum">
               <a:rPr lang="en-US" smtClean="0"/>
-              <a:t>21</a:t>
+              <a:t>22</a:t>
             </a:fld>
             <a:endParaRPr lang="en-US" dirty="0"/>
           </a:p>
@@ -804,7 +890,7 @@
           <a:p>
             <a:fld id="{A89C7E07-3C67-C64C-8DA0-0404F6303970}" type="slidenum">
               <a:rPr lang="en-US" smtClean="0"/>
-              <a:t>22</a:t>
+              <a:t>23</a:t>
             </a:fld>
             <a:endParaRPr lang="en-US" dirty="0"/>
           </a:p>
@@ -814,6 +900,90 @@
     <p:extLst>
       <p:ext uri="{BB962C8B-B14F-4D97-AF65-F5344CB8AC3E}">
         <p14:creationId xmlns:p14="http://schemas.microsoft.com/office/powerpoint/2010/main" val="1389846931"/>
+      </p:ext>
+    </p:extLst>
+  </p:cSld>
+  <p:clrMapOvr>
+    <a:masterClrMapping/>
+  </p:clrMapOvr>
+</p:notes>
+</file>
+
+<file path=ppt/notesSlides/notesSlide4.xml><?xml version="1.0" encoding="utf-8"?>
+<p:notes xmlns:a="http://schemas.openxmlformats.org/drawingml/2006/main" xmlns:r="http://schemas.openxmlformats.org/officeDocument/2006/relationships" xmlns:p="http://schemas.openxmlformats.org/presentationml/2006/main">
+  <p:cSld>
+    <p:spTree>
+      <p:nvGrpSpPr>
+        <p:cNvPr id="1" name=""/>
+        <p:cNvGrpSpPr/>
+        <p:nvPr/>
+      </p:nvGrpSpPr>
+      <p:grpSpPr>
+        <a:xfrm>
+          <a:off x="0" y="0"/>
+          <a:ext cx="0" cy="0"/>
+          <a:chOff x="0" y="0"/>
+          <a:chExt cx="0" cy="0"/>
+        </a:xfrm>
+      </p:grpSpPr>
+      <p:sp>
+        <p:nvSpPr>
+          <p:cNvPr id="2" name="Slide Image Placeholder 1"/>
+          <p:cNvSpPr>
+            <a:spLocks noGrp="1" noRot="1" noChangeAspect="1"/>
+          </p:cNvSpPr>
+          <p:nvPr>
+            <p:ph type="sldImg"/>
+          </p:nvPr>
+        </p:nvSpPr>
+        <p:spPr/>
+      </p:sp>
+      <p:sp>
+        <p:nvSpPr>
+          <p:cNvPr id="3" name="Notes Placeholder 2"/>
+          <p:cNvSpPr>
+            <a:spLocks noGrp="1"/>
+          </p:cNvSpPr>
+          <p:nvPr>
+            <p:ph type="body" idx="1"/>
+          </p:nvPr>
+        </p:nvSpPr>
+        <p:spPr/>
+        <p:txBody>
+          <a:bodyPr/>
+          <a:lstStyle/>
+          <a:p>
+            <a:endParaRPr lang="en-US" dirty="0"/>
+          </a:p>
+        </p:txBody>
+      </p:sp>
+      <p:sp>
+        <p:nvSpPr>
+          <p:cNvPr id="4" name="Slide Number Placeholder 3"/>
+          <p:cNvSpPr>
+            <a:spLocks noGrp="1"/>
+          </p:cNvSpPr>
+          <p:nvPr>
+            <p:ph type="sldNum" sz="quarter" idx="5"/>
+          </p:nvPr>
+        </p:nvSpPr>
+        <p:spPr/>
+        <p:txBody>
+          <a:bodyPr/>
+          <a:lstStyle/>
+          <a:p>
+            <a:fld id="{A89C7E07-3C67-C64C-8DA0-0404F6303970}" type="slidenum">
+              <a:rPr lang="en-US" smtClean="0"/>
+              <a:t>33</a:t>
+            </a:fld>
+            <a:endParaRPr lang="en-US" dirty="0"/>
+          </a:p>
+        </p:txBody>
+      </p:sp>
+    </p:spTree>
+    <p:extLst>
+      <p:ext uri="{BB962C8B-B14F-4D97-AF65-F5344CB8AC3E}">
+        <p14:creationId xmlns:p14="http://schemas.microsoft.com/office/powerpoint/2010/main" val="13645941"/>
       </p:ext>
     </p:extLst>
   </p:cSld>
@@ -6543,6 +6713,45 @@
           </a:p>
         </p:txBody>
       </p:sp>
+      <p:pic>
+        <p:nvPicPr>
+          <p:cNvPr id="6" name="Graphic 5">
+            <a:extLst>
+              <a:ext uri="{FF2B5EF4-FFF2-40B4-BE49-F238E27FC236}">
+                <a16:creationId xmlns:a16="http://schemas.microsoft.com/office/drawing/2014/main" id="{41563BDF-7D11-C0A4-7851-ACFEAD95FF33}"/>
+              </a:ext>
+            </a:extLst>
+          </p:cNvPr>
+          <p:cNvPicPr>
+            <a:picLocks noChangeAspect="1"/>
+          </p:cNvPicPr>
+          <p:nvPr/>
+        </p:nvPicPr>
+        <p:blipFill>
+          <a:blip r:embed="rId2">
+            <a:extLst>
+              <a:ext uri="{28A0092B-C50C-407E-A947-70E740481C1C}">
+                <a14:useLocalDpi xmlns:a14="http://schemas.microsoft.com/office/drawing/2010/main" val="0"/>
+              </a:ext>
+              <a:ext uri="{96DAC541-7B7A-43D3-8B79-37D633B846F1}">
+                <asvg:svgBlip xmlns:asvg="http://schemas.microsoft.com/office/drawing/2016/SVG/main" r:embed="rId3"/>
+              </a:ext>
+            </a:extLst>
+          </a:blip>
+          <a:stretch>
+            <a:fillRect/>
+          </a:stretch>
+        </p:blipFill>
+        <p:spPr>
+          <a:xfrm>
+            <a:off x="7860485" y="380302"/>
+            <a:ext cx="2864140" cy="2864140"/>
+          </a:xfrm>
+          <a:prstGeom prst="rect">
+            <a:avLst/>
+          </a:prstGeom>
+        </p:spPr>
+      </p:pic>
     </p:spTree>
     <p:extLst>
       <p:ext uri="{BB962C8B-B14F-4D97-AF65-F5344CB8AC3E}">
@@ -6575,24 +6784,24 @@
       </p:grpSpPr>
       <p:sp>
         <p:nvSpPr>
-          <p:cNvPr id="3" name="Content Placeholder 2">
-            <a:extLst>
-              <a:ext uri="{FF2B5EF4-FFF2-40B4-BE49-F238E27FC236}">
-                <a16:creationId xmlns:a16="http://schemas.microsoft.com/office/drawing/2014/main" id="{0EC737E2-1EBF-6244-8E0A-274D170CCCE9}"/>
-              </a:ext>
-            </a:extLst>
-          </p:cNvPr>
-          <p:cNvSpPr>
-            <a:spLocks noGrp="1"/>
-          </p:cNvSpPr>
-          <p:nvPr>
-            <p:ph type="body" sz="quarter" idx="10"/>
+          <p:cNvPr id="2" name="Title 1">
+            <a:extLst>
+              <a:ext uri="{FF2B5EF4-FFF2-40B4-BE49-F238E27FC236}">
+                <a16:creationId xmlns:a16="http://schemas.microsoft.com/office/drawing/2014/main" id="{A8E966EE-4FBD-534E-AAED-6C54465EF91C}"/>
+              </a:ext>
+            </a:extLst>
+          </p:cNvPr>
+          <p:cNvSpPr>
+            <a:spLocks noGrp="1"/>
+          </p:cNvSpPr>
+          <p:nvPr>
+            <p:ph type="title"/>
           </p:nvPr>
         </p:nvSpPr>
         <p:spPr>
           <a:xfrm>
-            <a:off x="1028701" y="2286000"/>
-            <a:ext cx="6703060" cy="2904530"/>
+            <a:off x="1028700" y="1003301"/>
+            <a:ext cx="10598441" cy="645284"/>
           </a:xfrm>
         </p:spPr>
         <p:txBody>
@@ -6600,75 +6809,15 @@
           <a:lstStyle/>
           <a:p>
             <a:r>
-              <a:rPr lang="en-US" sz="1800" dirty="0"/>
-              <a:t>Data:</a:t>
-            </a:r>
-          </a:p>
-          <a:p>
-            <a:pPr marL="285750" indent="-285750">
-              <a:buFont typeface="Arial" panose="020B0604020202020204" pitchFamily="34" charset="0"/>
-              <a:buChar char="•"/>
-            </a:pPr>
-            <a:r>
-              <a:rPr lang="en-US" sz="1800" dirty="0"/>
-              <a:t>Cigarette sales (in packs) 1970-2000</a:t>
-            </a:r>
-          </a:p>
-          <a:p>
-            <a:pPr marL="285750" indent="-285750">
-              <a:buFont typeface="Arial" panose="020B0604020202020204" pitchFamily="34" charset="0"/>
-              <a:buChar char="•"/>
-            </a:pPr>
-            <a:r>
-              <a:rPr lang="en-US" sz="1800" dirty="0"/>
-              <a:t>Donor pool: US states that did not pass anti-tobacco legislation</a:t>
-            </a:r>
-          </a:p>
-          <a:p>
-            <a:pPr marL="285750" indent="-285750">
-              <a:buFont typeface="Arial" panose="020B0604020202020204" pitchFamily="34" charset="0"/>
-              <a:buChar char="•"/>
-            </a:pPr>
-            <a:r>
-              <a:rPr lang="en-US" sz="1800" dirty="0"/>
-              <a:t>Predictors: Average retail price of cigarettes. per capita state personal income (logged), percentage of the population age 15–24, and per capita beer consumption.</a:t>
-            </a:r>
-          </a:p>
-          <a:p>
-            <a:endParaRPr lang="en-US" sz="1800" dirty="0"/>
-          </a:p>
-          <a:p>
-            <a:endParaRPr lang="en-US" sz="1800" dirty="0"/>
-          </a:p>
-          <a:p>
-            <a:endParaRPr lang="en-US" sz="1800" dirty="0"/>
-          </a:p>
-        </p:txBody>
-      </p:sp>
-      <p:sp>
-        <p:nvSpPr>
-          <p:cNvPr id="2" name="Title 1">
-            <a:extLst>
-              <a:ext uri="{FF2B5EF4-FFF2-40B4-BE49-F238E27FC236}">
-                <a16:creationId xmlns:a16="http://schemas.microsoft.com/office/drawing/2014/main" id="{A8E966EE-4FBD-534E-AAED-6C54465EF91C}"/>
-              </a:ext>
-            </a:extLst>
-          </p:cNvPr>
-          <p:cNvSpPr>
-            <a:spLocks noGrp="1"/>
-          </p:cNvSpPr>
-          <p:nvPr>
-            <p:ph type="title"/>
-          </p:nvPr>
-        </p:nvSpPr>
-        <p:spPr/>
-        <p:txBody>
-          <a:bodyPr/>
-          <a:lstStyle/>
-          <a:p>
-            <a:r>
               <a:rPr lang="en-US" dirty="0"/>
-              <a:t>Example: California’s Proposition 99	</a:t>
+              <a:t>Predictors and </a:t>
+            </a:r>
+            <a:br>
+              <a:rPr lang="en-US" dirty="0"/>
+            </a:br>
+            <a:r>
+              <a:rPr lang="en-US" dirty="0"/>
+              <a:t>Weights</a:t>
             </a:r>
           </a:p>
         </p:txBody>
@@ -6689,7 +6838,12 @@
             <p:ph type="sldNum" sz="quarter" idx="13"/>
           </p:nvPr>
         </p:nvSpPr>
-        <p:spPr/>
+        <p:spPr>
+          <a:xfrm>
+            <a:off x="11493500" y="6292334"/>
+            <a:ext cx="412750" cy="182880"/>
+          </a:xfrm>
+        </p:spPr>
         <p:txBody>
           <a:bodyPr/>
           <a:lstStyle/>
@@ -6700,303 +6854,6 @@
               <a:t>10</a:t>
             </a:fld>
             <a:endParaRPr lang="en-US"/>
-          </a:p>
-        </p:txBody>
-      </p:sp>
-      <p:pic>
-        <p:nvPicPr>
-          <p:cNvPr id="8" name="Content Placeholder 7">
-            <a:extLst>
-              <a:ext uri="{FF2B5EF4-FFF2-40B4-BE49-F238E27FC236}">
-                <a16:creationId xmlns:a16="http://schemas.microsoft.com/office/drawing/2014/main" id="{A95326C1-2151-D60F-DAA8-490F96B30007}"/>
-              </a:ext>
-            </a:extLst>
-          </p:cNvPr>
-          <p:cNvPicPr>
-            <a:picLocks noChangeAspect="1"/>
-          </p:cNvPicPr>
-          <p:nvPr/>
-        </p:nvPicPr>
-        <p:blipFill>
-          <a:blip r:embed="rId2"/>
-          <a:stretch>
-            <a:fillRect/>
-          </a:stretch>
-        </p:blipFill>
-        <p:spPr>
-          <a:xfrm>
-            <a:off x="7842482" y="2659309"/>
-            <a:ext cx="3183915" cy="3027495"/>
-          </a:xfrm>
-          <a:prstGeom prst="rect">
-            <a:avLst/>
-          </a:prstGeom>
-        </p:spPr>
-      </p:pic>
-    </p:spTree>
-    <p:extLst>
-      <p:ext uri="{BB962C8B-B14F-4D97-AF65-F5344CB8AC3E}">
-        <p14:creationId xmlns:p14="http://schemas.microsoft.com/office/powerpoint/2010/main" val="2755748325"/>
-      </p:ext>
-    </p:extLst>
-  </p:cSld>
-  <p:clrMapOvr>
-    <a:masterClrMapping/>
-  </p:clrMapOvr>
-</p:sld>
-</file>
-
-<file path=ppt/slides/slide11.xml><?xml version="1.0" encoding="utf-8"?>
-<p:sld xmlns:a="http://schemas.openxmlformats.org/drawingml/2006/main" xmlns:r="http://schemas.openxmlformats.org/officeDocument/2006/relationships" xmlns:p="http://schemas.openxmlformats.org/presentationml/2006/main">
-  <p:cSld>
-    <p:spTree>
-      <p:nvGrpSpPr>
-        <p:cNvPr id="1" name=""/>
-        <p:cNvGrpSpPr/>
-        <p:nvPr/>
-      </p:nvGrpSpPr>
-      <p:grpSpPr>
-        <a:xfrm>
-          <a:off x="0" y="0"/>
-          <a:ext cx="0" cy="0"/>
-          <a:chOff x="0" y="0"/>
-          <a:chExt cx="0" cy="0"/>
-        </a:xfrm>
-      </p:grpSpPr>
-      <p:sp>
-        <p:nvSpPr>
-          <p:cNvPr id="2" name="Title 1">
-            <a:extLst>
-              <a:ext uri="{FF2B5EF4-FFF2-40B4-BE49-F238E27FC236}">
-                <a16:creationId xmlns:a16="http://schemas.microsoft.com/office/drawing/2014/main" id="{A8E966EE-4FBD-534E-AAED-6C54465EF91C}"/>
-              </a:ext>
-            </a:extLst>
-          </p:cNvPr>
-          <p:cNvSpPr>
-            <a:spLocks noGrp="1"/>
-          </p:cNvSpPr>
-          <p:nvPr>
-            <p:ph type="title"/>
-          </p:nvPr>
-        </p:nvSpPr>
-        <p:spPr>
-          <a:xfrm>
-            <a:off x="1028700" y="1003301"/>
-            <a:ext cx="10598441" cy="645284"/>
-          </a:xfrm>
-        </p:spPr>
-        <p:txBody>
-          <a:bodyPr/>
-          <a:lstStyle/>
-          <a:p>
-            <a:r>
-              <a:rPr lang="en-US" dirty="0"/>
-              <a:t>Weights</a:t>
-            </a:r>
-          </a:p>
-        </p:txBody>
-      </p:sp>
-      <p:sp>
-        <p:nvSpPr>
-          <p:cNvPr id="5" name="Footer Placeholder 4">
-            <a:extLst>
-              <a:ext uri="{FF2B5EF4-FFF2-40B4-BE49-F238E27FC236}">
-                <a16:creationId xmlns:a16="http://schemas.microsoft.com/office/drawing/2014/main" id="{CD9C25C0-C28C-43A9-A830-FCBFC8BAA610}"/>
-              </a:ext>
-            </a:extLst>
-          </p:cNvPr>
-          <p:cNvSpPr>
-            <a:spLocks noGrp="1"/>
-          </p:cNvSpPr>
-          <p:nvPr>
-            <p:ph type="ftr" sz="quarter" idx="12"/>
-          </p:nvPr>
-        </p:nvSpPr>
-        <p:spPr>
-          <a:xfrm>
-            <a:off x="8298180" y="6294120"/>
-            <a:ext cx="1462788" cy="182880"/>
-          </a:xfrm>
-        </p:spPr>
-        <p:txBody>
-          <a:bodyPr/>
-          <a:lstStyle/>
-          <a:p>
-            <a:r>
-              <a:rPr lang="en-US" dirty="0">
-                <a:solidFill>
-                  <a:schemeClr val="bg1"/>
-                </a:solidFill>
-              </a:rPr>
-              <a:t>Event studies and SCMs</a:t>
-            </a:r>
-          </a:p>
-        </p:txBody>
-      </p:sp>
-      <p:sp>
-        <p:nvSpPr>
-          <p:cNvPr id="6" name="Slide Number Placeholder 5">
-            <a:extLst>
-              <a:ext uri="{FF2B5EF4-FFF2-40B4-BE49-F238E27FC236}">
-                <a16:creationId xmlns:a16="http://schemas.microsoft.com/office/drawing/2014/main" id="{2ADE5F9E-39DA-49B7-8AA0-FF8E2B15DEEB}"/>
-              </a:ext>
-            </a:extLst>
-          </p:cNvPr>
-          <p:cNvSpPr>
-            <a:spLocks noGrp="1"/>
-          </p:cNvSpPr>
-          <p:nvPr>
-            <p:ph type="sldNum" sz="quarter" idx="13"/>
-          </p:nvPr>
-        </p:nvSpPr>
-        <p:spPr>
-          <a:xfrm>
-            <a:off x="11493500" y="6292334"/>
-            <a:ext cx="412750" cy="182880"/>
-          </a:xfrm>
-        </p:spPr>
-        <p:txBody>
-          <a:bodyPr/>
-          <a:lstStyle/>
-          <a:p>
-            <a:fld id="{7782931A-7D25-4B4B-9464-57AE418934A3}" type="slidenum">
-              <a:rPr lang="en-US" smtClean="0"/>
-              <a:pPr/>
-              <a:t>11</a:t>
-            </a:fld>
-            <a:endParaRPr lang="en-US"/>
-          </a:p>
-        </p:txBody>
-      </p:sp>
-      <p:sp>
-        <p:nvSpPr>
-          <p:cNvPr id="7" name="Date Placeholder 5">
-            <a:extLst>
-              <a:ext uri="{FF2B5EF4-FFF2-40B4-BE49-F238E27FC236}">
-                <a16:creationId xmlns:a16="http://schemas.microsoft.com/office/drawing/2014/main" id="{719FF1EE-6B83-458B-AEC3-A49A6DE3BAFF}"/>
-              </a:ext>
-            </a:extLst>
-          </p:cNvPr>
-          <p:cNvSpPr txBox="1">
-            <a:spLocks/>
-          </p:cNvSpPr>
-          <p:nvPr/>
-        </p:nvSpPr>
-        <p:spPr>
-          <a:xfrm>
-            <a:off x="9830818" y="6292334"/>
-            <a:ext cx="1522982" cy="182880"/>
-          </a:xfrm>
-          <a:prstGeom prst="rect">
-            <a:avLst/>
-          </a:prstGeom>
-        </p:spPr>
-        <p:txBody>
-          <a:bodyPr lIns="0" tIns="0" rIns="0" bIns="0"/>
-          <a:lstStyle>
-            <a:defPPr>
-              <a:defRPr lang="en-US"/>
-            </a:defPPr>
-            <a:lvl1pPr marL="0" algn="l" defTabSz="914400" rtl="0" eaLnBrk="1" latinLnBrk="0" hangingPunct="1">
-              <a:defRPr sz="1800" kern="1200">
-                <a:solidFill>
-                  <a:schemeClr val="tx1"/>
-                </a:solidFill>
-                <a:latin typeface="+mn-lt"/>
-                <a:ea typeface="+mn-ea"/>
-                <a:cs typeface="+mn-cs"/>
-              </a:defRPr>
-            </a:lvl1pPr>
-            <a:lvl2pPr marL="457200" algn="l" defTabSz="914400" rtl="0" eaLnBrk="1" latinLnBrk="0" hangingPunct="1">
-              <a:defRPr sz="1800" kern="1200">
-                <a:solidFill>
-                  <a:schemeClr val="tx1"/>
-                </a:solidFill>
-                <a:latin typeface="+mn-lt"/>
-                <a:ea typeface="+mn-ea"/>
-                <a:cs typeface="+mn-cs"/>
-              </a:defRPr>
-            </a:lvl2pPr>
-            <a:lvl3pPr marL="914400" algn="l" defTabSz="914400" rtl="0" eaLnBrk="1" latinLnBrk="0" hangingPunct="1">
-              <a:defRPr sz="1800" kern="1200">
-                <a:solidFill>
-                  <a:schemeClr val="tx1"/>
-                </a:solidFill>
-                <a:latin typeface="+mn-lt"/>
-                <a:ea typeface="+mn-ea"/>
-                <a:cs typeface="+mn-cs"/>
-              </a:defRPr>
-            </a:lvl3pPr>
-            <a:lvl4pPr marL="1371600" algn="l" defTabSz="914400" rtl="0" eaLnBrk="1" latinLnBrk="0" hangingPunct="1">
-              <a:defRPr sz="1800" kern="1200">
-                <a:solidFill>
-                  <a:schemeClr val="tx1"/>
-                </a:solidFill>
-                <a:latin typeface="+mn-lt"/>
-                <a:ea typeface="+mn-ea"/>
-                <a:cs typeface="+mn-cs"/>
-              </a:defRPr>
-            </a:lvl4pPr>
-            <a:lvl5pPr marL="1828800" algn="l" defTabSz="914400" rtl="0" eaLnBrk="1" latinLnBrk="0" hangingPunct="1">
-              <a:defRPr sz="1800" kern="1200">
-                <a:solidFill>
-                  <a:schemeClr val="tx1"/>
-                </a:solidFill>
-                <a:latin typeface="+mn-lt"/>
-                <a:ea typeface="+mn-ea"/>
-                <a:cs typeface="+mn-cs"/>
-              </a:defRPr>
-            </a:lvl5pPr>
-            <a:lvl6pPr marL="2286000" algn="l" defTabSz="914400" rtl="0" eaLnBrk="1" latinLnBrk="0" hangingPunct="1">
-              <a:defRPr sz="1800" kern="1200">
-                <a:solidFill>
-                  <a:schemeClr val="tx1"/>
-                </a:solidFill>
-                <a:latin typeface="+mn-lt"/>
-                <a:ea typeface="+mn-ea"/>
-                <a:cs typeface="+mn-cs"/>
-              </a:defRPr>
-            </a:lvl6pPr>
-            <a:lvl7pPr marL="2743200" algn="l" defTabSz="914400" rtl="0" eaLnBrk="1" latinLnBrk="0" hangingPunct="1">
-              <a:defRPr sz="1800" kern="1200">
-                <a:solidFill>
-                  <a:schemeClr val="tx1"/>
-                </a:solidFill>
-                <a:latin typeface="+mn-lt"/>
-                <a:ea typeface="+mn-ea"/>
-                <a:cs typeface="+mn-cs"/>
-              </a:defRPr>
-            </a:lvl7pPr>
-            <a:lvl8pPr marL="3200400" algn="l" defTabSz="914400" rtl="0" eaLnBrk="1" latinLnBrk="0" hangingPunct="1">
-              <a:defRPr sz="1800" kern="1200">
-                <a:solidFill>
-                  <a:schemeClr val="tx1"/>
-                </a:solidFill>
-                <a:latin typeface="+mn-lt"/>
-                <a:ea typeface="+mn-ea"/>
-                <a:cs typeface="+mn-cs"/>
-              </a:defRPr>
-            </a:lvl8pPr>
-            <a:lvl9pPr marL="3657600" algn="l" defTabSz="914400" rtl="0" eaLnBrk="1" latinLnBrk="0" hangingPunct="1">
-              <a:defRPr sz="1800" kern="1200">
-                <a:solidFill>
-                  <a:schemeClr val="tx1"/>
-                </a:solidFill>
-                <a:latin typeface="+mn-lt"/>
-                <a:ea typeface="+mn-ea"/>
-                <a:cs typeface="+mn-cs"/>
-              </a:defRPr>
-            </a:lvl9pPr>
-          </a:lstStyle>
-          <a:p>
-            <a:r>
-              <a:rPr lang="en-US" sz="1200" dirty="0">
-                <a:solidFill>
-                  <a:schemeClr val="bg1"/>
-                </a:solidFill>
-              </a:rPr>
-              <a:t>May 13, 2024 </a:t>
-            </a:r>
           </a:p>
         </p:txBody>
       </p:sp>
@@ -7030,36 +6887,144 @@
           </a:prstGeom>
         </p:spPr>
       </p:pic>
-      <p:sp>
-        <p:nvSpPr>
-          <p:cNvPr id="12" name="Content Placeholder 11">
-            <a:extLst>
-              <a:ext uri="{FF2B5EF4-FFF2-40B4-BE49-F238E27FC236}">
-                <a16:creationId xmlns:a16="http://schemas.microsoft.com/office/drawing/2014/main" id="{5BDD28EF-A5C1-4BB7-F0E8-5903BE6F3BD5}"/>
-              </a:ext>
-            </a:extLst>
-          </p:cNvPr>
-          <p:cNvSpPr>
-            <a:spLocks noGrp="1"/>
-          </p:cNvSpPr>
-          <p:nvPr>
-            <p:ph sz="half" idx="1"/>
-          </p:nvPr>
-        </p:nvSpPr>
-        <p:spPr>
-          <a:xfrm>
-            <a:off x="953613" y="4924337"/>
-            <a:ext cx="4876800" cy="1223976"/>
-          </a:xfrm>
-        </p:spPr>
-        <p:txBody>
-          <a:bodyPr/>
-          <a:lstStyle/>
-          <a:p>
-            <a:endParaRPr lang="en-US" dirty="0"/>
-          </a:p>
-        </p:txBody>
-      </p:sp>
+      <mc:AlternateContent xmlns:mc="http://schemas.openxmlformats.org/markup-compatibility/2006" xmlns:a14="http://schemas.microsoft.com/office/drawing/2010/main">
+        <mc:Choice Requires="a14">
+          <p:sp>
+            <p:nvSpPr>
+              <p:cNvPr id="12" name="Content Placeholder 11">
+                <a:extLst>
+                  <a:ext uri="{FF2B5EF4-FFF2-40B4-BE49-F238E27FC236}">
+                    <a16:creationId xmlns:a16="http://schemas.microsoft.com/office/drawing/2014/main" id="{5BDD28EF-A5C1-4BB7-F0E8-5903BE6F3BD5}"/>
+                  </a:ext>
+                </a:extLst>
+              </p:cNvPr>
+              <p:cNvSpPr>
+                <a:spLocks noGrp="1"/>
+              </p:cNvSpPr>
+              <p:nvPr>
+                <p:ph sz="half" idx="1"/>
+              </p:nvPr>
+            </p:nvSpPr>
+            <p:spPr>
+              <a:xfrm>
+                <a:off x="953613" y="4924337"/>
+                <a:ext cx="4876800" cy="1223976"/>
+              </a:xfrm>
+            </p:spPr>
+            <p:txBody>
+              <a:bodyPr/>
+              <a:lstStyle/>
+              <a:p>
+                <a:r>
+                  <a:rPr lang="en-US" sz="1400" dirty="0"/>
+                  <a:t>Ln(GDP per capita) has low </a:t>
+                </a:r>
+                <a14:m>
+                  <m:oMath xmlns:m="http://schemas.openxmlformats.org/officeDocument/2006/math">
+                    <m:sSub>
+                      <m:sSubPr>
+                        <m:ctrlPr>
+                          <a:rPr lang="en-US" sz="1400" b="0" i="1" smtClean="0">
+                            <a:latin typeface="Cambria Math" panose="02040503050406030204" pitchFamily="18" charset="0"/>
+                          </a:rPr>
+                        </m:ctrlPr>
+                      </m:sSubPr>
+                      <m:e>
+                        <m:r>
+                          <a:rPr lang="en-US" sz="1400" b="0" i="1" smtClean="0">
+                            <a:latin typeface="Cambria Math" panose="02040503050406030204" pitchFamily="18" charset="0"/>
+                          </a:rPr>
+                          <m:t>𝑣</m:t>
+                        </m:r>
+                      </m:e>
+                      <m:sub>
+                        <m:r>
+                          <a:rPr lang="en-US" sz="1400" b="0" i="1" smtClean="0">
+                            <a:latin typeface="Cambria Math" panose="02040503050406030204" pitchFamily="18" charset="0"/>
+                          </a:rPr>
+                          <m:t>𝑚</m:t>
+                        </m:r>
+                      </m:sub>
+                    </m:sSub>
+                  </m:oMath>
+                </a14:m>
+                <a:r>
+                  <a:rPr lang="en-US" sz="1400" dirty="0"/>
+                  <a:t> </a:t>
+                </a:r>
+                <a:br>
+                  <a:rPr lang="en-US" sz="1400" dirty="0"/>
+                </a:br>
+                <a:r>
+                  <a:rPr lang="en-US" sz="1400" dirty="0"/>
+                  <a:t>    </a:t>
+                </a:r>
+                <a:r>
+                  <a:rPr lang="en-US" sz="1400" dirty="0">
+                    <a:sym typeface="Wingdings" panose="05000000000000000000" pitchFamily="2" charset="2"/>
+                  </a:rPr>
+                  <a:t> low predictive power </a:t>
+                </a:r>
+                <a:br>
+                  <a:rPr lang="en-US" sz="1400" dirty="0">
+                    <a:sym typeface="Wingdings" panose="05000000000000000000" pitchFamily="2" charset="2"/>
+                  </a:rPr>
+                </a:br>
+                <a:r>
+                  <a:rPr lang="en-US" sz="1400" dirty="0">
+                    <a:sym typeface="Wingdings" panose="05000000000000000000" pitchFamily="2" charset="2"/>
+                  </a:rPr>
+                  <a:t>         discrepancy Real vs Synthetic</a:t>
+                </a:r>
+                <a:endParaRPr lang="en-US" sz="1400" dirty="0"/>
+              </a:p>
+            </p:txBody>
+          </p:sp>
+        </mc:Choice>
+        <mc:Fallback xmlns="">
+          <p:sp>
+            <p:nvSpPr>
+              <p:cNvPr id="12" name="Content Placeholder 11">
+                <a:extLst>
+                  <a:ext uri="{FF2B5EF4-FFF2-40B4-BE49-F238E27FC236}">
+                    <a16:creationId xmlns:a16="http://schemas.microsoft.com/office/drawing/2014/main" id="{5BDD28EF-A5C1-4BB7-F0E8-5903BE6F3BD5}"/>
+                  </a:ext>
+                </a:extLst>
+              </p:cNvPr>
+              <p:cNvSpPr>
+                <a:spLocks noGrp="1" noRot="1" noChangeAspect="1" noMove="1" noResize="1" noEditPoints="1" noAdjustHandles="1" noChangeArrowheads="1" noChangeShapeType="1" noTextEdit="1"/>
+              </p:cNvSpPr>
+              <p:nvPr>
+                <p:ph sz="half" idx="1"/>
+              </p:nvPr>
+            </p:nvSpPr>
+            <p:spPr>
+              <a:xfrm>
+                <a:off x="953613" y="4924337"/>
+                <a:ext cx="4876800" cy="1223976"/>
+              </a:xfrm>
+              <a:blipFill>
+                <a:blip r:embed="rId3"/>
+                <a:stretch>
+                  <a:fillRect l="-2250" t="-4478"/>
+                </a:stretch>
+              </a:blipFill>
+            </p:spPr>
+            <p:txBody>
+              <a:bodyPr/>
+              <a:lstStyle/>
+              <a:p>
+                <a:r>
+                  <a:rPr lang="en-US">
+                    <a:noFill/>
+                  </a:rPr>
+                  <a:t> </a:t>
+                </a:r>
+              </a:p>
+            </p:txBody>
+          </p:sp>
+        </mc:Fallback>
+      </mc:AlternateContent>
       <p:pic>
         <p:nvPicPr>
           <p:cNvPr id="14" name="Picture 13">
@@ -7075,14 +7040,14 @@
           <p:nvPr/>
         </p:nvPicPr>
         <p:blipFill>
-          <a:blip r:embed="rId3"/>
+          <a:blip r:embed="rId4"/>
           <a:stretch>
             <a:fillRect/>
           </a:stretch>
         </p:blipFill>
         <p:spPr>
           <a:xfrm>
-            <a:off x="6361588" y="1807765"/>
+            <a:off x="7099640" y="1325943"/>
             <a:ext cx="3873183" cy="4734560"/>
           </a:xfrm>
           <a:prstGeom prst="rect">
@@ -7090,6 +7055,180 @@
           </a:prstGeom>
         </p:spPr>
       </p:pic>
+      <p:grpSp>
+        <p:nvGrpSpPr>
+          <p:cNvPr id="16" name="Group 15">
+            <a:extLst>
+              <a:ext uri="{FF2B5EF4-FFF2-40B4-BE49-F238E27FC236}">
+                <a16:creationId xmlns:a16="http://schemas.microsoft.com/office/drawing/2014/main" id="{0F9D3836-2334-53CB-0E78-477FB46881A1}"/>
+              </a:ext>
+            </a:extLst>
+          </p:cNvPr>
+          <p:cNvGrpSpPr/>
+          <p:nvPr/>
+        </p:nvGrpSpPr>
+        <p:grpSpPr>
+          <a:xfrm>
+            <a:off x="7978937" y="945257"/>
+            <a:ext cx="950400" cy="1256760"/>
+            <a:chOff x="7978937" y="945257"/>
+            <a:chExt cx="950400" cy="1256760"/>
+          </a:xfrm>
+        </p:grpSpPr>
+        <mc:AlternateContent xmlns:mc="http://schemas.openxmlformats.org/markup-compatibility/2006" xmlns:p14="http://schemas.microsoft.com/office/powerpoint/2010/main">
+          <mc:Choice Requires="p14">
+            <p:contentPart p14:bwMode="auto" r:id="rId5">
+              <p14:nvContentPartPr>
+                <p14:cNvPr id="13" name="Ink 12">
+                  <a:extLst>
+                    <a:ext uri="{FF2B5EF4-FFF2-40B4-BE49-F238E27FC236}">
+                      <a16:creationId xmlns:a16="http://schemas.microsoft.com/office/drawing/2014/main" id="{124644F8-57F5-CBAC-FA3E-E0CF0A5E9990}"/>
+                    </a:ext>
+                  </a:extLst>
+                </p14:cNvPr>
+                <p14:cNvContentPartPr/>
+                <p14:nvPr/>
+              </p14:nvContentPartPr>
+              <p14:xfrm>
+                <a:off x="8671577" y="2028857"/>
+                <a:ext cx="257760" cy="173160"/>
+              </p14:xfrm>
+            </p:contentPart>
+          </mc:Choice>
+          <mc:Fallback xmlns="">
+            <p:pic>
+              <p:nvPicPr>
+                <p:cNvPr id="13" name="Ink 12">
+                  <a:extLst>
+                    <a:ext uri="{FF2B5EF4-FFF2-40B4-BE49-F238E27FC236}">
+                      <a16:creationId xmlns:a16="http://schemas.microsoft.com/office/drawing/2014/main" id="{124644F8-57F5-CBAC-FA3E-E0CF0A5E9990}"/>
+                    </a:ext>
+                  </a:extLst>
+                </p:cNvPr>
+                <p:cNvPicPr/>
+                <p:nvPr/>
+              </p:nvPicPr>
+              <p:blipFill>
+                <a:blip r:embed="rId6"/>
+                <a:stretch>
+                  <a:fillRect/>
+                </a:stretch>
+              </p:blipFill>
+              <p:spPr>
+                <a:xfrm>
+                  <a:off x="8667257" y="2024537"/>
+                  <a:ext cx="266400" cy="181800"/>
+                </a:xfrm>
+                <a:prstGeom prst="rect">
+                  <a:avLst/>
+                </a:prstGeom>
+              </p:spPr>
+            </p:pic>
+          </mc:Fallback>
+        </mc:AlternateContent>
+        <mc:AlternateContent xmlns:mc="http://schemas.openxmlformats.org/markup-compatibility/2006" xmlns:p14="http://schemas.microsoft.com/office/powerpoint/2010/main">
+          <mc:Choice Requires="p14">
+            <p:contentPart p14:bwMode="auto" r:id="rId7">
+              <p14:nvContentPartPr>
+                <p14:cNvPr id="15" name="Ink 14">
+                  <a:extLst>
+                    <a:ext uri="{FF2B5EF4-FFF2-40B4-BE49-F238E27FC236}">
+                      <a16:creationId xmlns:a16="http://schemas.microsoft.com/office/drawing/2014/main" id="{6D1883DE-E1B3-4EFB-926A-3B27687D911B}"/>
+                    </a:ext>
+                  </a:extLst>
+                </p14:cNvPr>
+                <p14:cNvContentPartPr/>
+                <p14:nvPr/>
+              </p14:nvContentPartPr>
+              <p14:xfrm>
+                <a:off x="7978937" y="945257"/>
+                <a:ext cx="766800" cy="1105560"/>
+              </p14:xfrm>
+            </p:contentPart>
+          </mc:Choice>
+          <mc:Fallback xmlns="">
+            <p:pic>
+              <p:nvPicPr>
+                <p:cNvPr id="15" name="Ink 14">
+                  <a:extLst>
+                    <a:ext uri="{FF2B5EF4-FFF2-40B4-BE49-F238E27FC236}">
+                      <a16:creationId xmlns:a16="http://schemas.microsoft.com/office/drawing/2014/main" id="{6D1883DE-E1B3-4EFB-926A-3B27687D911B}"/>
+                    </a:ext>
+                  </a:extLst>
+                </p:cNvPr>
+                <p:cNvPicPr/>
+                <p:nvPr/>
+              </p:nvPicPr>
+              <p:blipFill>
+                <a:blip r:embed="rId8"/>
+                <a:stretch>
+                  <a:fillRect/>
+                </a:stretch>
+              </p:blipFill>
+              <p:spPr>
+                <a:xfrm>
+                  <a:off x="7974617" y="940937"/>
+                  <a:ext cx="775440" cy="1114200"/>
+                </a:xfrm>
+                <a:prstGeom prst="rect">
+                  <a:avLst/>
+                </a:prstGeom>
+              </p:spPr>
+            </p:pic>
+          </mc:Fallback>
+        </mc:AlternateContent>
+      </p:grpSp>
+      <p:sp>
+        <p:nvSpPr>
+          <p:cNvPr id="17" name="TextBox 16">
+            <a:extLst>
+              <a:ext uri="{FF2B5EF4-FFF2-40B4-BE49-F238E27FC236}">
+                <a16:creationId xmlns:a16="http://schemas.microsoft.com/office/drawing/2014/main" id="{3D2DC253-09B9-D200-45C2-174A3C583B58}"/>
+              </a:ext>
+            </a:extLst>
+          </p:cNvPr>
+          <p:cNvSpPr txBox="1"/>
+          <p:nvPr/>
+        </p:nvSpPr>
+        <p:spPr>
+          <a:xfrm>
+            <a:off x="6786156" y="483592"/>
+            <a:ext cx="3592284" cy="461665"/>
+          </a:xfrm>
+          <a:prstGeom prst="rect">
+            <a:avLst/>
+          </a:prstGeom>
+          <a:noFill/>
+        </p:spPr>
+        <p:txBody>
+          <a:bodyPr wrap="square" rtlCol="0">
+            <a:spAutoFit/>
+          </a:bodyPr>
+          <a:lstStyle/>
+          <a:p>
+            <a:pPr algn="just"/>
+            <a:r>
+              <a:rPr lang="en-US" sz="1200" dirty="0">
+                <a:solidFill>
+                  <a:schemeClr val="bg1"/>
+                </a:solidFill>
+              </a:rPr>
+              <a:t>Excluded because passed anti-tobacco legislation</a:t>
+            </a:r>
+          </a:p>
+          <a:p>
+            <a:pPr algn="just"/>
+            <a:r>
+              <a:rPr lang="en-US" sz="1200" dirty="0">
+                <a:solidFill>
+                  <a:schemeClr val="bg1"/>
+                </a:solidFill>
+              </a:rPr>
+              <a:t>(affected by similar treatment)</a:t>
+            </a:r>
+          </a:p>
+        </p:txBody>
+      </p:sp>
     </p:spTree>
     <p:extLst>
       <p:ext uri="{BB962C8B-B14F-4D97-AF65-F5344CB8AC3E}">
@@ -7100,10 +7239,115 @@
   <p:clrMapOvr>
     <a:masterClrMapping/>
   </p:clrMapOvr>
+  <p:timing>
+    <p:tnLst>
+      <p:par>
+        <p:cTn id="1" dur="indefinite" restart="never" nodeType="tmRoot">
+          <p:childTnLst>
+            <p:seq concurrent="1" nextAc="seek">
+              <p:cTn id="2" dur="indefinite" nodeType="mainSeq">
+                <p:childTnLst>
+                  <p:par>
+                    <p:cTn id="3" fill="hold">
+                      <p:stCondLst>
+                        <p:cond delay="indefinite"/>
+                      </p:stCondLst>
+                      <p:childTnLst>
+                        <p:par>
+                          <p:cTn id="4" fill="hold">
+                            <p:stCondLst>
+                              <p:cond delay="0"/>
+                            </p:stCondLst>
+                            <p:childTnLst>
+                              <p:par>
+                                <p:cTn id="5" presetID="1" presetClass="entr" presetSubtype="0" fill="hold" nodeType="clickEffect">
+                                  <p:stCondLst>
+                                    <p:cond delay="0"/>
+                                  </p:stCondLst>
+                                  <p:childTnLst>
+                                    <p:set>
+                                      <p:cBhvr>
+                                        <p:cTn id="6" dur="1" fill="hold">
+                                          <p:stCondLst>
+                                            <p:cond delay="0"/>
+                                          </p:stCondLst>
+                                        </p:cTn>
+                                        <p:tgtEl>
+                                          <p:spTgt spid="16"/>
+                                        </p:tgtEl>
+                                        <p:attrNameLst>
+                                          <p:attrName>style.visibility</p:attrName>
+                                        </p:attrNameLst>
+                                      </p:cBhvr>
+                                      <p:to>
+                                        <p:strVal val="visible"/>
+                                      </p:to>
+                                    </p:set>
+                                  </p:childTnLst>
+                                </p:cTn>
+                              </p:par>
+                              <p:par>
+                                <p:cTn id="7" presetID="1" presetClass="entr" presetSubtype="0" fill="hold" grpId="0" nodeType="withEffect">
+                                  <p:stCondLst>
+                                    <p:cond delay="0"/>
+                                  </p:stCondLst>
+                                  <p:childTnLst>
+                                    <p:set>
+                                      <p:cBhvr>
+                                        <p:cTn id="8" dur="1" fill="hold">
+                                          <p:stCondLst>
+                                            <p:cond delay="0"/>
+                                          </p:stCondLst>
+                                        </p:cTn>
+                                        <p:tgtEl>
+                                          <p:spTgt spid="17"/>
+                                        </p:tgtEl>
+                                        <p:attrNameLst>
+                                          <p:attrName>style.visibility</p:attrName>
+                                        </p:attrNameLst>
+                                      </p:cBhvr>
+                                      <p:to>
+                                        <p:strVal val="visible"/>
+                                      </p:to>
+                                    </p:set>
+                                  </p:childTnLst>
+                                </p:cTn>
+                              </p:par>
+                            </p:childTnLst>
+                          </p:cTn>
+                        </p:par>
+                      </p:childTnLst>
+                    </p:cTn>
+                  </p:par>
+                </p:childTnLst>
+              </p:cTn>
+              <p:prevCondLst>
+                <p:cond evt="onPrev" delay="0">
+                  <p:tgtEl>
+                    <p:sldTgt/>
+                  </p:tgtEl>
+                </p:cond>
+              </p:prevCondLst>
+              <p:nextCondLst>
+                <p:cond evt="onNext" delay="0">
+                  <p:tgtEl>
+                    <p:sldTgt/>
+                  </p:tgtEl>
+                </p:cond>
+              </p:nextCondLst>
+            </p:seq>
+          </p:childTnLst>
+        </p:cTn>
+      </p:par>
+    </p:tnLst>
+    <p:bldLst>
+      <p:bldP spid="17" grpId="0"/>
+    </p:bldLst>
+  </p:timing>
 </p:sld>
 </file>
 
-<file path=ppt/slides/slide12.xml><?xml version="1.0" encoding="utf-8"?>
+<file path=ppt/slides/slide11.xml><?xml version="1.0" encoding="utf-8"?>
 <p:sld xmlns:a="http://schemas.openxmlformats.org/drawingml/2006/main" xmlns:r="http://schemas.openxmlformats.org/officeDocument/2006/relationships" xmlns:p="http://schemas.openxmlformats.org/presentationml/2006/main">
   <p:cSld>
     <p:spTree>
@@ -7222,7 +7466,7 @@
             <a:fld id="{7782931A-7D25-4B4B-9464-57AE418934A3}" type="slidenum">
               <a:rPr lang="en-US" smtClean="0"/>
               <a:pPr/>
-              <a:t>12</a:t>
+              <a:t>11</a:t>
             </a:fld>
             <a:endParaRPr lang="en-US"/>
           </a:p>
@@ -7301,6 +7545,503 @@
 </p:sld>
 </file>
 
+<file path=ppt/slides/slide12.xml><?xml version="1.0" encoding="utf-8"?>
+<p:sld xmlns:a="http://schemas.openxmlformats.org/drawingml/2006/main" xmlns:r="http://schemas.openxmlformats.org/officeDocument/2006/relationships" xmlns:p="http://schemas.openxmlformats.org/presentationml/2006/main">
+  <p:cSld>
+    <p:spTree>
+      <p:nvGrpSpPr>
+        <p:cNvPr id="1" name=""/>
+        <p:cNvGrpSpPr/>
+        <p:nvPr/>
+      </p:nvGrpSpPr>
+      <p:grpSpPr>
+        <a:xfrm>
+          <a:off x="0" y="0"/>
+          <a:ext cx="0" cy="0"/>
+          <a:chOff x="0" y="0"/>
+          <a:chExt cx="0" cy="0"/>
+        </a:xfrm>
+      </p:grpSpPr>
+      <p:sp>
+        <p:nvSpPr>
+          <p:cNvPr id="7" name="Slide Number Placeholder 6">
+            <a:extLst>
+              <a:ext uri="{FF2B5EF4-FFF2-40B4-BE49-F238E27FC236}">
+                <a16:creationId xmlns:a16="http://schemas.microsoft.com/office/drawing/2014/main" id="{4E9C6C52-EA5C-9EED-5D94-5E084A75FCDA}"/>
+              </a:ext>
+            </a:extLst>
+          </p:cNvPr>
+          <p:cNvSpPr>
+            <a:spLocks noGrp="1"/>
+          </p:cNvSpPr>
+          <p:nvPr>
+            <p:ph type="sldNum" sz="quarter" idx="13"/>
+          </p:nvPr>
+        </p:nvSpPr>
+        <p:spPr/>
+        <p:txBody>
+          <a:bodyPr/>
+          <a:lstStyle/>
+          <a:p>
+            <a:fld id="{7782931A-7D25-4B4B-9464-57AE418934A3}" type="slidenum">
+              <a:rPr lang="en-US" smtClean="0"/>
+              <a:pPr/>
+              <a:t>12</a:t>
+            </a:fld>
+            <a:endParaRPr lang="en-US"/>
+          </a:p>
+        </p:txBody>
+      </p:sp>
+      <p:sp>
+        <p:nvSpPr>
+          <p:cNvPr id="2" name="Title 1">
+            <a:extLst>
+              <a:ext uri="{FF2B5EF4-FFF2-40B4-BE49-F238E27FC236}">
+                <a16:creationId xmlns:a16="http://schemas.microsoft.com/office/drawing/2014/main" id="{9CBC8A17-4F7E-1604-D1C3-951029E0CC3A}"/>
+              </a:ext>
+            </a:extLst>
+          </p:cNvPr>
+          <p:cNvSpPr>
+            <a:spLocks noGrp="1"/>
+          </p:cNvSpPr>
+          <p:nvPr>
+            <p:ph type="title"/>
+          </p:nvPr>
+        </p:nvSpPr>
+        <p:spPr/>
+        <p:txBody>
+          <a:bodyPr/>
+          <a:lstStyle/>
+          <a:p>
+            <a:r>
+              <a:rPr lang="en-US" dirty="0"/>
+              <a:t>Assumptions</a:t>
+            </a:r>
+          </a:p>
+        </p:txBody>
+      </p:sp>
+      <p:sp>
+        <p:nvSpPr>
+          <p:cNvPr id="3" name="Content Placeholder 2">
+            <a:extLst>
+              <a:ext uri="{FF2B5EF4-FFF2-40B4-BE49-F238E27FC236}">
+                <a16:creationId xmlns:a16="http://schemas.microsoft.com/office/drawing/2014/main" id="{FCB7E8B2-A2DE-F816-D08E-E5BF254659B7}"/>
+              </a:ext>
+            </a:extLst>
+          </p:cNvPr>
+          <p:cNvSpPr>
+            <a:spLocks noGrp="1"/>
+          </p:cNvSpPr>
+          <p:nvPr>
+            <p:ph sz="half" idx="1"/>
+          </p:nvPr>
+        </p:nvSpPr>
+        <p:spPr>
+          <a:xfrm>
+            <a:off x="1028700" y="2286003"/>
+            <a:ext cx="10047228" cy="3568696"/>
+          </a:xfrm>
+        </p:spPr>
+        <p:txBody>
+          <a:bodyPr/>
+          <a:lstStyle/>
+          <a:p>
+            <a:r>
+              <a:rPr lang="en-US" dirty="0"/>
+              <a:t>1. No spillover onto donor units</a:t>
+            </a:r>
+          </a:p>
+          <a:p>
+            <a:r>
+              <a:rPr lang="en-US" dirty="0"/>
+              <a:t>	Californians buying cigarettes in Nevada</a:t>
+            </a:r>
+            <a:br>
+              <a:rPr lang="en-US" dirty="0"/>
+            </a:br>
+            <a:r>
+              <a:rPr lang="en-US" dirty="0"/>
+              <a:t>	What if Proposition 99 increased beer price in Nevada? Is it a violation?</a:t>
+            </a:r>
+          </a:p>
+          <a:p>
+            <a:endParaRPr lang="en-US" dirty="0"/>
+          </a:p>
+          <a:p>
+            <a:r>
+              <a:rPr lang="en-US" dirty="0"/>
+              <a:t>2.  No anticipation</a:t>
+            </a:r>
+          </a:p>
+          <a:p>
+            <a:r>
+              <a:rPr lang="en-US" dirty="0"/>
+              <a:t>	Californians stockpile cigarettes before the tax</a:t>
+            </a:r>
+          </a:p>
+          <a:p>
+            <a:endParaRPr lang="en-US" dirty="0"/>
+          </a:p>
+          <a:p>
+            <a:r>
+              <a:rPr lang="en-US" dirty="0"/>
+              <a:t>3.  No other treatments (parallel trends)</a:t>
+            </a:r>
+          </a:p>
+          <a:p>
+            <a:r>
+              <a:rPr lang="en-US" dirty="0"/>
+              <a:t>	Smoking suddenly unfashionable in Montana</a:t>
+            </a:r>
+          </a:p>
+          <a:p>
+            <a:endParaRPr lang="en-US" dirty="0"/>
+          </a:p>
+          <a:p>
+            <a:endParaRPr lang="en-US" dirty="0"/>
+          </a:p>
+          <a:p>
+            <a:endParaRPr lang="en-US" dirty="0"/>
+          </a:p>
+        </p:txBody>
+      </p:sp>
+    </p:spTree>
+    <p:extLst>
+      <p:ext uri="{BB962C8B-B14F-4D97-AF65-F5344CB8AC3E}">
+        <p14:creationId xmlns:p14="http://schemas.microsoft.com/office/powerpoint/2010/main" val="3081072116"/>
+      </p:ext>
+    </p:extLst>
+  </p:cSld>
+  <p:clrMapOvr>
+    <a:masterClrMapping/>
+  </p:clrMapOvr>
+  <p:timing>
+    <p:tnLst>
+      <p:par>
+        <p:cTn id="1" dur="indefinite" restart="never" nodeType="tmRoot">
+          <p:childTnLst>
+            <p:seq concurrent="1" nextAc="seek">
+              <p:cTn id="2" dur="indefinite" nodeType="mainSeq">
+                <p:childTnLst>
+                  <p:par>
+                    <p:cTn id="3" fill="hold">
+                      <p:stCondLst>
+                        <p:cond delay="indefinite"/>
+                      </p:stCondLst>
+                      <p:childTnLst>
+                        <p:par>
+                          <p:cTn id="4" fill="hold">
+                            <p:stCondLst>
+                              <p:cond delay="0"/>
+                            </p:stCondLst>
+                            <p:childTnLst>
+                              <p:par>
+                                <p:cTn id="5" presetID="1" presetClass="entr" presetSubtype="0" fill="hold" nodeType="clickEffect">
+                                  <p:stCondLst>
+                                    <p:cond delay="0"/>
+                                  </p:stCondLst>
+                                  <p:childTnLst>
+                                    <p:set>
+                                      <p:cBhvr>
+                                        <p:cTn id="6" dur="1" fill="hold">
+                                          <p:stCondLst>
+                                            <p:cond delay="0"/>
+                                          </p:stCondLst>
+                                        </p:cTn>
+                                        <p:tgtEl>
+                                          <p:spTgt spid="3">
+                                            <p:txEl>
+                                              <p:pRg st="0" end="0"/>
+                                            </p:txEl>
+                                          </p:spTgt>
+                                        </p:tgtEl>
+                                        <p:attrNameLst>
+                                          <p:attrName>style.visibility</p:attrName>
+                                        </p:attrNameLst>
+                                      </p:cBhvr>
+                                      <p:to>
+                                        <p:strVal val="visible"/>
+                                      </p:to>
+                                    </p:set>
+                                  </p:childTnLst>
+                                </p:cTn>
+                              </p:par>
+                            </p:childTnLst>
+                          </p:cTn>
+                        </p:par>
+                      </p:childTnLst>
+                    </p:cTn>
+                  </p:par>
+                  <p:par>
+                    <p:cTn id="7" fill="hold">
+                      <p:stCondLst>
+                        <p:cond delay="indefinite"/>
+                      </p:stCondLst>
+                      <p:childTnLst>
+                        <p:par>
+                          <p:cTn id="8" fill="hold">
+                            <p:stCondLst>
+                              <p:cond delay="0"/>
+                            </p:stCondLst>
+                            <p:childTnLst>
+                              <p:par>
+                                <p:cTn id="9" presetID="1" presetClass="entr" presetSubtype="0" fill="hold" nodeType="clickEffect">
+                                  <p:stCondLst>
+                                    <p:cond delay="0"/>
+                                  </p:stCondLst>
+                                  <p:childTnLst>
+                                    <p:set>
+                                      <p:cBhvr>
+                                        <p:cTn id="10" dur="1" fill="hold">
+                                          <p:stCondLst>
+                                            <p:cond delay="0"/>
+                                          </p:stCondLst>
+                                        </p:cTn>
+                                        <p:tgtEl>
+                                          <p:spTgt spid="3">
+                                            <p:txEl>
+                                              <p:pRg st="1" end="1"/>
+                                            </p:txEl>
+                                          </p:spTgt>
+                                        </p:tgtEl>
+                                        <p:attrNameLst>
+                                          <p:attrName>style.visibility</p:attrName>
+                                        </p:attrNameLst>
+                                      </p:cBhvr>
+                                      <p:to>
+                                        <p:strVal val="visible"/>
+                                      </p:to>
+                                    </p:set>
+                                  </p:childTnLst>
+                                </p:cTn>
+                              </p:par>
+                            </p:childTnLst>
+                          </p:cTn>
+                        </p:par>
+                      </p:childTnLst>
+                    </p:cTn>
+                  </p:par>
+                  <p:par>
+                    <p:cTn id="11" fill="hold">
+                      <p:stCondLst>
+                        <p:cond delay="indefinite"/>
+                      </p:stCondLst>
+                      <p:childTnLst>
+                        <p:par>
+                          <p:cTn id="12" fill="hold">
+                            <p:stCondLst>
+                              <p:cond delay="0"/>
+                            </p:stCondLst>
+                            <p:childTnLst>
+                              <p:par>
+                                <p:cTn id="13" presetID="1" presetClass="entr" presetSubtype="0" fill="hold" nodeType="clickEffect">
+                                  <p:stCondLst>
+                                    <p:cond delay="0"/>
+                                  </p:stCondLst>
+                                  <p:childTnLst>
+                                    <p:set>
+                                      <p:cBhvr>
+                                        <p:cTn id="14" dur="1" fill="hold">
+                                          <p:stCondLst>
+                                            <p:cond delay="0"/>
+                                          </p:stCondLst>
+                                        </p:cTn>
+                                        <p:tgtEl>
+                                          <p:spTgt spid="3">
+                                            <p:txEl>
+                                              <p:pRg st="3" end="3"/>
+                                            </p:txEl>
+                                          </p:spTgt>
+                                        </p:tgtEl>
+                                        <p:attrNameLst>
+                                          <p:attrName>style.visibility</p:attrName>
+                                        </p:attrNameLst>
+                                      </p:cBhvr>
+                                      <p:to>
+                                        <p:strVal val="visible"/>
+                                      </p:to>
+                                    </p:set>
+                                  </p:childTnLst>
+                                </p:cTn>
+                              </p:par>
+                            </p:childTnLst>
+                          </p:cTn>
+                        </p:par>
+                      </p:childTnLst>
+                    </p:cTn>
+                  </p:par>
+                  <p:par>
+                    <p:cTn id="15" fill="hold">
+                      <p:stCondLst>
+                        <p:cond delay="indefinite"/>
+                      </p:stCondLst>
+                      <p:childTnLst>
+                        <p:par>
+                          <p:cTn id="16" fill="hold">
+                            <p:stCondLst>
+                              <p:cond delay="0"/>
+                            </p:stCondLst>
+                            <p:childTnLst>
+                              <p:par>
+                                <p:cTn id="17" presetID="1" presetClass="entr" presetSubtype="0" fill="hold" nodeType="clickEffect">
+                                  <p:stCondLst>
+                                    <p:cond delay="0"/>
+                                  </p:stCondLst>
+                                  <p:childTnLst>
+                                    <p:set>
+                                      <p:cBhvr>
+                                        <p:cTn id="18" dur="1" fill="hold">
+                                          <p:stCondLst>
+                                            <p:cond delay="0"/>
+                                          </p:stCondLst>
+                                        </p:cTn>
+                                        <p:tgtEl>
+                                          <p:spTgt spid="3">
+                                            <p:txEl>
+                                              <p:pRg st="4" end="4"/>
+                                            </p:txEl>
+                                          </p:spTgt>
+                                        </p:tgtEl>
+                                        <p:attrNameLst>
+                                          <p:attrName>style.visibility</p:attrName>
+                                        </p:attrNameLst>
+                                      </p:cBhvr>
+                                      <p:to>
+                                        <p:strVal val="visible"/>
+                                      </p:to>
+                                    </p:set>
+                                  </p:childTnLst>
+                                </p:cTn>
+                              </p:par>
+                            </p:childTnLst>
+                          </p:cTn>
+                        </p:par>
+                      </p:childTnLst>
+                    </p:cTn>
+                  </p:par>
+                  <p:par>
+                    <p:cTn id="19" fill="hold">
+                      <p:stCondLst>
+                        <p:cond delay="indefinite"/>
+                      </p:stCondLst>
+                      <p:childTnLst>
+                        <p:par>
+                          <p:cTn id="20" fill="hold">
+                            <p:stCondLst>
+                              <p:cond delay="0"/>
+                            </p:stCondLst>
+                            <p:childTnLst>
+                              <p:par>
+                                <p:cTn id="21" presetID="1" presetClass="entr" presetSubtype="0" fill="hold" nodeType="clickEffect">
+                                  <p:stCondLst>
+                                    <p:cond delay="0"/>
+                                  </p:stCondLst>
+                                  <p:childTnLst>
+                                    <p:set>
+                                      <p:cBhvr>
+                                        <p:cTn id="22" dur="1" fill="hold">
+                                          <p:stCondLst>
+                                            <p:cond delay="0"/>
+                                          </p:stCondLst>
+                                        </p:cTn>
+                                        <p:tgtEl>
+                                          <p:spTgt spid="3">
+                                            <p:txEl>
+                                              <p:pRg st="6" end="6"/>
+                                            </p:txEl>
+                                          </p:spTgt>
+                                        </p:tgtEl>
+                                        <p:attrNameLst>
+                                          <p:attrName>style.visibility</p:attrName>
+                                        </p:attrNameLst>
+                                      </p:cBhvr>
+                                      <p:to>
+                                        <p:strVal val="visible"/>
+                                      </p:to>
+                                    </p:set>
+                                  </p:childTnLst>
+                                </p:cTn>
+                              </p:par>
+                            </p:childTnLst>
+                          </p:cTn>
+                        </p:par>
+                      </p:childTnLst>
+                    </p:cTn>
+                  </p:par>
+                  <p:par>
+                    <p:cTn id="23" fill="hold">
+                      <p:stCondLst>
+                        <p:cond delay="indefinite"/>
+                      </p:stCondLst>
+                      <p:childTnLst>
+                        <p:par>
+                          <p:cTn id="24" fill="hold">
+                            <p:stCondLst>
+                              <p:cond delay="0"/>
+                            </p:stCondLst>
+                            <p:childTnLst>
+                              <p:par>
+                                <p:cTn id="25" presetID="1" presetClass="entr" presetSubtype="0" fill="hold" nodeType="clickEffect">
+                                  <p:stCondLst>
+                                    <p:cond delay="0"/>
+                                  </p:stCondLst>
+                                  <p:childTnLst>
+                                    <p:set>
+                                      <p:cBhvr>
+                                        <p:cTn id="26" dur="1" fill="hold">
+                                          <p:stCondLst>
+                                            <p:cond delay="0"/>
+                                          </p:stCondLst>
+                                        </p:cTn>
+                                        <p:tgtEl>
+                                          <p:spTgt spid="3">
+                                            <p:txEl>
+                                              <p:pRg st="7" end="7"/>
+                                            </p:txEl>
+                                          </p:spTgt>
+                                        </p:tgtEl>
+                                        <p:attrNameLst>
+                                          <p:attrName>style.visibility</p:attrName>
+                                        </p:attrNameLst>
+                                      </p:cBhvr>
+                                      <p:to>
+                                        <p:strVal val="visible"/>
+                                      </p:to>
+                                    </p:set>
+                                  </p:childTnLst>
+                                </p:cTn>
+                              </p:par>
+                            </p:childTnLst>
+                          </p:cTn>
+                        </p:par>
+                      </p:childTnLst>
+                    </p:cTn>
+                  </p:par>
+                </p:childTnLst>
+              </p:cTn>
+              <p:prevCondLst>
+                <p:cond evt="onPrev" delay="0">
+                  <p:tgtEl>
+                    <p:sldTgt/>
+                  </p:tgtEl>
+                </p:cond>
+              </p:prevCondLst>
+              <p:nextCondLst>
+                <p:cond evt="onNext" delay="0">
+                  <p:tgtEl>
+                    <p:sldTgt/>
+                  </p:tgtEl>
+                </p:cond>
+              </p:nextCondLst>
+            </p:seq>
+          </p:childTnLst>
+        </p:cTn>
+      </p:par>
+    </p:tnLst>
+  </p:timing>
+</p:sld>
+</file>
+
 <file path=ppt/slides/slide13.xml><?xml version="1.0" encoding="utf-8"?>
 <p:sld xmlns:a="http://schemas.openxmlformats.org/drawingml/2006/main" xmlns:r="http://schemas.openxmlformats.org/officeDocument/2006/relationships" xmlns:p="http://schemas.openxmlformats.org/presentationml/2006/main">
   <p:cSld>
@@ -7373,6 +8114,9 @@
             </a:r>
           </a:p>
           <a:p>
+            <a:endParaRPr lang="en-US" dirty="0"/>
+          </a:p>
+          <a:p>
             <a:r>
               <a:rPr lang="en-US" dirty="0"/>
               <a:t>Placebo studies. </a:t>
@@ -7480,7 +8224,7 @@
         </p:blipFill>
         <p:spPr>
           <a:xfrm>
-            <a:off x="7409515" y="0"/>
+            <a:off x="7409515" y="94952"/>
             <a:ext cx="3200400" cy="3098799"/>
           </a:xfrm>
           <a:prstGeom prst="rect">
@@ -7498,6 +8242,108 @@
   <p:clrMapOvr>
     <a:masterClrMapping/>
   </p:clrMapOvr>
+  <p:timing>
+    <p:tnLst>
+      <p:par>
+        <p:cTn id="1" dur="indefinite" restart="never" nodeType="tmRoot">
+          <p:childTnLst>
+            <p:seq concurrent="1" nextAc="seek">
+              <p:cTn id="2" dur="indefinite" nodeType="mainSeq">
+                <p:childTnLst>
+                  <p:par>
+                    <p:cTn id="3" fill="hold">
+                      <p:stCondLst>
+                        <p:cond delay="indefinite"/>
+                      </p:stCondLst>
+                      <p:childTnLst>
+                        <p:par>
+                          <p:cTn id="4" fill="hold">
+                            <p:stCondLst>
+                              <p:cond delay="0"/>
+                            </p:stCondLst>
+                            <p:childTnLst>
+                              <p:par>
+                                <p:cTn id="5" presetID="1" presetClass="entr" presetSubtype="0" fill="hold" nodeType="clickEffect">
+                                  <p:stCondLst>
+                                    <p:cond delay="0"/>
+                                  </p:stCondLst>
+                                  <p:childTnLst>
+                                    <p:set>
+                                      <p:cBhvr>
+                                        <p:cTn id="6" dur="1" fill="hold">
+                                          <p:stCondLst>
+                                            <p:cond delay="0"/>
+                                          </p:stCondLst>
+                                        </p:cTn>
+                                        <p:tgtEl>
+                                          <p:spTgt spid="11"/>
+                                        </p:tgtEl>
+                                        <p:attrNameLst>
+                                          <p:attrName>style.visibility</p:attrName>
+                                        </p:attrNameLst>
+                                      </p:cBhvr>
+                                      <p:to>
+                                        <p:strVal val="visible"/>
+                                      </p:to>
+                                    </p:set>
+                                  </p:childTnLst>
+                                </p:cTn>
+                              </p:par>
+                              <p:par>
+                                <p:cTn id="7" presetID="1" presetClass="entr" presetSubtype="0" fill="hold" nodeType="withEffect">
+                                  <p:stCondLst>
+                                    <p:cond delay="0"/>
+                                  </p:stCondLst>
+                                  <p:childTnLst>
+                                    <p:set>
+                                      <p:cBhvr>
+                                        <p:cTn id="8" dur="1" fill="hold">
+                                          <p:stCondLst>
+                                            <p:cond delay="0"/>
+                                          </p:stCondLst>
+                                        </p:cTn>
+                                        <p:tgtEl>
+                                          <p:spTgt spid="13"/>
+                                        </p:tgtEl>
+                                        <p:attrNameLst>
+                                          <p:attrName>style.visibility</p:attrName>
+                                        </p:attrNameLst>
+                                      </p:cBhvr>
+                                      <p:to>
+                                        <p:strVal val="visible"/>
+                                      </p:to>
+                                    </p:set>
+                                  </p:childTnLst>
+                                </p:cTn>
+                              </p:par>
+                            </p:childTnLst>
+                          </p:cTn>
+                        </p:par>
+                      </p:childTnLst>
+                    </p:cTn>
+                  </p:par>
+                </p:childTnLst>
+              </p:cTn>
+              <p:prevCondLst>
+                <p:cond evt="onPrev" delay="0">
+                  <p:tgtEl>
+                    <p:sldTgt/>
+                  </p:tgtEl>
+                </p:cond>
+              </p:prevCondLst>
+              <p:nextCondLst>
+                <p:cond evt="onNext" delay="0">
+                  <p:tgtEl>
+                    <p:sldTgt/>
+                  </p:tgtEl>
+                </p:cond>
+              </p:nextCondLst>
+            </p:seq>
+          </p:childTnLst>
+        </p:cTn>
+      </p:par>
+    </p:tnLst>
+  </p:timing>
 </p:sld>
 </file>
 
@@ -7574,50 +8420,66 @@
             <p:ph sz="half" idx="1"/>
           </p:nvPr>
         </p:nvSpPr>
-        <p:spPr/>
+        <p:spPr>
+          <a:xfrm>
+            <a:off x="1035231" y="2286003"/>
+            <a:ext cx="4876800" cy="3568696"/>
+          </a:xfrm>
+        </p:spPr>
         <p:txBody>
           <a:bodyPr/>
           <a:lstStyle/>
           <a:p>
-            <a:pPr marL="342900" indent="-342900">
-              <a:buFont typeface="+mj-lt"/>
-              <a:buAutoNum type="arabicPeriod"/>
-            </a:pPr>
             <a:r>
               <a:rPr lang="en-US" dirty="0"/>
               <a:t>A regression-based estimator can also be expressed as weighted average of comparison units with weights summing to 1.</a:t>
+            </a:r>
+          </a:p>
+          <a:p>
+            <a:endParaRPr lang="en-US" dirty="0"/>
+          </a:p>
+          <a:p>
+            <a:r>
+              <a:rPr lang="en-US" dirty="0"/>
+              <a:t>But regression weights are not restricted to be between 0 and 1 </a:t>
             </a:r>
             <a:br>
               <a:rPr lang="en-US" dirty="0"/>
             </a:br>
-            <a:br>
-              <a:rPr lang="en-US" dirty="0"/>
-            </a:br>
-            <a:r>
-              <a:rPr lang="en-US" dirty="0"/>
-              <a:t>But! Regression weights are not restricted to be between 0 and 1 </a:t>
-            </a:r>
-          </a:p>
-          <a:p>
-            <a:pPr lvl="1"/>
             <a:r>
               <a:rPr lang="en-US" sz="1800" dirty="0">
                 <a:sym typeface="Wingdings" panose="05000000000000000000" pitchFamily="2" charset="2"/>
               </a:rPr>
-              <a:t> Extrapolation, overfitting to idiosyncrasies </a:t>
-            </a:r>
-          </a:p>
-          <a:p>
-            <a:pPr marL="342900" indent="-342900">
-              <a:buFont typeface="+mj-lt"/>
-              <a:buAutoNum type="arabicPeriod"/>
-            </a:pPr>
+              <a:t> Extrapolation, </a:t>
+            </a:r>
+            <a:r>
+              <a:rPr lang="en-US" b="1" dirty="0">
+                <a:sym typeface="Wingdings" panose="05000000000000000000" pitchFamily="2" charset="2"/>
+              </a:rPr>
+              <a:t>overfitting</a:t>
+            </a:r>
             <a:r>
               <a:rPr lang="en-US" dirty="0">
                 <a:sym typeface="Wingdings" panose="05000000000000000000" pitchFamily="2" charset="2"/>
               </a:rPr>
-              <a:t>SCM weights are explicit, regression weights are not.</a:t>
-            </a:r>
+              <a:t> to idiosyncrasies.</a:t>
+            </a:r>
+          </a:p>
+          <a:p>
+            <a:r>
+              <a:rPr lang="en-US" dirty="0">
+                <a:sym typeface="Wingdings" panose="05000000000000000000" pitchFamily="2" charset="2"/>
+              </a:rPr>
+              <a:t>Even if X1 cannot be approximated, regression weights extrapolate to produce a perfect fit. </a:t>
+            </a:r>
+            <a:endParaRPr lang="en-US" sz="1800" dirty="0">
+              <a:sym typeface="Wingdings" panose="05000000000000000000" pitchFamily="2" charset="2"/>
+            </a:endParaRPr>
+          </a:p>
+          <a:p>
+            <a:endParaRPr lang="en-US" dirty="0">
+              <a:sym typeface="Wingdings" panose="05000000000000000000" pitchFamily="2" charset="2"/>
+            </a:endParaRPr>
           </a:p>
         </p:txBody>
       </p:sp>
@@ -7715,7 +8577,7 @@
         </p:blipFill>
         <p:spPr>
           <a:xfrm>
-            <a:off x="8473024" y="4821594"/>
+            <a:off x="7924384" y="4913034"/>
             <a:ext cx="2540131" cy="1562180"/>
           </a:xfrm>
           <a:prstGeom prst="rect">
@@ -7723,6 +8585,81 @@
           </a:prstGeom>
         </p:spPr>
       </p:pic>
+      <p:pic>
+        <p:nvPicPr>
+          <p:cNvPr id="5" name="Picture 4" descr="Two astronauts in space with an object pointing at the earth&#10;&#10;Description automatically generated">
+            <a:extLst>
+              <a:ext uri="{FF2B5EF4-FFF2-40B4-BE49-F238E27FC236}">
+                <a16:creationId xmlns:a16="http://schemas.microsoft.com/office/drawing/2014/main" id="{47CD70BA-D12E-E0C1-6E08-3E2CEE36D0E9}"/>
+              </a:ext>
+            </a:extLst>
+          </p:cNvPr>
+          <p:cNvPicPr>
+            <a:picLocks noChangeAspect="1"/>
+          </p:cNvPicPr>
+          <p:nvPr/>
+        </p:nvPicPr>
+        <p:blipFill>
+          <a:blip r:embed="rId4">
+            <a:extLst>
+              <a:ext uri="{28A0092B-C50C-407E-A947-70E740481C1C}">
+                <a14:useLocalDpi xmlns:a14="http://schemas.microsoft.com/office/drawing/2010/main" val="0"/>
+              </a:ext>
+            </a:extLst>
+          </a:blip>
+          <a:stretch>
+            <a:fillRect/>
+          </a:stretch>
+        </p:blipFill>
+        <p:spPr>
+          <a:xfrm>
+            <a:off x="6719278" y="1797269"/>
+            <a:ext cx="4904040" cy="2669977"/>
+          </a:xfrm>
+          <a:prstGeom prst="rect">
+            <a:avLst/>
+          </a:prstGeom>
+        </p:spPr>
+      </p:pic>
+      <p:sp>
+        <p:nvSpPr>
+          <p:cNvPr id="6" name="TextBox 5">
+            <a:extLst>
+              <a:ext uri="{FF2B5EF4-FFF2-40B4-BE49-F238E27FC236}">
+                <a16:creationId xmlns:a16="http://schemas.microsoft.com/office/drawing/2014/main" id="{C218CE8A-55D3-99BA-E25F-2FDDCC57DC19}"/>
+              </a:ext>
+            </a:extLst>
+          </p:cNvPr>
+          <p:cNvSpPr txBox="1"/>
+          <p:nvPr/>
+        </p:nvSpPr>
+        <p:spPr>
+          <a:xfrm>
+            <a:off x="6719278" y="4539343"/>
+            <a:ext cx="4828287" cy="215444"/>
+          </a:xfrm>
+          <a:prstGeom prst="rect">
+            <a:avLst/>
+          </a:prstGeom>
+          <a:noFill/>
+        </p:spPr>
+        <p:txBody>
+          <a:bodyPr wrap="square" rtlCol="0">
+            <a:spAutoFit/>
+          </a:bodyPr>
+          <a:lstStyle/>
+          <a:p>
+            <a:r>
+              <a:rPr lang="en-US" sz="800" dirty="0">
+                <a:solidFill>
+                  <a:schemeClr val="bg1"/>
+                </a:solidFill>
+              </a:rPr>
+              <a:t>Source: https://matheusfacure.github.io/python-causality-handbook/15-Synthetic-Control.html</a:t>
+            </a:r>
+          </a:p>
+        </p:txBody>
+      </p:sp>
     </p:spTree>
     <p:extLst>
       <p:ext uri="{BB962C8B-B14F-4D97-AF65-F5344CB8AC3E}">
@@ -7733,6 +8670,170 @@
   <p:clrMapOvr>
     <a:masterClrMapping/>
   </p:clrMapOvr>
+  <p:timing>
+    <p:tnLst>
+      <p:par>
+        <p:cTn id="1" dur="indefinite" restart="never" nodeType="tmRoot">
+          <p:childTnLst>
+            <p:seq concurrent="1" nextAc="seek">
+              <p:cTn id="2" dur="indefinite" nodeType="mainSeq">
+                <p:childTnLst>
+                  <p:par>
+                    <p:cTn id="3" fill="hold">
+                      <p:stCondLst>
+                        <p:cond delay="indefinite"/>
+                      </p:stCondLst>
+                      <p:childTnLst>
+                        <p:par>
+                          <p:cTn id="4" fill="hold">
+                            <p:stCondLst>
+                              <p:cond delay="0"/>
+                            </p:stCondLst>
+                            <p:childTnLst>
+                              <p:par>
+                                <p:cTn id="5" presetID="1" presetClass="entr" presetSubtype="0" fill="hold" nodeType="clickEffect">
+                                  <p:stCondLst>
+                                    <p:cond delay="0"/>
+                                  </p:stCondLst>
+                                  <p:childTnLst>
+                                    <p:set>
+                                      <p:cBhvr>
+                                        <p:cTn id="6" dur="1" fill="hold">
+                                          <p:stCondLst>
+                                            <p:cond delay="0"/>
+                                          </p:stCondLst>
+                                        </p:cTn>
+                                        <p:tgtEl>
+                                          <p:spTgt spid="3">
+                                            <p:txEl>
+                                              <p:pRg st="2" end="2"/>
+                                            </p:txEl>
+                                          </p:spTgt>
+                                        </p:tgtEl>
+                                        <p:attrNameLst>
+                                          <p:attrName>style.visibility</p:attrName>
+                                        </p:attrNameLst>
+                                      </p:cBhvr>
+                                      <p:to>
+                                        <p:strVal val="visible"/>
+                                      </p:to>
+                                    </p:set>
+                                  </p:childTnLst>
+                                </p:cTn>
+                              </p:par>
+                              <p:par>
+                                <p:cTn id="7" presetID="1" presetClass="entr" presetSubtype="0" fill="hold" nodeType="withEffect">
+                                  <p:stCondLst>
+                                    <p:cond delay="0"/>
+                                  </p:stCondLst>
+                                  <p:childTnLst>
+                                    <p:set>
+                                      <p:cBhvr>
+                                        <p:cTn id="8" dur="1" fill="hold">
+                                          <p:stCondLst>
+                                            <p:cond delay="0"/>
+                                          </p:stCondLst>
+                                        </p:cTn>
+                                        <p:tgtEl>
+                                          <p:spTgt spid="3">
+                                            <p:txEl>
+                                              <p:pRg st="3" end="3"/>
+                                            </p:txEl>
+                                          </p:spTgt>
+                                        </p:tgtEl>
+                                        <p:attrNameLst>
+                                          <p:attrName>style.visibility</p:attrName>
+                                        </p:attrNameLst>
+                                      </p:cBhvr>
+                                      <p:to>
+                                        <p:strVal val="visible"/>
+                                      </p:to>
+                                    </p:set>
+                                  </p:childTnLst>
+                                </p:cTn>
+                              </p:par>
+                              <p:par>
+                                <p:cTn id="9" presetID="1" presetClass="exit" presetSubtype="0" fill="hold" nodeType="withEffect">
+                                  <p:stCondLst>
+                                    <p:cond delay="0"/>
+                                  </p:stCondLst>
+                                  <p:childTnLst>
+                                    <p:set>
+                                      <p:cBhvr>
+                                        <p:cTn id="10" dur="1" fill="hold">
+                                          <p:stCondLst>
+                                            <p:cond delay="0"/>
+                                          </p:stCondLst>
+                                        </p:cTn>
+                                        <p:tgtEl>
+                                          <p:spTgt spid="5"/>
+                                        </p:tgtEl>
+                                        <p:attrNameLst>
+                                          <p:attrName>style.visibility</p:attrName>
+                                        </p:attrNameLst>
+                                      </p:cBhvr>
+                                      <p:to>
+                                        <p:strVal val="hidden"/>
+                                      </p:to>
+                                    </p:set>
+                                  </p:childTnLst>
+                                </p:cTn>
+                              </p:par>
+                              <p:par>
+                                <p:cTn id="11" presetID="1" presetClass="entr" presetSubtype="0" fill="hold" nodeType="withEffect">
+                                  <p:stCondLst>
+                                    <p:cond delay="0"/>
+                                  </p:stCondLst>
+                                  <p:childTnLst>
+                                    <p:set>
+                                      <p:cBhvr>
+                                        <p:cTn id="12" dur="1" fill="hold">
+                                          <p:stCondLst>
+                                            <p:cond delay="0"/>
+                                          </p:stCondLst>
+                                        </p:cTn>
+                                        <p:tgtEl>
+                                          <p:spTgt spid="10"/>
+                                        </p:tgtEl>
+                                        <p:attrNameLst>
+                                          <p:attrName>style.visibility</p:attrName>
+                                        </p:attrNameLst>
+                                      </p:cBhvr>
+                                      <p:to>
+                                        <p:strVal val="visible"/>
+                                      </p:to>
+                                    </p:set>
+                                  </p:childTnLst>
+                                </p:cTn>
+                              </p:par>
+                            </p:childTnLst>
+                          </p:cTn>
+                        </p:par>
+                      </p:childTnLst>
+                    </p:cTn>
+                  </p:par>
+                </p:childTnLst>
+              </p:cTn>
+              <p:prevCondLst>
+                <p:cond evt="onPrev" delay="0">
+                  <p:tgtEl>
+                    <p:sldTgt/>
+                  </p:tgtEl>
+                </p:cond>
+              </p:prevCondLst>
+              <p:nextCondLst>
+                <p:cond evt="onNext" delay="0">
+                  <p:tgtEl>
+                    <p:sldTgt/>
+                  </p:tgtEl>
+                </p:cond>
+              </p:nextCondLst>
+            </p:seq>
+          </p:childTnLst>
+        </p:cTn>
+      </p:par>
+    </p:tnLst>
+  </p:timing>
 </p:sld>
 </file>
 
@@ -7755,78 +8856,10 @@
       </p:grpSpPr>
       <p:sp>
         <p:nvSpPr>
-          <p:cNvPr id="2" name="Text Placeholder 1">
-            <a:extLst>
-              <a:ext uri="{FF2B5EF4-FFF2-40B4-BE49-F238E27FC236}">
-                <a16:creationId xmlns:a16="http://schemas.microsoft.com/office/drawing/2014/main" id="{6DD4F6D2-F139-335E-5C5E-03CE80F1D7A7}"/>
-              </a:ext>
-            </a:extLst>
-          </p:cNvPr>
-          <p:cNvSpPr>
-            <a:spLocks noGrp="1"/>
-          </p:cNvSpPr>
-          <p:nvPr>
-            <p:ph type="body" sz="quarter" idx="10"/>
-          </p:nvPr>
-        </p:nvSpPr>
-        <p:spPr>
-          <a:xfrm>
-            <a:off x="1028700" y="2304344"/>
-            <a:ext cx="9264592" cy="2989263"/>
-          </a:xfrm>
-        </p:spPr>
-        <p:txBody>
-          <a:bodyPr/>
-          <a:lstStyle/>
-          <a:p>
-            <a:pPr algn="ctr"/>
-            <a:endParaRPr lang="en-US" dirty="0"/>
-          </a:p>
-          <a:p>
-            <a:pPr algn="ctr"/>
-            <a:r>
-              <a:rPr lang="en-US" dirty="0"/>
-              <a:t>What if a good pre-treatment matching isn’t feasible?</a:t>
-            </a:r>
-          </a:p>
-        </p:txBody>
-      </p:sp>
-      <p:sp>
-        <p:nvSpPr>
-          <p:cNvPr id="3" name="Title 2">
-            <a:extLst>
-              <a:ext uri="{FF2B5EF4-FFF2-40B4-BE49-F238E27FC236}">
-                <a16:creationId xmlns:a16="http://schemas.microsoft.com/office/drawing/2014/main" id="{14D41613-54B4-02D6-BFFB-05B4764DD523}"/>
-              </a:ext>
-            </a:extLst>
-          </p:cNvPr>
-          <p:cNvSpPr>
-            <a:spLocks noGrp="1"/>
-          </p:cNvSpPr>
-          <p:nvPr>
-            <p:ph type="title"/>
-          </p:nvPr>
-        </p:nvSpPr>
-        <p:spPr/>
-        <p:txBody>
-          <a:bodyPr/>
-          <a:lstStyle/>
-          <a:p>
-            <a:pPr algn="ctr"/>
-            <a:r>
-              <a:rPr lang="en-US" sz="9600" dirty="0"/>
-              <a:t>?</a:t>
-            </a:r>
-            <a:endParaRPr lang="en-US" sz="6000" dirty="0"/>
-          </a:p>
-        </p:txBody>
-      </p:sp>
-      <p:sp>
-        <p:nvSpPr>
-          <p:cNvPr id="6" name="Slide Number Placeholder 5">
-            <a:extLst>
-              <a:ext uri="{FF2B5EF4-FFF2-40B4-BE49-F238E27FC236}">
-                <a16:creationId xmlns:a16="http://schemas.microsoft.com/office/drawing/2014/main" id="{85BD8466-E949-AB20-84AB-39BC919F10DC}"/>
+          <p:cNvPr id="7" name="Slide Number Placeholder 6">
+            <a:extLst>
+              <a:ext uri="{FF2B5EF4-FFF2-40B4-BE49-F238E27FC236}">
+                <a16:creationId xmlns:a16="http://schemas.microsoft.com/office/drawing/2014/main" id="{EA6D0A80-34A3-4030-496F-B42052FD0AAB}"/>
               </a:ext>
             </a:extLst>
           </p:cNvPr>
@@ -7851,10 +8884,78 @@
           </a:p>
         </p:txBody>
       </p:sp>
+      <p:pic>
+        <p:nvPicPr>
+          <p:cNvPr id="14" name="Content Placeholder 13" descr="A chart of graphs and text&#10;&#10;Description automatically generated with medium confidence">
+            <a:extLst>
+              <a:ext uri="{FF2B5EF4-FFF2-40B4-BE49-F238E27FC236}">
+                <a16:creationId xmlns:a16="http://schemas.microsoft.com/office/drawing/2014/main" id="{BDE4931E-3B58-6AA6-A4DB-52366DFEB8A8}"/>
+              </a:ext>
+            </a:extLst>
+          </p:cNvPr>
+          <p:cNvPicPr>
+            <a:picLocks noGrp="1" noChangeAspect="1"/>
+          </p:cNvPicPr>
+          <p:nvPr>
+            <p:ph sz="half" idx="1"/>
+          </p:nvPr>
+        </p:nvPicPr>
+        <p:blipFill>
+          <a:blip r:embed="rId2">
+            <a:extLst>
+              <a:ext uri="{28A0092B-C50C-407E-A947-70E740481C1C}">
+                <a14:useLocalDpi xmlns:a14="http://schemas.microsoft.com/office/drawing/2010/main" val="0"/>
+              </a:ext>
+            </a:extLst>
+          </a:blip>
+          <a:stretch>
+            <a:fillRect/>
+          </a:stretch>
+        </p:blipFill>
+        <p:spPr>
+          <a:xfrm>
+            <a:off x="6813072" y="615256"/>
+            <a:ext cx="3545774" cy="5627487"/>
+          </a:xfrm>
+        </p:spPr>
+      </p:pic>
+      <p:sp>
+        <p:nvSpPr>
+          <p:cNvPr id="12" name="Title 11">
+            <a:extLst>
+              <a:ext uri="{FF2B5EF4-FFF2-40B4-BE49-F238E27FC236}">
+                <a16:creationId xmlns:a16="http://schemas.microsoft.com/office/drawing/2014/main" id="{257AAB19-C230-BF9C-D668-83293D251A44}"/>
+              </a:ext>
+            </a:extLst>
+          </p:cNvPr>
+          <p:cNvSpPr>
+            <a:spLocks noGrp="1"/>
+          </p:cNvSpPr>
+          <p:nvPr>
+            <p:ph type="title"/>
+          </p:nvPr>
+        </p:nvSpPr>
+        <p:spPr/>
+        <p:txBody>
+          <a:bodyPr/>
+          <a:lstStyle/>
+          <a:p>
+            <a:r>
+              <a:rPr lang="en-US" sz="2800" dirty="0">
+                <a:solidFill>
+                  <a:schemeClr val="bg1"/>
+                </a:solidFill>
+              </a:rPr>
+              <a:t>Which one is probably overfitting?</a:t>
+            </a:r>
+            <a:endParaRPr lang="en-US" sz="2800" dirty="0"/>
+          </a:p>
+        </p:txBody>
+      </p:sp>
     </p:spTree>
     <p:extLst>
       <p:ext uri="{BB962C8B-B14F-4D97-AF65-F5344CB8AC3E}">
-        <p14:creationId xmlns:p14="http://schemas.microsoft.com/office/powerpoint/2010/main" val="2213292738"/>
+        <p14:creationId xmlns:p14="http://schemas.microsoft.com/office/powerpoint/2010/main" val="3416337427"/>
       </p:ext>
     </p:extLst>
   </p:cSld>
@@ -7883,27 +8984,40 @@
       </p:grpSpPr>
       <p:sp>
         <p:nvSpPr>
-          <p:cNvPr id="2" name="Content Placeholder 1">
-            <a:extLst>
-              <a:ext uri="{FF2B5EF4-FFF2-40B4-BE49-F238E27FC236}">
-                <a16:creationId xmlns:a16="http://schemas.microsoft.com/office/drawing/2014/main" id="{31CFDA95-B0CA-3F84-75E0-40EE1C57AA71}"/>
-              </a:ext>
-            </a:extLst>
-          </p:cNvPr>
-          <p:cNvSpPr>
-            <a:spLocks noGrp="1"/>
-          </p:cNvSpPr>
-          <p:nvPr>
-            <p:ph sz="quarter" idx="11"/>
-          </p:nvPr>
-        </p:nvSpPr>
-        <p:spPr/>
+          <p:cNvPr id="2" name="Text Placeholder 1">
+            <a:extLst>
+              <a:ext uri="{FF2B5EF4-FFF2-40B4-BE49-F238E27FC236}">
+                <a16:creationId xmlns:a16="http://schemas.microsoft.com/office/drawing/2014/main" id="{6DD4F6D2-F139-335E-5C5E-03CE80F1D7A7}"/>
+              </a:ext>
+            </a:extLst>
+          </p:cNvPr>
+          <p:cNvSpPr>
+            <a:spLocks noGrp="1"/>
+          </p:cNvSpPr>
+          <p:nvPr>
+            <p:ph type="body" sz="quarter" idx="10"/>
+          </p:nvPr>
+        </p:nvSpPr>
+        <p:spPr>
+          <a:xfrm>
+            <a:off x="1028700" y="2304344"/>
+            <a:ext cx="9264592" cy="2989263"/>
+          </a:xfrm>
+        </p:spPr>
         <p:txBody>
           <a:bodyPr/>
           <a:lstStyle/>
           <a:p>
+            <a:pPr algn="ctr"/>
             <a:endParaRPr lang="en-US" dirty="0"/>
           </a:p>
+          <a:p>
+            <a:pPr algn="ctr"/>
+            <a:r>
+              <a:rPr lang="en-US" dirty="0"/>
+              <a:t>What if a good pre-treatment matching isn’t feasible?</a:t>
+            </a:r>
+          </a:p>
         </p:txBody>
       </p:sp>
       <p:sp>
@@ -7911,7 +9025,7 @@
           <p:cNvPr id="3" name="Title 2">
             <a:extLst>
               <a:ext uri="{FF2B5EF4-FFF2-40B4-BE49-F238E27FC236}">
-                <a16:creationId xmlns:a16="http://schemas.microsoft.com/office/drawing/2014/main" id="{28D97F89-3105-4E3A-91BA-DBF9F459C3BF}"/>
+                <a16:creationId xmlns:a16="http://schemas.microsoft.com/office/drawing/2014/main" id="{14D41613-54B4-02D6-BFFB-05B4764DD523}"/>
               </a:ext>
             </a:extLst>
           </p:cNvPr>
@@ -7927,17 +9041,49 @@
           <a:bodyPr/>
           <a:lstStyle/>
           <a:p>
-            <a:r>
-              <a:rPr lang="en-US" dirty="0"/>
-              <a:t>Augmented synthetic control method</a:t>
-            </a:r>
+            <a:pPr algn="ctr"/>
+            <a:r>
+              <a:rPr lang="en-US" sz="9600" dirty="0"/>
+              <a:t>?</a:t>
+            </a:r>
+            <a:endParaRPr lang="en-US" sz="6000" dirty="0"/>
+          </a:p>
+        </p:txBody>
+      </p:sp>
+      <p:sp>
+        <p:nvSpPr>
+          <p:cNvPr id="6" name="Slide Number Placeholder 5">
+            <a:extLst>
+              <a:ext uri="{FF2B5EF4-FFF2-40B4-BE49-F238E27FC236}">
+                <a16:creationId xmlns:a16="http://schemas.microsoft.com/office/drawing/2014/main" id="{85BD8466-E949-AB20-84AB-39BC919F10DC}"/>
+              </a:ext>
+            </a:extLst>
+          </p:cNvPr>
+          <p:cNvSpPr>
+            <a:spLocks noGrp="1"/>
+          </p:cNvSpPr>
+          <p:nvPr>
+            <p:ph type="sldNum" sz="quarter" idx="13"/>
+          </p:nvPr>
+        </p:nvSpPr>
+        <p:spPr/>
+        <p:txBody>
+          <a:bodyPr/>
+          <a:lstStyle/>
+          <a:p>
+            <a:fld id="{7782931A-7D25-4B4B-9464-57AE418934A3}" type="slidenum">
+              <a:rPr lang="en-US" smtClean="0"/>
+              <a:pPr/>
+              <a:t>16</a:t>
+            </a:fld>
+            <a:endParaRPr lang="en-US"/>
           </a:p>
         </p:txBody>
       </p:sp>
     </p:spTree>
     <p:extLst>
       <p:ext uri="{BB962C8B-B14F-4D97-AF65-F5344CB8AC3E}">
-        <p14:creationId xmlns:p14="http://schemas.microsoft.com/office/powerpoint/2010/main" val="3834817702"/>
+        <p14:creationId xmlns:p14="http://schemas.microsoft.com/office/powerpoint/2010/main" val="2213292738"/>
       </p:ext>
     </p:extLst>
   </p:cSld>
@@ -7966,18 +9112,18 @@
       </p:grpSpPr>
       <p:sp>
         <p:nvSpPr>
-          <p:cNvPr id="2" name="Title 1">
-            <a:extLst>
-              <a:ext uri="{FF2B5EF4-FFF2-40B4-BE49-F238E27FC236}">
-                <a16:creationId xmlns:a16="http://schemas.microsoft.com/office/drawing/2014/main" id="{FC0DBE4E-2275-0264-3E57-6498C13DAB6D}"/>
-              </a:ext>
-            </a:extLst>
-          </p:cNvPr>
-          <p:cNvSpPr>
-            <a:spLocks noGrp="1"/>
-          </p:cNvSpPr>
-          <p:nvPr>
-            <p:ph type="title"/>
+          <p:cNvPr id="2" name="Content Placeholder 1">
+            <a:extLst>
+              <a:ext uri="{FF2B5EF4-FFF2-40B4-BE49-F238E27FC236}">
+                <a16:creationId xmlns:a16="http://schemas.microsoft.com/office/drawing/2014/main" id="{31CFDA95-B0CA-3F84-75E0-40EE1C57AA71}"/>
+              </a:ext>
+            </a:extLst>
+          </p:cNvPr>
+          <p:cNvSpPr>
+            <a:spLocks noGrp="1"/>
+          </p:cNvSpPr>
+          <p:nvPr>
+            <p:ph sz="quarter" idx="11"/>
           </p:nvPr>
         </p:nvSpPr>
         <p:spPr/>
@@ -7987,102 +9133,43 @@
           <a:p>
             <a:r>
               <a:rPr lang="en-US" dirty="0"/>
-              <a:t>ASCM</a:t>
-            </a:r>
-          </a:p>
-        </p:txBody>
-      </p:sp>
-      <p:sp>
-        <p:nvSpPr>
-          <p:cNvPr id="3" name="Content Placeholder 2">
-            <a:extLst>
-              <a:ext uri="{FF2B5EF4-FFF2-40B4-BE49-F238E27FC236}">
-                <a16:creationId xmlns:a16="http://schemas.microsoft.com/office/drawing/2014/main" id="{E3ECD971-2D3E-BFF2-DB41-85057DCA5825}"/>
-              </a:ext>
-            </a:extLst>
-          </p:cNvPr>
-          <p:cNvSpPr>
-            <a:spLocks noGrp="1"/>
-          </p:cNvSpPr>
-          <p:nvPr>
-            <p:ph sz="half" idx="1"/>
-          </p:nvPr>
-        </p:nvSpPr>
-        <p:spPr>
-          <a:xfrm>
-            <a:off x="1028700" y="2290236"/>
-            <a:ext cx="10338383" cy="3568696"/>
-          </a:xfrm>
-        </p:spPr>
+              <a:t>Ben-Michael et al. (2021)</a:t>
+            </a:r>
+          </a:p>
+        </p:txBody>
+      </p:sp>
+      <p:sp>
+        <p:nvSpPr>
+          <p:cNvPr id="3" name="Title 2">
+            <a:extLst>
+              <a:ext uri="{FF2B5EF4-FFF2-40B4-BE49-F238E27FC236}">
+                <a16:creationId xmlns:a16="http://schemas.microsoft.com/office/drawing/2014/main" id="{28D97F89-3105-4E3A-91BA-DBF9F459C3BF}"/>
+              </a:ext>
+            </a:extLst>
+          </p:cNvPr>
+          <p:cNvSpPr>
+            <a:spLocks noGrp="1"/>
+          </p:cNvSpPr>
+          <p:nvPr>
+            <p:ph type="title"/>
+          </p:nvPr>
+        </p:nvSpPr>
+        <p:spPr/>
         <p:txBody>
           <a:bodyPr/>
           <a:lstStyle/>
           <a:p>
             <a:r>
               <a:rPr lang="en-US" dirty="0"/>
-              <a:t>Hybrid between SCM and a regression:</a:t>
-            </a:r>
-          </a:p>
-          <a:p>
-            <a:endParaRPr lang="en-US" dirty="0"/>
-          </a:p>
-          <a:p>
-            <a:r>
-              <a:rPr lang="en-US" dirty="0"/>
-              <a:t>Differently from SCM, ASCM admits negative weights (i.e. extrapolation) to improve pre-treatment fit but parametrizes (= controls) the level of extrapolation by penalizing the distance from SCM weights.</a:t>
-            </a:r>
-          </a:p>
-          <a:p>
-            <a:r>
-              <a:rPr lang="en-US" dirty="0"/>
-              <a:t>Trades-off bias (due to poor pre-treatment fit) and variance (overfitting in pre-treatment and poor prediction post-treatment)</a:t>
-            </a:r>
-          </a:p>
-          <a:p>
-            <a:endParaRPr lang="en-US" dirty="0"/>
-          </a:p>
-          <a:p>
-            <a:endParaRPr lang="en-US" dirty="0"/>
-          </a:p>
-          <a:p>
-            <a:endParaRPr lang="en-US" dirty="0"/>
-          </a:p>
-        </p:txBody>
-      </p:sp>
-      <p:sp>
-        <p:nvSpPr>
-          <p:cNvPr id="7" name="Slide Number Placeholder 6">
-            <a:extLst>
-              <a:ext uri="{FF2B5EF4-FFF2-40B4-BE49-F238E27FC236}">
-                <a16:creationId xmlns:a16="http://schemas.microsoft.com/office/drawing/2014/main" id="{BF1B5142-40BB-4387-3A09-0FFCB0287571}"/>
-              </a:ext>
-            </a:extLst>
-          </p:cNvPr>
-          <p:cNvSpPr>
-            <a:spLocks noGrp="1"/>
-          </p:cNvSpPr>
-          <p:nvPr>
-            <p:ph type="sldNum" sz="quarter" idx="13"/>
-          </p:nvPr>
-        </p:nvSpPr>
-        <p:spPr/>
-        <p:txBody>
-          <a:bodyPr/>
-          <a:lstStyle/>
-          <a:p>
-            <a:fld id="{7782931A-7D25-4B4B-9464-57AE418934A3}" type="slidenum">
-              <a:rPr lang="en-US" smtClean="0"/>
-              <a:pPr/>
-              <a:t>17</a:t>
-            </a:fld>
-            <a:endParaRPr lang="en-US"/>
+              <a:t>Augmented synthetic control method</a:t>
+            </a:r>
           </a:p>
         </p:txBody>
       </p:sp>
     </p:spTree>
     <p:extLst>
       <p:ext uri="{BB962C8B-B14F-4D97-AF65-F5344CB8AC3E}">
-        <p14:creationId xmlns:p14="http://schemas.microsoft.com/office/powerpoint/2010/main" val="2218179920"/>
+        <p14:creationId xmlns:p14="http://schemas.microsoft.com/office/powerpoint/2010/main" val="3834817702"/>
       </p:ext>
     </p:extLst>
   </p:cSld>
@@ -8111,18 +9198,18 @@
       </p:grpSpPr>
       <p:sp>
         <p:nvSpPr>
-          <p:cNvPr id="2" name="Content Placeholder 1">
-            <a:extLst>
-              <a:ext uri="{FF2B5EF4-FFF2-40B4-BE49-F238E27FC236}">
-                <a16:creationId xmlns:a16="http://schemas.microsoft.com/office/drawing/2014/main" id="{44DF9898-25C8-AA03-8591-D88255DF61AD}"/>
-              </a:ext>
-            </a:extLst>
-          </p:cNvPr>
-          <p:cNvSpPr>
-            <a:spLocks noGrp="1"/>
-          </p:cNvSpPr>
-          <p:nvPr>
-            <p:ph sz="quarter" idx="11"/>
+          <p:cNvPr id="2" name="Title 1">
+            <a:extLst>
+              <a:ext uri="{FF2B5EF4-FFF2-40B4-BE49-F238E27FC236}">
+                <a16:creationId xmlns:a16="http://schemas.microsoft.com/office/drawing/2014/main" id="{FC0DBE4E-2275-0264-3E57-6498C13DAB6D}"/>
+              </a:ext>
+            </a:extLst>
+          </p:cNvPr>
+          <p:cNvSpPr>
+            <a:spLocks noGrp="1"/>
+          </p:cNvSpPr>
+          <p:nvPr>
+            <p:ph type="title"/>
           </p:nvPr>
         </p:nvSpPr>
         <p:spPr/>
@@ -8130,42 +9217,145 @@
           <a:bodyPr/>
           <a:lstStyle/>
           <a:p>
-            <a:endParaRPr lang="en-US"/>
-          </a:p>
-        </p:txBody>
-      </p:sp>
-      <p:sp>
-        <p:nvSpPr>
-          <p:cNvPr id="3" name="Title 2">
-            <a:extLst>
-              <a:ext uri="{FF2B5EF4-FFF2-40B4-BE49-F238E27FC236}">
-                <a16:creationId xmlns:a16="http://schemas.microsoft.com/office/drawing/2014/main" id="{74D6D350-4255-98E9-87CA-A2CA71FC1E4D}"/>
-              </a:ext>
-            </a:extLst>
-          </p:cNvPr>
-          <p:cNvSpPr>
-            <a:spLocks noGrp="1"/>
-          </p:cNvSpPr>
-          <p:nvPr>
-            <p:ph type="title"/>
-          </p:nvPr>
-        </p:nvSpPr>
-        <p:spPr/>
+            <a:r>
+              <a:rPr lang="en-US" dirty="0"/>
+              <a:t>ASCM</a:t>
+            </a:r>
+          </a:p>
+        </p:txBody>
+      </p:sp>
+      <p:sp>
+        <p:nvSpPr>
+          <p:cNvPr id="3" name="Content Placeholder 2">
+            <a:extLst>
+              <a:ext uri="{FF2B5EF4-FFF2-40B4-BE49-F238E27FC236}">
+                <a16:creationId xmlns:a16="http://schemas.microsoft.com/office/drawing/2014/main" id="{E3ECD971-2D3E-BFF2-DB41-85057DCA5825}"/>
+              </a:ext>
+            </a:extLst>
+          </p:cNvPr>
+          <p:cNvSpPr>
+            <a:spLocks noGrp="1"/>
+          </p:cNvSpPr>
+          <p:nvPr>
+            <p:ph sz="half" idx="1"/>
+          </p:nvPr>
+        </p:nvSpPr>
+        <p:spPr>
+          <a:xfrm>
+            <a:off x="1028700" y="2290236"/>
+            <a:ext cx="10338383" cy="3568696"/>
+          </a:xfrm>
+        </p:spPr>
         <p:txBody>
           <a:bodyPr/>
           <a:lstStyle/>
           <a:p>
             <a:r>
               <a:rPr lang="en-US" dirty="0"/>
-              <a:t>Synthetic Difference-in-Differences</a:t>
-            </a:r>
+              <a:t>Hybrid between SCM and a regression:</a:t>
+            </a:r>
+          </a:p>
+          <a:p>
+            <a:endParaRPr lang="en-US" dirty="0"/>
+          </a:p>
+          <a:p>
+            <a:r>
+              <a:rPr lang="en-US" dirty="0"/>
+              <a:t>Differently from SCM, ASCM </a:t>
+            </a:r>
+            <a:r>
+              <a:rPr lang="en-US" b="1" dirty="0"/>
+              <a:t>admits negative weights </a:t>
+            </a:r>
+            <a:r>
+              <a:rPr lang="en-US" dirty="0"/>
+              <a:t>(i.e. extrapolation) to improve pre-treatment fit but parametrizes (= controls) the level of extrapolation by penalizing the distance from SCM weights.</a:t>
+            </a:r>
+          </a:p>
+          <a:p>
+            <a:r>
+              <a:rPr lang="en-US" b="1" dirty="0"/>
+              <a:t>Controlled trade-off </a:t>
+            </a:r>
+            <a:r>
+              <a:rPr lang="en-US" dirty="0"/>
+              <a:t>between</a:t>
+            </a:r>
+          </a:p>
+          <a:p>
+            <a:r>
+              <a:rPr lang="en-US" dirty="0"/>
+              <a:t>	</a:t>
+            </a:r>
+            <a:r>
+              <a:rPr lang="en-US" b="1" dirty="0"/>
+              <a:t>bias</a:t>
+            </a:r>
+            <a:r>
+              <a:rPr lang="en-US" dirty="0"/>
+              <a:t> (due to poor pre-treatment fit) and </a:t>
+            </a:r>
+            <a:br>
+              <a:rPr lang="en-US" dirty="0"/>
+            </a:br>
+            <a:r>
+              <a:rPr lang="en-US" dirty="0"/>
+              <a:t>	</a:t>
+            </a:r>
+            <a:r>
+              <a:rPr lang="en-US" b="1" dirty="0"/>
+              <a:t>variance</a:t>
+            </a:r>
+            <a:r>
+              <a:rPr lang="en-US" dirty="0"/>
+              <a:t> (overfitting in pre-treatment and poor prediction post-treatment)</a:t>
+            </a:r>
+          </a:p>
+          <a:p>
+            <a:endParaRPr lang="en-US" dirty="0"/>
+          </a:p>
+          <a:p>
+            <a:endParaRPr lang="en-US" dirty="0"/>
+          </a:p>
+          <a:p>
+            <a:endParaRPr lang="en-US" dirty="0"/>
+          </a:p>
+        </p:txBody>
+      </p:sp>
+      <p:sp>
+        <p:nvSpPr>
+          <p:cNvPr id="7" name="Slide Number Placeholder 6">
+            <a:extLst>
+              <a:ext uri="{FF2B5EF4-FFF2-40B4-BE49-F238E27FC236}">
+                <a16:creationId xmlns:a16="http://schemas.microsoft.com/office/drawing/2014/main" id="{BF1B5142-40BB-4387-3A09-0FFCB0287571}"/>
+              </a:ext>
+            </a:extLst>
+          </p:cNvPr>
+          <p:cNvSpPr>
+            <a:spLocks noGrp="1"/>
+          </p:cNvSpPr>
+          <p:nvPr>
+            <p:ph type="sldNum" sz="quarter" idx="13"/>
+          </p:nvPr>
+        </p:nvSpPr>
+        <p:spPr/>
+        <p:txBody>
+          <a:bodyPr/>
+          <a:lstStyle/>
+          <a:p>
+            <a:fld id="{7782931A-7D25-4B4B-9464-57AE418934A3}" type="slidenum">
+              <a:rPr lang="en-US" smtClean="0"/>
+              <a:pPr/>
+              <a:t>18</a:t>
+            </a:fld>
+            <a:endParaRPr lang="en-US"/>
           </a:p>
         </p:txBody>
       </p:sp>
     </p:spTree>
     <p:extLst>
       <p:ext uri="{BB962C8B-B14F-4D97-AF65-F5344CB8AC3E}">
-        <p14:creationId xmlns:p14="http://schemas.microsoft.com/office/powerpoint/2010/main" val="588913305"/>
+        <p14:creationId xmlns:p14="http://schemas.microsoft.com/office/powerpoint/2010/main" val="2218179920"/>
       </p:ext>
     </p:extLst>
   </p:cSld>
@@ -8192,20 +9382,55 @@
           <a:chExt cx="0" cy="0"/>
         </a:xfrm>
       </p:grpSpPr>
-      <p:sp>
-        <p:nvSpPr>
-          <p:cNvPr id="2" name="Content Placeholder 1">
-            <a:extLst>
-              <a:ext uri="{FF2B5EF4-FFF2-40B4-BE49-F238E27FC236}">
-                <a16:creationId xmlns:a16="http://schemas.microsoft.com/office/drawing/2014/main" id="{A4DFB8BB-3971-0D52-5A66-9473ECB987D4}"/>
-              </a:ext>
-            </a:extLst>
-          </p:cNvPr>
-          <p:cNvSpPr>
-            <a:spLocks noGrp="1"/>
-          </p:cNvSpPr>
+      <p:pic>
+        <p:nvPicPr>
+          <p:cNvPr id="5" name="Content Placeholder 4" descr="A collage of a person holding a pill&#10;&#10;Description automatically generated">
+            <a:extLst>
+              <a:ext uri="{FF2B5EF4-FFF2-40B4-BE49-F238E27FC236}">
+                <a16:creationId xmlns:a16="http://schemas.microsoft.com/office/drawing/2014/main" id="{8388987E-D471-60EF-1D92-ABFE0674239B}"/>
+              </a:ext>
+            </a:extLst>
+          </p:cNvPr>
+          <p:cNvPicPr>
+            <a:picLocks noGrp="1" noChangeAspect="1"/>
+          </p:cNvPicPr>
           <p:nvPr>
             <p:ph sz="quarter" idx="11"/>
+          </p:nvPr>
+        </p:nvPicPr>
+        <p:blipFill>
+          <a:blip r:embed="rId2">
+            <a:extLst>
+              <a:ext uri="{28A0092B-C50C-407E-A947-70E740481C1C}">
+                <a14:useLocalDpi xmlns:a14="http://schemas.microsoft.com/office/drawing/2010/main" val="0"/>
+              </a:ext>
+            </a:extLst>
+          </a:blip>
+          <a:stretch>
+            <a:fillRect/>
+          </a:stretch>
+        </p:blipFill>
+        <p:spPr>
+          <a:xfrm>
+            <a:off x="6632509" y="785323"/>
+            <a:ext cx="3370890" cy="4505123"/>
+          </a:xfrm>
+        </p:spPr>
+      </p:pic>
+      <p:sp>
+        <p:nvSpPr>
+          <p:cNvPr id="3" name="Title 2">
+            <a:extLst>
+              <a:ext uri="{FF2B5EF4-FFF2-40B4-BE49-F238E27FC236}">
+                <a16:creationId xmlns:a16="http://schemas.microsoft.com/office/drawing/2014/main" id="{74D6D350-4255-98E9-87CA-A2CA71FC1E4D}"/>
+              </a:ext>
+            </a:extLst>
+          </p:cNvPr>
+          <p:cNvSpPr>
+            <a:spLocks noGrp="1"/>
+          </p:cNvSpPr>
+          <p:nvPr>
+            <p:ph type="title"/>
           </p:nvPr>
         </p:nvSpPr>
         <p:spPr/>
@@ -8214,41 +9439,222 @@
           <a:lstStyle/>
           <a:p>
             <a:r>
+              <a:rPr lang="en-US" dirty="0"/>
+              <a:t>Synthetic Difference-in-Differences</a:t>
+            </a:r>
+          </a:p>
+        </p:txBody>
+      </p:sp>
+      <p:sp>
+        <p:nvSpPr>
+          <p:cNvPr id="6" name="Content Placeholder 1">
+            <a:extLst>
+              <a:ext uri="{FF2B5EF4-FFF2-40B4-BE49-F238E27FC236}">
+                <a16:creationId xmlns:a16="http://schemas.microsoft.com/office/drawing/2014/main" id="{53F002EA-978C-6762-D782-605A24E65B6C}"/>
+              </a:ext>
+            </a:extLst>
+          </p:cNvPr>
+          <p:cNvSpPr txBox="1">
+            <a:spLocks/>
+          </p:cNvSpPr>
+          <p:nvPr/>
+        </p:nvSpPr>
+        <p:spPr>
+          <a:xfrm>
+            <a:off x="1033153" y="4728131"/>
+            <a:ext cx="7806047" cy="281164"/>
+          </a:xfrm>
+          <a:prstGeom prst="rect">
+            <a:avLst/>
+          </a:prstGeom>
+        </p:spPr>
+        <p:txBody>
+          <a:bodyPr lIns="0" tIns="0" rIns="0" bIns="0"/>
+          <a:lstStyle>
+            <a:lvl1pPr marL="0" indent="0" algn="l" defTabSz="914400" rtl="0" eaLnBrk="1" latinLnBrk="0" hangingPunct="1">
+              <a:lnSpc>
+                <a:spcPct val="90000"/>
+              </a:lnSpc>
+              <a:spcBef>
+                <a:spcPts val="1000"/>
+              </a:spcBef>
+              <a:buFont typeface="Arial" panose="020B0604020202020204" pitchFamily="34" charset="0"/>
+              <a:buNone/>
+              <a:defRPr sz="1600" kern="1200">
+                <a:solidFill>
+                  <a:schemeClr val="bg1"/>
+                </a:solidFill>
+                <a:latin typeface="+mn-lt"/>
+                <a:ea typeface="+mn-ea"/>
+                <a:cs typeface="+mn-cs"/>
+              </a:defRPr>
+            </a:lvl1pPr>
+            <a:lvl2pPr marL="685800" indent="-228600" algn="l" defTabSz="914400" rtl="0" eaLnBrk="1" latinLnBrk="0" hangingPunct="1">
+              <a:lnSpc>
+                <a:spcPct val="90000"/>
+              </a:lnSpc>
+              <a:spcBef>
+                <a:spcPts val="500"/>
+              </a:spcBef>
+              <a:buFont typeface="Arial" panose="020B0604020202020204" pitchFamily="34" charset="0"/>
+              <a:buChar char="•"/>
+              <a:defRPr sz="2400" kern="1200">
+                <a:solidFill>
+                  <a:schemeClr val="bg1"/>
+                </a:solidFill>
+                <a:latin typeface="+mn-lt"/>
+                <a:ea typeface="+mn-ea"/>
+                <a:cs typeface="+mn-cs"/>
+              </a:defRPr>
+            </a:lvl2pPr>
+            <a:lvl3pPr marL="1143000" indent="-228600" algn="l" defTabSz="914400" rtl="0" eaLnBrk="1" latinLnBrk="0" hangingPunct="1">
+              <a:lnSpc>
+                <a:spcPct val="90000"/>
+              </a:lnSpc>
+              <a:spcBef>
+                <a:spcPts val="500"/>
+              </a:spcBef>
+              <a:buFont typeface="Arial" panose="020B0604020202020204" pitchFamily="34" charset="0"/>
+              <a:buChar char="•"/>
+              <a:defRPr sz="2000" kern="1200">
+                <a:solidFill>
+                  <a:schemeClr val="bg1"/>
+                </a:solidFill>
+                <a:latin typeface="+mn-lt"/>
+                <a:ea typeface="+mn-ea"/>
+                <a:cs typeface="+mn-cs"/>
+              </a:defRPr>
+            </a:lvl3pPr>
+            <a:lvl4pPr marL="1600200" indent="-228600" algn="l" defTabSz="914400" rtl="0" eaLnBrk="1" latinLnBrk="0" hangingPunct="1">
+              <a:lnSpc>
+                <a:spcPct val="90000"/>
+              </a:lnSpc>
+              <a:spcBef>
+                <a:spcPts val="500"/>
+              </a:spcBef>
+              <a:buFont typeface="Arial" panose="020B0604020202020204" pitchFamily="34" charset="0"/>
+              <a:buChar char="•"/>
+              <a:defRPr sz="1800" kern="1200">
+                <a:solidFill>
+                  <a:schemeClr val="bg1"/>
+                </a:solidFill>
+                <a:latin typeface="+mn-lt"/>
+                <a:ea typeface="+mn-ea"/>
+                <a:cs typeface="+mn-cs"/>
+              </a:defRPr>
+            </a:lvl4pPr>
+            <a:lvl5pPr marL="2057400" indent="-228600" algn="l" defTabSz="914400" rtl="0" eaLnBrk="1" latinLnBrk="0" hangingPunct="1">
+              <a:lnSpc>
+                <a:spcPct val="90000"/>
+              </a:lnSpc>
+              <a:spcBef>
+                <a:spcPts val="500"/>
+              </a:spcBef>
+              <a:buFont typeface="Arial" panose="020B0604020202020204" pitchFamily="34" charset="0"/>
+              <a:buChar char="•"/>
+              <a:defRPr sz="1800" kern="1200">
+                <a:solidFill>
+                  <a:schemeClr val="bg1"/>
+                </a:solidFill>
+                <a:latin typeface="+mn-lt"/>
+                <a:ea typeface="+mn-ea"/>
+                <a:cs typeface="+mn-cs"/>
+              </a:defRPr>
+            </a:lvl5pPr>
+            <a:lvl6pPr marL="2514600" indent="-228600" algn="l" defTabSz="914400" rtl="0" eaLnBrk="1" latinLnBrk="0" hangingPunct="1">
+              <a:lnSpc>
+                <a:spcPct val="90000"/>
+              </a:lnSpc>
+              <a:spcBef>
+                <a:spcPts val="500"/>
+              </a:spcBef>
+              <a:buFont typeface="Arial" panose="020B0604020202020204" pitchFamily="34" charset="0"/>
+              <a:buChar char="•"/>
+              <a:defRPr sz="1800" kern="1200">
+                <a:solidFill>
+                  <a:schemeClr val="tx1"/>
+                </a:solidFill>
+                <a:latin typeface="+mn-lt"/>
+                <a:ea typeface="+mn-ea"/>
+                <a:cs typeface="+mn-cs"/>
+              </a:defRPr>
+            </a:lvl6pPr>
+            <a:lvl7pPr marL="2971800" indent="-228600" algn="l" defTabSz="914400" rtl="0" eaLnBrk="1" latinLnBrk="0" hangingPunct="1">
+              <a:lnSpc>
+                <a:spcPct val="90000"/>
+              </a:lnSpc>
+              <a:spcBef>
+                <a:spcPts val="500"/>
+              </a:spcBef>
+              <a:buFont typeface="Arial" panose="020B0604020202020204" pitchFamily="34" charset="0"/>
+              <a:buChar char="•"/>
+              <a:defRPr sz="1800" kern="1200">
+                <a:solidFill>
+                  <a:schemeClr val="tx1"/>
+                </a:solidFill>
+                <a:latin typeface="+mn-lt"/>
+                <a:ea typeface="+mn-ea"/>
+                <a:cs typeface="+mn-cs"/>
+              </a:defRPr>
+            </a:lvl7pPr>
+            <a:lvl8pPr marL="3429000" indent="-228600" algn="l" defTabSz="914400" rtl="0" eaLnBrk="1" latinLnBrk="0" hangingPunct="1">
+              <a:lnSpc>
+                <a:spcPct val="90000"/>
+              </a:lnSpc>
+              <a:spcBef>
+                <a:spcPts val="500"/>
+              </a:spcBef>
+              <a:buFont typeface="Arial" panose="020B0604020202020204" pitchFamily="34" charset="0"/>
+              <a:buChar char="•"/>
+              <a:defRPr sz="1800" kern="1200">
+                <a:solidFill>
+                  <a:schemeClr val="tx1"/>
+                </a:solidFill>
+                <a:latin typeface="+mn-lt"/>
+                <a:ea typeface="+mn-ea"/>
+                <a:cs typeface="+mn-cs"/>
+              </a:defRPr>
+            </a:lvl8pPr>
+            <a:lvl9pPr marL="3886200" indent="-228600" algn="l" defTabSz="914400" rtl="0" eaLnBrk="1" latinLnBrk="0" hangingPunct="1">
+              <a:lnSpc>
+                <a:spcPct val="90000"/>
+              </a:lnSpc>
+              <a:spcBef>
+                <a:spcPts val="500"/>
+              </a:spcBef>
+              <a:buFont typeface="Arial" panose="020B0604020202020204" pitchFamily="34" charset="0"/>
+              <a:buChar char="•"/>
+              <a:defRPr sz="1800" kern="1200">
+                <a:solidFill>
+                  <a:schemeClr val="tx1"/>
+                </a:solidFill>
+                <a:latin typeface="+mn-lt"/>
+                <a:ea typeface="+mn-ea"/>
+                <a:cs typeface="+mn-cs"/>
+              </a:defRPr>
+            </a:lvl9pPr>
+          </a:lstStyle>
+          <a:p>
+            <a:r>
               <a:rPr lang="en-US" i="1" dirty="0"/>
-              <a:t>“The time is always ripe to do right” </a:t>
-            </a:r>
-            <a:r>
-              <a:rPr lang="en-US" dirty="0"/>
-              <a:t>Martin Luther King</a:t>
-            </a:r>
+              <a:t>Not today.. but now you know.</a:t>
+            </a:r>
+          </a:p>
+          <a:p>
             <a:endParaRPr lang="en-US" i="1" dirty="0"/>
           </a:p>
-        </p:txBody>
-      </p:sp>
-      <p:sp>
-        <p:nvSpPr>
-          <p:cNvPr id="3" name="Title 2">
-            <a:extLst>
-              <a:ext uri="{FF2B5EF4-FFF2-40B4-BE49-F238E27FC236}">
-                <a16:creationId xmlns:a16="http://schemas.microsoft.com/office/drawing/2014/main" id="{66650016-66D3-D263-6037-AD85847C2848}"/>
-              </a:ext>
-            </a:extLst>
-          </p:cNvPr>
-          <p:cNvSpPr>
-            <a:spLocks noGrp="1"/>
-          </p:cNvSpPr>
-          <p:nvPr>
-            <p:ph type="title"/>
-          </p:nvPr>
-        </p:nvSpPr>
-        <p:spPr/>
-        <p:txBody>
-          <a:bodyPr/>
-          <a:lstStyle/>
-          <a:p>
-            <a:r>
-              <a:rPr lang="en-US" dirty="0"/>
-              <a:t>Event studies</a:t>
+          <a:p>
+            <a:r>
+              <a:rPr lang="en-US" i="1" dirty="0"/>
+              <a:t>Reference: </a:t>
+            </a:r>
+            <a:r>
+              <a:rPr lang="en-US" i="1" dirty="0" err="1"/>
+              <a:t>Arkhangelsky</a:t>
+            </a:r>
+            <a:r>
+              <a:rPr lang="en-US" i="1" dirty="0"/>
+              <a:t> et al. (2021)</a:t>
             </a:r>
           </a:p>
         </p:txBody>
@@ -8256,7 +9662,7 @@
     </p:spTree>
     <p:extLst>
       <p:ext uri="{BB962C8B-B14F-4D97-AF65-F5344CB8AC3E}">
-        <p14:creationId xmlns:p14="http://schemas.microsoft.com/office/powerpoint/2010/main" val="898824003"/>
+        <p14:creationId xmlns:p14="http://schemas.microsoft.com/office/powerpoint/2010/main" val="588913305"/>
       </p:ext>
     </p:extLst>
   </p:cSld>
@@ -8285,18 +9691,18 @@
       </p:grpSpPr>
       <p:sp>
         <p:nvSpPr>
-          <p:cNvPr id="2" name="Text Placeholder 1">
-            <a:extLst>
-              <a:ext uri="{FF2B5EF4-FFF2-40B4-BE49-F238E27FC236}">
-                <a16:creationId xmlns:a16="http://schemas.microsoft.com/office/drawing/2014/main" id="{ACE02BE6-1984-0B4B-B958-BEC4004A84ED}"/>
-              </a:ext>
-            </a:extLst>
-          </p:cNvPr>
-          <p:cNvSpPr>
-            <a:spLocks noGrp="1"/>
-          </p:cNvSpPr>
-          <p:nvPr>
-            <p:ph type="body" sz="quarter" idx="10"/>
+          <p:cNvPr id="8" name="Title 7">
+            <a:extLst>
+              <a:ext uri="{FF2B5EF4-FFF2-40B4-BE49-F238E27FC236}">
+                <a16:creationId xmlns:a16="http://schemas.microsoft.com/office/drawing/2014/main" id="{0B193993-8D77-7F15-3AAB-CCF65A298E18}"/>
+              </a:ext>
+            </a:extLst>
+          </p:cNvPr>
+          <p:cNvSpPr>
+            <a:spLocks noGrp="1"/>
+          </p:cNvSpPr>
+          <p:nvPr>
+            <p:ph type="title"/>
           </p:nvPr>
         </p:nvSpPr>
         <p:spPr/>
@@ -8304,24 +9710,27 @@
           <a:bodyPr/>
           <a:lstStyle/>
           <a:p>
-            <a:endParaRPr lang="en-US"/>
-          </a:p>
-        </p:txBody>
-      </p:sp>
-      <p:sp>
-        <p:nvSpPr>
-          <p:cNvPr id="3" name="Title 2">
-            <a:extLst>
-              <a:ext uri="{FF2B5EF4-FFF2-40B4-BE49-F238E27FC236}">
-                <a16:creationId xmlns:a16="http://schemas.microsoft.com/office/drawing/2014/main" id="{15A4A8DF-64A0-877A-EF34-B9F64CCF8A65}"/>
-              </a:ext>
-            </a:extLst>
-          </p:cNvPr>
-          <p:cNvSpPr>
-            <a:spLocks noGrp="1"/>
-          </p:cNvSpPr>
-          <p:nvPr>
-            <p:ph type="title"/>
+            <a:r>
+              <a:rPr lang="en-US" dirty="0"/>
+              <a:t>The plan</a:t>
+            </a:r>
+          </a:p>
+        </p:txBody>
+      </p:sp>
+      <p:sp>
+        <p:nvSpPr>
+          <p:cNvPr id="9" name="Content Placeholder 8">
+            <a:extLst>
+              <a:ext uri="{FF2B5EF4-FFF2-40B4-BE49-F238E27FC236}">
+                <a16:creationId xmlns:a16="http://schemas.microsoft.com/office/drawing/2014/main" id="{E326CB49-390F-C1FE-123C-ACD2671DFBB8}"/>
+              </a:ext>
+            </a:extLst>
+          </p:cNvPr>
+          <p:cNvSpPr>
+            <a:spLocks noGrp="1"/>
+          </p:cNvSpPr>
+          <p:nvPr>
+            <p:ph sz="half" idx="1"/>
           </p:nvPr>
         </p:nvSpPr>
         <p:spPr/>
@@ -8329,44 +9738,31 @@
           <a:bodyPr/>
           <a:lstStyle/>
           <a:p>
-            <a:endParaRPr lang="en-US"/>
-          </a:p>
-        </p:txBody>
-      </p:sp>
-      <p:sp>
-        <p:nvSpPr>
-          <p:cNvPr id="4" name="Footer Placeholder 3">
-            <a:extLst>
-              <a:ext uri="{FF2B5EF4-FFF2-40B4-BE49-F238E27FC236}">
-                <a16:creationId xmlns:a16="http://schemas.microsoft.com/office/drawing/2014/main" id="{0DA843D9-8223-DFF9-3633-F1EE5B8FBEEA}"/>
-              </a:ext>
-            </a:extLst>
-          </p:cNvPr>
-          <p:cNvSpPr>
-            <a:spLocks noGrp="1"/>
-          </p:cNvSpPr>
-          <p:nvPr>
-            <p:ph type="ftr" sz="quarter" idx="12"/>
-          </p:nvPr>
-        </p:nvSpPr>
-        <p:spPr/>
-        <p:txBody>
-          <a:bodyPr/>
-          <a:lstStyle/>
-          <a:p>
-            <a:r>
-              <a:rPr lang="en-US">
-                <a:solidFill>
-                  <a:schemeClr val="bg1"/>
-                </a:solidFill>
-              </a:rPr>
-              <a:t>Annual Review</a:t>
-            </a:r>
-            <a:endParaRPr lang="en-US" dirty="0">
-              <a:solidFill>
-                <a:schemeClr val="bg1"/>
-              </a:solidFill>
-            </a:endParaRPr>
+            <a:r>
+              <a:rPr lang="en-US" dirty="0"/>
+              <a:t>Overview of a few methods</a:t>
+            </a:r>
+          </a:p>
+          <a:p>
+            <a:r>
+              <a:rPr lang="en-US" dirty="0"/>
+              <a:t>Light on the math</a:t>
+            </a:r>
+          </a:p>
+          <a:p>
+            <a:r>
+              <a:rPr lang="en-US" dirty="0"/>
+              <a:t>Focus on the assumptions</a:t>
+            </a:r>
+          </a:p>
+          <a:p>
+            <a:endParaRPr lang="en-US" dirty="0"/>
+          </a:p>
+          <a:p>
+            <a:r>
+              <a:rPr lang="en-US" dirty="0"/>
+              <a:t>Be at ease and ask questions!</a:t>
+            </a:r>
           </a:p>
         </p:txBody>
       </p:sp>
@@ -8375,7 +9771,7 @@
           <p:cNvPr id="5" name="Slide Number Placeholder 4">
             <a:extLst>
               <a:ext uri="{FF2B5EF4-FFF2-40B4-BE49-F238E27FC236}">
-                <a16:creationId xmlns:a16="http://schemas.microsoft.com/office/drawing/2014/main" id="{B8AF0A6A-1BC7-03C0-109F-CF57A2F7EE5B}"/>
+                <a16:creationId xmlns:a16="http://schemas.microsoft.com/office/drawing/2014/main" id="{EFB257E0-95F7-D1E9-C261-A8C1E30882D3}"/>
               </a:ext>
             </a:extLst>
           </p:cNvPr>
@@ -8400,16 +9796,337 @@
           </a:p>
         </p:txBody>
       </p:sp>
+      <p:pic>
+        <p:nvPicPr>
+          <p:cNvPr id="7" name="Picture 6" descr="A collage of a person&#10;&#10;Description automatically generated">
+            <a:extLst>
+              <a:ext uri="{FF2B5EF4-FFF2-40B4-BE49-F238E27FC236}">
+                <a16:creationId xmlns:a16="http://schemas.microsoft.com/office/drawing/2014/main" id="{9D2B0938-AD80-60E8-0F1B-7E1C5807025A}"/>
+              </a:ext>
+            </a:extLst>
+          </p:cNvPr>
+          <p:cNvPicPr>
+            <a:picLocks noChangeAspect="1"/>
+          </p:cNvPicPr>
+          <p:nvPr/>
+        </p:nvPicPr>
+        <p:blipFill>
+          <a:blip r:embed="rId2">
+            <a:extLst>
+              <a:ext uri="{28A0092B-C50C-407E-A947-70E740481C1C}">
+                <a14:useLocalDpi xmlns:a14="http://schemas.microsoft.com/office/drawing/2010/main" val="0"/>
+              </a:ext>
+            </a:extLst>
+          </a:blip>
+          <a:stretch>
+            <a:fillRect/>
+          </a:stretch>
+        </p:blipFill>
+        <p:spPr>
+          <a:xfrm>
+            <a:off x="6807386" y="95250"/>
+            <a:ext cx="4762500" cy="6762750"/>
+          </a:xfrm>
+          <a:prstGeom prst="rect">
+            <a:avLst/>
+          </a:prstGeom>
+        </p:spPr>
+      </p:pic>
+      <p:grpSp>
+        <p:nvGrpSpPr>
+          <p:cNvPr id="22" name="Group 21">
+            <a:extLst>
+              <a:ext uri="{FF2B5EF4-FFF2-40B4-BE49-F238E27FC236}">
+                <a16:creationId xmlns:a16="http://schemas.microsoft.com/office/drawing/2014/main" id="{1924157C-7103-022E-7BB4-FCC63FBDAC10}"/>
+              </a:ext>
+            </a:extLst>
+          </p:cNvPr>
+          <p:cNvGrpSpPr/>
+          <p:nvPr/>
+        </p:nvGrpSpPr>
+        <p:grpSpPr>
+          <a:xfrm>
+            <a:off x="6807386" y="111632"/>
+            <a:ext cx="4762500" cy="6746368"/>
+            <a:chOff x="1333500" y="76245"/>
+            <a:chExt cx="4762500" cy="6746368"/>
+          </a:xfrm>
+        </p:grpSpPr>
+        <p:pic>
+          <p:nvPicPr>
+            <p:cNvPr id="19" name="Picture 18" descr="A collage of a person&#10;&#10;Description automatically generated">
+              <a:extLst>
+                <a:ext uri="{FF2B5EF4-FFF2-40B4-BE49-F238E27FC236}">
+                  <a16:creationId xmlns:a16="http://schemas.microsoft.com/office/drawing/2014/main" id="{7D77EE8B-3ADE-A2F5-03E5-D67B64E871FA}"/>
+                </a:ext>
+              </a:extLst>
+            </p:cNvPr>
+            <p:cNvPicPr>
+              <a:picLocks noChangeAspect="1"/>
+            </p:cNvPicPr>
+            <p:nvPr/>
+          </p:nvPicPr>
+          <p:blipFill rotWithShape="1">
+            <a:blip r:embed="rId2">
+              <a:extLst>
+                <a:ext uri="{28A0092B-C50C-407E-A947-70E740481C1C}">
+                  <a14:useLocalDpi xmlns:a14="http://schemas.microsoft.com/office/drawing/2010/main" val="0"/>
+                </a:ext>
+              </a:extLst>
+            </a:blip>
+            <a:srcRect t="-248" b="80176"/>
+            <a:stretch/>
+          </p:blipFill>
+          <p:spPr>
+            <a:xfrm>
+              <a:off x="1333500" y="3957014"/>
+              <a:ext cx="4762500" cy="1357422"/>
+            </a:xfrm>
+            <a:prstGeom prst="rect">
+              <a:avLst/>
+            </a:prstGeom>
+          </p:spPr>
+        </p:pic>
+        <p:pic>
+          <p:nvPicPr>
+            <p:cNvPr id="20" name="Picture 19" descr="A collage of a person&#10;&#10;Description automatically generated">
+              <a:extLst>
+                <a:ext uri="{FF2B5EF4-FFF2-40B4-BE49-F238E27FC236}">
+                  <a16:creationId xmlns:a16="http://schemas.microsoft.com/office/drawing/2014/main" id="{9C23DB87-1E02-B28B-EA4B-4C789ACA0C7C}"/>
+                </a:ext>
+              </a:extLst>
+            </p:cNvPr>
+            <p:cNvPicPr>
+              <a:picLocks noChangeAspect="1"/>
+            </p:cNvPicPr>
+            <p:nvPr/>
+          </p:nvPicPr>
+          <p:blipFill rotWithShape="1">
+            <a:blip r:embed="rId2">
+              <a:extLst>
+                <a:ext uri="{28A0092B-C50C-407E-A947-70E740481C1C}">
+                  <a14:useLocalDpi xmlns:a14="http://schemas.microsoft.com/office/drawing/2010/main" val="0"/>
+                </a:ext>
+              </a:extLst>
+            </a:blip>
+            <a:srcRect t="78274"/>
+            <a:stretch/>
+          </p:blipFill>
+          <p:spPr>
+            <a:xfrm>
+              <a:off x="1333500" y="5353316"/>
+              <a:ext cx="4762500" cy="1469297"/>
+            </a:xfrm>
+            <a:prstGeom prst="rect">
+              <a:avLst/>
+            </a:prstGeom>
+          </p:spPr>
+        </p:pic>
+        <p:pic>
+          <p:nvPicPr>
+            <p:cNvPr id="21" name="Picture 20" descr="A collage of a person&#10;&#10;Description automatically generated">
+              <a:extLst>
+                <a:ext uri="{FF2B5EF4-FFF2-40B4-BE49-F238E27FC236}">
+                  <a16:creationId xmlns:a16="http://schemas.microsoft.com/office/drawing/2014/main" id="{463C6CA7-F21C-362B-1628-A94321163399}"/>
+                </a:ext>
+              </a:extLst>
+            </p:cNvPr>
+            <p:cNvPicPr>
+              <a:picLocks noChangeAspect="1"/>
+            </p:cNvPicPr>
+            <p:nvPr/>
+          </p:nvPicPr>
+          <p:blipFill rotWithShape="1">
+            <a:blip r:embed="rId2">
+              <a:extLst>
+                <a:ext uri="{28A0092B-C50C-407E-A947-70E740481C1C}">
+                  <a14:useLocalDpi xmlns:a14="http://schemas.microsoft.com/office/drawing/2010/main" val="0"/>
+                </a:ext>
+              </a:extLst>
+            </a:blip>
+            <a:srcRect t="20239" b="21717"/>
+            <a:stretch/>
+          </p:blipFill>
+          <p:spPr>
+            <a:xfrm>
+              <a:off x="1333500" y="76245"/>
+              <a:ext cx="4762500" cy="3925362"/>
+            </a:xfrm>
+            <a:prstGeom prst="rect">
+              <a:avLst/>
+            </a:prstGeom>
+          </p:spPr>
+        </p:pic>
+      </p:grpSp>
+      <p:pic>
+        <p:nvPicPr>
+          <p:cNvPr id="3" name="Graphic 2">
+            <a:extLst>
+              <a:ext uri="{FF2B5EF4-FFF2-40B4-BE49-F238E27FC236}">
+                <a16:creationId xmlns:a16="http://schemas.microsoft.com/office/drawing/2014/main" id="{D879281B-7CDD-AE83-CF49-05E0DBA486E5}"/>
+              </a:ext>
+            </a:extLst>
+          </p:cNvPr>
+          <p:cNvPicPr>
+            <a:picLocks noChangeAspect="1"/>
+          </p:cNvPicPr>
+          <p:nvPr/>
+        </p:nvPicPr>
+        <p:blipFill>
+          <a:blip r:embed="rId3">
+            <a:extLst>
+              <a:ext uri="{28A0092B-C50C-407E-A947-70E740481C1C}">
+                <a14:useLocalDpi xmlns:a14="http://schemas.microsoft.com/office/drawing/2010/main" val="0"/>
+              </a:ext>
+              <a:ext uri="{96DAC541-7B7A-43D3-8B79-37D633B846F1}">
+                <asvg:svgBlip xmlns:asvg="http://schemas.microsoft.com/office/drawing/2016/SVG/main" r:embed="rId4"/>
+              </a:ext>
+            </a:extLst>
+          </a:blip>
+          <a:stretch>
+            <a:fillRect/>
+          </a:stretch>
+        </p:blipFill>
+        <p:spPr>
+          <a:xfrm>
+            <a:off x="2265984" y="4291263"/>
+            <a:ext cx="2402232" cy="2402232"/>
+          </a:xfrm>
+          <a:prstGeom prst="rect">
+            <a:avLst/>
+          </a:prstGeom>
+        </p:spPr>
+      </p:pic>
     </p:spTree>
     <p:extLst>
       <p:ext uri="{BB962C8B-B14F-4D97-AF65-F5344CB8AC3E}">
-        <p14:creationId xmlns:p14="http://schemas.microsoft.com/office/powerpoint/2010/main" val="2293669756"/>
+        <p14:creationId xmlns:p14="http://schemas.microsoft.com/office/powerpoint/2010/main" val="219956889"/>
       </p:ext>
     </p:extLst>
   </p:cSld>
   <p:clrMapOvr>
     <a:masterClrMapping/>
   </p:clrMapOvr>
+  <p:timing>
+    <p:tnLst>
+      <p:par>
+        <p:cTn id="1" dur="indefinite" restart="never" nodeType="tmRoot">
+          <p:childTnLst>
+            <p:seq concurrent="1" nextAc="seek">
+              <p:cTn id="2" dur="indefinite" nodeType="mainSeq">
+                <p:childTnLst>
+                  <p:par>
+                    <p:cTn id="3" fill="hold">
+                      <p:stCondLst>
+                        <p:cond delay="indefinite"/>
+                      </p:stCondLst>
+                      <p:childTnLst>
+                        <p:par>
+                          <p:cTn id="4" fill="hold">
+                            <p:stCondLst>
+                              <p:cond delay="0"/>
+                            </p:stCondLst>
+                            <p:childTnLst>
+                              <p:par>
+                                <p:cTn id="5" presetID="1" presetClass="entr" presetSubtype="0" fill="hold" nodeType="clickEffect">
+                                  <p:stCondLst>
+                                    <p:cond delay="0"/>
+                                  </p:stCondLst>
+                                  <p:childTnLst>
+                                    <p:set>
+                                      <p:cBhvr>
+                                        <p:cTn id="6" dur="1" fill="hold">
+                                          <p:stCondLst>
+                                            <p:cond delay="0"/>
+                                          </p:stCondLst>
+                                        </p:cTn>
+                                        <p:tgtEl>
+                                          <p:spTgt spid="7"/>
+                                        </p:tgtEl>
+                                        <p:attrNameLst>
+                                          <p:attrName>style.visibility</p:attrName>
+                                        </p:attrNameLst>
+                                      </p:cBhvr>
+                                      <p:to>
+                                        <p:strVal val="visible"/>
+                                      </p:to>
+                                    </p:set>
+                                  </p:childTnLst>
+                                </p:cTn>
+                              </p:par>
+                            </p:childTnLst>
+                          </p:cTn>
+                        </p:par>
+                      </p:childTnLst>
+                    </p:cTn>
+                  </p:par>
+                  <p:par>
+                    <p:cTn id="7" fill="hold">
+                      <p:stCondLst>
+                        <p:cond delay="indefinite"/>
+                      </p:stCondLst>
+                      <p:childTnLst>
+                        <p:par>
+                          <p:cTn id="8" fill="hold">
+                            <p:stCondLst>
+                              <p:cond delay="0"/>
+                            </p:stCondLst>
+                            <p:childTnLst>
+                              <p:par>
+                                <p:cTn id="9" presetID="1" presetClass="entr" presetSubtype="0" fill="hold" nodeType="clickEffect">
+                                  <p:stCondLst>
+                                    <p:cond delay="0"/>
+                                  </p:stCondLst>
+                                  <p:childTnLst>
+                                    <p:set>
+                                      <p:cBhvr>
+                                        <p:cTn id="10" dur="1" fill="hold">
+                                          <p:stCondLst>
+                                            <p:cond delay="0"/>
+                                          </p:stCondLst>
+                                        </p:cTn>
+                                        <p:tgtEl>
+                                          <p:spTgt spid="22"/>
+                                        </p:tgtEl>
+                                        <p:attrNameLst>
+                                          <p:attrName>style.visibility</p:attrName>
+                                        </p:attrNameLst>
+                                      </p:cBhvr>
+                                      <p:to>
+                                        <p:strVal val="visible"/>
+                                      </p:to>
+                                    </p:set>
+                                  </p:childTnLst>
+                                </p:cTn>
+                              </p:par>
+                            </p:childTnLst>
+                          </p:cTn>
+                        </p:par>
+                      </p:childTnLst>
+                    </p:cTn>
+                  </p:par>
+                </p:childTnLst>
+              </p:cTn>
+              <p:prevCondLst>
+                <p:cond evt="onPrev" delay="0">
+                  <p:tgtEl>
+                    <p:sldTgt/>
+                  </p:tgtEl>
+                </p:cond>
+              </p:prevCondLst>
+              <p:nextCondLst>
+                <p:cond evt="onNext" delay="0">
+                  <p:tgtEl>
+                    <p:sldTgt/>
+                  </p:tgtEl>
+                </p:cond>
+              </p:nextCondLst>
+            </p:seq>
+          </p:childTnLst>
+        </p:cTn>
+      </p:par>
+    </p:tnLst>
+  </p:timing>
 </p:sld>
 </file>
 
@@ -8435,6 +10152,89 @@
           <p:cNvPr id="3" name="Title 2">
             <a:extLst>
               <a:ext uri="{FF2B5EF4-FFF2-40B4-BE49-F238E27FC236}">
+                <a16:creationId xmlns:a16="http://schemas.microsoft.com/office/drawing/2014/main" id="{66650016-66D3-D263-6037-AD85847C2848}"/>
+              </a:ext>
+            </a:extLst>
+          </p:cNvPr>
+          <p:cNvSpPr>
+            <a:spLocks noGrp="1"/>
+          </p:cNvSpPr>
+          <p:nvPr>
+            <p:ph type="title"/>
+          </p:nvPr>
+        </p:nvSpPr>
+        <p:spPr/>
+        <p:txBody>
+          <a:bodyPr/>
+          <a:lstStyle/>
+          <a:p>
+            <a:r>
+              <a:rPr lang="en-US" dirty="0"/>
+              <a:t>Event studies in finance</a:t>
+            </a:r>
+          </a:p>
+        </p:txBody>
+      </p:sp>
+      <p:sp>
+        <p:nvSpPr>
+          <p:cNvPr id="5" name="Content Placeholder 4">
+            <a:extLst>
+              <a:ext uri="{FF2B5EF4-FFF2-40B4-BE49-F238E27FC236}">
+                <a16:creationId xmlns:a16="http://schemas.microsoft.com/office/drawing/2014/main" id="{2CC13FAB-DEB9-6EBA-CCB0-05348F3BDD74}"/>
+              </a:ext>
+            </a:extLst>
+          </p:cNvPr>
+          <p:cNvSpPr>
+            <a:spLocks noGrp="1"/>
+          </p:cNvSpPr>
+          <p:nvPr>
+            <p:ph sz="quarter" idx="11"/>
+          </p:nvPr>
+        </p:nvSpPr>
+        <p:spPr/>
+        <p:txBody>
+          <a:bodyPr/>
+          <a:lstStyle/>
+          <a:p>
+            <a:endParaRPr lang="en-US"/>
+          </a:p>
+        </p:txBody>
+      </p:sp>
+    </p:spTree>
+    <p:extLst>
+      <p:ext uri="{BB962C8B-B14F-4D97-AF65-F5344CB8AC3E}">
+        <p14:creationId xmlns:p14="http://schemas.microsoft.com/office/powerpoint/2010/main" val="898824003"/>
+      </p:ext>
+    </p:extLst>
+  </p:cSld>
+  <p:clrMapOvr>
+    <a:masterClrMapping/>
+  </p:clrMapOvr>
+</p:sld>
+</file>
+
+<file path=ppt/slides/slide21.xml><?xml version="1.0" encoding="utf-8"?>
+<p:sld xmlns:a="http://schemas.openxmlformats.org/drawingml/2006/main" xmlns:r="http://schemas.openxmlformats.org/officeDocument/2006/relationships" xmlns:p="http://schemas.openxmlformats.org/presentationml/2006/main" show="0">
+  <p:cSld>
+    <p:spTree>
+      <p:nvGrpSpPr>
+        <p:cNvPr id="1" name=""/>
+        <p:cNvGrpSpPr/>
+        <p:nvPr/>
+      </p:nvGrpSpPr>
+      <p:grpSpPr>
+        <a:xfrm>
+          <a:off x="0" y="0"/>
+          <a:ext cx="0" cy="0"/>
+          <a:chOff x="0" y="0"/>
+          <a:chExt cx="0" cy="0"/>
+        </a:xfrm>
+      </p:grpSpPr>
+      <p:sp>
+        <p:nvSpPr>
+          <p:cNvPr id="3" name="Title 2">
+            <a:extLst>
+              <a:ext uri="{FF2B5EF4-FFF2-40B4-BE49-F238E27FC236}">
                 <a16:creationId xmlns:a16="http://schemas.microsoft.com/office/drawing/2014/main" id="{60B28B5C-F24D-F4A6-4EE1-40D1DFEC6E81}"/>
               </a:ext>
             </a:extLst>
@@ -8550,7 +10350,7 @@
             <a:fld id="{7782931A-7D25-4B4B-9464-57AE418934A3}" type="slidenum">
               <a:rPr lang="en-US" smtClean="0"/>
               <a:pPr/>
-              <a:t>20</a:t>
+              <a:t>21</a:t>
             </a:fld>
             <a:endParaRPr lang="en-US"/>
           </a:p>
@@ -8808,8 +10608,8 @@
 </p:sld>
 </file>
 
-<file path=ppt/slides/slide21.xml><?xml version="1.0" encoding="utf-8"?>
-<p:sld xmlns:a="http://schemas.openxmlformats.org/drawingml/2006/main" xmlns:r="http://schemas.openxmlformats.org/officeDocument/2006/relationships" xmlns:p="http://schemas.openxmlformats.org/presentationml/2006/main">
+<file path=ppt/slides/slide22.xml><?xml version="1.0" encoding="utf-8"?>
+<p:sld xmlns:a="http://schemas.openxmlformats.org/drawingml/2006/main" xmlns:r="http://schemas.openxmlformats.org/officeDocument/2006/relationships" xmlns:p="http://schemas.openxmlformats.org/presentationml/2006/main" show="0">
   <p:cSld>
     <p:spTree>
       <p:nvGrpSpPr>
@@ -8987,7 +10787,7 @@
             <a:fld id="{7782931A-7D25-4B4B-9464-57AE418934A3}" type="slidenum">
               <a:rPr lang="en-US" smtClean="0"/>
               <a:pPr/>
-              <a:t>21</a:t>
+              <a:t>22</a:t>
             </a:fld>
             <a:endParaRPr lang="en-US"/>
           </a:p>
@@ -9036,253 +10836,6 @@
 </p:sld>
 </file>
 
-<file path=ppt/slides/slide22.xml><?xml version="1.0" encoding="utf-8"?>
-<p:sld xmlns:a="http://schemas.openxmlformats.org/drawingml/2006/main" xmlns:r="http://schemas.openxmlformats.org/officeDocument/2006/relationships" xmlns:p="http://schemas.openxmlformats.org/presentationml/2006/main">
-  <p:cSld>
-    <p:spTree>
-      <p:nvGrpSpPr>
-        <p:cNvPr id="1" name=""/>
-        <p:cNvGrpSpPr/>
-        <p:nvPr/>
-      </p:nvGrpSpPr>
-      <p:grpSpPr>
-        <a:xfrm>
-          <a:off x="0" y="0"/>
-          <a:ext cx="0" cy="0"/>
-          <a:chOff x="0" y="0"/>
-          <a:chExt cx="0" cy="0"/>
-        </a:xfrm>
-      </p:grpSpPr>
-      <p:sp>
-        <p:nvSpPr>
-          <p:cNvPr id="2" name="Title 1">
-            <a:extLst>
-              <a:ext uri="{FF2B5EF4-FFF2-40B4-BE49-F238E27FC236}">
-                <a16:creationId xmlns:a16="http://schemas.microsoft.com/office/drawing/2014/main" id="{9BE36F6C-7D31-3B08-D6F8-22A2691E5419}"/>
-              </a:ext>
-            </a:extLst>
-          </p:cNvPr>
-          <p:cNvSpPr>
-            <a:spLocks noGrp="1"/>
-          </p:cNvSpPr>
-          <p:nvPr>
-            <p:ph type="title"/>
-          </p:nvPr>
-        </p:nvSpPr>
-        <p:spPr>
-          <a:xfrm>
-            <a:off x="1028700" y="999068"/>
-            <a:ext cx="10096500" cy="645284"/>
-          </a:xfrm>
-        </p:spPr>
-        <p:txBody>
-          <a:bodyPr/>
-          <a:lstStyle/>
-          <a:p>
-            <a:r>
-              <a:rPr lang="en-US" dirty="0"/>
-              <a:t>Event studies in finance</a:t>
-            </a:r>
-          </a:p>
-        </p:txBody>
-      </p:sp>
-      <p:sp>
-        <p:nvSpPr>
-          <p:cNvPr id="3" name="Text Placeholder 2">
-            <a:extLst>
-              <a:ext uri="{FF2B5EF4-FFF2-40B4-BE49-F238E27FC236}">
-                <a16:creationId xmlns:a16="http://schemas.microsoft.com/office/drawing/2014/main" id="{C44F074D-0764-D489-A2AC-E0A8C57C27ED}"/>
-              </a:ext>
-            </a:extLst>
-          </p:cNvPr>
-          <p:cNvSpPr>
-            <a:spLocks noGrp="1"/>
-          </p:cNvSpPr>
-          <p:nvPr>
-            <p:ph type="body" sz="quarter" idx="10"/>
-          </p:nvPr>
-        </p:nvSpPr>
-        <p:spPr>
-          <a:xfrm>
-            <a:off x="1028700" y="2321923"/>
-            <a:ext cx="5219700" cy="3825952"/>
-          </a:xfrm>
-        </p:spPr>
-        <p:txBody>
-          <a:bodyPr/>
-          <a:lstStyle/>
-          <a:p>
-            <a:r>
-              <a:rPr lang="en-US" dirty="0"/>
-              <a:t>An event E happens at time t. You suspect that it affects firms F, but not the rest of the market.</a:t>
-            </a:r>
-          </a:p>
-          <a:p>
-            <a:pPr algn="ctr"/>
-            <a:endParaRPr lang="en-US" sz="1800" b="1" i="1" dirty="0"/>
-          </a:p>
-          <a:p>
-            <a:pPr algn="ctr"/>
-            <a:r>
-              <a:rPr lang="en-US" sz="1800" b="1" dirty="0"/>
-              <a:t>Intuition.</a:t>
-            </a:r>
-          </a:p>
-          <a:p>
-            <a:r>
-              <a:rPr lang="en-US" sz="1800" dirty="0"/>
-              <a:t>Estimate the pre-event  correlation of treated firms with the market</a:t>
-            </a:r>
-          </a:p>
-          <a:p>
-            <a:r>
-              <a:rPr lang="en-US" dirty="0"/>
-              <a:t>Predict returns</a:t>
-            </a:r>
-            <a:endParaRPr lang="en-US" sz="1800" dirty="0"/>
-          </a:p>
-          <a:p>
-            <a:r>
-              <a:rPr lang="en-US" sz="1800" dirty="0"/>
-              <a:t>Pre-event, abnormal returns (errors) are mean zero</a:t>
-            </a:r>
-          </a:p>
-          <a:p>
-            <a:r>
-              <a:rPr lang="en-US" sz="1800" dirty="0"/>
-              <a:t>If post-event abnormal returns are not mean zero </a:t>
-            </a:r>
-            <a:r>
-              <a:rPr lang="en-US" sz="1800" dirty="0">
-                <a:sym typeface="Wingdings" panose="05000000000000000000" pitchFamily="2" charset="2"/>
-              </a:rPr>
-              <a:t> Evidence of an effect</a:t>
-            </a:r>
-          </a:p>
-          <a:p>
-            <a:pPr algn="ctr"/>
-            <a:r>
-              <a:rPr lang="en-US" b="1" dirty="0">
-                <a:sym typeface="Wingdings" panose="05000000000000000000" pitchFamily="2" charset="2"/>
-              </a:rPr>
-              <a:t>What are the underlying assumptions?</a:t>
-            </a:r>
-            <a:endParaRPr lang="en-US" sz="1800" b="1" dirty="0"/>
-          </a:p>
-          <a:p>
-            <a:endParaRPr lang="en-US" sz="1800" dirty="0"/>
-          </a:p>
-          <a:p>
-            <a:endParaRPr lang="en-US" dirty="0"/>
-          </a:p>
-          <a:p>
-            <a:endParaRPr lang="en-US" dirty="0"/>
-          </a:p>
-          <a:p>
-            <a:endParaRPr lang="en-US" dirty="0"/>
-          </a:p>
-          <a:p>
-            <a:endParaRPr lang="en-US" dirty="0"/>
-          </a:p>
-          <a:p>
-            <a:endParaRPr lang="en-US" dirty="0"/>
-          </a:p>
-          <a:p>
-            <a:endParaRPr lang="en-US" dirty="0"/>
-          </a:p>
-          <a:p>
-            <a:endParaRPr lang="en-US" dirty="0"/>
-          </a:p>
-        </p:txBody>
-      </p:sp>
-      <p:sp>
-        <p:nvSpPr>
-          <p:cNvPr id="4" name="Text Placeholder 3">
-            <a:extLst>
-              <a:ext uri="{FF2B5EF4-FFF2-40B4-BE49-F238E27FC236}">
-                <a16:creationId xmlns:a16="http://schemas.microsoft.com/office/drawing/2014/main" id="{65FFE69D-04FC-CCF0-5881-0F3AAE5F3AE4}"/>
-              </a:ext>
-            </a:extLst>
-          </p:cNvPr>
-          <p:cNvSpPr>
-            <a:spLocks noGrp="1"/>
-          </p:cNvSpPr>
-          <p:nvPr>
-            <p:ph type="body" sz="quarter" idx="11"/>
-          </p:nvPr>
-        </p:nvSpPr>
-        <p:spPr>
-          <a:xfrm>
-            <a:off x="6286500" y="3112557"/>
-            <a:ext cx="4876800" cy="2746375"/>
-          </a:xfrm>
-        </p:spPr>
-        <p:txBody>
-          <a:bodyPr/>
-          <a:lstStyle/>
-          <a:p>
-            <a:pPr algn="ctr"/>
-            <a:r>
-              <a:rPr lang="en-US" sz="2800" dirty="0"/>
-              <a:t>We are building a model of treated firms using nontreated firm data</a:t>
-            </a:r>
-          </a:p>
-          <a:p>
-            <a:pPr algn="ctr"/>
-            <a:endParaRPr lang="en-US" sz="2800" dirty="0"/>
-          </a:p>
-          <a:p>
-            <a:pPr algn="ctr"/>
-            <a:r>
-              <a:rPr lang="en-US" sz="2800" dirty="0"/>
-              <a:t>The model gives us the counterfactual</a:t>
-            </a:r>
-          </a:p>
-        </p:txBody>
-      </p:sp>
-      <p:sp>
-        <p:nvSpPr>
-          <p:cNvPr id="7" name="Slide Number Placeholder 6">
-            <a:extLst>
-              <a:ext uri="{FF2B5EF4-FFF2-40B4-BE49-F238E27FC236}">
-                <a16:creationId xmlns:a16="http://schemas.microsoft.com/office/drawing/2014/main" id="{3F8971FD-A697-9FA5-C6A6-838DD9463A8A}"/>
-              </a:ext>
-            </a:extLst>
-          </p:cNvPr>
-          <p:cNvSpPr>
-            <a:spLocks noGrp="1"/>
-          </p:cNvSpPr>
-          <p:nvPr>
-            <p:ph type="sldNum" sz="quarter" idx="14"/>
-          </p:nvPr>
-        </p:nvSpPr>
-        <p:spPr/>
-        <p:txBody>
-          <a:bodyPr/>
-          <a:lstStyle/>
-          <a:p>
-            <a:fld id="{7782931A-7D25-4B4B-9464-57AE418934A3}" type="slidenum">
-              <a:rPr lang="en-US" smtClean="0"/>
-              <a:pPr/>
-              <a:t>22</a:t>
-            </a:fld>
-            <a:endParaRPr lang="en-US"/>
-          </a:p>
-        </p:txBody>
-      </p:sp>
-    </p:spTree>
-    <p:extLst>
-      <p:ext uri="{BB962C8B-B14F-4D97-AF65-F5344CB8AC3E}">
-        <p14:creationId xmlns:p14="http://schemas.microsoft.com/office/powerpoint/2010/main" val="774992211"/>
-      </p:ext>
-    </p:extLst>
-  </p:cSld>
-  <p:clrMapOvr>
-    <a:masterClrMapping/>
-  </p:clrMapOvr>
-</p:sld>
-</file>
-
 <file path=ppt/slides/slide23.xml><?xml version="1.0" encoding="utf-8"?>
 <p:sld xmlns:a="http://schemas.openxmlformats.org/drawingml/2006/main" xmlns:r="http://schemas.openxmlformats.org/officeDocument/2006/relationships" xmlns:p="http://schemas.openxmlformats.org/presentationml/2006/main">
   <p:cSld>
@@ -9305,6 +10858,574 @@
           <p:cNvPr id="2" name="Title 1">
             <a:extLst>
               <a:ext uri="{FF2B5EF4-FFF2-40B4-BE49-F238E27FC236}">
+                <a16:creationId xmlns:a16="http://schemas.microsoft.com/office/drawing/2014/main" id="{9BE36F6C-7D31-3B08-D6F8-22A2691E5419}"/>
+              </a:ext>
+            </a:extLst>
+          </p:cNvPr>
+          <p:cNvSpPr>
+            <a:spLocks noGrp="1"/>
+          </p:cNvSpPr>
+          <p:nvPr>
+            <p:ph type="title"/>
+          </p:nvPr>
+        </p:nvSpPr>
+        <p:spPr>
+          <a:xfrm>
+            <a:off x="1028700" y="999068"/>
+            <a:ext cx="10096500" cy="645284"/>
+          </a:xfrm>
+        </p:spPr>
+        <p:txBody>
+          <a:bodyPr/>
+          <a:lstStyle/>
+          <a:p>
+            <a:r>
+              <a:rPr lang="en-US" dirty="0"/>
+              <a:t>Event studies in finance</a:t>
+            </a:r>
+          </a:p>
+        </p:txBody>
+      </p:sp>
+      <p:sp>
+        <p:nvSpPr>
+          <p:cNvPr id="3" name="Text Placeholder 2">
+            <a:extLst>
+              <a:ext uri="{FF2B5EF4-FFF2-40B4-BE49-F238E27FC236}">
+                <a16:creationId xmlns:a16="http://schemas.microsoft.com/office/drawing/2014/main" id="{C44F074D-0764-D489-A2AC-E0A8C57C27ED}"/>
+              </a:ext>
+            </a:extLst>
+          </p:cNvPr>
+          <p:cNvSpPr>
+            <a:spLocks noGrp="1"/>
+          </p:cNvSpPr>
+          <p:nvPr>
+            <p:ph type="body" sz="quarter" idx="10"/>
+          </p:nvPr>
+        </p:nvSpPr>
+        <p:spPr>
+          <a:xfrm>
+            <a:off x="1028699" y="2321923"/>
+            <a:ext cx="10096499" cy="3825952"/>
+          </a:xfrm>
+        </p:spPr>
+        <p:txBody>
+          <a:bodyPr/>
+          <a:lstStyle/>
+          <a:p>
+            <a:pPr algn="ctr"/>
+            <a:r>
+              <a:rPr lang="en-US" sz="2800" dirty="0"/>
+              <a:t>What is the effect of event E on stock price of firm f?</a:t>
+            </a:r>
+          </a:p>
+          <a:p>
+            <a:pPr algn="ctr"/>
+            <a:endParaRPr lang="en-US" sz="1800" b="1" i="1" dirty="0"/>
+          </a:p>
+          <a:p>
+            <a:pPr algn="ctr"/>
+            <a:r>
+              <a:rPr lang="en-US" sz="1800" b="1" dirty="0"/>
+              <a:t>Intuition.</a:t>
+            </a:r>
+          </a:p>
+          <a:p>
+            <a:pPr marL="342900" indent="-342900">
+              <a:buFont typeface="+mj-lt"/>
+              <a:buAutoNum type="arabicPeriod"/>
+            </a:pPr>
+            <a:r>
+              <a:rPr lang="en-US" sz="1800" dirty="0"/>
+              <a:t>Estimate the pre-event correlation of treated firms with the market</a:t>
+            </a:r>
+          </a:p>
+          <a:p>
+            <a:pPr marL="342900" indent="-342900">
+              <a:buFont typeface="+mj-lt"/>
+              <a:buAutoNum type="arabicPeriod"/>
+            </a:pPr>
+            <a:r>
+              <a:rPr lang="en-US" dirty="0"/>
+              <a:t>Predict returns</a:t>
+            </a:r>
+            <a:endParaRPr lang="en-US" sz="1800" dirty="0"/>
+          </a:p>
+          <a:p>
+            <a:pPr marL="342900" indent="-342900">
+              <a:buFont typeface="+mj-lt"/>
+              <a:buAutoNum type="arabicPeriod"/>
+            </a:pPr>
+            <a:r>
+              <a:rPr lang="en-US" sz="1800" dirty="0"/>
+              <a:t>Pre-event, abnormal returns (errors) are mean zero</a:t>
+            </a:r>
+          </a:p>
+          <a:p>
+            <a:pPr marL="342900" indent="-342900">
+              <a:buFont typeface="+mj-lt"/>
+              <a:buAutoNum type="arabicPeriod"/>
+            </a:pPr>
+            <a:r>
+              <a:rPr lang="en-US" sz="1800" dirty="0"/>
+              <a:t>If post-event abnormal returns are not mean zero </a:t>
+            </a:r>
+            <a:r>
+              <a:rPr lang="en-US" sz="1800" dirty="0">
+                <a:sym typeface="Wingdings" panose="05000000000000000000" pitchFamily="2" charset="2"/>
+              </a:rPr>
+              <a:t> Evidence of an effect</a:t>
+            </a:r>
+          </a:p>
+          <a:p>
+            <a:endParaRPr lang="en-US" sz="1800" dirty="0"/>
+          </a:p>
+          <a:p>
+            <a:pPr marL="285750" indent="-285750">
+              <a:buFont typeface="Arial" panose="020B0604020202020204" pitchFamily="34" charset="0"/>
+              <a:buChar char="•"/>
+            </a:pPr>
+            <a:r>
+              <a:rPr lang="en-US" sz="1800" dirty="0"/>
+              <a:t>We are building a </a:t>
+            </a:r>
+            <a:r>
+              <a:rPr lang="en-US" sz="1800" b="1" dirty="0"/>
+              <a:t>model</a:t>
+            </a:r>
+            <a:r>
+              <a:rPr lang="en-US" sz="1800" dirty="0"/>
+              <a:t> of treated firms using nontreated firm data</a:t>
+            </a:r>
+          </a:p>
+          <a:p>
+            <a:pPr marL="285750" indent="-285750">
+              <a:buFont typeface="Arial" panose="020B0604020202020204" pitchFamily="34" charset="0"/>
+              <a:buChar char="•"/>
+            </a:pPr>
+            <a:r>
+              <a:rPr lang="en-US" sz="1800" dirty="0"/>
+              <a:t>The model gives us the counterfactual</a:t>
+            </a:r>
+          </a:p>
+          <a:p>
+            <a:pPr marL="285750" indent="-285750">
+              <a:buFont typeface="Arial" panose="020B0604020202020204" pitchFamily="34" charset="0"/>
+              <a:buChar char="•"/>
+            </a:pPr>
+            <a:r>
+              <a:rPr lang="en-US" b="1" dirty="0"/>
+              <a:t>Assumptions?</a:t>
+            </a:r>
+            <a:endParaRPr lang="en-US" sz="1800" b="1" dirty="0"/>
+          </a:p>
+          <a:p>
+            <a:endParaRPr lang="en-US" sz="1800" dirty="0"/>
+          </a:p>
+          <a:p>
+            <a:endParaRPr lang="en-US" sz="1800" dirty="0"/>
+          </a:p>
+          <a:p>
+            <a:endParaRPr lang="en-US" dirty="0"/>
+          </a:p>
+          <a:p>
+            <a:endParaRPr lang="en-US" dirty="0"/>
+          </a:p>
+          <a:p>
+            <a:endParaRPr lang="en-US" dirty="0"/>
+          </a:p>
+          <a:p>
+            <a:endParaRPr lang="en-US" dirty="0"/>
+          </a:p>
+          <a:p>
+            <a:endParaRPr lang="en-US" dirty="0"/>
+          </a:p>
+          <a:p>
+            <a:endParaRPr lang="en-US" dirty="0"/>
+          </a:p>
+          <a:p>
+            <a:endParaRPr lang="en-US" dirty="0"/>
+          </a:p>
+        </p:txBody>
+      </p:sp>
+      <p:sp>
+        <p:nvSpPr>
+          <p:cNvPr id="7" name="Slide Number Placeholder 6">
+            <a:extLst>
+              <a:ext uri="{FF2B5EF4-FFF2-40B4-BE49-F238E27FC236}">
+                <a16:creationId xmlns:a16="http://schemas.microsoft.com/office/drawing/2014/main" id="{3F8971FD-A697-9FA5-C6A6-838DD9463A8A}"/>
+              </a:ext>
+            </a:extLst>
+          </p:cNvPr>
+          <p:cNvSpPr>
+            <a:spLocks noGrp="1"/>
+          </p:cNvSpPr>
+          <p:nvPr>
+            <p:ph type="sldNum" sz="quarter" idx="14"/>
+          </p:nvPr>
+        </p:nvSpPr>
+        <p:spPr/>
+        <p:txBody>
+          <a:bodyPr/>
+          <a:lstStyle/>
+          <a:p>
+            <a:fld id="{7782931A-7D25-4B4B-9464-57AE418934A3}" type="slidenum">
+              <a:rPr lang="en-US" smtClean="0"/>
+              <a:pPr/>
+              <a:t>23</a:t>
+            </a:fld>
+            <a:endParaRPr lang="en-US"/>
+          </a:p>
+        </p:txBody>
+      </p:sp>
+    </p:spTree>
+    <p:extLst>
+      <p:ext uri="{BB962C8B-B14F-4D97-AF65-F5344CB8AC3E}">
+        <p14:creationId xmlns:p14="http://schemas.microsoft.com/office/powerpoint/2010/main" val="774992211"/>
+      </p:ext>
+    </p:extLst>
+  </p:cSld>
+  <p:clrMapOvr>
+    <a:masterClrMapping/>
+  </p:clrMapOvr>
+  <p:timing>
+    <p:tnLst>
+      <p:par>
+        <p:cTn id="1" dur="indefinite" restart="never" nodeType="tmRoot">
+          <p:childTnLst>
+            <p:seq concurrent="1" nextAc="seek">
+              <p:cTn id="2" dur="indefinite" nodeType="mainSeq">
+                <p:childTnLst>
+                  <p:par>
+                    <p:cTn id="3" fill="hold">
+                      <p:stCondLst>
+                        <p:cond delay="indefinite"/>
+                      </p:stCondLst>
+                      <p:childTnLst>
+                        <p:par>
+                          <p:cTn id="4" fill="hold">
+                            <p:stCondLst>
+                              <p:cond delay="0"/>
+                            </p:stCondLst>
+                            <p:childTnLst>
+                              <p:par>
+                                <p:cTn id="5" presetID="1" presetClass="entr" presetSubtype="0" fill="hold" nodeType="clickEffect">
+                                  <p:stCondLst>
+                                    <p:cond delay="0"/>
+                                  </p:stCondLst>
+                                  <p:childTnLst>
+                                    <p:set>
+                                      <p:cBhvr>
+                                        <p:cTn id="6" dur="1" fill="hold">
+                                          <p:stCondLst>
+                                            <p:cond delay="0"/>
+                                          </p:stCondLst>
+                                        </p:cTn>
+                                        <p:tgtEl>
+                                          <p:spTgt spid="3">
+                                            <p:txEl>
+                                              <p:pRg st="2" end="2"/>
+                                            </p:txEl>
+                                          </p:spTgt>
+                                        </p:tgtEl>
+                                        <p:attrNameLst>
+                                          <p:attrName>style.visibility</p:attrName>
+                                        </p:attrNameLst>
+                                      </p:cBhvr>
+                                      <p:to>
+                                        <p:strVal val="visible"/>
+                                      </p:to>
+                                    </p:set>
+                                  </p:childTnLst>
+                                </p:cTn>
+                              </p:par>
+                              <p:par>
+                                <p:cTn id="7" presetID="1" presetClass="entr" presetSubtype="0" fill="hold" nodeType="withEffect">
+                                  <p:stCondLst>
+                                    <p:cond delay="0"/>
+                                  </p:stCondLst>
+                                  <p:childTnLst>
+                                    <p:set>
+                                      <p:cBhvr>
+                                        <p:cTn id="8" dur="1" fill="hold">
+                                          <p:stCondLst>
+                                            <p:cond delay="0"/>
+                                          </p:stCondLst>
+                                        </p:cTn>
+                                        <p:tgtEl>
+                                          <p:spTgt spid="3">
+                                            <p:txEl>
+                                              <p:pRg st="3" end="3"/>
+                                            </p:txEl>
+                                          </p:spTgt>
+                                        </p:tgtEl>
+                                        <p:attrNameLst>
+                                          <p:attrName>style.visibility</p:attrName>
+                                        </p:attrNameLst>
+                                      </p:cBhvr>
+                                      <p:to>
+                                        <p:strVal val="visible"/>
+                                      </p:to>
+                                    </p:set>
+                                  </p:childTnLst>
+                                </p:cTn>
+                              </p:par>
+                              <p:par>
+                                <p:cTn id="9" presetID="1" presetClass="entr" presetSubtype="0" fill="hold" nodeType="withEffect">
+                                  <p:stCondLst>
+                                    <p:cond delay="0"/>
+                                  </p:stCondLst>
+                                  <p:childTnLst>
+                                    <p:set>
+                                      <p:cBhvr>
+                                        <p:cTn id="10" dur="1" fill="hold">
+                                          <p:stCondLst>
+                                            <p:cond delay="0"/>
+                                          </p:stCondLst>
+                                        </p:cTn>
+                                        <p:tgtEl>
+                                          <p:spTgt spid="3">
+                                            <p:txEl>
+                                              <p:pRg st="4" end="4"/>
+                                            </p:txEl>
+                                          </p:spTgt>
+                                        </p:tgtEl>
+                                        <p:attrNameLst>
+                                          <p:attrName>style.visibility</p:attrName>
+                                        </p:attrNameLst>
+                                      </p:cBhvr>
+                                      <p:to>
+                                        <p:strVal val="visible"/>
+                                      </p:to>
+                                    </p:set>
+                                  </p:childTnLst>
+                                </p:cTn>
+                              </p:par>
+                              <p:par>
+                                <p:cTn id="11" presetID="1" presetClass="entr" presetSubtype="0" fill="hold" nodeType="withEffect">
+                                  <p:stCondLst>
+                                    <p:cond delay="0"/>
+                                  </p:stCondLst>
+                                  <p:childTnLst>
+                                    <p:set>
+                                      <p:cBhvr>
+                                        <p:cTn id="12" dur="1" fill="hold">
+                                          <p:stCondLst>
+                                            <p:cond delay="0"/>
+                                          </p:stCondLst>
+                                        </p:cTn>
+                                        <p:tgtEl>
+                                          <p:spTgt spid="3">
+                                            <p:txEl>
+                                              <p:pRg st="5" end="5"/>
+                                            </p:txEl>
+                                          </p:spTgt>
+                                        </p:tgtEl>
+                                        <p:attrNameLst>
+                                          <p:attrName>style.visibility</p:attrName>
+                                        </p:attrNameLst>
+                                      </p:cBhvr>
+                                      <p:to>
+                                        <p:strVal val="visible"/>
+                                      </p:to>
+                                    </p:set>
+                                  </p:childTnLst>
+                                </p:cTn>
+                              </p:par>
+                              <p:par>
+                                <p:cTn id="13" presetID="1" presetClass="entr" presetSubtype="0" fill="hold" nodeType="withEffect">
+                                  <p:stCondLst>
+                                    <p:cond delay="0"/>
+                                  </p:stCondLst>
+                                  <p:childTnLst>
+                                    <p:set>
+                                      <p:cBhvr>
+                                        <p:cTn id="14" dur="1" fill="hold">
+                                          <p:stCondLst>
+                                            <p:cond delay="0"/>
+                                          </p:stCondLst>
+                                        </p:cTn>
+                                        <p:tgtEl>
+                                          <p:spTgt spid="3">
+                                            <p:txEl>
+                                              <p:pRg st="6" end="6"/>
+                                            </p:txEl>
+                                          </p:spTgt>
+                                        </p:tgtEl>
+                                        <p:attrNameLst>
+                                          <p:attrName>style.visibility</p:attrName>
+                                        </p:attrNameLst>
+                                      </p:cBhvr>
+                                      <p:to>
+                                        <p:strVal val="visible"/>
+                                      </p:to>
+                                    </p:set>
+                                  </p:childTnLst>
+                                </p:cTn>
+                              </p:par>
+                            </p:childTnLst>
+                          </p:cTn>
+                        </p:par>
+                      </p:childTnLst>
+                    </p:cTn>
+                  </p:par>
+                  <p:par>
+                    <p:cTn id="15" fill="hold">
+                      <p:stCondLst>
+                        <p:cond delay="indefinite"/>
+                      </p:stCondLst>
+                      <p:childTnLst>
+                        <p:par>
+                          <p:cTn id="16" fill="hold">
+                            <p:stCondLst>
+                              <p:cond delay="0"/>
+                            </p:stCondLst>
+                            <p:childTnLst>
+                              <p:par>
+                                <p:cTn id="17" presetID="1" presetClass="entr" presetSubtype="0" fill="hold" nodeType="clickEffect">
+                                  <p:stCondLst>
+                                    <p:cond delay="0"/>
+                                  </p:stCondLst>
+                                  <p:childTnLst>
+                                    <p:set>
+                                      <p:cBhvr>
+                                        <p:cTn id="18" dur="1" fill="hold">
+                                          <p:stCondLst>
+                                            <p:cond delay="0"/>
+                                          </p:stCondLst>
+                                        </p:cTn>
+                                        <p:tgtEl>
+                                          <p:spTgt spid="3">
+                                            <p:txEl>
+                                              <p:pRg st="8" end="8"/>
+                                            </p:txEl>
+                                          </p:spTgt>
+                                        </p:tgtEl>
+                                        <p:attrNameLst>
+                                          <p:attrName>style.visibility</p:attrName>
+                                        </p:attrNameLst>
+                                      </p:cBhvr>
+                                      <p:to>
+                                        <p:strVal val="visible"/>
+                                      </p:to>
+                                    </p:set>
+                                  </p:childTnLst>
+                                </p:cTn>
+                              </p:par>
+                              <p:par>
+                                <p:cTn id="19" presetID="1" presetClass="entr" presetSubtype="0" fill="hold" nodeType="withEffect">
+                                  <p:stCondLst>
+                                    <p:cond delay="0"/>
+                                  </p:stCondLst>
+                                  <p:childTnLst>
+                                    <p:set>
+                                      <p:cBhvr>
+                                        <p:cTn id="20" dur="1" fill="hold">
+                                          <p:stCondLst>
+                                            <p:cond delay="0"/>
+                                          </p:stCondLst>
+                                        </p:cTn>
+                                        <p:tgtEl>
+                                          <p:spTgt spid="3">
+                                            <p:txEl>
+                                              <p:pRg st="9" end="9"/>
+                                            </p:txEl>
+                                          </p:spTgt>
+                                        </p:tgtEl>
+                                        <p:attrNameLst>
+                                          <p:attrName>style.visibility</p:attrName>
+                                        </p:attrNameLst>
+                                      </p:cBhvr>
+                                      <p:to>
+                                        <p:strVal val="visible"/>
+                                      </p:to>
+                                    </p:set>
+                                  </p:childTnLst>
+                                </p:cTn>
+                              </p:par>
+                              <p:par>
+                                <p:cTn id="21" presetID="1" presetClass="entr" presetSubtype="0" fill="hold" nodeType="withEffect">
+                                  <p:stCondLst>
+                                    <p:cond delay="0"/>
+                                  </p:stCondLst>
+                                  <p:childTnLst>
+                                    <p:set>
+                                      <p:cBhvr>
+                                        <p:cTn id="22" dur="1" fill="hold">
+                                          <p:stCondLst>
+                                            <p:cond delay="0"/>
+                                          </p:stCondLst>
+                                        </p:cTn>
+                                        <p:tgtEl>
+                                          <p:spTgt spid="3">
+                                            <p:txEl>
+                                              <p:pRg st="10" end="10"/>
+                                            </p:txEl>
+                                          </p:spTgt>
+                                        </p:tgtEl>
+                                        <p:attrNameLst>
+                                          <p:attrName>style.visibility</p:attrName>
+                                        </p:attrNameLst>
+                                      </p:cBhvr>
+                                      <p:to>
+                                        <p:strVal val="visible"/>
+                                      </p:to>
+                                    </p:set>
+                                  </p:childTnLst>
+                                </p:cTn>
+                              </p:par>
+                            </p:childTnLst>
+                          </p:cTn>
+                        </p:par>
+                      </p:childTnLst>
+                    </p:cTn>
+                  </p:par>
+                </p:childTnLst>
+              </p:cTn>
+              <p:prevCondLst>
+                <p:cond evt="onPrev" delay="0">
+                  <p:tgtEl>
+                    <p:sldTgt/>
+                  </p:tgtEl>
+                </p:cond>
+              </p:prevCondLst>
+              <p:nextCondLst>
+                <p:cond evt="onNext" delay="0">
+                  <p:tgtEl>
+                    <p:sldTgt/>
+                  </p:tgtEl>
+                </p:cond>
+              </p:nextCondLst>
+            </p:seq>
+          </p:childTnLst>
+        </p:cTn>
+      </p:par>
+    </p:tnLst>
+  </p:timing>
+</p:sld>
+</file>
+
+<file path=ppt/slides/slide24.xml><?xml version="1.0" encoding="utf-8"?>
+<p:sld xmlns:a="http://schemas.openxmlformats.org/drawingml/2006/main" xmlns:r="http://schemas.openxmlformats.org/officeDocument/2006/relationships" xmlns:p="http://schemas.openxmlformats.org/presentationml/2006/main">
+  <p:cSld>
+    <p:spTree>
+      <p:nvGrpSpPr>
+        <p:cNvPr id="1" name=""/>
+        <p:cNvGrpSpPr/>
+        <p:nvPr/>
+      </p:nvGrpSpPr>
+      <p:grpSpPr>
+        <a:xfrm>
+          <a:off x="0" y="0"/>
+          <a:ext cx="0" cy="0"/>
+          <a:chOff x="0" y="0"/>
+          <a:chExt cx="0" cy="0"/>
+        </a:xfrm>
+      </p:grpSpPr>
+      <p:sp>
+        <p:nvSpPr>
+          <p:cNvPr id="2" name="Title 1">
+            <a:extLst>
+              <a:ext uri="{FF2B5EF4-FFF2-40B4-BE49-F238E27FC236}">
                 <a16:creationId xmlns:a16="http://schemas.microsoft.com/office/drawing/2014/main" id="{E34F0D66-F0D0-C571-DA16-560AB516FE90}"/>
               </a:ext>
             </a:extLst>
@@ -9507,7 +11628,7 @@
             <a:fld id="{7782931A-7D25-4B4B-9464-57AE418934A3}" type="slidenum">
               <a:rPr lang="en-US" smtClean="0"/>
               <a:pPr/>
-              <a:t>23</a:t>
+              <a:t>24</a:t>
             </a:fld>
             <a:endParaRPr lang="en-US"/>
           </a:p>
@@ -9561,7 +11682,7 @@
 </p:sld>
 </file>
 
-<file path=ppt/slides/slide24.xml><?xml version="1.0" encoding="utf-8"?>
+<file path=ppt/slides/slide25.xml><?xml version="1.0" encoding="utf-8"?>
 <p:sld xmlns:a="http://schemas.openxmlformats.org/drawingml/2006/main" xmlns:r="http://schemas.openxmlformats.org/officeDocument/2006/relationships" xmlns:p="http://schemas.openxmlformats.org/presentationml/2006/main">
   <p:cSld>
     <p:spTree>
@@ -10034,7 +12155,7 @@
             <a:fld id="{7782931A-7D25-4B4B-9464-57AE418934A3}" type="slidenum">
               <a:rPr lang="en-US" smtClean="0"/>
               <a:pPr/>
-              <a:t>24</a:t>
+              <a:t>25</a:t>
             </a:fld>
             <a:endParaRPr lang="en-US"/>
           </a:p>
@@ -10053,7 +12174,7 @@
 </p:sld>
 </file>
 
-<file path=ppt/slides/slide25.xml><?xml version="1.0" encoding="utf-8"?>
+<file path=ppt/slides/slide26.xml><?xml version="1.0" encoding="utf-8"?>
 <p:sld xmlns:a="http://schemas.openxmlformats.org/drawingml/2006/main" xmlns:r="http://schemas.openxmlformats.org/officeDocument/2006/relationships" xmlns:p="http://schemas.openxmlformats.org/presentationml/2006/main">
   <p:cSld>
     <p:spTree>
@@ -10213,7 +12334,7 @@
             <a:fld id="{7782931A-7D25-4B4B-9464-57AE418934A3}" type="slidenum">
               <a:rPr lang="en-US" smtClean="0"/>
               <a:pPr/>
-              <a:t>25</a:t>
+              <a:t>26</a:t>
             </a:fld>
             <a:endParaRPr lang="en-US"/>
           </a:p>
@@ -10292,7 +12413,7 @@
 </p:sld>
 </file>
 
-<file path=ppt/slides/slide26.xml><?xml version="1.0" encoding="utf-8"?>
+<file path=ppt/slides/slide27.xml><?xml version="1.0" encoding="utf-8"?>
 <p:sld xmlns:a="http://schemas.openxmlformats.org/drawingml/2006/main" xmlns:r="http://schemas.openxmlformats.org/officeDocument/2006/relationships" xmlns:p="http://schemas.openxmlformats.org/presentationml/2006/main">
   <p:cSld>
     <p:spTree>
@@ -10311,99 +12432,6 @@
       </p:grpSpPr>
       <p:sp>
         <p:nvSpPr>
-          <p:cNvPr id="9" name="Content Placeholder 8">
-            <a:extLst>
-              <a:ext uri="{FF2B5EF4-FFF2-40B4-BE49-F238E27FC236}">
-                <a16:creationId xmlns:a16="http://schemas.microsoft.com/office/drawing/2014/main" id="{A19733CA-AE3B-53F3-47F2-16E97525109C}"/>
-              </a:ext>
-            </a:extLst>
-          </p:cNvPr>
-          <p:cNvSpPr>
-            <a:spLocks noGrp="1"/>
-          </p:cNvSpPr>
-          <p:nvPr>
-            <p:ph sz="half" idx="11"/>
-          </p:nvPr>
-        </p:nvSpPr>
-        <p:spPr>
-          <a:xfrm>
-            <a:off x="1036640" y="5504145"/>
-            <a:ext cx="9869048" cy="1942138"/>
-          </a:xfrm>
-          <a:solidFill>
-            <a:schemeClr val="accent2"/>
-          </a:solidFill>
-        </p:spPr>
-        <p:txBody>
-          <a:bodyPr numCol="2"/>
-          <a:lstStyle/>
-          <a:p>
-            <a:pPr marL="0" indent="0" algn="ctr">
-              <a:buNone/>
-            </a:pPr>
-            <a:r>
-              <a:rPr lang="en-US" b="1" dirty="0"/>
-              <a:t>What are the underlying assumptions? </a:t>
-            </a:r>
-          </a:p>
-          <a:p>
-            <a:pPr marL="0" indent="0">
-              <a:buNone/>
-            </a:pPr>
-            <a:r>
-              <a:rPr lang="en-US" dirty="0"/>
-              <a:t>   - X is not affected by the event or time</a:t>
-            </a:r>
-            <a:br>
-              <a:rPr lang="en-US" dirty="0"/>
-            </a:br>
-            <a:r>
-              <a:rPr lang="en-US" dirty="0"/>
-              <a:t>   - No other treatments</a:t>
-            </a:r>
-            <a:br>
-              <a:rPr lang="en-US" dirty="0"/>
-            </a:br>
-            <a:endParaRPr lang="en-US" dirty="0"/>
-          </a:p>
-          <a:p>
-            <a:pPr marL="0" indent="0">
-              <a:buNone/>
-            </a:pPr>
-            <a:endParaRPr lang="en-US" dirty="0"/>
-          </a:p>
-          <a:p>
-            <a:pPr marL="0" indent="0">
-              <a:buNone/>
-            </a:pPr>
-            <a:endParaRPr lang="en-US" dirty="0"/>
-          </a:p>
-          <a:p>
-            <a:pPr marL="0" indent="0">
-              <a:buNone/>
-            </a:pPr>
-            <a:endParaRPr lang="en-US" dirty="0"/>
-          </a:p>
-          <a:p>
-            <a:pPr marL="0" indent="0">
-              <a:buNone/>
-            </a:pPr>
-            <a:r>
-              <a:rPr lang="en-US" dirty="0"/>
-              <a:t>   - f(.) is stable over time</a:t>
-            </a:r>
-            <a:br>
-              <a:rPr lang="en-US" dirty="0"/>
-            </a:br>
-            <a:r>
-              <a:rPr lang="en-US" dirty="0"/>
-              <a:t>   - No anticipation</a:t>
-            </a:r>
-          </a:p>
-        </p:txBody>
-      </p:sp>
-      <p:sp>
-        <p:nvSpPr>
           <p:cNvPr id="2" name="Title 1">
             <a:extLst>
               <a:ext uri="{FF2B5EF4-FFF2-40B4-BE49-F238E27FC236}">
@@ -10454,14 +12482,14 @@
             <a:fld id="{7782931A-7D25-4B4B-9464-57AE418934A3}" type="slidenum">
               <a:rPr lang="en-US" smtClean="0"/>
               <a:pPr/>
-              <a:t>26</a:t>
+              <a:t>27</a:t>
             </a:fld>
             <a:endParaRPr lang="en-US"/>
           </a:p>
         </p:txBody>
       </p:sp>
-      <mc:AlternateContent xmlns:mc="http://schemas.openxmlformats.org/markup-compatibility/2006" xmlns:a14="http://schemas.microsoft.com/office/drawing/2010/main">
-        <mc:Choice Requires="a14">
+      <mc:AlternateContent xmlns:mc="http://schemas.openxmlformats.org/markup-compatibility/2006">
+        <mc:Choice xmlns:a14="http://schemas.microsoft.com/office/drawing/2010/main" Requires="a14">
           <p:sp>
             <p:nvSpPr>
               <p:cNvPr id="8" name="Content Placeholder 7">
@@ -10923,7 +12951,7 @@
             </p:txBody>
           </p:sp>
         </mc:Choice>
-        <mc:Fallback xmlns="">
+        <mc:Fallback>
           <p:sp>
             <p:nvSpPr>
               <p:cNvPr id="8" name="Content Placeholder 7">
@@ -10977,237 +13005,10 @@
   <p:clrMapOvr>
     <a:masterClrMapping/>
   </p:clrMapOvr>
-  <p:timing>
-    <p:tnLst>
-      <p:par>
-        <p:cTn id="1" dur="indefinite" restart="never" nodeType="tmRoot">
-          <p:childTnLst>
-            <p:seq concurrent="1" nextAc="seek">
-              <p:cTn id="2" dur="indefinite" nodeType="mainSeq">
-                <p:childTnLst>
-                  <p:par>
-                    <p:cTn id="3" fill="hold">
-                      <p:stCondLst>
-                        <p:cond delay="indefinite"/>
-                      </p:stCondLst>
-                      <p:childTnLst>
-                        <p:par>
-                          <p:cTn id="4" fill="hold">
-                            <p:stCondLst>
-                              <p:cond delay="0"/>
-                            </p:stCondLst>
-                            <p:childTnLst>
-                              <p:par>
-                                <p:cTn id="5" presetID="1" presetClass="entr" presetSubtype="0" fill="hold" grpId="0" nodeType="clickEffect">
-                                  <p:stCondLst>
-                                    <p:cond delay="0"/>
-                                  </p:stCondLst>
-                                  <p:childTnLst>
-                                    <p:set>
-                                      <p:cBhvr>
-                                        <p:cTn id="6" dur="1" fill="hold">
-                                          <p:stCondLst>
-                                            <p:cond delay="0"/>
-                                          </p:stCondLst>
-                                        </p:cTn>
-                                        <p:tgtEl>
-                                          <p:spTgt spid="9">
-                                            <p:bg/>
-                                          </p:spTgt>
-                                        </p:tgtEl>
-                                        <p:attrNameLst>
-                                          <p:attrName>style.visibility</p:attrName>
-                                        </p:attrNameLst>
-                                      </p:cBhvr>
-                                      <p:to>
-                                        <p:strVal val="visible"/>
-                                      </p:to>
-                                    </p:set>
-                                  </p:childTnLst>
-                                </p:cTn>
-                              </p:par>
-                            </p:childTnLst>
-                          </p:cTn>
-                        </p:par>
-                      </p:childTnLst>
-                    </p:cTn>
-                  </p:par>
-                  <p:par>
-                    <p:cTn id="7" fill="hold">
-                      <p:stCondLst>
-                        <p:cond delay="indefinite"/>
-                      </p:stCondLst>
-                      <p:childTnLst>
-                        <p:par>
-                          <p:cTn id="8" fill="hold">
-                            <p:stCondLst>
-                              <p:cond delay="0"/>
-                            </p:stCondLst>
-                            <p:childTnLst>
-                              <p:par>
-                                <p:cTn id="9" presetID="1" presetClass="entr" presetSubtype="0" fill="hold" grpId="0" nodeType="clickEffect">
-                                  <p:stCondLst>
-                                    <p:cond delay="0"/>
-                                  </p:stCondLst>
-                                  <p:childTnLst>
-                                    <p:set>
-                                      <p:cBhvr>
-                                        <p:cTn id="10" dur="1" fill="hold">
-                                          <p:stCondLst>
-                                            <p:cond delay="0"/>
-                                          </p:stCondLst>
-                                        </p:cTn>
-                                        <p:tgtEl>
-                                          <p:spTgt spid="9">
-                                            <p:txEl>
-                                              <p:pRg st="0" end="0"/>
-                                            </p:txEl>
-                                          </p:spTgt>
-                                        </p:tgtEl>
-                                        <p:attrNameLst>
-                                          <p:attrName>style.visibility</p:attrName>
-                                        </p:attrNameLst>
-                                      </p:cBhvr>
-                                      <p:to>
-                                        <p:strVal val="visible"/>
-                                      </p:to>
-                                    </p:set>
-                                  </p:childTnLst>
-                                </p:cTn>
-                              </p:par>
-                            </p:childTnLst>
-                          </p:cTn>
-                        </p:par>
-                      </p:childTnLst>
-                    </p:cTn>
-                  </p:par>
-                  <p:par>
-                    <p:cTn id="11" fill="hold">
-                      <p:stCondLst>
-                        <p:cond delay="indefinite"/>
-                      </p:stCondLst>
-                      <p:childTnLst>
-                        <p:par>
-                          <p:cTn id="12" fill="hold">
-                            <p:stCondLst>
-                              <p:cond delay="0"/>
-                            </p:stCondLst>
-                            <p:childTnLst>
-                              <p:par>
-                                <p:cTn id="13" presetID="1" presetClass="entr" presetSubtype="0" fill="hold" grpId="0" nodeType="clickEffect">
-                                  <p:stCondLst>
-                                    <p:cond delay="0"/>
-                                  </p:stCondLst>
-                                  <p:childTnLst>
-                                    <p:set>
-                                      <p:cBhvr>
-                                        <p:cTn id="14" dur="1" fill="hold">
-                                          <p:stCondLst>
-                                            <p:cond delay="0"/>
-                                          </p:stCondLst>
-                                        </p:cTn>
-                                        <p:tgtEl>
-                                          <p:spTgt spid="9">
-                                            <p:txEl>
-                                              <p:pRg st="1" end="1"/>
-                                            </p:txEl>
-                                          </p:spTgt>
-                                        </p:tgtEl>
-                                        <p:attrNameLst>
-                                          <p:attrName>style.visibility</p:attrName>
-                                        </p:attrNameLst>
-                                      </p:cBhvr>
-                                      <p:to>
-                                        <p:strVal val="visible"/>
-                                      </p:to>
-                                    </p:set>
-                                  </p:childTnLst>
-                                </p:cTn>
-                              </p:par>
-                            </p:childTnLst>
-                          </p:cTn>
-                        </p:par>
-                      </p:childTnLst>
-                    </p:cTn>
-                  </p:par>
-                  <p:par>
-                    <p:cTn id="15" fill="hold">
-                      <p:stCondLst>
-                        <p:cond delay="indefinite"/>
-                      </p:stCondLst>
-                      <p:childTnLst>
-                        <p:par>
-                          <p:cTn id="16" fill="hold">
-                            <p:stCondLst>
-                              <p:cond delay="0"/>
-                            </p:stCondLst>
-                            <p:childTnLst>
-                              <p:par>
-                                <p:cTn id="17" presetID="1" presetClass="entr" presetSubtype="0" fill="hold" grpId="0" nodeType="clickEffect">
-                                  <p:stCondLst>
-                                    <p:cond delay="0"/>
-                                  </p:stCondLst>
-                                  <p:childTnLst>
-                                    <p:set>
-                                      <p:cBhvr>
-                                        <p:cTn id="18" dur="1" fill="hold">
-                                          <p:stCondLst>
-                                            <p:cond delay="0"/>
-                                          </p:stCondLst>
-                                        </p:cTn>
-                                        <p:tgtEl>
-                                          <p:spTgt spid="9">
-                                            <p:txEl>
-                                              <p:pRg st="5" end="5"/>
-                                            </p:txEl>
-                                          </p:spTgt>
-                                        </p:tgtEl>
-                                        <p:attrNameLst>
-                                          <p:attrName>style.visibility</p:attrName>
-                                        </p:attrNameLst>
-                                      </p:cBhvr>
-                                      <p:to>
-                                        <p:strVal val="visible"/>
-                                      </p:to>
-                                    </p:set>
-                                  </p:childTnLst>
-                                </p:cTn>
-                              </p:par>
-                            </p:childTnLst>
-                          </p:cTn>
-                        </p:par>
-                      </p:childTnLst>
-                    </p:cTn>
-                  </p:par>
-                </p:childTnLst>
-              </p:cTn>
-              <p:prevCondLst>
-                <p:cond evt="onPrev" delay="0">
-                  <p:tgtEl>
-                    <p:sldTgt/>
-                  </p:tgtEl>
-                </p:cond>
-              </p:prevCondLst>
-              <p:nextCondLst>
-                <p:cond evt="onNext" delay="0">
-                  <p:tgtEl>
-                    <p:sldTgt/>
-                  </p:tgtEl>
-                </p:cond>
-              </p:nextCondLst>
-            </p:seq>
-          </p:childTnLst>
-        </p:cTn>
-      </p:par>
-    </p:tnLst>
-    <p:bldLst>
-      <p:bldP spid="9" grpId="0" build="p" animBg="1"/>
-    </p:bldLst>
-  </p:timing>
 </p:sld>
 </file>
 
-<file path=ppt/slides/slide27.xml><?xml version="1.0" encoding="utf-8"?>
+<file path=ppt/slides/slide28.xml><?xml version="1.0" encoding="utf-8"?>
 <p:sld xmlns:a="http://schemas.openxmlformats.org/drawingml/2006/main" xmlns:r="http://schemas.openxmlformats.org/officeDocument/2006/relationships" xmlns:p="http://schemas.openxmlformats.org/presentationml/2006/main">
   <p:cSld>
     <p:spTree>
@@ -11369,7 +13170,7 @@
             <a:fld id="{7782931A-7D25-4B4B-9464-57AE418934A3}" type="slidenum">
               <a:rPr lang="en-US" smtClean="0"/>
               <a:pPr/>
-              <a:t>27</a:t>
+              <a:t>28</a:t>
             </a:fld>
             <a:endParaRPr lang="en-US"/>
           </a:p>
@@ -11424,253 +13225,6 @@
 </p:sld>
 </file>
 
-<file path=ppt/slides/slide28.xml><?xml version="1.0" encoding="utf-8"?>
-<p:sld xmlns:a="http://schemas.openxmlformats.org/drawingml/2006/main" xmlns:r="http://schemas.openxmlformats.org/officeDocument/2006/relationships" xmlns:p="http://schemas.openxmlformats.org/presentationml/2006/main">
-  <p:cSld>
-    <p:spTree>
-      <p:nvGrpSpPr>
-        <p:cNvPr id="1" name=""/>
-        <p:cNvGrpSpPr/>
-        <p:nvPr/>
-      </p:nvGrpSpPr>
-      <p:grpSpPr>
-        <a:xfrm>
-          <a:off x="0" y="0"/>
-          <a:ext cx="0" cy="0"/>
-          <a:chOff x="0" y="0"/>
-          <a:chExt cx="0" cy="0"/>
-        </a:xfrm>
-      </p:grpSpPr>
-      <p:sp>
-        <p:nvSpPr>
-          <p:cNvPr id="12" name="Title 1">
-            <a:extLst>
-              <a:ext uri="{FF2B5EF4-FFF2-40B4-BE49-F238E27FC236}">
-                <a16:creationId xmlns:a16="http://schemas.microsoft.com/office/drawing/2014/main" id="{04C88F6E-1B76-D040-2FBC-3862555D625B}"/>
-              </a:ext>
-            </a:extLst>
-          </p:cNvPr>
-          <p:cNvSpPr>
-            <a:spLocks noGrp="1"/>
-          </p:cNvSpPr>
-          <p:nvPr>
-            <p:ph type="title"/>
-          </p:nvPr>
-        </p:nvSpPr>
-        <p:spPr>
-          <a:xfrm>
-            <a:off x="1028700" y="999068"/>
-            <a:ext cx="11031220" cy="645284"/>
-          </a:xfrm>
-        </p:spPr>
-        <p:txBody>
-          <a:bodyPr/>
-          <a:lstStyle/>
-          <a:p>
-            <a:r>
-              <a:rPr lang="en-US" dirty="0"/>
-              <a:t>COVID-19 lockdown and air pollution</a:t>
-            </a:r>
-            <a:br>
-              <a:rPr lang="en-US" dirty="0"/>
-            </a:br>
-            <a:r>
-              <a:rPr lang="en-US" sz="2800" dirty="0"/>
-              <a:t>Granella et al. (2021)</a:t>
-            </a:r>
-          </a:p>
-        </p:txBody>
-      </p:sp>
-      <p:sp>
-        <p:nvSpPr>
-          <p:cNvPr id="14" name="Content Placeholder 2">
-            <a:extLst>
-              <a:ext uri="{FF2B5EF4-FFF2-40B4-BE49-F238E27FC236}">
-                <a16:creationId xmlns:a16="http://schemas.microsoft.com/office/drawing/2014/main" id="{8A108D71-8EE2-D38D-F23F-9AD0A9886C3C}"/>
-              </a:ext>
-            </a:extLst>
-          </p:cNvPr>
-          <p:cNvSpPr>
-            <a:spLocks noGrp="1"/>
-          </p:cNvSpPr>
-          <p:nvPr>
-            <p:ph sz="half" idx="1"/>
-          </p:nvPr>
-        </p:nvSpPr>
-        <p:spPr>
-          <a:xfrm>
-            <a:off x="1028700" y="2286003"/>
-            <a:ext cx="10246104" cy="3568696"/>
-          </a:xfrm>
-        </p:spPr>
-        <p:txBody>
-          <a:bodyPr/>
-          <a:lstStyle/>
-          <a:p>
-            <a:pPr marL="285750" indent="-285750">
-              <a:buFont typeface="Arial" panose="020B0604020202020204" pitchFamily="34" charset="0"/>
-              <a:buChar char="•"/>
-            </a:pPr>
-            <a:r>
-              <a:rPr lang="en-US" dirty="0"/>
-              <a:t>Lombardy is one of the most polluted regions in OECD countries</a:t>
-            </a:r>
-          </a:p>
-          <a:p>
-            <a:pPr marL="285750" indent="-285750">
-              <a:buFont typeface="Arial" panose="020B0604020202020204" pitchFamily="34" charset="0"/>
-              <a:buChar char="•"/>
-            </a:pPr>
-            <a:r>
-              <a:rPr lang="en-US" dirty="0"/>
-              <a:t>Reasons: geography, density, productive activities and agriculture</a:t>
-            </a:r>
-          </a:p>
-          <a:p>
-            <a:pPr marL="285750" indent="-285750">
-              <a:buFont typeface="Arial" panose="020B0604020202020204" pitchFamily="34" charset="0"/>
-              <a:buChar char="•"/>
-            </a:pPr>
-            <a:r>
-              <a:rPr lang="en-US" dirty="0"/>
-              <a:t>Formation, transport, and dispersion of pollutants are complex phenomena: </a:t>
-            </a:r>
-            <a:br>
-              <a:rPr lang="en-US" dirty="0"/>
-            </a:br>
-            <a:r>
-              <a:rPr lang="en-US" dirty="0"/>
-              <a:t>not easy to know how reducing emissions of pollutants would translate to reduction of concentrations. </a:t>
-            </a:r>
-          </a:p>
-          <a:p>
-            <a:pPr marL="285750" indent="-285750">
-              <a:buFont typeface="Arial" panose="020B0604020202020204" pitchFamily="34" charset="0"/>
-              <a:buChar char="•"/>
-            </a:pPr>
-            <a:r>
-              <a:rPr lang="en-US" dirty="0"/>
-              <a:t>COVID-19 lockdown can provide insights</a:t>
-            </a:r>
-          </a:p>
-          <a:p>
-            <a:pPr marL="285750" indent="-285750">
-              <a:buFont typeface="Arial" panose="020B0604020202020204" pitchFamily="34" charset="0"/>
-              <a:buChar char="•"/>
-            </a:pPr>
-            <a:r>
-              <a:rPr lang="en-US" dirty="0"/>
-              <a:t>What was the effect of the lockdown on air pollution?</a:t>
-            </a:r>
-          </a:p>
-          <a:p>
-            <a:pPr marL="285750" indent="-285750">
-              <a:buFont typeface="Arial" panose="020B0604020202020204" pitchFamily="34" charset="0"/>
-              <a:buChar char="•"/>
-            </a:pPr>
-            <a:r>
-              <a:rPr lang="en-US" b="1" dirty="0"/>
-              <a:t>But</a:t>
-            </a:r>
-            <a:r>
-              <a:rPr lang="en-US" dirty="0"/>
-              <a:t>: pollution highly dependent on weather</a:t>
-            </a:r>
-          </a:p>
-          <a:p>
-            <a:pPr marL="742950" lvl="1" indent="-285750">
-              <a:buFont typeface="Arial" panose="020B0604020202020204" pitchFamily="34" charset="0"/>
-              <a:buChar char="•"/>
-            </a:pPr>
-            <a:r>
-              <a:rPr lang="en-US" sz="1600" dirty="0"/>
-              <a:t> Cannot compare before vs during or 2019 vs 2020</a:t>
-            </a:r>
-          </a:p>
-          <a:p>
-            <a:pPr marL="285750" indent="-285750">
-              <a:buFont typeface="Arial" panose="020B0604020202020204" pitchFamily="34" charset="0"/>
-              <a:buChar char="•"/>
-            </a:pPr>
-            <a:r>
-              <a:rPr lang="en-US" dirty="0"/>
-              <a:t>Exploit instead this dependency</a:t>
-            </a:r>
-          </a:p>
-          <a:p>
-            <a:pPr marL="285750" indent="-285750">
-              <a:buFont typeface="Arial" panose="020B0604020202020204" pitchFamily="34" charset="0"/>
-              <a:buChar char="•"/>
-            </a:pPr>
-            <a:endParaRPr lang="en-US" dirty="0"/>
-          </a:p>
-        </p:txBody>
-      </p:sp>
-      <p:sp>
-        <p:nvSpPr>
-          <p:cNvPr id="7" name="Slide Number Placeholder 6">
-            <a:extLst>
-              <a:ext uri="{FF2B5EF4-FFF2-40B4-BE49-F238E27FC236}">
-                <a16:creationId xmlns:a16="http://schemas.microsoft.com/office/drawing/2014/main" id="{EE9DEF58-6FD1-CA6E-951A-ABBCC4E6B596}"/>
-              </a:ext>
-            </a:extLst>
-          </p:cNvPr>
-          <p:cNvSpPr>
-            <a:spLocks noGrp="1"/>
-          </p:cNvSpPr>
-          <p:nvPr>
-            <p:ph type="sldNum" sz="quarter" idx="13"/>
-          </p:nvPr>
-        </p:nvSpPr>
-        <p:spPr>
-          <a:xfrm>
-            <a:off x="11493500" y="6292334"/>
-            <a:ext cx="412750" cy="182880"/>
-          </a:xfrm>
-        </p:spPr>
-        <p:txBody>
-          <a:bodyPr anchor="ctr">
-            <a:normAutofit/>
-          </a:bodyPr>
-          <a:lstStyle/>
-          <a:p>
-            <a:pPr>
-              <a:lnSpc>
-                <a:spcPct val="90000"/>
-              </a:lnSpc>
-              <a:spcAft>
-                <a:spcPts val="600"/>
-              </a:spcAft>
-            </a:pPr>
-            <a:fld id="{7782931A-7D25-4B4B-9464-57AE418934A3}" type="slidenum">
-              <a:rPr lang="en-US" sz="600" smtClean="0"/>
-              <a:pPr>
-                <a:lnSpc>
-                  <a:spcPct val="90000"/>
-                </a:lnSpc>
-                <a:spcAft>
-                  <a:spcPts val="600"/>
-                </a:spcAft>
-              </a:pPr>
-              <a:t>28</a:t>
-            </a:fld>
-            <a:endParaRPr lang="en-US" sz="600"/>
-          </a:p>
-        </p:txBody>
-      </p:sp>
-    </p:spTree>
-    <p:extLst>
-      <p:ext uri="{BB962C8B-B14F-4D97-AF65-F5344CB8AC3E}">
-        <p14:creationId xmlns:p14="http://schemas.microsoft.com/office/powerpoint/2010/main" val="4081422939"/>
-      </p:ext>
-    </p:extLst>
-  </p:cSld>
-  <p:clrMapOvr>
-    <a:masterClrMapping/>
-  </p:clrMapOvr>
-</p:sld>
-</file>
-
 <file path=ppt/slides/slide29.xml><?xml version="1.0" encoding="utf-8"?>
 <p:sld xmlns:a="http://schemas.openxmlformats.org/drawingml/2006/main" xmlns:r="http://schemas.openxmlformats.org/officeDocument/2006/relationships" xmlns:p="http://schemas.openxmlformats.org/presentationml/2006/main">
   <p:cSld>
@@ -11714,39 +13268,145 @@
           <a:bodyPr/>
           <a:lstStyle/>
           <a:p>
-            <a:endParaRPr lang="en-US" sz="2800" dirty="0"/>
-          </a:p>
-        </p:txBody>
-      </p:sp>
-      <p:pic>
-        <p:nvPicPr>
-          <p:cNvPr id="3" name="Content Placeholder 2">
-            <a:extLst>
-              <a:ext uri="{FF2B5EF4-FFF2-40B4-BE49-F238E27FC236}">
-                <a16:creationId xmlns:a16="http://schemas.microsoft.com/office/drawing/2014/main" id="{459D1920-2F41-67C2-22A8-7378F645CC31}"/>
-              </a:ext>
-            </a:extLst>
-          </p:cNvPr>
-          <p:cNvPicPr>
-            <a:picLocks noGrp="1" noChangeAspect="1"/>
-          </p:cNvPicPr>
+            <a:r>
+              <a:rPr lang="en-US" dirty="0"/>
+              <a:t>COVID-19 lockdown and air pollution</a:t>
+            </a:r>
+            <a:br>
+              <a:rPr lang="en-US" dirty="0"/>
+            </a:br>
+            <a:r>
+              <a:rPr lang="en-US" sz="2800" dirty="0"/>
+              <a:t>Granella et al. (2021)</a:t>
+            </a:r>
+          </a:p>
+        </p:txBody>
+      </p:sp>
+      <p:sp>
+        <p:nvSpPr>
+          <p:cNvPr id="14" name="Content Placeholder 2">
+            <a:extLst>
+              <a:ext uri="{FF2B5EF4-FFF2-40B4-BE49-F238E27FC236}">
+                <a16:creationId xmlns:a16="http://schemas.microsoft.com/office/drawing/2014/main" id="{8A108D71-8EE2-D38D-F23F-9AD0A9886C3C}"/>
+              </a:ext>
+            </a:extLst>
+          </p:cNvPr>
+          <p:cNvSpPr>
+            <a:spLocks noGrp="1"/>
+          </p:cNvSpPr>
           <p:nvPr>
             <p:ph sz="half" idx="1"/>
           </p:nvPr>
-        </p:nvPicPr>
-        <p:blipFill>
-          <a:blip r:embed="rId2"/>
-          <a:stretch>
-            <a:fillRect/>
-          </a:stretch>
-        </p:blipFill>
+        </p:nvSpPr>
         <p:spPr>
           <a:xfrm>
-            <a:off x="1815880" y="532802"/>
-            <a:ext cx="8579291" cy="2857647"/>
+            <a:off x="1028700" y="2286003"/>
+            <a:ext cx="10246104" cy="3568696"/>
           </a:xfrm>
         </p:spPr>
-      </p:pic>
+        <p:txBody>
+          <a:bodyPr/>
+          <a:lstStyle/>
+          <a:p>
+            <a:pPr marL="285750" indent="-285750">
+              <a:buFont typeface="Arial" panose="020B0604020202020204" pitchFamily="34" charset="0"/>
+              <a:buChar char="•"/>
+            </a:pPr>
+            <a:r>
+              <a:rPr lang="en-US" dirty="0"/>
+              <a:t>Lombardy is one of the most polluted regions in OECD countries</a:t>
+            </a:r>
+          </a:p>
+          <a:p>
+            <a:pPr marL="285750" indent="-285750">
+              <a:buFont typeface="Arial" panose="020B0604020202020204" pitchFamily="34" charset="0"/>
+              <a:buChar char="•"/>
+            </a:pPr>
+            <a:r>
+              <a:rPr lang="en-US" dirty="0"/>
+              <a:t>Reasons: geography, density, productive activities and agriculture</a:t>
+            </a:r>
+          </a:p>
+          <a:p>
+            <a:pPr marL="285750" indent="-285750">
+              <a:buFont typeface="Arial" panose="020B0604020202020204" pitchFamily="34" charset="0"/>
+              <a:buChar char="•"/>
+            </a:pPr>
+            <a:r>
+              <a:rPr lang="en-US" dirty="0"/>
+              <a:t>Formation, transport, and dispersion of pollutants are complex phenomena: </a:t>
+            </a:r>
+            <a:br>
+              <a:rPr lang="en-US" dirty="0"/>
+            </a:br>
+            <a:r>
+              <a:rPr lang="en-US" dirty="0"/>
+              <a:t>not easy to know how reducing emissions of pollutants would translate to reduction of concentrations. </a:t>
+            </a:r>
+          </a:p>
+          <a:p>
+            <a:pPr marL="285750" indent="-285750">
+              <a:buFont typeface="Arial" panose="020B0604020202020204" pitchFamily="34" charset="0"/>
+              <a:buChar char="•"/>
+            </a:pPr>
+            <a:r>
+              <a:rPr lang="en-US" dirty="0"/>
+              <a:t>COVID-19 lockdown can provide insights</a:t>
+            </a:r>
+          </a:p>
+          <a:p>
+            <a:pPr marL="285750" indent="-285750">
+              <a:buFont typeface="Arial" panose="020B0604020202020204" pitchFamily="34" charset="0"/>
+              <a:buChar char="•"/>
+            </a:pPr>
+            <a:r>
+              <a:rPr lang="en-US" dirty="0"/>
+              <a:t>What was the effect of the lockdown on air pollution?</a:t>
+            </a:r>
+          </a:p>
+          <a:p>
+            <a:pPr marL="285750" indent="-285750">
+              <a:buFont typeface="Arial" panose="020B0604020202020204" pitchFamily="34" charset="0"/>
+              <a:buChar char="•"/>
+            </a:pPr>
+            <a:r>
+              <a:rPr lang="en-US" b="1" dirty="0"/>
+              <a:t>But</a:t>
+            </a:r>
+            <a:r>
+              <a:rPr lang="en-US" dirty="0"/>
+              <a:t>: pollution highly dependent on weather</a:t>
+            </a:r>
+          </a:p>
+          <a:p>
+            <a:pPr marL="742950" lvl="1" indent="-285750">
+              <a:buFont typeface="Arial" panose="020B0604020202020204" pitchFamily="34" charset="0"/>
+              <a:buChar char="•"/>
+            </a:pPr>
+            <a:r>
+              <a:rPr lang="en-US" sz="1600" dirty="0"/>
+              <a:t> Cannot compare before vs during or 2019 vs 2020</a:t>
+            </a:r>
+          </a:p>
+          <a:p>
+            <a:pPr marL="285750" indent="-285750">
+              <a:buFont typeface="Arial" panose="020B0604020202020204" pitchFamily="34" charset="0"/>
+              <a:buChar char="•"/>
+            </a:pPr>
+            <a:r>
+              <a:rPr lang="en-US" dirty="0"/>
+              <a:t>Exploit instead this dependency</a:t>
+            </a:r>
+          </a:p>
+          <a:p>
+            <a:pPr marL="285750" indent="-285750">
+              <a:buFont typeface="Arial" panose="020B0604020202020204" pitchFamily="34" charset="0"/>
+              <a:buChar char="•"/>
+            </a:pPr>
+            <a:endParaRPr lang="en-US" dirty="0"/>
+          </a:p>
+        </p:txBody>
+      </p:sp>
       <p:sp>
         <p:nvSpPr>
           <p:cNvPr id="7" name="Slide Number Placeholder 6">
@@ -11794,6 +13454,252 @@
                 </a:spcAft>
               </a:pPr>
               <a:t>29</a:t>
+            </a:fld>
+            <a:endParaRPr lang="en-US" sz="600"/>
+          </a:p>
+        </p:txBody>
+      </p:sp>
+    </p:spTree>
+    <p:extLst>
+      <p:ext uri="{BB962C8B-B14F-4D97-AF65-F5344CB8AC3E}">
+        <p14:creationId xmlns:p14="http://schemas.microsoft.com/office/powerpoint/2010/main" val="4081422939"/>
+      </p:ext>
+    </p:extLst>
+  </p:cSld>
+  <p:clrMapOvr>
+    <a:masterClrMapping/>
+  </p:clrMapOvr>
+</p:sld>
+</file>
+
+<file path=ppt/slides/slide3.xml><?xml version="1.0" encoding="utf-8"?>
+<p:sld xmlns:a="http://schemas.openxmlformats.org/drawingml/2006/main" xmlns:r="http://schemas.openxmlformats.org/officeDocument/2006/relationships" xmlns:p="http://schemas.openxmlformats.org/presentationml/2006/main">
+  <p:cSld>
+    <p:spTree>
+      <p:nvGrpSpPr>
+        <p:cNvPr id="1" name=""/>
+        <p:cNvGrpSpPr/>
+        <p:nvPr/>
+      </p:nvGrpSpPr>
+      <p:grpSpPr>
+        <a:xfrm>
+          <a:off x="0" y="0"/>
+          <a:ext cx="0" cy="0"/>
+          <a:chOff x="0" y="0"/>
+          <a:chExt cx="0" cy="0"/>
+        </a:xfrm>
+      </p:grpSpPr>
+      <p:sp>
+        <p:nvSpPr>
+          <p:cNvPr id="9" name="Title 8">
+            <a:extLst>
+              <a:ext uri="{FF2B5EF4-FFF2-40B4-BE49-F238E27FC236}">
+                <a16:creationId xmlns:a16="http://schemas.microsoft.com/office/drawing/2014/main" id="{9C99CF7C-AFAB-48F1-8FC3-CCCE989822A6}"/>
+              </a:ext>
+            </a:extLst>
+          </p:cNvPr>
+          <p:cNvSpPr>
+            <a:spLocks noGrp="1"/>
+          </p:cNvSpPr>
+          <p:nvPr>
+            <p:ph type="title"/>
+          </p:nvPr>
+        </p:nvSpPr>
+        <p:spPr/>
+        <p:txBody>
+          <a:bodyPr/>
+          <a:lstStyle/>
+          <a:p>
+            <a:r>
+              <a:rPr lang="en-US" dirty="0"/>
+              <a:t>Synthetic control methods</a:t>
+            </a:r>
+          </a:p>
+        </p:txBody>
+      </p:sp>
+      <p:sp>
+        <p:nvSpPr>
+          <p:cNvPr id="3" name="Content Placeholder 2">
+            <a:extLst>
+              <a:ext uri="{FF2B5EF4-FFF2-40B4-BE49-F238E27FC236}">
+                <a16:creationId xmlns:a16="http://schemas.microsoft.com/office/drawing/2014/main" id="{CA8ECC17-4660-124A-8996-54F15FD169C0}"/>
+              </a:ext>
+            </a:extLst>
+          </p:cNvPr>
+          <p:cNvSpPr>
+            <a:spLocks noGrp="1"/>
+          </p:cNvSpPr>
+          <p:nvPr>
+            <p:ph sz="quarter" idx="11"/>
+          </p:nvPr>
+        </p:nvSpPr>
+        <p:spPr/>
+        <p:txBody>
+          <a:bodyPr/>
+          <a:lstStyle/>
+          <a:p>
+            <a:r>
+              <a:rPr lang="en-US" dirty="0"/>
+              <a:t>Abadie, Diamon &amp; </a:t>
+            </a:r>
+            <a:r>
+              <a:rPr lang="en-US" dirty="0" err="1"/>
+              <a:t>Heinmueller</a:t>
+            </a:r>
+            <a:r>
+              <a:rPr lang="en-US" dirty="0"/>
+              <a:t> (2010) and Abadie, Diamond &amp; </a:t>
+            </a:r>
+            <a:r>
+              <a:rPr lang="en-US" dirty="0" err="1"/>
+              <a:t>Heinmueller</a:t>
+            </a:r>
+            <a:r>
+              <a:rPr lang="en-US" dirty="0"/>
+              <a:t> (2014) </a:t>
+            </a:r>
+          </a:p>
+          <a:p>
+            <a:endParaRPr lang="en-US" dirty="0"/>
+          </a:p>
+        </p:txBody>
+      </p:sp>
+    </p:spTree>
+    <p:extLst>
+      <p:ext uri="{BB962C8B-B14F-4D97-AF65-F5344CB8AC3E}">
+        <p14:creationId xmlns:p14="http://schemas.microsoft.com/office/powerpoint/2010/main" val="2605473726"/>
+      </p:ext>
+    </p:extLst>
+  </p:cSld>
+  <p:clrMapOvr>
+    <a:masterClrMapping/>
+  </p:clrMapOvr>
+</p:sld>
+</file>
+
+<file path=ppt/slides/slide30.xml><?xml version="1.0" encoding="utf-8"?>
+<p:sld xmlns:a="http://schemas.openxmlformats.org/drawingml/2006/main" xmlns:r="http://schemas.openxmlformats.org/officeDocument/2006/relationships" xmlns:p="http://schemas.openxmlformats.org/presentationml/2006/main">
+  <p:cSld>
+    <p:spTree>
+      <p:nvGrpSpPr>
+        <p:cNvPr id="1" name=""/>
+        <p:cNvGrpSpPr/>
+        <p:nvPr/>
+      </p:nvGrpSpPr>
+      <p:grpSpPr>
+        <a:xfrm>
+          <a:off x="0" y="0"/>
+          <a:ext cx="0" cy="0"/>
+          <a:chOff x="0" y="0"/>
+          <a:chExt cx="0" cy="0"/>
+        </a:xfrm>
+      </p:grpSpPr>
+      <p:sp>
+        <p:nvSpPr>
+          <p:cNvPr id="12" name="Title 1">
+            <a:extLst>
+              <a:ext uri="{FF2B5EF4-FFF2-40B4-BE49-F238E27FC236}">
+                <a16:creationId xmlns:a16="http://schemas.microsoft.com/office/drawing/2014/main" id="{04C88F6E-1B76-D040-2FBC-3862555D625B}"/>
+              </a:ext>
+            </a:extLst>
+          </p:cNvPr>
+          <p:cNvSpPr>
+            <a:spLocks noGrp="1"/>
+          </p:cNvSpPr>
+          <p:nvPr>
+            <p:ph type="title"/>
+          </p:nvPr>
+        </p:nvSpPr>
+        <p:spPr>
+          <a:xfrm>
+            <a:off x="1028700" y="999068"/>
+            <a:ext cx="11031220" cy="645284"/>
+          </a:xfrm>
+        </p:spPr>
+        <p:txBody>
+          <a:bodyPr/>
+          <a:lstStyle/>
+          <a:p>
+            <a:endParaRPr lang="en-US" sz="2800" dirty="0"/>
+          </a:p>
+        </p:txBody>
+      </p:sp>
+      <p:pic>
+        <p:nvPicPr>
+          <p:cNvPr id="3" name="Content Placeholder 2">
+            <a:extLst>
+              <a:ext uri="{FF2B5EF4-FFF2-40B4-BE49-F238E27FC236}">
+                <a16:creationId xmlns:a16="http://schemas.microsoft.com/office/drawing/2014/main" id="{459D1920-2F41-67C2-22A8-7378F645CC31}"/>
+              </a:ext>
+            </a:extLst>
+          </p:cNvPr>
+          <p:cNvPicPr>
+            <a:picLocks noGrp="1" noChangeAspect="1"/>
+          </p:cNvPicPr>
+          <p:nvPr>
+            <p:ph sz="half" idx="1"/>
+          </p:nvPr>
+        </p:nvPicPr>
+        <p:blipFill>
+          <a:blip r:embed="rId2"/>
+          <a:stretch>
+            <a:fillRect/>
+          </a:stretch>
+        </p:blipFill>
+        <p:spPr>
+          <a:xfrm>
+            <a:off x="1815880" y="532802"/>
+            <a:ext cx="8579291" cy="2857647"/>
+          </a:xfrm>
+        </p:spPr>
+      </p:pic>
+      <p:sp>
+        <p:nvSpPr>
+          <p:cNvPr id="7" name="Slide Number Placeholder 6">
+            <a:extLst>
+              <a:ext uri="{FF2B5EF4-FFF2-40B4-BE49-F238E27FC236}">
+                <a16:creationId xmlns:a16="http://schemas.microsoft.com/office/drawing/2014/main" id="{EE9DEF58-6FD1-CA6E-951A-ABBCC4E6B596}"/>
+              </a:ext>
+            </a:extLst>
+          </p:cNvPr>
+          <p:cNvSpPr>
+            <a:spLocks noGrp="1"/>
+          </p:cNvSpPr>
+          <p:nvPr>
+            <p:ph type="sldNum" sz="quarter" idx="13"/>
+          </p:nvPr>
+        </p:nvSpPr>
+        <p:spPr>
+          <a:xfrm>
+            <a:off x="11493500" y="6292334"/>
+            <a:ext cx="412750" cy="182880"/>
+          </a:xfrm>
+        </p:spPr>
+        <p:txBody>
+          <a:bodyPr anchor="ctr">
+            <a:normAutofit/>
+          </a:bodyPr>
+          <a:lstStyle/>
+          <a:p>
+            <a:pPr>
+              <a:lnSpc>
+                <a:spcPct val="90000"/>
+              </a:lnSpc>
+              <a:spcAft>
+                <a:spcPts val="600"/>
+              </a:spcAft>
+            </a:pPr>
+            <a:fld id="{7782931A-7D25-4B4B-9464-57AE418934A3}" type="slidenum">
+              <a:rPr lang="en-US" sz="600" smtClean="0"/>
+              <a:pPr>
+                <a:lnSpc>
+                  <a:spcPct val="90000"/>
+                </a:lnSpc>
+                <a:spcAft>
+                  <a:spcPts val="600"/>
+                </a:spcAft>
+              </a:pPr>
+              <a:t>30</a:t>
             </a:fld>
             <a:endParaRPr lang="en-US" sz="600"/>
           </a:p>
@@ -11842,426 +13748,7 @@
 </p:sld>
 </file>
 
-<file path=ppt/slides/slide3.xml><?xml version="1.0" encoding="utf-8"?>
-<p:sld xmlns:a="http://schemas.openxmlformats.org/drawingml/2006/main" xmlns:r="http://schemas.openxmlformats.org/officeDocument/2006/relationships" xmlns:p="http://schemas.openxmlformats.org/presentationml/2006/main">
-  <p:cSld>
-    <p:spTree>
-      <p:nvGrpSpPr>
-        <p:cNvPr id="1" name=""/>
-        <p:cNvGrpSpPr/>
-        <p:nvPr/>
-      </p:nvGrpSpPr>
-      <p:grpSpPr>
-        <a:xfrm>
-          <a:off x="0" y="0"/>
-          <a:ext cx="0" cy="0"/>
-          <a:chOff x="0" y="0"/>
-          <a:chExt cx="0" cy="0"/>
-        </a:xfrm>
-      </p:grpSpPr>
-      <p:sp>
-        <p:nvSpPr>
-          <p:cNvPr id="8" name="Title 7">
-            <a:extLst>
-              <a:ext uri="{FF2B5EF4-FFF2-40B4-BE49-F238E27FC236}">
-                <a16:creationId xmlns:a16="http://schemas.microsoft.com/office/drawing/2014/main" id="{0B193993-8D77-7F15-3AAB-CCF65A298E18}"/>
-              </a:ext>
-            </a:extLst>
-          </p:cNvPr>
-          <p:cNvSpPr>
-            <a:spLocks noGrp="1"/>
-          </p:cNvSpPr>
-          <p:nvPr>
-            <p:ph type="title"/>
-          </p:nvPr>
-        </p:nvSpPr>
-        <p:spPr/>
-        <p:txBody>
-          <a:bodyPr/>
-          <a:lstStyle/>
-          <a:p>
-            <a:r>
-              <a:rPr lang="en-US" dirty="0"/>
-              <a:t>The plan</a:t>
-            </a:r>
-          </a:p>
-        </p:txBody>
-      </p:sp>
-      <p:sp>
-        <p:nvSpPr>
-          <p:cNvPr id="9" name="Content Placeholder 8">
-            <a:extLst>
-              <a:ext uri="{FF2B5EF4-FFF2-40B4-BE49-F238E27FC236}">
-                <a16:creationId xmlns:a16="http://schemas.microsoft.com/office/drawing/2014/main" id="{E326CB49-390F-C1FE-123C-ACD2671DFBB8}"/>
-              </a:ext>
-            </a:extLst>
-          </p:cNvPr>
-          <p:cNvSpPr>
-            <a:spLocks noGrp="1"/>
-          </p:cNvSpPr>
-          <p:nvPr>
-            <p:ph sz="half" idx="1"/>
-          </p:nvPr>
-        </p:nvSpPr>
-        <p:spPr/>
-        <p:txBody>
-          <a:bodyPr/>
-          <a:lstStyle/>
-          <a:p>
-            <a:r>
-              <a:rPr lang="en-US" dirty="0"/>
-              <a:t>Overview of a few methods</a:t>
-            </a:r>
-          </a:p>
-          <a:p>
-            <a:r>
-              <a:rPr lang="en-US" dirty="0"/>
-              <a:t>Light on the math</a:t>
-            </a:r>
-          </a:p>
-          <a:p>
-            <a:r>
-              <a:rPr lang="en-US" dirty="0"/>
-              <a:t>Focus on the assumptions</a:t>
-            </a:r>
-          </a:p>
-          <a:p>
-            <a:endParaRPr lang="en-US" dirty="0"/>
-          </a:p>
-          <a:p>
-            <a:r>
-              <a:rPr lang="en-US" dirty="0"/>
-              <a:t>Be at ease and ask questions!</a:t>
-            </a:r>
-          </a:p>
-        </p:txBody>
-      </p:sp>
-      <p:sp>
-        <p:nvSpPr>
-          <p:cNvPr id="5" name="Slide Number Placeholder 4">
-            <a:extLst>
-              <a:ext uri="{FF2B5EF4-FFF2-40B4-BE49-F238E27FC236}">
-                <a16:creationId xmlns:a16="http://schemas.microsoft.com/office/drawing/2014/main" id="{EFB257E0-95F7-D1E9-C261-A8C1E30882D3}"/>
-              </a:ext>
-            </a:extLst>
-          </p:cNvPr>
-          <p:cNvSpPr>
-            <a:spLocks noGrp="1"/>
-          </p:cNvSpPr>
-          <p:nvPr>
-            <p:ph type="sldNum" sz="quarter" idx="13"/>
-          </p:nvPr>
-        </p:nvSpPr>
-        <p:spPr/>
-        <p:txBody>
-          <a:bodyPr/>
-          <a:lstStyle/>
-          <a:p>
-            <a:fld id="{7782931A-7D25-4B4B-9464-57AE418934A3}" type="slidenum">
-              <a:rPr lang="en-US" smtClean="0"/>
-              <a:pPr/>
-              <a:t>3</a:t>
-            </a:fld>
-            <a:endParaRPr lang="en-US"/>
-          </a:p>
-        </p:txBody>
-      </p:sp>
-      <p:pic>
-        <p:nvPicPr>
-          <p:cNvPr id="7" name="Picture 6" descr="A collage of a person&#10;&#10;Description automatically generated">
-            <a:extLst>
-              <a:ext uri="{FF2B5EF4-FFF2-40B4-BE49-F238E27FC236}">
-                <a16:creationId xmlns:a16="http://schemas.microsoft.com/office/drawing/2014/main" id="{9D2B0938-AD80-60E8-0F1B-7E1C5807025A}"/>
-              </a:ext>
-            </a:extLst>
-          </p:cNvPr>
-          <p:cNvPicPr>
-            <a:picLocks noChangeAspect="1"/>
-          </p:cNvPicPr>
-          <p:nvPr/>
-        </p:nvPicPr>
-        <p:blipFill>
-          <a:blip r:embed="rId2">
-            <a:extLst>
-              <a:ext uri="{28A0092B-C50C-407E-A947-70E740481C1C}">
-                <a14:useLocalDpi xmlns:a14="http://schemas.microsoft.com/office/drawing/2010/main" val="0"/>
-              </a:ext>
-            </a:extLst>
-          </a:blip>
-          <a:stretch>
-            <a:fillRect/>
-          </a:stretch>
-        </p:blipFill>
-        <p:spPr>
-          <a:xfrm>
-            <a:off x="6807386" y="95250"/>
-            <a:ext cx="4762500" cy="6762750"/>
-          </a:xfrm>
-          <a:prstGeom prst="rect">
-            <a:avLst/>
-          </a:prstGeom>
-        </p:spPr>
-      </p:pic>
-      <p:grpSp>
-        <p:nvGrpSpPr>
-          <p:cNvPr id="22" name="Group 21">
-            <a:extLst>
-              <a:ext uri="{FF2B5EF4-FFF2-40B4-BE49-F238E27FC236}">
-                <a16:creationId xmlns:a16="http://schemas.microsoft.com/office/drawing/2014/main" id="{1924157C-7103-022E-7BB4-FCC63FBDAC10}"/>
-              </a:ext>
-            </a:extLst>
-          </p:cNvPr>
-          <p:cNvGrpSpPr/>
-          <p:nvPr/>
-        </p:nvGrpSpPr>
-        <p:grpSpPr>
-          <a:xfrm>
-            <a:off x="6807386" y="111632"/>
-            <a:ext cx="4762500" cy="6746368"/>
-            <a:chOff x="1333500" y="76245"/>
-            <a:chExt cx="4762500" cy="6746368"/>
-          </a:xfrm>
-        </p:grpSpPr>
-        <p:pic>
-          <p:nvPicPr>
-            <p:cNvPr id="19" name="Picture 18" descr="A collage of a person&#10;&#10;Description automatically generated">
-              <a:extLst>
-                <a:ext uri="{FF2B5EF4-FFF2-40B4-BE49-F238E27FC236}">
-                  <a16:creationId xmlns:a16="http://schemas.microsoft.com/office/drawing/2014/main" id="{7D77EE8B-3ADE-A2F5-03E5-D67B64E871FA}"/>
-                </a:ext>
-              </a:extLst>
-            </p:cNvPr>
-            <p:cNvPicPr>
-              <a:picLocks noChangeAspect="1"/>
-            </p:cNvPicPr>
-            <p:nvPr/>
-          </p:nvPicPr>
-          <p:blipFill rotWithShape="1">
-            <a:blip r:embed="rId2">
-              <a:extLst>
-                <a:ext uri="{28A0092B-C50C-407E-A947-70E740481C1C}">
-                  <a14:useLocalDpi xmlns:a14="http://schemas.microsoft.com/office/drawing/2010/main" val="0"/>
-                </a:ext>
-              </a:extLst>
-            </a:blip>
-            <a:srcRect t="-248" b="80176"/>
-            <a:stretch/>
-          </p:blipFill>
-          <p:spPr>
-            <a:xfrm>
-              <a:off x="1333500" y="3957014"/>
-              <a:ext cx="4762500" cy="1357422"/>
-            </a:xfrm>
-            <a:prstGeom prst="rect">
-              <a:avLst/>
-            </a:prstGeom>
-          </p:spPr>
-        </p:pic>
-        <p:pic>
-          <p:nvPicPr>
-            <p:cNvPr id="20" name="Picture 19" descr="A collage of a person&#10;&#10;Description automatically generated">
-              <a:extLst>
-                <a:ext uri="{FF2B5EF4-FFF2-40B4-BE49-F238E27FC236}">
-                  <a16:creationId xmlns:a16="http://schemas.microsoft.com/office/drawing/2014/main" id="{9C23DB87-1E02-B28B-EA4B-4C789ACA0C7C}"/>
-                </a:ext>
-              </a:extLst>
-            </p:cNvPr>
-            <p:cNvPicPr>
-              <a:picLocks noChangeAspect="1"/>
-            </p:cNvPicPr>
-            <p:nvPr/>
-          </p:nvPicPr>
-          <p:blipFill rotWithShape="1">
-            <a:blip r:embed="rId2">
-              <a:extLst>
-                <a:ext uri="{28A0092B-C50C-407E-A947-70E740481C1C}">
-                  <a14:useLocalDpi xmlns:a14="http://schemas.microsoft.com/office/drawing/2010/main" val="0"/>
-                </a:ext>
-              </a:extLst>
-            </a:blip>
-            <a:srcRect t="78274"/>
-            <a:stretch/>
-          </p:blipFill>
-          <p:spPr>
-            <a:xfrm>
-              <a:off x="1333500" y="5353316"/>
-              <a:ext cx="4762500" cy="1469297"/>
-            </a:xfrm>
-            <a:prstGeom prst="rect">
-              <a:avLst/>
-            </a:prstGeom>
-          </p:spPr>
-        </p:pic>
-        <p:pic>
-          <p:nvPicPr>
-            <p:cNvPr id="21" name="Picture 20" descr="A collage of a person&#10;&#10;Description automatically generated">
-              <a:extLst>
-                <a:ext uri="{FF2B5EF4-FFF2-40B4-BE49-F238E27FC236}">
-                  <a16:creationId xmlns:a16="http://schemas.microsoft.com/office/drawing/2014/main" id="{463C6CA7-F21C-362B-1628-A94321163399}"/>
-                </a:ext>
-              </a:extLst>
-            </p:cNvPr>
-            <p:cNvPicPr>
-              <a:picLocks noChangeAspect="1"/>
-            </p:cNvPicPr>
-            <p:nvPr/>
-          </p:nvPicPr>
-          <p:blipFill rotWithShape="1">
-            <a:blip r:embed="rId2">
-              <a:extLst>
-                <a:ext uri="{28A0092B-C50C-407E-A947-70E740481C1C}">
-                  <a14:useLocalDpi xmlns:a14="http://schemas.microsoft.com/office/drawing/2010/main" val="0"/>
-                </a:ext>
-              </a:extLst>
-            </a:blip>
-            <a:srcRect t="20239" b="21717"/>
-            <a:stretch/>
-          </p:blipFill>
-          <p:spPr>
-            <a:xfrm>
-              <a:off x="1333500" y="76245"/>
-              <a:ext cx="4762500" cy="3925362"/>
-            </a:xfrm>
-            <a:prstGeom prst="rect">
-              <a:avLst/>
-            </a:prstGeom>
-          </p:spPr>
-        </p:pic>
-      </p:grpSp>
-    </p:spTree>
-    <p:extLst>
-      <p:ext uri="{BB962C8B-B14F-4D97-AF65-F5344CB8AC3E}">
-        <p14:creationId xmlns:p14="http://schemas.microsoft.com/office/powerpoint/2010/main" val="219956889"/>
-      </p:ext>
-    </p:extLst>
-  </p:cSld>
-  <p:clrMapOvr>
-    <a:masterClrMapping/>
-  </p:clrMapOvr>
-  <p:timing>
-    <p:tnLst>
-      <p:par>
-        <p:cTn id="1" dur="indefinite" restart="never" nodeType="tmRoot">
-          <p:childTnLst>
-            <p:seq concurrent="1" nextAc="seek">
-              <p:cTn id="2" dur="indefinite" nodeType="mainSeq">
-                <p:childTnLst>
-                  <p:par>
-                    <p:cTn id="3" fill="hold">
-                      <p:stCondLst>
-                        <p:cond delay="indefinite"/>
-                      </p:stCondLst>
-                      <p:childTnLst>
-                        <p:par>
-                          <p:cTn id="4" fill="hold">
-                            <p:stCondLst>
-                              <p:cond delay="0"/>
-                            </p:stCondLst>
-                            <p:childTnLst>
-                              <p:par>
-                                <p:cTn id="5" presetID="1" presetClass="entr" presetSubtype="0" fill="hold" nodeType="clickEffect">
-                                  <p:stCondLst>
-                                    <p:cond delay="0"/>
-                                  </p:stCondLst>
-                                  <p:childTnLst>
-                                    <p:set>
-                                      <p:cBhvr>
-                                        <p:cTn id="6" dur="1" fill="hold">
-                                          <p:stCondLst>
-                                            <p:cond delay="0"/>
-                                          </p:stCondLst>
-                                        </p:cTn>
-                                        <p:tgtEl>
-                                          <p:spTgt spid="7"/>
-                                        </p:tgtEl>
-                                        <p:attrNameLst>
-                                          <p:attrName>style.visibility</p:attrName>
-                                        </p:attrNameLst>
-                                      </p:cBhvr>
-                                      <p:to>
-                                        <p:strVal val="visible"/>
-                                      </p:to>
-                                    </p:set>
-                                  </p:childTnLst>
-                                </p:cTn>
-                              </p:par>
-                            </p:childTnLst>
-                          </p:cTn>
-                        </p:par>
-                      </p:childTnLst>
-                    </p:cTn>
-                  </p:par>
-                  <p:par>
-                    <p:cTn id="7" fill="hold">
-                      <p:stCondLst>
-                        <p:cond delay="indefinite"/>
-                      </p:stCondLst>
-                      <p:childTnLst>
-                        <p:par>
-                          <p:cTn id="8" fill="hold">
-                            <p:stCondLst>
-                              <p:cond delay="0"/>
-                            </p:stCondLst>
-                            <p:childTnLst>
-                              <p:par>
-                                <p:cTn id="9" presetID="1" presetClass="entr" presetSubtype="0" fill="hold" nodeType="clickEffect">
-                                  <p:stCondLst>
-                                    <p:cond delay="0"/>
-                                  </p:stCondLst>
-                                  <p:childTnLst>
-                                    <p:set>
-                                      <p:cBhvr>
-                                        <p:cTn id="10" dur="1" fill="hold">
-                                          <p:stCondLst>
-                                            <p:cond delay="0"/>
-                                          </p:stCondLst>
-                                        </p:cTn>
-                                        <p:tgtEl>
-                                          <p:spTgt spid="22"/>
-                                        </p:tgtEl>
-                                        <p:attrNameLst>
-                                          <p:attrName>style.visibility</p:attrName>
-                                        </p:attrNameLst>
-                                      </p:cBhvr>
-                                      <p:to>
-                                        <p:strVal val="visible"/>
-                                      </p:to>
-                                    </p:set>
-                                  </p:childTnLst>
-                                </p:cTn>
-                              </p:par>
-                            </p:childTnLst>
-                          </p:cTn>
-                        </p:par>
-                      </p:childTnLst>
-                    </p:cTn>
-                  </p:par>
-                </p:childTnLst>
-              </p:cTn>
-              <p:prevCondLst>
-                <p:cond evt="onPrev" delay="0">
-                  <p:tgtEl>
-                    <p:sldTgt/>
-                  </p:tgtEl>
-                </p:cond>
-              </p:prevCondLst>
-              <p:nextCondLst>
-                <p:cond evt="onNext" delay="0">
-                  <p:tgtEl>
-                    <p:sldTgt/>
-                  </p:tgtEl>
-                </p:cond>
-              </p:nextCondLst>
-            </p:seq>
-          </p:childTnLst>
-        </p:cTn>
-      </p:par>
-    </p:tnLst>
-  </p:timing>
-</p:sld>
-</file>
-
-<file path=ppt/slides/slide30.xml><?xml version="1.0" encoding="utf-8"?>
+<file path=ppt/slides/slide31.xml><?xml version="1.0" encoding="utf-8"?>
 <p:sld xmlns:a="http://schemas.openxmlformats.org/drawingml/2006/main" xmlns:r="http://schemas.openxmlformats.org/officeDocument/2006/relationships" xmlns:p="http://schemas.openxmlformats.org/presentationml/2006/main">
   <p:cSld>
     <p:spTree>
@@ -12427,7 +13914,7 @@
                   <a:spcPts val="600"/>
                 </a:spcAft>
               </a:pPr>
-              <a:t>30</a:t>
+              <a:t>31</a:t>
             </a:fld>
             <a:endParaRPr lang="en-US" sz="600"/>
           </a:p>
@@ -12446,7 +13933,7 @@
 </p:sld>
 </file>
 
-<file path=ppt/slides/slide31.xml><?xml version="1.0" encoding="utf-8"?>
+<file path=ppt/slides/slide32.xml><?xml version="1.0" encoding="utf-8"?>
 <p:sld xmlns:a="http://schemas.openxmlformats.org/drawingml/2006/main" xmlns:r="http://schemas.openxmlformats.org/officeDocument/2006/relationships" xmlns:p="http://schemas.openxmlformats.org/presentationml/2006/main">
   <p:cSld>
     <p:spTree>
@@ -12497,8 +13984,8 @@
           </a:p>
         </p:txBody>
       </p:sp>
-      <mc:AlternateContent xmlns:mc="http://schemas.openxmlformats.org/markup-compatibility/2006" xmlns:a14="http://schemas.microsoft.com/office/drawing/2010/main">
-        <mc:Choice Requires="a14">
+      <mc:AlternateContent xmlns:mc="http://schemas.openxmlformats.org/markup-compatibility/2006">
+        <mc:Choice xmlns:a14="http://schemas.microsoft.com/office/drawing/2010/main" Requires="a14">
           <p:sp>
             <p:nvSpPr>
               <p:cNvPr id="14" name="Content Placeholder 2">
@@ -12691,7 +14178,21 @@
                   <a:rPr lang="en-US" sz="1600" dirty="0"/>
                   <a:t>With K-fold cross-validation to limit overfitting</a:t>
                 </a:r>
-                <a:endParaRPr lang="en-US" dirty="0"/>
+              </a:p>
+              <a:p>
+                <a:pPr marL="800100" lvl="1" indent="-342900">
+                  <a:buFont typeface="Arial" panose="020B0604020202020204" pitchFamily="34" charset="0"/>
+                  <a:buChar char="•"/>
+                </a:pPr>
+                <a:r>
+                  <a:rPr lang="en-US" sz="1600" dirty="0"/>
+                  <a:t>This is the “</a:t>
+                </a:r>
+                <a:r>
+                  <a:rPr lang="en-US" sz="1600" b="1" dirty="0"/>
+                  <a:t>Training” set</a:t>
+                </a:r>
+                <a:endParaRPr lang="en-US" b="1" dirty="0"/>
               </a:p>
               <a:p>
                 <a:pPr marL="342900" indent="-342900">
@@ -12843,6 +14344,20 @@
                 <a:r>
                   <a:rPr lang="en-US" dirty="0"/>
                   <a:t>Evaluate predictive performance over January 1 to February 22 (pre-lockdown)</a:t>
+                </a:r>
+              </a:p>
+              <a:p>
+                <a:pPr marL="800100" lvl="1" indent="-342900">
+                  <a:buFont typeface="Arial" panose="020B0604020202020204" pitchFamily="34" charset="0"/>
+                  <a:buChar char="•"/>
+                </a:pPr>
+                <a:r>
+                  <a:rPr lang="en-US" sz="1600" dirty="0"/>
+                  <a:t>This is the “</a:t>
+                </a:r>
+                <a:r>
+                  <a:rPr lang="en-US" sz="1600" b="1" dirty="0"/>
+                  <a:t>Test” set</a:t>
                 </a:r>
               </a:p>
               <a:p>
@@ -13025,7 +14540,7 @@
             </p:txBody>
           </p:sp>
         </mc:Choice>
-        <mc:Fallback xmlns="">
+        <mc:Fallback>
           <p:sp>
             <p:nvSpPr>
               <p:cNvPr id="14" name="Content Placeholder 2">
@@ -13050,7 +14565,7 @@
               <a:blipFill>
                 <a:blip r:embed="rId2"/>
                 <a:stretch>
-                  <a:fillRect l="-1428" t="-2051"/>
+                  <a:fillRect l="-1428" t="-2051" b="-342"/>
                 </a:stretch>
               </a:blipFill>
             </p:spPr>
@@ -13069,152 +14584,6 @@
           </p:sp>
         </mc:Fallback>
       </mc:AlternateContent>
-      <p:sp>
-        <p:nvSpPr>
-          <p:cNvPr id="7" name="Slide Number Placeholder 6">
-            <a:extLst>
-              <a:ext uri="{FF2B5EF4-FFF2-40B4-BE49-F238E27FC236}">
-                <a16:creationId xmlns:a16="http://schemas.microsoft.com/office/drawing/2014/main" id="{EE9DEF58-6FD1-CA6E-951A-ABBCC4E6B596}"/>
-              </a:ext>
-            </a:extLst>
-          </p:cNvPr>
-          <p:cNvSpPr>
-            <a:spLocks noGrp="1"/>
-          </p:cNvSpPr>
-          <p:nvPr>
-            <p:ph type="sldNum" sz="quarter" idx="13"/>
-          </p:nvPr>
-        </p:nvSpPr>
-        <p:spPr>
-          <a:xfrm>
-            <a:off x="11493500" y="6292334"/>
-            <a:ext cx="412750" cy="182880"/>
-          </a:xfrm>
-        </p:spPr>
-        <p:txBody>
-          <a:bodyPr anchor="ctr">
-            <a:normAutofit/>
-          </a:bodyPr>
-          <a:lstStyle/>
-          <a:p>
-            <a:pPr>
-              <a:lnSpc>
-                <a:spcPct val="90000"/>
-              </a:lnSpc>
-              <a:spcAft>
-                <a:spcPts val="600"/>
-              </a:spcAft>
-            </a:pPr>
-            <a:fld id="{7782931A-7D25-4B4B-9464-57AE418934A3}" type="slidenum">
-              <a:rPr lang="en-US" sz="600" smtClean="0"/>
-              <a:pPr>
-                <a:lnSpc>
-                  <a:spcPct val="90000"/>
-                </a:lnSpc>
-                <a:spcAft>
-                  <a:spcPts val="600"/>
-                </a:spcAft>
-              </a:pPr>
-              <a:t>31</a:t>
-            </a:fld>
-            <a:endParaRPr lang="en-US" sz="600"/>
-          </a:p>
-        </p:txBody>
-      </p:sp>
-    </p:spTree>
-    <p:extLst>
-      <p:ext uri="{BB962C8B-B14F-4D97-AF65-F5344CB8AC3E}">
-        <p14:creationId xmlns:p14="http://schemas.microsoft.com/office/powerpoint/2010/main" val="665505244"/>
-      </p:ext>
-    </p:extLst>
-  </p:cSld>
-  <p:clrMapOvr>
-    <a:masterClrMapping/>
-  </p:clrMapOvr>
-</p:sld>
-</file>
-
-<file path=ppt/slides/slide32.xml><?xml version="1.0" encoding="utf-8"?>
-<p:sld xmlns:a="http://schemas.openxmlformats.org/drawingml/2006/main" xmlns:r="http://schemas.openxmlformats.org/officeDocument/2006/relationships" xmlns:p="http://schemas.openxmlformats.org/presentationml/2006/main">
-  <p:cSld>
-    <p:spTree>
-      <p:nvGrpSpPr>
-        <p:cNvPr id="1" name=""/>
-        <p:cNvGrpSpPr/>
-        <p:nvPr/>
-      </p:nvGrpSpPr>
-      <p:grpSpPr>
-        <a:xfrm>
-          <a:off x="0" y="0"/>
-          <a:ext cx="0" cy="0"/>
-          <a:chOff x="0" y="0"/>
-          <a:chExt cx="0" cy="0"/>
-        </a:xfrm>
-      </p:grpSpPr>
-      <p:sp>
-        <p:nvSpPr>
-          <p:cNvPr id="12" name="Title 1">
-            <a:extLst>
-              <a:ext uri="{FF2B5EF4-FFF2-40B4-BE49-F238E27FC236}">
-                <a16:creationId xmlns:a16="http://schemas.microsoft.com/office/drawing/2014/main" id="{04C88F6E-1B76-D040-2FBC-3862555D625B}"/>
-              </a:ext>
-            </a:extLst>
-          </p:cNvPr>
-          <p:cNvSpPr>
-            <a:spLocks noGrp="1"/>
-          </p:cNvSpPr>
-          <p:nvPr>
-            <p:ph type="title"/>
-          </p:nvPr>
-        </p:nvSpPr>
-        <p:spPr>
-          <a:xfrm>
-            <a:off x="1028700" y="999068"/>
-            <a:ext cx="11031220" cy="645284"/>
-          </a:xfrm>
-        </p:spPr>
-        <p:txBody>
-          <a:bodyPr/>
-          <a:lstStyle/>
-          <a:p>
-            <a:r>
-              <a:rPr lang="en-US" dirty="0"/>
-              <a:t>Predictive performance</a:t>
-            </a:r>
-            <a:endParaRPr lang="en-US" sz="2800" dirty="0"/>
-          </a:p>
-        </p:txBody>
-      </p:sp>
-      <p:sp>
-        <p:nvSpPr>
-          <p:cNvPr id="14" name="Content Placeholder 2">
-            <a:extLst>
-              <a:ext uri="{FF2B5EF4-FFF2-40B4-BE49-F238E27FC236}">
-                <a16:creationId xmlns:a16="http://schemas.microsoft.com/office/drawing/2014/main" id="{8A108D71-8EE2-D38D-F23F-9AD0A9886C3C}"/>
-              </a:ext>
-            </a:extLst>
-          </p:cNvPr>
-          <p:cNvSpPr>
-            <a:spLocks noGrp="1"/>
-          </p:cNvSpPr>
-          <p:nvPr>
-            <p:ph sz="half" idx="1"/>
-          </p:nvPr>
-        </p:nvSpPr>
-        <p:spPr>
-          <a:xfrm>
-            <a:off x="1028700" y="2286003"/>
-            <a:ext cx="10246104" cy="3568696"/>
-          </a:xfrm>
-        </p:spPr>
-        <p:txBody>
-          <a:bodyPr/>
-          <a:lstStyle/>
-          <a:p>
-            <a:endParaRPr lang="en-US" dirty="0"/>
-          </a:p>
-        </p:txBody>
-      </p:sp>
       <p:sp>
         <p:nvSpPr>
           <p:cNvPr id="7" name="Slide Number Placeholder 6">
@@ -13262,6 +14631,507 @@
                 </a:spcAft>
               </a:pPr>
               <a:t>32</a:t>
+            </a:fld>
+            <a:endParaRPr lang="en-US" sz="600"/>
+          </a:p>
+        </p:txBody>
+      </p:sp>
+    </p:spTree>
+    <p:extLst>
+      <p:ext uri="{BB962C8B-B14F-4D97-AF65-F5344CB8AC3E}">
+        <p14:creationId xmlns:p14="http://schemas.microsoft.com/office/powerpoint/2010/main" val="665505244"/>
+      </p:ext>
+    </p:extLst>
+  </p:cSld>
+  <p:clrMapOvr>
+    <a:masterClrMapping/>
+  </p:clrMapOvr>
+</p:sld>
+</file>
+
+<file path=ppt/slides/slide33.xml><?xml version="1.0" encoding="utf-8"?>
+<p:sld xmlns:a="http://schemas.openxmlformats.org/drawingml/2006/main" xmlns:r="http://schemas.openxmlformats.org/officeDocument/2006/relationships" xmlns:p="http://schemas.openxmlformats.org/presentationml/2006/main">
+  <p:cSld>
+    <p:spTree>
+      <p:nvGrpSpPr>
+        <p:cNvPr id="1" name=""/>
+        <p:cNvGrpSpPr/>
+        <p:nvPr/>
+      </p:nvGrpSpPr>
+      <p:grpSpPr>
+        <a:xfrm>
+          <a:off x="0" y="0"/>
+          <a:ext cx="0" cy="0"/>
+          <a:chOff x="0" y="0"/>
+          <a:chExt cx="0" cy="0"/>
+        </a:xfrm>
+      </p:grpSpPr>
+      <p:sp>
+        <p:nvSpPr>
+          <p:cNvPr id="12" name="Title 1">
+            <a:extLst>
+              <a:ext uri="{FF2B5EF4-FFF2-40B4-BE49-F238E27FC236}">
+                <a16:creationId xmlns:a16="http://schemas.microsoft.com/office/drawing/2014/main" id="{04C88F6E-1B76-D040-2FBC-3862555D625B}"/>
+              </a:ext>
+            </a:extLst>
+          </p:cNvPr>
+          <p:cNvSpPr>
+            <a:spLocks noGrp="1"/>
+          </p:cNvSpPr>
+          <p:nvPr>
+            <p:ph type="title"/>
+          </p:nvPr>
+        </p:nvSpPr>
+        <p:spPr>
+          <a:xfrm>
+            <a:off x="1028700" y="999068"/>
+            <a:ext cx="11031220" cy="645284"/>
+          </a:xfrm>
+        </p:spPr>
+        <p:txBody>
+          <a:bodyPr/>
+          <a:lstStyle/>
+          <a:p>
+            <a:r>
+              <a:rPr lang="en-US" dirty="0"/>
+              <a:t>Assumptions</a:t>
+            </a:r>
+            <a:endParaRPr lang="en-US" sz="2800" dirty="0"/>
+          </a:p>
+        </p:txBody>
+      </p:sp>
+      <p:sp>
+        <p:nvSpPr>
+          <p:cNvPr id="14" name="Content Placeholder 2">
+            <a:extLst>
+              <a:ext uri="{FF2B5EF4-FFF2-40B4-BE49-F238E27FC236}">
+                <a16:creationId xmlns:a16="http://schemas.microsoft.com/office/drawing/2014/main" id="{8A108D71-8EE2-D38D-F23F-9AD0A9886C3C}"/>
+              </a:ext>
+            </a:extLst>
+          </p:cNvPr>
+          <p:cNvSpPr>
+            <a:spLocks noGrp="1"/>
+          </p:cNvSpPr>
+          <p:nvPr>
+            <p:ph sz="half" idx="1"/>
+          </p:nvPr>
+        </p:nvSpPr>
+        <p:spPr>
+          <a:xfrm>
+            <a:off x="1028700" y="2286003"/>
+            <a:ext cx="10246104" cy="3568696"/>
+          </a:xfrm>
+        </p:spPr>
+        <p:txBody>
+          <a:bodyPr/>
+          <a:lstStyle/>
+          <a:p>
+            <a:pPr marL="342900" indent="-342900">
+              <a:buFont typeface="+mj-lt"/>
+              <a:buAutoNum type="arabicPeriod"/>
+            </a:pPr>
+            <a:r>
+              <a:rPr lang="en-US" dirty="0"/>
+              <a:t>X not affected by treatment</a:t>
+            </a:r>
+          </a:p>
+          <a:p>
+            <a:pPr marL="342900" indent="-342900">
+              <a:buFont typeface="+mj-lt"/>
+              <a:buAutoNum type="arabicPeriod"/>
+            </a:pPr>
+            <a:r>
+              <a:rPr lang="en-US" dirty="0"/>
+              <a:t>No other treatments</a:t>
+            </a:r>
+          </a:p>
+          <a:p>
+            <a:pPr marL="342900" indent="-342900">
+              <a:buFont typeface="+mj-lt"/>
+              <a:buAutoNum type="arabicPeriod"/>
+            </a:pPr>
+            <a:r>
+              <a:rPr lang="en-US" dirty="0"/>
+              <a:t>f(.) is stable over time</a:t>
+            </a:r>
+          </a:p>
+          <a:p>
+            <a:pPr marL="342900" indent="-342900">
+              <a:buFont typeface="+mj-lt"/>
+              <a:buAutoNum type="arabicPeriod"/>
+            </a:pPr>
+            <a:r>
+              <a:rPr lang="en-US" dirty="0"/>
+              <a:t>No anticipation</a:t>
+            </a:r>
+          </a:p>
+        </p:txBody>
+      </p:sp>
+      <p:sp>
+        <p:nvSpPr>
+          <p:cNvPr id="7" name="Slide Number Placeholder 6">
+            <a:extLst>
+              <a:ext uri="{FF2B5EF4-FFF2-40B4-BE49-F238E27FC236}">
+                <a16:creationId xmlns:a16="http://schemas.microsoft.com/office/drawing/2014/main" id="{EE9DEF58-6FD1-CA6E-951A-ABBCC4E6B596}"/>
+              </a:ext>
+            </a:extLst>
+          </p:cNvPr>
+          <p:cNvSpPr>
+            <a:spLocks noGrp="1"/>
+          </p:cNvSpPr>
+          <p:nvPr>
+            <p:ph type="sldNum" sz="quarter" idx="13"/>
+          </p:nvPr>
+        </p:nvSpPr>
+        <p:spPr>
+          <a:xfrm>
+            <a:off x="11493500" y="6292334"/>
+            <a:ext cx="412750" cy="182880"/>
+          </a:xfrm>
+        </p:spPr>
+        <p:txBody>
+          <a:bodyPr anchor="ctr">
+            <a:normAutofit/>
+          </a:bodyPr>
+          <a:lstStyle/>
+          <a:p>
+            <a:pPr>
+              <a:lnSpc>
+                <a:spcPct val="90000"/>
+              </a:lnSpc>
+              <a:spcAft>
+                <a:spcPts val="600"/>
+              </a:spcAft>
+            </a:pPr>
+            <a:fld id="{7782931A-7D25-4B4B-9464-57AE418934A3}" type="slidenum">
+              <a:rPr lang="en-US" sz="600" smtClean="0"/>
+              <a:pPr>
+                <a:lnSpc>
+                  <a:spcPct val="90000"/>
+                </a:lnSpc>
+                <a:spcAft>
+                  <a:spcPts val="600"/>
+                </a:spcAft>
+              </a:pPr>
+              <a:t>33</a:t>
+            </a:fld>
+            <a:endParaRPr lang="en-US" sz="600"/>
+          </a:p>
+        </p:txBody>
+      </p:sp>
+    </p:spTree>
+    <p:extLst>
+      <p:ext uri="{BB962C8B-B14F-4D97-AF65-F5344CB8AC3E}">
+        <p14:creationId xmlns:p14="http://schemas.microsoft.com/office/powerpoint/2010/main" val="4257977257"/>
+      </p:ext>
+    </p:extLst>
+  </p:cSld>
+  <p:clrMapOvr>
+    <a:masterClrMapping/>
+  </p:clrMapOvr>
+  <p:timing>
+    <p:tnLst>
+      <p:par>
+        <p:cTn id="1" dur="indefinite" restart="never" nodeType="tmRoot">
+          <p:childTnLst>
+            <p:seq concurrent="1" nextAc="seek">
+              <p:cTn id="2" dur="indefinite" nodeType="mainSeq">
+                <p:childTnLst>
+                  <p:par>
+                    <p:cTn id="3" fill="hold">
+                      <p:stCondLst>
+                        <p:cond delay="indefinite"/>
+                      </p:stCondLst>
+                      <p:childTnLst>
+                        <p:par>
+                          <p:cTn id="4" fill="hold">
+                            <p:stCondLst>
+                              <p:cond delay="0"/>
+                            </p:stCondLst>
+                            <p:childTnLst>
+                              <p:par>
+                                <p:cTn id="5" presetID="1" presetClass="entr" presetSubtype="0" fill="hold" nodeType="clickEffect">
+                                  <p:stCondLst>
+                                    <p:cond delay="0"/>
+                                  </p:stCondLst>
+                                  <p:childTnLst>
+                                    <p:set>
+                                      <p:cBhvr>
+                                        <p:cTn id="6" dur="1" fill="hold">
+                                          <p:stCondLst>
+                                            <p:cond delay="0"/>
+                                          </p:stCondLst>
+                                        </p:cTn>
+                                        <p:tgtEl>
+                                          <p:spTgt spid="14">
+                                            <p:txEl>
+                                              <p:pRg st="0" end="0"/>
+                                            </p:txEl>
+                                          </p:spTgt>
+                                        </p:tgtEl>
+                                        <p:attrNameLst>
+                                          <p:attrName>style.visibility</p:attrName>
+                                        </p:attrNameLst>
+                                      </p:cBhvr>
+                                      <p:to>
+                                        <p:strVal val="visible"/>
+                                      </p:to>
+                                    </p:set>
+                                  </p:childTnLst>
+                                </p:cTn>
+                              </p:par>
+                              <p:par>
+                                <p:cTn id="7" presetID="1" presetClass="entr" presetSubtype="0" fill="hold" nodeType="withEffect">
+                                  <p:stCondLst>
+                                    <p:cond delay="0"/>
+                                  </p:stCondLst>
+                                  <p:childTnLst>
+                                    <p:set>
+                                      <p:cBhvr>
+                                        <p:cTn id="8" dur="1" fill="hold">
+                                          <p:stCondLst>
+                                            <p:cond delay="0"/>
+                                          </p:stCondLst>
+                                        </p:cTn>
+                                        <p:tgtEl>
+                                          <p:spTgt spid="14">
+                                            <p:txEl>
+                                              <p:pRg st="1" end="1"/>
+                                            </p:txEl>
+                                          </p:spTgt>
+                                        </p:tgtEl>
+                                        <p:attrNameLst>
+                                          <p:attrName>style.visibility</p:attrName>
+                                        </p:attrNameLst>
+                                      </p:cBhvr>
+                                      <p:to>
+                                        <p:strVal val="visible"/>
+                                      </p:to>
+                                    </p:set>
+                                  </p:childTnLst>
+                                </p:cTn>
+                              </p:par>
+                              <p:par>
+                                <p:cTn id="9" presetID="1" presetClass="entr" presetSubtype="0" fill="hold" nodeType="withEffect">
+                                  <p:stCondLst>
+                                    <p:cond delay="0"/>
+                                  </p:stCondLst>
+                                  <p:childTnLst>
+                                    <p:set>
+                                      <p:cBhvr>
+                                        <p:cTn id="10" dur="1" fill="hold">
+                                          <p:stCondLst>
+                                            <p:cond delay="0"/>
+                                          </p:stCondLst>
+                                        </p:cTn>
+                                        <p:tgtEl>
+                                          <p:spTgt spid="14">
+                                            <p:txEl>
+                                              <p:pRg st="2" end="2"/>
+                                            </p:txEl>
+                                          </p:spTgt>
+                                        </p:tgtEl>
+                                        <p:attrNameLst>
+                                          <p:attrName>style.visibility</p:attrName>
+                                        </p:attrNameLst>
+                                      </p:cBhvr>
+                                      <p:to>
+                                        <p:strVal val="visible"/>
+                                      </p:to>
+                                    </p:set>
+                                  </p:childTnLst>
+                                </p:cTn>
+                              </p:par>
+                              <p:par>
+                                <p:cTn id="11" presetID="1" presetClass="entr" presetSubtype="0" fill="hold" nodeType="withEffect">
+                                  <p:stCondLst>
+                                    <p:cond delay="0"/>
+                                  </p:stCondLst>
+                                  <p:childTnLst>
+                                    <p:set>
+                                      <p:cBhvr>
+                                        <p:cTn id="12" dur="1" fill="hold">
+                                          <p:stCondLst>
+                                            <p:cond delay="0"/>
+                                          </p:stCondLst>
+                                        </p:cTn>
+                                        <p:tgtEl>
+                                          <p:spTgt spid="14">
+                                            <p:txEl>
+                                              <p:pRg st="3" end="3"/>
+                                            </p:txEl>
+                                          </p:spTgt>
+                                        </p:tgtEl>
+                                        <p:attrNameLst>
+                                          <p:attrName>style.visibility</p:attrName>
+                                        </p:attrNameLst>
+                                      </p:cBhvr>
+                                      <p:to>
+                                        <p:strVal val="visible"/>
+                                      </p:to>
+                                    </p:set>
+                                  </p:childTnLst>
+                                </p:cTn>
+                              </p:par>
+                            </p:childTnLst>
+                          </p:cTn>
+                        </p:par>
+                      </p:childTnLst>
+                    </p:cTn>
+                  </p:par>
+                </p:childTnLst>
+              </p:cTn>
+              <p:prevCondLst>
+                <p:cond evt="onPrev" delay="0">
+                  <p:tgtEl>
+                    <p:sldTgt/>
+                  </p:tgtEl>
+                </p:cond>
+              </p:prevCondLst>
+              <p:nextCondLst>
+                <p:cond evt="onNext" delay="0">
+                  <p:tgtEl>
+                    <p:sldTgt/>
+                  </p:tgtEl>
+                </p:cond>
+              </p:nextCondLst>
+            </p:seq>
+          </p:childTnLst>
+        </p:cTn>
+      </p:par>
+    </p:tnLst>
+  </p:timing>
+</p:sld>
+</file>
+
+<file path=ppt/slides/slide34.xml><?xml version="1.0" encoding="utf-8"?>
+<p:sld xmlns:a="http://schemas.openxmlformats.org/drawingml/2006/main" xmlns:r="http://schemas.openxmlformats.org/officeDocument/2006/relationships" xmlns:p="http://schemas.openxmlformats.org/presentationml/2006/main">
+  <p:cSld>
+    <p:spTree>
+      <p:nvGrpSpPr>
+        <p:cNvPr id="1" name=""/>
+        <p:cNvGrpSpPr/>
+        <p:nvPr/>
+      </p:nvGrpSpPr>
+      <p:grpSpPr>
+        <a:xfrm>
+          <a:off x="0" y="0"/>
+          <a:ext cx="0" cy="0"/>
+          <a:chOff x="0" y="0"/>
+          <a:chExt cx="0" cy="0"/>
+        </a:xfrm>
+      </p:grpSpPr>
+      <p:sp>
+        <p:nvSpPr>
+          <p:cNvPr id="12" name="Title 1">
+            <a:extLst>
+              <a:ext uri="{FF2B5EF4-FFF2-40B4-BE49-F238E27FC236}">
+                <a16:creationId xmlns:a16="http://schemas.microsoft.com/office/drawing/2014/main" id="{04C88F6E-1B76-D040-2FBC-3862555D625B}"/>
+              </a:ext>
+            </a:extLst>
+          </p:cNvPr>
+          <p:cNvSpPr>
+            <a:spLocks noGrp="1"/>
+          </p:cNvSpPr>
+          <p:nvPr>
+            <p:ph type="title"/>
+          </p:nvPr>
+        </p:nvSpPr>
+        <p:spPr>
+          <a:xfrm>
+            <a:off x="1028700" y="999068"/>
+            <a:ext cx="11031220" cy="645284"/>
+          </a:xfrm>
+        </p:spPr>
+        <p:txBody>
+          <a:bodyPr/>
+          <a:lstStyle/>
+          <a:p>
+            <a:r>
+              <a:rPr lang="en-US" dirty="0"/>
+              <a:t>Predictive performance</a:t>
+            </a:r>
+            <a:endParaRPr lang="en-US" sz="2800" dirty="0"/>
+          </a:p>
+        </p:txBody>
+      </p:sp>
+      <p:sp>
+        <p:nvSpPr>
+          <p:cNvPr id="14" name="Content Placeholder 2">
+            <a:extLst>
+              <a:ext uri="{FF2B5EF4-FFF2-40B4-BE49-F238E27FC236}">
+                <a16:creationId xmlns:a16="http://schemas.microsoft.com/office/drawing/2014/main" id="{8A108D71-8EE2-D38D-F23F-9AD0A9886C3C}"/>
+              </a:ext>
+            </a:extLst>
+          </p:cNvPr>
+          <p:cNvSpPr>
+            <a:spLocks noGrp="1"/>
+          </p:cNvSpPr>
+          <p:nvPr>
+            <p:ph sz="half" idx="1"/>
+          </p:nvPr>
+        </p:nvSpPr>
+        <p:spPr>
+          <a:xfrm>
+            <a:off x="1028700" y="2286003"/>
+            <a:ext cx="10246104" cy="3568696"/>
+          </a:xfrm>
+        </p:spPr>
+        <p:txBody>
+          <a:bodyPr/>
+          <a:lstStyle/>
+          <a:p>
+            <a:endParaRPr lang="en-US" dirty="0"/>
+          </a:p>
+        </p:txBody>
+      </p:sp>
+      <p:sp>
+        <p:nvSpPr>
+          <p:cNvPr id="7" name="Slide Number Placeholder 6">
+            <a:extLst>
+              <a:ext uri="{FF2B5EF4-FFF2-40B4-BE49-F238E27FC236}">
+                <a16:creationId xmlns:a16="http://schemas.microsoft.com/office/drawing/2014/main" id="{EE9DEF58-6FD1-CA6E-951A-ABBCC4E6B596}"/>
+              </a:ext>
+            </a:extLst>
+          </p:cNvPr>
+          <p:cNvSpPr>
+            <a:spLocks noGrp="1"/>
+          </p:cNvSpPr>
+          <p:nvPr>
+            <p:ph type="sldNum" sz="quarter" idx="13"/>
+          </p:nvPr>
+        </p:nvSpPr>
+        <p:spPr>
+          <a:xfrm>
+            <a:off x="11493500" y="6292334"/>
+            <a:ext cx="412750" cy="182880"/>
+          </a:xfrm>
+        </p:spPr>
+        <p:txBody>
+          <a:bodyPr anchor="ctr">
+            <a:normAutofit/>
+          </a:bodyPr>
+          <a:lstStyle/>
+          <a:p>
+            <a:pPr>
+              <a:lnSpc>
+                <a:spcPct val="90000"/>
+              </a:lnSpc>
+              <a:spcAft>
+                <a:spcPts val="600"/>
+              </a:spcAft>
+            </a:pPr>
+            <a:fld id="{7782931A-7D25-4B4B-9464-57AE418934A3}" type="slidenum">
+              <a:rPr lang="en-US" sz="600" smtClean="0"/>
+              <a:pPr>
+                <a:lnSpc>
+                  <a:spcPct val="90000"/>
+                </a:lnSpc>
+                <a:spcAft>
+                  <a:spcPts val="600"/>
+                </a:spcAft>
+              </a:pPr>
+              <a:t>34</a:t>
             </a:fld>
             <a:endParaRPr lang="en-US" sz="600"/>
           </a:p>
@@ -13310,7 +15180,7 @@
 </p:sld>
 </file>
 
-<file path=ppt/slides/slide33.xml><?xml version="1.0" encoding="utf-8"?>
+<file path=ppt/slides/slide35.xml><?xml version="1.0" encoding="utf-8"?>
 <p:sld xmlns:a="http://schemas.openxmlformats.org/drawingml/2006/main" xmlns:r="http://schemas.openxmlformats.org/officeDocument/2006/relationships" xmlns:p="http://schemas.openxmlformats.org/presentationml/2006/main">
   <p:cSld>
     <p:spTree>
@@ -13442,7 +15312,7 @@
                   <a:spcPts val="600"/>
                 </a:spcAft>
               </a:pPr>
-              <a:t>33</a:t>
+              <a:t>35</a:t>
             </a:fld>
             <a:endParaRPr lang="en-US" sz="600"/>
           </a:p>
@@ -13490,7 +15360,7 @@
 </p:sld>
 </file>
 
-<file path=ppt/slides/slide34.xml><?xml version="1.0" encoding="utf-8"?>
+<file path=ppt/slides/slide36.xml><?xml version="1.0" encoding="utf-8"?>
 <p:sld xmlns:a="http://schemas.openxmlformats.org/drawingml/2006/main" xmlns:r="http://schemas.openxmlformats.org/officeDocument/2006/relationships" xmlns:p="http://schemas.openxmlformats.org/presentationml/2006/main">
   <p:cSld>
     <p:spTree>
@@ -13593,7 +15463,7 @@
                   <a:spcPts val="600"/>
                 </a:spcAft>
               </a:pPr>
-              <a:t>34</a:t>
+              <a:t>36</a:t>
             </a:fld>
             <a:endParaRPr lang="en-US" sz="600"/>
           </a:p>
@@ -13642,7 +15512,7 @@
 </p:sld>
 </file>
 
-<file path=ppt/slides/slide35.xml><?xml version="1.0" encoding="utf-8"?>
+<file path=ppt/slides/slide37.xml><?xml version="1.0" encoding="utf-8"?>
 <p:sld xmlns:a="http://schemas.openxmlformats.org/drawingml/2006/main" xmlns:r="http://schemas.openxmlformats.org/officeDocument/2006/relationships" xmlns:p="http://schemas.openxmlformats.org/presentationml/2006/main">
   <p:cSld>
     <p:spTree>
@@ -13729,7 +15599,7 @@
                   <a:spcPts val="600"/>
                 </a:spcAft>
               </a:pPr>
-              <a:t>35</a:t>
+              <a:t>37</a:t>
             </a:fld>
             <a:endParaRPr lang="en-US" sz="600"/>
           </a:p>
@@ -13796,7 +15666,7 @@
           <a:p>
             <a:r>
               <a:rPr lang="en-US" sz="1800" dirty="0"/>
-              <a:t>Make sure to understand context assumptions depend on!</a:t>
+              <a:t>Make sure to understand assumptions methods depend on!</a:t>
             </a:r>
           </a:p>
           <a:p>
@@ -13823,7 +15693,7 @@
 </p:sld>
 </file>
 
-<file path=ppt/slides/slide36.xml><?xml version="1.0" encoding="utf-8"?>
+<file path=ppt/slides/slide38.xml><?xml version="1.0" encoding="utf-8"?>
 <p:sld xmlns:a="http://schemas.openxmlformats.org/drawingml/2006/main" xmlns:r="http://schemas.openxmlformats.org/officeDocument/2006/relationships" xmlns:p="http://schemas.openxmlformats.org/presentationml/2006/main">
   <p:cSld>
     <p:spTree>
@@ -13891,61 +15761,52 @@
           <a:p>
             <a:r>
               <a:rPr lang="en-US" dirty="0"/>
+              <a:t>You can reach me at</a:t>
+            </a:r>
+          </a:p>
+          <a:p>
+            <a:r>
+              <a:rPr lang="en-US" dirty="0"/>
               <a:t>francesco.granella@cmcc.it</a:t>
             </a:r>
           </a:p>
         </p:txBody>
       </p:sp>
-      <p:sp>
-        <p:nvSpPr>
-          <p:cNvPr id="4" name="Picture Placeholder 3">
-            <a:extLst>
-              <a:ext uri="{FF2B5EF4-FFF2-40B4-BE49-F238E27FC236}">
-                <a16:creationId xmlns:a16="http://schemas.microsoft.com/office/drawing/2014/main" id="{6BC5E935-E805-C7D3-571B-D932D4F12F69}"/>
-              </a:ext>
-            </a:extLst>
-          </p:cNvPr>
-          <p:cNvSpPr>
-            <a:spLocks noGrp="1"/>
-          </p:cNvSpPr>
-          <p:nvPr>
-            <p:ph type="pic" sz="quarter" idx="10"/>
-          </p:nvPr>
-        </p:nvSpPr>
-        <p:spPr/>
-        <p:txBody>
-          <a:bodyPr/>
-          <a:lstStyle/>
-          <a:p>
-            <a:endParaRPr lang="en-US" dirty="0"/>
-          </a:p>
-        </p:txBody>
-      </p:sp>
-      <p:sp>
-        <p:nvSpPr>
-          <p:cNvPr id="5" name="Content Placeholder 4">
-            <a:extLst>
-              <a:ext uri="{FF2B5EF4-FFF2-40B4-BE49-F238E27FC236}">
-                <a16:creationId xmlns:a16="http://schemas.microsoft.com/office/drawing/2014/main" id="{5F57B9C3-ABAF-1567-C775-5D5660C6810E}"/>
-              </a:ext>
-            </a:extLst>
-          </p:cNvPr>
-          <p:cNvSpPr>
-            <a:spLocks noGrp="1"/>
-          </p:cNvSpPr>
+      <p:pic>
+        <p:nvPicPr>
+          <p:cNvPr id="10" name="Content Placeholder 9" descr="A group of stick figures with text&#10;&#10;Description automatically generated">
+            <a:extLst>
+              <a:ext uri="{FF2B5EF4-FFF2-40B4-BE49-F238E27FC236}">
+                <a16:creationId xmlns:a16="http://schemas.microsoft.com/office/drawing/2014/main" id="{CD66EF03-E46D-0368-6EC1-C82E52D06D8F}"/>
+              </a:ext>
+            </a:extLst>
+          </p:cNvPr>
+          <p:cNvPicPr>
+            <a:picLocks noGrp="1" noChangeAspect="1"/>
+          </p:cNvPicPr>
           <p:nvPr>
             <p:ph sz="quarter" idx="12"/>
           </p:nvPr>
-        </p:nvSpPr>
-        <p:spPr/>
-        <p:txBody>
-          <a:bodyPr/>
-          <a:lstStyle/>
-          <a:p>
-            <a:endParaRPr lang="en-US"/>
-          </a:p>
-        </p:txBody>
-      </p:sp>
+        </p:nvPicPr>
+        <p:blipFill>
+          <a:blip r:embed="rId2">
+            <a:extLst>
+              <a:ext uri="{28A0092B-C50C-407E-A947-70E740481C1C}">
+                <a14:useLocalDpi xmlns:a14="http://schemas.microsoft.com/office/drawing/2010/main" val="0"/>
+              </a:ext>
+            </a:extLst>
+          </a:blip>
+          <a:stretch>
+            <a:fillRect/>
+          </a:stretch>
+        </p:blipFill>
+        <p:spPr>
+          <a:xfrm>
+            <a:off x="1058093" y="3794108"/>
+            <a:ext cx="4436932" cy="1793141"/>
+          </a:xfrm>
+        </p:spPr>
+      </p:pic>
       <p:sp>
         <p:nvSpPr>
           <p:cNvPr id="8" name="Slide Number Placeholder 7">
@@ -13970,7 +15831,7 @@
             <a:fld id="{7782931A-7D25-4B4B-9464-57AE418934A3}" type="slidenum">
               <a:rPr lang="en-US" smtClean="0"/>
               <a:pPr/>
-              <a:t>36</a:t>
+              <a:t>38</a:t>
             </a:fld>
             <a:endParaRPr lang="en-US"/>
           </a:p>
@@ -14008,111 +15869,6 @@
       </p:grpSpPr>
       <p:sp>
         <p:nvSpPr>
-          <p:cNvPr id="9" name="Title 8">
-            <a:extLst>
-              <a:ext uri="{FF2B5EF4-FFF2-40B4-BE49-F238E27FC236}">
-                <a16:creationId xmlns:a16="http://schemas.microsoft.com/office/drawing/2014/main" id="{9C99CF7C-AFAB-48F1-8FC3-CCCE989822A6}"/>
-              </a:ext>
-            </a:extLst>
-          </p:cNvPr>
-          <p:cNvSpPr>
-            <a:spLocks noGrp="1"/>
-          </p:cNvSpPr>
-          <p:nvPr>
-            <p:ph type="title"/>
-          </p:nvPr>
-        </p:nvSpPr>
-        <p:spPr/>
-        <p:txBody>
-          <a:bodyPr/>
-          <a:lstStyle/>
-          <a:p>
-            <a:r>
-              <a:rPr lang="en-US" dirty="0"/>
-              <a:t>Synthetic control methods</a:t>
-            </a:r>
-          </a:p>
-        </p:txBody>
-      </p:sp>
-      <p:sp>
-        <p:nvSpPr>
-          <p:cNvPr id="3" name="Content Placeholder 2">
-            <a:extLst>
-              <a:ext uri="{FF2B5EF4-FFF2-40B4-BE49-F238E27FC236}">
-                <a16:creationId xmlns:a16="http://schemas.microsoft.com/office/drawing/2014/main" id="{CA8ECC17-4660-124A-8996-54F15FD169C0}"/>
-              </a:ext>
-            </a:extLst>
-          </p:cNvPr>
-          <p:cNvSpPr>
-            <a:spLocks noGrp="1"/>
-          </p:cNvSpPr>
-          <p:nvPr>
-            <p:ph sz="quarter" idx="11"/>
-          </p:nvPr>
-        </p:nvSpPr>
-        <p:spPr/>
-        <p:txBody>
-          <a:bodyPr/>
-          <a:lstStyle/>
-          <a:p>
-            <a:r>
-              <a:rPr lang="en-US" dirty="0"/>
-              <a:t>Abadie, Diamon &amp; </a:t>
-            </a:r>
-            <a:r>
-              <a:rPr lang="en-US" dirty="0" err="1"/>
-              <a:t>Heinmueller</a:t>
-            </a:r>
-            <a:r>
-              <a:rPr lang="en-US" dirty="0"/>
-              <a:t> (2010) and Abadie, Diamon &amp; </a:t>
-            </a:r>
-            <a:r>
-              <a:rPr lang="en-US" dirty="0" err="1"/>
-              <a:t>Heinmueller</a:t>
-            </a:r>
-            <a:r>
-              <a:rPr lang="en-US" dirty="0"/>
-              <a:t> (2014) </a:t>
-            </a:r>
-          </a:p>
-          <a:p>
-            <a:endParaRPr lang="en-US" dirty="0"/>
-          </a:p>
-        </p:txBody>
-      </p:sp>
-    </p:spTree>
-    <p:extLst>
-      <p:ext uri="{BB962C8B-B14F-4D97-AF65-F5344CB8AC3E}">
-        <p14:creationId xmlns:p14="http://schemas.microsoft.com/office/powerpoint/2010/main" val="2605473726"/>
-      </p:ext>
-    </p:extLst>
-  </p:cSld>
-  <p:clrMapOvr>
-    <a:masterClrMapping/>
-  </p:clrMapOvr>
-</p:sld>
-</file>
-
-<file path=ppt/slides/slide5.xml><?xml version="1.0" encoding="utf-8"?>
-<p:sld xmlns:a="http://schemas.openxmlformats.org/drawingml/2006/main" xmlns:r="http://schemas.openxmlformats.org/officeDocument/2006/relationships" xmlns:p="http://schemas.openxmlformats.org/presentationml/2006/main">
-  <p:cSld>
-    <p:spTree>
-      <p:nvGrpSpPr>
-        <p:cNvPr id="1" name=""/>
-        <p:cNvGrpSpPr/>
-        <p:nvPr/>
-      </p:nvGrpSpPr>
-      <p:grpSpPr>
-        <a:xfrm>
-          <a:off x="0" y="0"/>
-          <a:ext cx="0" cy="0"/>
-          <a:chOff x="0" y="0"/>
-          <a:chExt cx="0" cy="0"/>
-        </a:xfrm>
-      </p:grpSpPr>
-      <p:sp>
-        <p:nvSpPr>
           <p:cNvPr id="2" name="Title 1">
             <a:extLst>
               <a:ext uri="{FF2B5EF4-FFF2-40B4-BE49-F238E27FC236}">
@@ -14172,93 +15928,117 @@
           <a:p>
             <a:pPr algn="ctr"/>
             <a:r>
-              <a:rPr lang="en-US" i="1" dirty="0"/>
+              <a:rPr lang="en-US" sz="1600" i="1" dirty="0"/>
               <a:t>“Arguably the most important innovation in the policy evaluation literature in the last 15 years” </a:t>
             </a:r>
           </a:p>
           <a:p>
             <a:pPr algn="ctr"/>
             <a:r>
-              <a:rPr lang="en-US" i="1" dirty="0" err="1"/>
+              <a:rPr lang="en-US" sz="1600" i="1" dirty="0" err="1"/>
               <a:t>Athey</a:t>
             </a:r>
             <a:r>
-              <a:rPr lang="en-US" i="1" dirty="0"/>
+              <a:rPr lang="en-US" sz="1600" i="1" dirty="0"/>
               <a:t> and </a:t>
             </a:r>
             <a:r>
-              <a:rPr lang="en-US" i="1" dirty="0" err="1"/>
+              <a:rPr lang="en-US" sz="1600" i="1" dirty="0" err="1"/>
               <a:t>Imbens</a:t>
             </a:r>
             <a:r>
-              <a:rPr lang="en-US" i="1" dirty="0"/>
+              <a:rPr lang="en-US" sz="1600" i="1" dirty="0"/>
               <a:t> (2017)</a:t>
             </a:r>
           </a:p>
           <a:p>
-            <a:endParaRPr lang="en-US" dirty="0"/>
-          </a:p>
-          <a:p>
-            <a:r>
-              <a:rPr lang="en-US" dirty="0"/>
-              <a:t>Few untreated unit and only one treated unit</a:t>
-            </a:r>
-          </a:p>
-          <a:p>
-            <a:r>
-              <a:rPr lang="en-US" dirty="0"/>
-              <a:t>Until 20 years ago, typical scenario of </a:t>
-            </a:r>
-            <a:r>
-              <a:rPr lang="en-US" i="1" dirty="0"/>
-              <a:t>case studies</a:t>
-            </a:r>
-            <a:r>
-              <a:rPr lang="en-US" dirty="0"/>
-              <a:t>: handpick comparison units and combine quantitative evidence with a </a:t>
-            </a:r>
-            <a:r>
-              <a:rPr lang="en-US" i="1" dirty="0"/>
-              <a:t>great deal of contextual knowledge, theory, qualitative evidence</a:t>
-            </a:r>
-            <a:r>
-              <a:rPr lang="en-US" dirty="0"/>
-              <a:t>. </a:t>
-            </a:r>
-          </a:p>
-          <a:p>
-            <a:r>
-              <a:rPr lang="en-US" dirty="0"/>
-              <a:t>Selection of comparison units is crucial: if not sufficiently similar to the unit of interest, one might mistake underlying differences with the effects of the treatment.</a:t>
-            </a:r>
-          </a:p>
-          <a:p>
-            <a:r>
-              <a:rPr lang="en-US" dirty="0"/>
-              <a:t>SCM: systematic way to </a:t>
-            </a:r>
-            <a:r>
-              <a:rPr lang="en-US" b="1" dirty="0"/>
-              <a:t>select</a:t>
-            </a:r>
-            <a:r>
-              <a:rPr lang="en-US" dirty="0"/>
-              <a:t> and </a:t>
-            </a:r>
-            <a:r>
-              <a:rPr lang="en-US" b="1" dirty="0"/>
-              <a:t>weight</a:t>
-            </a:r>
-            <a:r>
-              <a:rPr lang="en-US" dirty="0"/>
-              <a:t> comparison units based on preintervention observables.</a:t>
-            </a:r>
-          </a:p>
-          <a:p>
-            <a:endParaRPr lang="en-US" dirty="0"/>
-          </a:p>
-          <a:p>
-            <a:endParaRPr lang="en-US" dirty="0"/>
+            <a:endParaRPr lang="en-US" sz="1600" dirty="0"/>
+          </a:p>
+          <a:p>
+            <a:pPr marL="285750" indent="-285750">
+              <a:buFont typeface="Arial" panose="020B0604020202020204" pitchFamily="34" charset="0"/>
+              <a:buChar char="•"/>
+            </a:pPr>
+            <a:r>
+              <a:rPr lang="en-US" sz="1600" dirty="0"/>
+              <a:t>Few untreated units and only one treated unit</a:t>
+            </a:r>
+          </a:p>
+          <a:p>
+            <a:r>
+              <a:rPr lang="en-US" sz="1400" dirty="0"/>
+              <a:t>	</a:t>
+            </a:r>
+            <a:r>
+              <a:rPr lang="en-US" sz="1400" i="1" dirty="0"/>
+              <a:t>Example: California passes anti-tobacco legislation. Effect on tobacco use?</a:t>
+            </a:r>
+            <a:endParaRPr lang="en-US" sz="1600" dirty="0"/>
+          </a:p>
+          <a:p>
+            <a:pPr marL="285750" indent="-285750">
+              <a:buFont typeface="Arial" panose="020B0604020202020204" pitchFamily="34" charset="0"/>
+              <a:buChar char="•"/>
+            </a:pPr>
+            <a:r>
+              <a:rPr lang="en-US" sz="1600" dirty="0"/>
+              <a:t>Comparative case studies</a:t>
+            </a:r>
+          </a:p>
+          <a:p>
+            <a:pPr marL="742950" lvl="1" indent="-285750">
+              <a:buFont typeface="Arial" panose="020B0604020202020204" pitchFamily="34" charset="0"/>
+              <a:buChar char="•"/>
+            </a:pPr>
+            <a:r>
+              <a:rPr lang="en-US" sz="1400" dirty="0"/>
+              <a:t>Handpick comparison units. Great deal of </a:t>
+            </a:r>
+            <a:r>
+              <a:rPr lang="en-US" sz="1400" b="1" dirty="0"/>
+              <a:t>contextual knowledge</a:t>
+            </a:r>
+            <a:r>
+              <a:rPr lang="en-US" sz="1400" dirty="0"/>
+              <a:t>, theory, qualitative evidence. </a:t>
+            </a:r>
+          </a:p>
+          <a:p>
+            <a:pPr marL="285750" indent="-285750">
+              <a:buFont typeface="Arial" panose="020B0604020202020204" pitchFamily="34" charset="0"/>
+              <a:buChar char="•"/>
+            </a:pPr>
+            <a:r>
+              <a:rPr lang="en-US" sz="1600" b="1" dirty="0"/>
+              <a:t>Selection of comparison units</a:t>
+            </a:r>
+            <a:r>
+              <a:rPr lang="en-US" sz="1600" dirty="0"/>
+              <a:t> is crucial: if not sufficiently similar to the unit of interest, one might mistake underlying differences with the effects of the treatment.</a:t>
+            </a:r>
+          </a:p>
+          <a:p>
+            <a:pPr marL="285750" indent="-285750">
+              <a:buFont typeface="Arial" panose="020B0604020202020204" pitchFamily="34" charset="0"/>
+              <a:buChar char="•"/>
+            </a:pPr>
+            <a:endParaRPr lang="en-US" sz="1600" dirty="0"/>
+          </a:p>
+          <a:p>
+            <a:pPr marL="285750" indent="-285750">
+              <a:buFont typeface="Arial" panose="020B0604020202020204" pitchFamily="34" charset="0"/>
+              <a:buChar char="•"/>
+            </a:pPr>
+            <a:r>
+              <a:rPr lang="en-US" sz="1600" dirty="0"/>
+              <a:t>SCM: builds an average of comparison units, selected and weighted in a systematic way based on preintervention observables.</a:t>
+            </a:r>
+          </a:p>
+          <a:p>
+            <a:endParaRPr lang="en-US" sz="1600" dirty="0"/>
+          </a:p>
+          <a:p>
+            <a:endParaRPr lang="en-US" sz="1600" dirty="0"/>
           </a:p>
         </p:txBody>
       </p:sp>
@@ -14291,7 +16071,7 @@
             <a:fld id="{7782931A-7D25-4B4B-9464-57AE418934A3}" type="slidenum">
               <a:rPr lang="en-US" smtClean="0"/>
               <a:pPr/>
-              <a:t>5</a:t>
+              <a:t>4</a:t>
             </a:fld>
             <a:endParaRPr lang="en-US"/>
           </a:p>
@@ -14307,10 +16087,138 @@
   <p:clrMapOvr>
     <a:masterClrMapping/>
   </p:clrMapOvr>
+  <p:timing>
+    <p:tnLst>
+      <p:par>
+        <p:cTn id="1" dur="indefinite" restart="never" nodeType="tmRoot">
+          <p:childTnLst>
+            <p:seq concurrent="1" nextAc="seek">
+              <p:cTn id="2" dur="indefinite" nodeType="mainSeq">
+                <p:childTnLst>
+                  <p:par>
+                    <p:cTn id="3" fill="hold">
+                      <p:stCondLst>
+                        <p:cond delay="indefinite"/>
+                      </p:stCondLst>
+                      <p:childTnLst>
+                        <p:par>
+                          <p:cTn id="4" fill="hold">
+                            <p:stCondLst>
+                              <p:cond delay="0"/>
+                            </p:stCondLst>
+                            <p:childTnLst>
+                              <p:par>
+                                <p:cTn id="5" presetID="1" presetClass="entr" presetSubtype="0" fill="hold" nodeType="clickEffect">
+                                  <p:stCondLst>
+                                    <p:cond delay="0"/>
+                                  </p:stCondLst>
+                                  <p:childTnLst>
+                                    <p:set>
+                                      <p:cBhvr>
+                                        <p:cTn id="6" dur="1" fill="hold">
+                                          <p:stCondLst>
+                                            <p:cond delay="0"/>
+                                          </p:stCondLst>
+                                        </p:cTn>
+                                        <p:tgtEl>
+                                          <p:spTgt spid="3">
+                                            <p:txEl>
+                                              <p:pRg st="7" end="7"/>
+                                            </p:txEl>
+                                          </p:spTgt>
+                                        </p:tgtEl>
+                                        <p:attrNameLst>
+                                          <p:attrName>style.visibility</p:attrName>
+                                        </p:attrNameLst>
+                                      </p:cBhvr>
+                                      <p:to>
+                                        <p:strVal val="visible"/>
+                                      </p:to>
+                                    </p:set>
+                                  </p:childTnLst>
+                                </p:cTn>
+                              </p:par>
+                            </p:childTnLst>
+                          </p:cTn>
+                        </p:par>
+                      </p:childTnLst>
+                    </p:cTn>
+                  </p:par>
+                  <p:par>
+                    <p:cTn id="7" fill="hold">
+                      <p:stCondLst>
+                        <p:cond delay="indefinite"/>
+                      </p:stCondLst>
+                      <p:childTnLst>
+                        <p:par>
+                          <p:cTn id="8" fill="hold">
+                            <p:stCondLst>
+                              <p:cond delay="0"/>
+                            </p:stCondLst>
+                            <p:childTnLst>
+                              <p:par>
+                                <p:cTn id="9" presetID="1" presetClass="entr" presetSubtype="0" fill="hold" nodeType="clickEffect">
+                                  <p:stCondLst>
+                                    <p:cond delay="0"/>
+                                  </p:stCondLst>
+                                  <p:childTnLst>
+                                    <p:set>
+                                      <p:cBhvr>
+                                        <p:cTn id="10" dur="1" fill="hold">
+                                          <p:stCondLst>
+                                            <p:cond delay="0"/>
+                                          </p:stCondLst>
+                                        </p:cTn>
+                                        <p:tgtEl>
+                                          <p:spTgt spid="3">
+                                            <p:txEl>
+                                              <p:pRg st="9" end="9"/>
+                                            </p:txEl>
+                                          </p:spTgt>
+                                        </p:tgtEl>
+                                        <p:attrNameLst>
+                                          <p:attrName>style.visibility</p:attrName>
+                                        </p:attrNameLst>
+                                      </p:cBhvr>
+                                      <p:to>
+                                        <p:strVal val="visible"/>
+                                      </p:to>
+                                    </p:set>
+                                  </p:childTnLst>
+                                </p:cTn>
+                              </p:par>
+                            </p:childTnLst>
+                          </p:cTn>
+                        </p:par>
+                      </p:childTnLst>
+                    </p:cTn>
+                  </p:par>
+                </p:childTnLst>
+              </p:cTn>
+              <p:prevCondLst>
+                <p:cond evt="onPrev" delay="0">
+                  <p:tgtEl>
+                    <p:sldTgt/>
+                  </p:tgtEl>
+                </p:cond>
+              </p:prevCondLst>
+              <p:nextCondLst>
+                <p:cond evt="onNext" delay="0">
+                  <p:tgtEl>
+                    <p:sldTgt/>
+                  </p:tgtEl>
+                </p:cond>
+              </p:nextCondLst>
+            </p:seq>
+          </p:childTnLst>
+        </p:cTn>
+      </p:par>
+    </p:tnLst>
+  </p:timing>
 </p:sld>
 </file>
 
-<file path=ppt/slides/slide6.xml><?xml version="1.0" encoding="utf-8"?>
+<file path=ppt/slides/slide5.xml><?xml version="1.0" encoding="utf-8"?>
 <p:sld xmlns:a="http://schemas.openxmlformats.org/drawingml/2006/main" xmlns:r="http://schemas.openxmlformats.org/officeDocument/2006/relationships" xmlns:p="http://schemas.openxmlformats.org/presentationml/2006/main">
   <p:cSld>
     <p:spTree>
@@ -14406,13 +16314,23 @@
                 </a:r>
               </a:p>
               <a:p>
+                <a:pPr marL="800100" lvl="1" indent="-342900">
+                  <a:buFont typeface="Arial" panose="020B0604020202020204" pitchFamily="34" charset="0"/>
+                  <a:buChar char="•"/>
+                </a:pPr>
+                <a:r>
+                  <a:rPr lang="en-US" sz="1600" dirty="0"/>
+                  <a:t>Other US States</a:t>
+                </a:r>
+              </a:p>
+              <a:p>
                 <a:pPr marL="342900" indent="-342900">
                   <a:buFont typeface="+mj-lt"/>
                   <a:buAutoNum type="arabicPeriod"/>
                 </a:pPr>
                 <a:r>
                   <a:rPr lang="en-US" dirty="0"/>
-                  <a:t>Create a weighted average of the outcome of comparison units </a:t>
+                  <a:t>Weighted average of the outcome of comparison units </a:t>
                 </a:r>
                 <a14:m>
                   <m:oMath xmlns:m="http://schemas.openxmlformats.org/officeDocument/2006/math">
@@ -14427,33 +16345,29 @@
                       </m:accPr>
                       <m:e>
                         <m:r>
-                          <m:rPr>
-                            <m:nor/>
-                          </m:rPr>
-                          <a:rPr lang="en-US" dirty="0"/>
-                          <m:t>Y</m:t>
+                          <a:rPr lang="en-US" i="1" dirty="0">
+                            <a:latin typeface="Cambria Math" panose="02040503050406030204" pitchFamily="18" charset="0"/>
+                          </a:rPr>
+                          <m:t>𝑌</m:t>
                         </m:r>
                       </m:e>
                     </m:acc>
                     <m:r>
-                      <m:rPr>
-                        <m:nor/>
-                      </m:rPr>
-                      <a:rPr lang="en-US"/>
+                      <a:rPr lang="en-US" i="1">
+                        <a:latin typeface="Cambria Math" panose="02040503050406030204" pitchFamily="18" charset="0"/>
+                      </a:rPr>
                       <m:t>=∑</m:t>
                     </m:r>
                     <m:r>
-                      <m:rPr>
-                        <m:nor/>
-                      </m:rPr>
-                      <a:rPr lang="en-US"/>
-                      <m:t>w</m:t>
+                      <a:rPr lang="en-US" i="1">
+                        <a:latin typeface="Cambria Math" panose="02040503050406030204" pitchFamily="18" charset="0"/>
+                      </a:rPr>
+                      <m:t>𝑤</m:t>
                     </m:r>
                     <m:r>
-                      <m:rPr>
-                        <m:nor/>
-                      </m:rPr>
-                      <a:rPr lang="en-US"/>
+                      <a:rPr lang="en-US" i="1">
+                        <a:latin typeface="Cambria Math" panose="02040503050406030204" pitchFamily="18" charset="0"/>
+                      </a:rPr>
                       <m:t>∗</m:t>
                     </m:r>
                     <m:sSup>
@@ -14466,20 +16380,18 @@
                       </m:sSupPr>
                       <m:e>
                         <m:r>
-                          <m:rPr>
-                            <m:nor/>
-                          </m:rPr>
-                          <a:rPr lang="en-US"/>
-                          <m:t>Y</m:t>
+                          <a:rPr lang="en-US" i="1">
+                            <a:latin typeface="Cambria Math" panose="02040503050406030204" pitchFamily="18" charset="0"/>
+                          </a:rPr>
+                          <m:t>𝑌</m:t>
                         </m:r>
                       </m:e>
                       <m:sup>
                         <m:r>
-                          <m:rPr>
-                            <m:nor/>
-                          </m:rPr>
-                          <a:rPr lang="en-US"/>
-                          <m:t>C</m:t>
+                          <a:rPr lang="en-US" i="1">
+                            <a:latin typeface="Cambria Math" panose="02040503050406030204" pitchFamily="18" charset="0"/>
+                          </a:rPr>
+                          <m:t>𝐶</m:t>
                         </m:r>
                       </m:sup>
                     </m:sSup>
@@ -14487,7 +16399,14 @@
                 </a14:m>
                 <a:r>
                   <a:rPr lang="en-US" dirty="0"/>
-                  <a:t> based on preintervention observables: the </a:t>
+                  <a:t> </a:t>
+                </a:r>
+                <a:br>
+                  <a:rPr lang="en-US" dirty="0"/>
+                </a:br>
+                <a:r>
+                  <a:rPr lang="en-US" dirty="0"/>
+                  <a:t>based on preintervention observables: the </a:t>
                 </a:r>
                 <a:r>
                   <a:rPr lang="en-US" b="1" dirty="0"/>
@@ -14703,7 +16622,7 @@
             <a:fld id="{7782931A-7D25-4B4B-9464-57AE418934A3}" type="slidenum">
               <a:rPr lang="en-US" smtClean="0"/>
               <a:pPr/>
-              <a:t>6</a:t>
+              <a:t>5</a:t>
             </a:fld>
             <a:endParaRPr lang="en-US"/>
           </a:p>
@@ -14745,6 +16664,93 @@
           </a:prstGeom>
         </p:spPr>
       </p:pic>
+      <p:pic>
+        <p:nvPicPr>
+          <p:cNvPr id="5" name="Picture 4" descr="A map of the united states&#10;&#10;Description automatically generated">
+            <a:extLst>
+              <a:ext uri="{FF2B5EF4-FFF2-40B4-BE49-F238E27FC236}">
+                <a16:creationId xmlns:a16="http://schemas.microsoft.com/office/drawing/2014/main" id="{BC845CA7-B229-1317-A19F-8116CC328E78}"/>
+              </a:ext>
+            </a:extLst>
+          </p:cNvPr>
+          <p:cNvPicPr>
+            <a:picLocks noChangeAspect="1"/>
+          </p:cNvPicPr>
+          <p:nvPr/>
+        </p:nvPicPr>
+        <p:blipFill>
+          <a:blip r:embed="rId4">
+            <a:extLst>
+              <a:ext uri="{28A0092B-C50C-407E-A947-70E740481C1C}">
+                <a14:useLocalDpi xmlns:a14="http://schemas.microsoft.com/office/drawing/2010/main" val="0"/>
+              </a:ext>
+            </a:extLst>
+          </a:blip>
+          <a:stretch>
+            <a:fillRect/>
+          </a:stretch>
+        </p:blipFill>
+        <p:spPr>
+          <a:xfrm rot="19800000">
+            <a:off x="7957778" y="186850"/>
+            <a:ext cx="2946800" cy="1824483"/>
+          </a:xfrm>
+          <a:prstGeom prst="rect">
+            <a:avLst/>
+          </a:prstGeom>
+        </p:spPr>
+      </p:pic>
+      <mc:AlternateContent xmlns:mc="http://schemas.openxmlformats.org/markup-compatibility/2006" xmlns:p14="http://schemas.microsoft.com/office/powerpoint/2010/main">
+        <mc:Choice Requires="p14">
+          <p:contentPart p14:bwMode="auto" r:id="rId5">
+            <p14:nvContentPartPr>
+              <p14:cNvPr id="10" name="Ink 9">
+                <a:extLst>
+                  <a:ext uri="{FF2B5EF4-FFF2-40B4-BE49-F238E27FC236}">
+                    <a16:creationId xmlns:a16="http://schemas.microsoft.com/office/drawing/2014/main" id="{B4AFD212-1E94-B074-40A8-D687AB00F707}"/>
+                  </a:ext>
+                </a:extLst>
+              </p14:cNvPr>
+              <p14:cNvContentPartPr/>
+              <p14:nvPr/>
+            </p14:nvContentPartPr>
+            <p14:xfrm>
+              <a:off x="6790365" y="2933265"/>
+              <a:ext cx="326520" cy="365040"/>
+            </p14:xfrm>
+          </p:contentPart>
+        </mc:Choice>
+        <mc:Fallback xmlns="">
+          <p:pic>
+            <p:nvPicPr>
+              <p:cNvPr id="10" name="Ink 9">
+                <a:extLst>
+                  <a:ext uri="{FF2B5EF4-FFF2-40B4-BE49-F238E27FC236}">
+                    <a16:creationId xmlns:a16="http://schemas.microsoft.com/office/drawing/2014/main" id="{B4AFD212-1E94-B074-40A8-D687AB00F707}"/>
+                  </a:ext>
+                </a:extLst>
+              </p:cNvPr>
+              <p:cNvPicPr/>
+              <p:nvPr/>
+            </p:nvPicPr>
+            <p:blipFill>
+              <a:blip r:embed="rId6"/>
+              <a:stretch>
+                <a:fillRect/>
+              </a:stretch>
+            </p:blipFill>
+            <p:spPr>
+              <a:xfrm>
+                <a:off x="6786045" y="2928945"/>
+                <a:ext cx="335160" cy="373680"/>
+              </a:xfrm>
+              <a:prstGeom prst="rect">
+                <a:avLst/>
+              </a:prstGeom>
+            </p:spPr>
+          </p:pic>
+        </mc:Fallback>
+      </mc:AlternateContent>
     </p:spTree>
     <p:extLst>
       <p:ext uri="{BB962C8B-B14F-4D97-AF65-F5344CB8AC3E}">
@@ -14755,267 +16761,228 @@
   <p:clrMapOvr>
     <a:masterClrMapping/>
   </p:clrMapOvr>
+  <p:timing>
+    <p:tnLst>
+      <p:par>
+        <p:cTn id="1" dur="indefinite" restart="never" nodeType="tmRoot">
+          <p:childTnLst>
+            <p:seq concurrent="1" nextAc="seek">
+              <p:cTn id="2" dur="indefinite" nodeType="mainSeq">
+                <p:childTnLst>
+                  <p:par>
+                    <p:cTn id="3" fill="hold">
+                      <p:stCondLst>
+                        <p:cond delay="indefinite"/>
+                      </p:stCondLst>
+                      <p:childTnLst>
+                        <p:par>
+                          <p:cTn id="4" fill="hold">
+                            <p:stCondLst>
+                              <p:cond delay="0"/>
+                            </p:stCondLst>
+                            <p:childTnLst>
+                              <p:par>
+                                <p:cTn id="5" presetID="1" presetClass="entr" presetSubtype="0" fill="hold" nodeType="clickEffect">
+                                  <p:stCondLst>
+                                    <p:cond delay="0"/>
+                                  </p:stCondLst>
+                                  <p:childTnLst>
+                                    <p:set>
+                                      <p:cBhvr>
+                                        <p:cTn id="6" dur="1" fill="hold">
+                                          <p:stCondLst>
+                                            <p:cond delay="0"/>
+                                          </p:stCondLst>
+                                        </p:cTn>
+                                        <p:tgtEl>
+                                          <p:spTgt spid="3">
+                                            <p:txEl>
+                                              <p:pRg st="2" end="2"/>
+                                            </p:txEl>
+                                          </p:spTgt>
+                                        </p:tgtEl>
+                                        <p:attrNameLst>
+                                          <p:attrName>style.visibility</p:attrName>
+                                        </p:attrNameLst>
+                                      </p:cBhvr>
+                                      <p:to>
+                                        <p:strVal val="visible"/>
+                                      </p:to>
+                                    </p:set>
+                                  </p:childTnLst>
+                                </p:cTn>
+                              </p:par>
+                            </p:childTnLst>
+                          </p:cTn>
+                        </p:par>
+                      </p:childTnLst>
+                    </p:cTn>
+                  </p:par>
+                  <p:par>
+                    <p:cTn id="7" fill="hold">
+                      <p:stCondLst>
+                        <p:cond delay="indefinite"/>
+                      </p:stCondLst>
+                      <p:childTnLst>
+                        <p:par>
+                          <p:cTn id="8" fill="hold">
+                            <p:stCondLst>
+                              <p:cond delay="0"/>
+                            </p:stCondLst>
+                            <p:childTnLst>
+                              <p:par>
+                                <p:cTn id="9" presetID="1" presetClass="entr" presetSubtype="0" fill="hold" nodeType="clickEffect">
+                                  <p:stCondLst>
+                                    <p:cond delay="0"/>
+                                  </p:stCondLst>
+                                  <p:childTnLst>
+                                    <p:set>
+                                      <p:cBhvr>
+                                        <p:cTn id="10" dur="1" fill="hold">
+                                          <p:stCondLst>
+                                            <p:cond delay="0"/>
+                                          </p:stCondLst>
+                                        </p:cTn>
+                                        <p:tgtEl>
+                                          <p:spTgt spid="10"/>
+                                        </p:tgtEl>
+                                        <p:attrNameLst>
+                                          <p:attrName>style.visibility</p:attrName>
+                                        </p:attrNameLst>
+                                      </p:cBhvr>
+                                      <p:to>
+                                        <p:strVal val="visible"/>
+                                      </p:to>
+                                    </p:set>
+                                  </p:childTnLst>
+                                </p:cTn>
+                              </p:par>
+                            </p:childTnLst>
+                          </p:cTn>
+                        </p:par>
+                      </p:childTnLst>
+                    </p:cTn>
+                  </p:par>
+                  <p:par>
+                    <p:cTn id="11" fill="hold">
+                      <p:stCondLst>
+                        <p:cond delay="indefinite"/>
+                      </p:stCondLst>
+                      <p:childTnLst>
+                        <p:par>
+                          <p:cTn id="12" fill="hold">
+                            <p:stCondLst>
+                              <p:cond delay="0"/>
+                            </p:stCondLst>
+                            <p:childTnLst>
+                              <p:par>
+                                <p:cTn id="13" presetID="1" presetClass="entr" presetSubtype="0" fill="hold" nodeType="clickEffect">
+                                  <p:stCondLst>
+                                    <p:cond delay="0"/>
+                                  </p:stCondLst>
+                                  <p:childTnLst>
+                                    <p:set>
+                                      <p:cBhvr>
+                                        <p:cTn id="14" dur="1" fill="hold">
+                                          <p:stCondLst>
+                                            <p:cond delay="0"/>
+                                          </p:stCondLst>
+                                        </p:cTn>
+                                        <p:tgtEl>
+                                          <p:spTgt spid="3">
+                                            <p:txEl>
+                                              <p:pRg st="3" end="3"/>
+                                            </p:txEl>
+                                          </p:spTgt>
+                                        </p:tgtEl>
+                                        <p:attrNameLst>
+                                          <p:attrName>style.visibility</p:attrName>
+                                        </p:attrNameLst>
+                                      </p:cBhvr>
+                                      <p:to>
+                                        <p:strVal val="visible"/>
+                                      </p:to>
+                                    </p:set>
+                                  </p:childTnLst>
+                                </p:cTn>
+                              </p:par>
+                            </p:childTnLst>
+                          </p:cTn>
+                        </p:par>
+                      </p:childTnLst>
+                    </p:cTn>
+                  </p:par>
+                  <p:par>
+                    <p:cTn id="15" fill="hold">
+                      <p:stCondLst>
+                        <p:cond delay="indefinite"/>
+                      </p:stCondLst>
+                      <p:childTnLst>
+                        <p:par>
+                          <p:cTn id="16" fill="hold">
+                            <p:stCondLst>
+                              <p:cond delay="0"/>
+                            </p:stCondLst>
+                            <p:childTnLst>
+                              <p:par>
+                                <p:cTn id="17" presetID="1" presetClass="entr" presetSubtype="0" fill="hold" nodeType="clickEffect">
+                                  <p:stCondLst>
+                                    <p:cond delay="0"/>
+                                  </p:stCondLst>
+                                  <p:childTnLst>
+                                    <p:set>
+                                      <p:cBhvr>
+                                        <p:cTn id="18" dur="1" fill="hold">
+                                          <p:stCondLst>
+                                            <p:cond delay="0"/>
+                                          </p:stCondLst>
+                                        </p:cTn>
+                                        <p:tgtEl>
+                                          <p:spTgt spid="11"/>
+                                        </p:tgtEl>
+                                        <p:attrNameLst>
+                                          <p:attrName>style.visibility</p:attrName>
+                                        </p:attrNameLst>
+                                      </p:cBhvr>
+                                      <p:to>
+                                        <p:strVal val="visible"/>
+                                      </p:to>
+                                    </p:set>
+                                  </p:childTnLst>
+                                </p:cTn>
+                              </p:par>
+                            </p:childTnLst>
+                          </p:cTn>
+                        </p:par>
+                      </p:childTnLst>
+                    </p:cTn>
+                  </p:par>
+                </p:childTnLst>
+              </p:cTn>
+              <p:prevCondLst>
+                <p:cond evt="onPrev" delay="0">
+                  <p:tgtEl>
+                    <p:sldTgt/>
+                  </p:tgtEl>
+                </p:cond>
+              </p:prevCondLst>
+              <p:nextCondLst>
+                <p:cond evt="onNext" delay="0">
+                  <p:tgtEl>
+                    <p:sldTgt/>
+                  </p:tgtEl>
+                </p:cond>
+              </p:nextCondLst>
+            </p:seq>
+          </p:childTnLst>
+        </p:cTn>
+      </p:par>
+    </p:tnLst>
+  </p:timing>
 </p:sld>
 </file>
 
-<file path=ppt/slides/slide7.xml><?xml version="1.0" encoding="utf-8"?>
-<p:sld xmlns:a="http://schemas.openxmlformats.org/drawingml/2006/main" xmlns:r="http://schemas.openxmlformats.org/officeDocument/2006/relationships" xmlns:p="http://schemas.openxmlformats.org/presentationml/2006/main">
-  <p:cSld>
-    <p:spTree>
-      <p:nvGrpSpPr>
-        <p:cNvPr id="1" name=""/>
-        <p:cNvGrpSpPr/>
-        <p:nvPr/>
-      </p:nvGrpSpPr>
-      <p:grpSpPr>
-        <a:xfrm>
-          <a:off x="0" y="0"/>
-          <a:ext cx="0" cy="0"/>
-          <a:chOff x="0" y="0"/>
-          <a:chExt cx="0" cy="0"/>
-        </a:xfrm>
-      </p:grpSpPr>
-      <p:sp>
-        <p:nvSpPr>
-          <p:cNvPr id="3" name="Content Placeholder 2">
-            <a:extLst>
-              <a:ext uri="{FF2B5EF4-FFF2-40B4-BE49-F238E27FC236}">
-                <a16:creationId xmlns:a16="http://schemas.microsoft.com/office/drawing/2014/main" id="{5D72BB37-5689-842C-2A29-0F9FCA1309B2}"/>
-              </a:ext>
-            </a:extLst>
-          </p:cNvPr>
-          <p:cNvSpPr>
-            <a:spLocks noGrp="1"/>
-          </p:cNvSpPr>
-          <p:nvPr>
-            <p:ph type="body" sz="quarter" idx="10"/>
-          </p:nvPr>
-        </p:nvSpPr>
-        <p:spPr>
-          <a:xfrm>
-            <a:off x="1028701" y="2286000"/>
-            <a:ext cx="5799938" cy="3057787"/>
-          </a:xfrm>
-        </p:spPr>
-        <p:txBody>
-          <a:bodyPr/>
-          <a:lstStyle/>
-          <a:p>
-            <a:r>
-              <a:rPr lang="en-US" sz="2000" dirty="0"/>
-              <a:t>Let’s start with an example.</a:t>
-            </a:r>
-          </a:p>
-          <a:p>
-            <a:endParaRPr lang="en-US" sz="2000" dirty="0"/>
-          </a:p>
-          <a:p>
-            <a:r>
-              <a:rPr lang="en-US" sz="2000" dirty="0"/>
-              <a:t>In 1989, California passes Proposition 99 to reduce tobacco consumption</a:t>
-            </a:r>
-          </a:p>
-          <a:p>
-            <a:r>
-              <a:rPr lang="en-US" sz="2000" dirty="0"/>
-              <a:t>Increase cigarette excise tax by 25 cents per pack and earmark revenues for anti-tobacco projects</a:t>
-            </a:r>
-          </a:p>
-          <a:p>
-            <a:r>
-              <a:rPr lang="en-US" sz="2000" dirty="0"/>
-              <a:t>ADH (2010) build a SC to estimate the effect of P99 on cigarette consumption.</a:t>
-            </a:r>
-          </a:p>
-          <a:p>
-            <a:endParaRPr lang="en-US" dirty="0"/>
-          </a:p>
-          <a:p>
-            <a:endParaRPr lang="en-US" dirty="0"/>
-          </a:p>
-          <a:p>
-            <a:endParaRPr lang="en-US" dirty="0"/>
-          </a:p>
-          <a:p>
-            <a:endParaRPr lang="en-US" dirty="0"/>
-          </a:p>
-        </p:txBody>
-      </p:sp>
-      <p:sp>
-        <p:nvSpPr>
-          <p:cNvPr id="2" name="Title 1">
-            <a:extLst>
-              <a:ext uri="{FF2B5EF4-FFF2-40B4-BE49-F238E27FC236}">
-                <a16:creationId xmlns:a16="http://schemas.microsoft.com/office/drawing/2014/main" id="{9D12752A-287B-42BB-02AD-052F760262F9}"/>
-              </a:ext>
-            </a:extLst>
-          </p:cNvPr>
-          <p:cNvSpPr>
-            <a:spLocks noGrp="1"/>
-          </p:cNvSpPr>
-          <p:nvPr>
-            <p:ph type="title"/>
-          </p:nvPr>
-        </p:nvSpPr>
-        <p:spPr>
-          <a:xfrm>
-            <a:off x="1028700" y="999068"/>
-            <a:ext cx="10055860" cy="645284"/>
-          </a:xfrm>
-        </p:spPr>
-        <p:txBody>
-          <a:bodyPr/>
-          <a:lstStyle/>
-          <a:p>
-            <a:r>
-              <a:rPr lang="en-US" dirty="0"/>
-              <a:t>Wait: what are the assumptions?</a:t>
-            </a:r>
-          </a:p>
-        </p:txBody>
-      </p:sp>
-      <p:sp>
-        <p:nvSpPr>
-          <p:cNvPr id="7" name="Slide Number Placeholder 6">
-            <a:extLst>
-              <a:ext uri="{FF2B5EF4-FFF2-40B4-BE49-F238E27FC236}">
-                <a16:creationId xmlns:a16="http://schemas.microsoft.com/office/drawing/2014/main" id="{064F4D68-5277-6F0B-1931-5DB64454CEE2}"/>
-              </a:ext>
-            </a:extLst>
-          </p:cNvPr>
-          <p:cNvSpPr>
-            <a:spLocks noGrp="1"/>
-          </p:cNvSpPr>
-          <p:nvPr>
-            <p:ph type="sldNum" sz="quarter" idx="13"/>
-          </p:nvPr>
-        </p:nvSpPr>
-        <p:spPr/>
-        <p:txBody>
-          <a:bodyPr/>
-          <a:lstStyle/>
-          <a:p>
-            <a:fld id="{7782931A-7D25-4B4B-9464-57AE418934A3}" type="slidenum">
-              <a:rPr lang="en-US" smtClean="0"/>
-              <a:pPr/>
-              <a:t>7</a:t>
-            </a:fld>
-            <a:endParaRPr lang="en-US"/>
-          </a:p>
-        </p:txBody>
-      </p:sp>
-      <p:pic>
-        <p:nvPicPr>
-          <p:cNvPr id="9" name="Picture 8">
-            <a:extLst>
-              <a:ext uri="{FF2B5EF4-FFF2-40B4-BE49-F238E27FC236}">
-                <a16:creationId xmlns:a16="http://schemas.microsoft.com/office/drawing/2014/main" id="{6B6EE21B-9755-E555-6AA9-87B5E1E8DADC}"/>
-              </a:ext>
-            </a:extLst>
-          </p:cNvPr>
-          <p:cNvPicPr>
-            <a:picLocks noChangeAspect="1"/>
-          </p:cNvPicPr>
-          <p:nvPr/>
-        </p:nvPicPr>
-        <p:blipFill>
-          <a:blip r:embed="rId2"/>
-          <a:stretch>
-            <a:fillRect/>
-          </a:stretch>
-        </p:blipFill>
-        <p:spPr>
-          <a:xfrm>
-            <a:off x="6969761" y="2207126"/>
-            <a:ext cx="4054122" cy="3421887"/>
-          </a:xfrm>
-          <a:prstGeom prst="rect">
-            <a:avLst/>
-          </a:prstGeom>
-        </p:spPr>
-      </p:pic>
-      <p:sp>
-        <p:nvSpPr>
-          <p:cNvPr id="11" name="TextBox 10">
-            <a:extLst>
-              <a:ext uri="{FF2B5EF4-FFF2-40B4-BE49-F238E27FC236}">
-                <a16:creationId xmlns:a16="http://schemas.microsoft.com/office/drawing/2014/main" id="{00CCE984-5A5C-D8BB-C0C7-C42BAE62197B}"/>
-              </a:ext>
-            </a:extLst>
-          </p:cNvPr>
-          <p:cNvSpPr txBox="1"/>
-          <p:nvPr/>
-        </p:nvSpPr>
-        <p:spPr>
-          <a:xfrm>
-            <a:off x="969977" y="5934670"/>
-            <a:ext cx="4140749" cy="923330"/>
-          </a:xfrm>
-          <a:prstGeom prst="rect">
-            <a:avLst/>
-          </a:prstGeom>
-          <a:noFill/>
-        </p:spPr>
-        <p:txBody>
-          <a:bodyPr wrap="none" rtlCol="0">
-            <a:spAutoFit/>
-          </a:bodyPr>
-          <a:lstStyle/>
-          <a:p>
-            <a:pPr marL="342900" indent="-342900">
-              <a:buFont typeface="+mj-lt"/>
-              <a:buAutoNum type="arabicPeriod"/>
-            </a:pPr>
-            <a:r>
-              <a:rPr lang="en-US" sz="1800" b="1" dirty="0">
-                <a:solidFill>
-                  <a:schemeClr val="bg1"/>
-                </a:solidFill>
-              </a:rPr>
-              <a:t>No spillover or similar treatments</a:t>
-            </a:r>
-          </a:p>
-          <a:p>
-            <a:pPr marL="342900" indent="-342900">
-              <a:buFont typeface="+mj-lt"/>
-              <a:buAutoNum type="arabicPeriod"/>
-            </a:pPr>
-            <a:r>
-              <a:rPr lang="en-US" sz="1800" b="1" dirty="0">
-                <a:solidFill>
-                  <a:schemeClr val="bg1"/>
-                </a:solidFill>
-              </a:rPr>
-              <a:t>No anticipation</a:t>
-            </a:r>
-          </a:p>
-          <a:p>
-            <a:pPr marL="342900" indent="-342900">
-              <a:buFont typeface="+mj-lt"/>
-              <a:buAutoNum type="arabicPeriod"/>
-            </a:pPr>
-            <a:endParaRPr lang="en-US" sz="1800" b="1" dirty="0">
-              <a:solidFill>
-                <a:schemeClr val="bg1"/>
-              </a:solidFill>
-            </a:endParaRPr>
-          </a:p>
-        </p:txBody>
-      </p:sp>
-    </p:spTree>
-    <p:extLst>
-      <p:ext uri="{BB962C8B-B14F-4D97-AF65-F5344CB8AC3E}">
-        <p14:creationId xmlns:p14="http://schemas.microsoft.com/office/powerpoint/2010/main" val="1472819112"/>
-      </p:ext>
-    </p:extLst>
-  </p:cSld>
-  <p:clrMapOvr>
-    <a:masterClrMapping/>
-  </p:clrMapOvr>
-</p:sld>
-</file>
-
-<file path=ppt/slides/slide8.xml><?xml version="1.0" encoding="utf-8"?>
+<file path=ppt/slides/slide6.xml><?xml version="1.0" encoding="utf-8"?>
 <p:sld xmlns:a="http://schemas.openxmlformats.org/drawingml/2006/main" xmlns:r="http://schemas.openxmlformats.org/officeDocument/2006/relationships" xmlns:p="http://schemas.openxmlformats.org/presentationml/2006/main">
   <p:cSld>
     <p:spTree>
@@ -15349,7 +17316,17 @@
                 </a14:m>
                 <a:r>
                   <a:rPr lang="en-US" sz="1600" dirty="0"/>
-                  <a:t> vector of the preintervention characteristics of treated unit</a:t>
+                  <a:t> vector of the preintervention characteristics of treated unit.</a:t>
+                </a:r>
+              </a:p>
+              <a:p>
+                <a:pPr marL="742950" lvl="1" indent="-285750">
+                  <a:buFont typeface="Arial" panose="020B0604020202020204" pitchFamily="34" charset="0"/>
+                  <a:buChar char="•"/>
+                </a:pPr>
+                <a:r>
+                  <a:rPr lang="en-US" sz="1200" dirty="0"/>
+                  <a:t>E.g.: cigarette price in 1975, 1980, 1988; beer consumption per capita;</a:t>
                 </a:r>
               </a:p>
               <a:p>
@@ -15508,7 +17485,40 @@
                 </a:pPr>
                 <a:r>
                   <a:rPr lang="en-US" sz="1600" dirty="0"/>
-                  <a:t>Find weights W* that minimize </a:t>
+                  <a:t>Find weights </a:t>
+                </a:r>
+                <a14:m>
+                  <m:oMath xmlns:m="http://schemas.openxmlformats.org/officeDocument/2006/math">
+                    <m:sSup>
+                      <m:sSupPr>
+                        <m:ctrlPr>
+                          <a:rPr lang="en-US" sz="1600" b="0" i="1" dirty="0" smtClean="0">
+                            <a:latin typeface="Cambria Math" panose="02040503050406030204" pitchFamily="18" charset="0"/>
+                          </a:rPr>
+                        </m:ctrlPr>
+                      </m:sSupPr>
+                      <m:e>
+                        <m:r>
+                          <a:rPr lang="en-US" sz="1600" i="1" dirty="0" smtClean="0">
+                            <a:latin typeface="Cambria Math" panose="02040503050406030204" pitchFamily="18" charset="0"/>
+                          </a:rPr>
+                          <m:t>𝑊</m:t>
+                        </m:r>
+                      </m:e>
+                      <m:sup>
+                        <m:r>
+                          <a:rPr lang="en-US" sz="1600" b="0" i="1" dirty="0" smtClean="0">
+                            <a:latin typeface="Cambria Math" panose="02040503050406030204" pitchFamily="18" charset="0"/>
+                          </a:rPr>
+                          <m:t>0</m:t>
+                        </m:r>
+                      </m:sup>
+                    </m:sSup>
+                  </m:oMath>
+                </a14:m>
+                <a:r>
+                  <a:rPr lang="en-US" sz="1600" dirty="0"/>
+                  <a:t> that minimize </a:t>
                 </a:r>
                 <a14:m>
                   <m:oMath xmlns:m="http://schemas.openxmlformats.org/officeDocument/2006/math">
@@ -15583,9 +17593,10 @@
                   </m:oMath>
                 </a14:m>
                 <a:r>
-                  <a:rPr lang="en-US" sz="1600" dirty="0"/>
+                  <a:rPr lang="en-US" sz="1200" dirty="0"/>
                   <a:t>Difference between preintervention characteristics of treated and synthetic control)</a:t>
                 </a:r>
+                <a:endParaRPr lang="en-US" sz="1600" dirty="0"/>
               </a:p>
               <a:p>
                 <a:pPr marL="285750" indent="-285750">
@@ -15606,9 +17617,71 @@
                   <a:buFont typeface="Arial" panose="020B0604020202020204" pitchFamily="34" charset="0"/>
                   <a:buChar char="•"/>
                 </a:pPr>
+                <a14:m>
+                  <m:oMath xmlns:m="http://schemas.openxmlformats.org/officeDocument/2006/math">
+                    <m:sSup>
+                      <m:sSupPr>
+                        <m:ctrlPr>
+                          <a:rPr lang="en-US" sz="1600" b="0" i="1" dirty="0" smtClean="0">
+                            <a:latin typeface="Cambria Math" panose="02040503050406030204" pitchFamily="18" charset="0"/>
+                          </a:rPr>
+                        </m:ctrlPr>
+                      </m:sSupPr>
+                      <m:e>
+                        <m:r>
+                          <a:rPr lang="en-US" sz="1600" i="1" dirty="0" smtClean="0">
+                            <a:latin typeface="Cambria Math" panose="02040503050406030204" pitchFamily="18" charset="0"/>
+                          </a:rPr>
+                          <m:t>𝑌</m:t>
+                        </m:r>
+                      </m:e>
+                      <m:sup>
+                        <m:r>
+                          <a:rPr lang="en-US" sz="1600" b="0" i="1" dirty="0" smtClean="0">
+                            <a:latin typeface="Cambria Math" panose="02040503050406030204" pitchFamily="18" charset="0"/>
+                          </a:rPr>
+                          <m:t>1</m:t>
+                        </m:r>
+                      </m:sup>
+                    </m:sSup>
+                  </m:oMath>
+                </a14:m>
                 <a:r>
                   <a:rPr lang="en-US" sz="1600" dirty="0"/>
-                  <a:t>Y1 should not be extreme (higher or lower than Y0) ! </a:t>
+                  <a:t> should not be extreme (higher or lower than </a:t>
+                </a:r>
+                <a14:m>
+                  <m:oMath xmlns:m="http://schemas.openxmlformats.org/officeDocument/2006/math">
+                    <m:sSup>
+                      <m:sSupPr>
+                        <m:ctrlPr>
+                          <a:rPr lang="en-US" sz="1600" b="0" i="1" dirty="0" smtClean="0">
+                            <a:latin typeface="Cambria Math" panose="02040503050406030204" pitchFamily="18" charset="0"/>
+                          </a:rPr>
+                        </m:ctrlPr>
+                      </m:sSupPr>
+                      <m:e>
+                        <m:r>
+                          <a:rPr lang="en-US" sz="1600" i="1" dirty="0" smtClean="0">
+                            <a:latin typeface="Cambria Math" panose="02040503050406030204" pitchFamily="18" charset="0"/>
+                          </a:rPr>
+                          <m:t>𝑌</m:t>
+                        </m:r>
+                      </m:e>
+                      <m:sup>
+                        <m:r>
+                          <a:rPr lang="en-US" sz="1600" b="0" i="1" dirty="0" smtClean="0">
+                            <a:latin typeface="Cambria Math" panose="02040503050406030204" pitchFamily="18" charset="0"/>
+                          </a:rPr>
+                          <m:t>0</m:t>
+                        </m:r>
+                      </m:sup>
+                    </m:sSup>
+                  </m:oMath>
+                </a14:m>
+                <a:r>
+                  <a:rPr lang="en-US" sz="1600" dirty="0"/>
+                  <a:t>) ! </a:t>
                 </a:r>
               </a:p>
               <a:p>
@@ -15648,7 +17721,7 @@
               <a:blipFill>
                 <a:blip r:embed="rId2"/>
                 <a:stretch>
-                  <a:fillRect l="-1251" t="-1709" b="-15726"/>
+                  <a:fillRect l="-1251" t="-1709" b="-15214"/>
                 </a:stretch>
               </a:blipFill>
             </p:spPr>
@@ -15696,7 +17769,7 @@
             <a:fld id="{7782931A-7D25-4B4B-9464-57AE418934A3}" type="slidenum">
               <a:rPr lang="en-US" smtClean="0"/>
               <a:pPr/>
-              <a:t>8</a:t>
+              <a:t>6</a:t>
             </a:fld>
             <a:endParaRPr lang="en-US"/>
           </a:p>
@@ -15715,7 +17788,7 @@
 </p:sld>
 </file>
 
-<file path=ppt/slides/slide9.xml><?xml version="1.0" encoding="utf-8"?>
+<file path=ppt/slides/slide7.xml><?xml version="1.0" encoding="utf-8"?>
 <p:sld xmlns:a="http://schemas.openxmlformats.org/drawingml/2006/main" xmlns:r="http://schemas.openxmlformats.org/officeDocument/2006/relationships" xmlns:p="http://schemas.openxmlformats.org/presentationml/2006/main">
   <p:cSld>
     <p:spTree>
@@ -15793,30 +17866,38 @@
               <a:bodyPr/>
               <a:lstStyle/>
               <a:p>
+                <a:pPr marL="285750" indent="-285750">
+                  <a:buFont typeface="Arial" panose="020B0604020202020204" pitchFamily="34" charset="0"/>
+                  <a:buChar char="•"/>
+                </a:pPr>
                 <a:r>
-                  <a:rPr lang="en-US" dirty="0"/>
+                  <a:rPr lang="en-US" sz="1600" dirty="0"/>
                   <a:t>Following Abadie and </a:t>
                 </a:r>
                 <a:r>
-                  <a:rPr lang="en-US" dirty="0" err="1"/>
+                  <a:rPr lang="en-US" sz="1600" dirty="0" err="1"/>
                   <a:t>Gardeazabal</a:t>
                 </a:r>
                 <a:r>
-                  <a:rPr lang="en-US" dirty="0"/>
+                  <a:rPr lang="en-US" sz="1600" dirty="0"/>
                   <a:t> (2003), Abadie, Diamond, </a:t>
                 </a:r>
                 <a:r>
-                  <a:rPr lang="en-US" dirty="0" err="1"/>
+                  <a:rPr lang="en-US" sz="1600" dirty="0" err="1"/>
                   <a:t>Hainmueller</a:t>
                 </a:r>
                 <a:r>
-                  <a:rPr lang="en-US" dirty="0"/>
+                  <a:rPr lang="en-US" sz="1600" dirty="0"/>
                   <a:t> (2010):</a:t>
                 </a:r>
               </a:p>
               <a:p>
+                <a:pPr marL="285750" indent="-285750" algn="ctr">
+                  <a:buFont typeface="Arial" panose="020B0604020202020204" pitchFamily="34" charset="0"/>
+                  <a:buChar char="•"/>
+                </a:pPr>
                 <a:r>
-                  <a:rPr lang="en-US" dirty="0"/>
+                  <a:rPr lang="en-US" sz="1600" dirty="0"/>
                   <a:t>W* to minimize </a:t>
                 </a:r>
                 <a14:m>
@@ -15825,7 +17906,7 @@
                       <m:naryPr>
                         <m:chr m:val="∑"/>
                         <m:ctrlPr>
-                          <a:rPr lang="en-US" i="1" smtClean="0">
+                          <a:rPr lang="en-US" sz="1600" i="1" smtClean="0">
                             <a:latin typeface="Cambria Math" panose="02040503050406030204" pitchFamily="18" charset="0"/>
                           </a:rPr>
                         </m:ctrlPr>
@@ -15835,13 +17916,13 @@
                           <m:rPr>
                             <m:brk m:alnAt="23"/>
                           </m:rPr>
-                          <a:rPr lang="en-US" b="0" i="1" smtClean="0">
+                          <a:rPr lang="en-US" sz="1600" b="0" i="1" smtClean="0">
                             <a:latin typeface="Cambria Math" panose="02040503050406030204" pitchFamily="18" charset="0"/>
                           </a:rPr>
                           <m:t>𝑚</m:t>
                         </m:r>
                         <m:r>
-                          <a:rPr lang="en-US" b="0" i="1" smtClean="0">
+                          <a:rPr lang="en-US" sz="1600" b="0" i="1" smtClean="0">
                             <a:latin typeface="Cambria Math" panose="02040503050406030204" pitchFamily="18" charset="0"/>
                           </a:rPr>
                           <m:t>=1</m:t>
@@ -15849,7 +17930,7 @@
                       </m:sub>
                       <m:sup>
                         <m:r>
-                          <a:rPr lang="en-US" b="0" i="1" smtClean="0">
+                          <a:rPr lang="en-US" sz="1600" b="0" i="1" smtClean="0">
                             <a:latin typeface="Cambria Math" panose="02040503050406030204" pitchFamily="18" charset="0"/>
                           </a:rPr>
                           <m:t>𝑘</m:t>
@@ -15859,14 +17940,14 @@
                         <m:sSub>
                           <m:sSubPr>
                             <m:ctrlPr>
-                              <a:rPr lang="en-US" b="0" i="1" smtClean="0">
+                              <a:rPr lang="en-US" sz="1600" b="0" i="1" smtClean="0">
                                 <a:latin typeface="Cambria Math" panose="02040503050406030204" pitchFamily="18" charset="0"/>
                               </a:rPr>
                             </m:ctrlPr>
                           </m:sSubPr>
                           <m:e>
                             <m:r>
-                              <a:rPr lang="en-US" b="0" i="1" smtClean="0">
+                              <a:rPr lang="en-US" sz="1600" b="0" i="1" smtClean="0">
                                 <a:latin typeface="Cambria Math" panose="02040503050406030204" pitchFamily="18" charset="0"/>
                               </a:rPr>
                               <m:t>𝑣</m:t>
@@ -15874,7 +17955,7 @@
                           </m:e>
                           <m:sub>
                             <m:r>
-                              <a:rPr lang="en-US" b="0" i="1" smtClean="0">
+                              <a:rPr lang="en-US" sz="1600" b="0" i="1" smtClean="0">
                                 <a:latin typeface="Cambria Math" panose="02040503050406030204" pitchFamily="18" charset="0"/>
                               </a:rPr>
                               <m:t>𝑚</m:t>
@@ -15884,7 +17965,7 @@
                         <m:sSup>
                           <m:sSupPr>
                             <m:ctrlPr>
-                              <a:rPr lang="en-US" b="0" i="1" smtClean="0">
+                              <a:rPr lang="en-US" sz="1600" b="0" i="1" smtClean="0">
                                 <a:latin typeface="Cambria Math" panose="02040503050406030204" pitchFamily="18" charset="0"/>
                               </a:rPr>
                             </m:ctrlPr>
@@ -15893,7 +17974,7 @@
                             <m:d>
                               <m:dPr>
                                 <m:ctrlPr>
-                                  <a:rPr lang="en-US" b="0" i="1" smtClean="0">
+                                  <a:rPr lang="en-US" sz="1600" b="0" i="1" smtClean="0">
                                     <a:latin typeface="Cambria Math" panose="02040503050406030204" pitchFamily="18" charset="0"/>
                                   </a:rPr>
                                 </m:ctrlPr>
@@ -15902,14 +17983,14 @@
                                 <m:sSubSup>
                                   <m:sSubSupPr>
                                     <m:ctrlPr>
-                                      <a:rPr lang="en-US" b="0" i="1" smtClean="0">
+                                      <a:rPr lang="en-US" sz="1600" b="0" i="1" smtClean="0">
                                         <a:latin typeface="Cambria Math" panose="02040503050406030204" pitchFamily="18" charset="0"/>
                                       </a:rPr>
                                     </m:ctrlPr>
                                   </m:sSubSupPr>
                                   <m:e>
                                     <m:r>
-                                      <a:rPr lang="en-US" b="0" i="1" smtClean="0">
+                                      <a:rPr lang="en-US" sz="1600" b="0" i="1" smtClean="0">
                                         <a:latin typeface="Cambria Math" panose="02040503050406030204" pitchFamily="18" charset="0"/>
                                       </a:rPr>
                                       <m:t>𝑋</m:t>
@@ -15917,7 +17998,7 @@
                                   </m:e>
                                   <m:sub>
                                     <m:r>
-                                      <a:rPr lang="en-US" b="0" i="1" smtClean="0">
+                                      <a:rPr lang="en-US" sz="1600" b="0" i="1" smtClean="0">
                                         <a:latin typeface="Cambria Math" panose="02040503050406030204" pitchFamily="18" charset="0"/>
                                       </a:rPr>
                                       <m:t>𝑚</m:t>
@@ -15925,7 +18006,7 @@
                                   </m:sub>
                                   <m:sup>
                                     <m:r>
-                                      <a:rPr lang="en-US" b="0" i="1" smtClean="0">
+                                      <a:rPr lang="en-US" sz="1600" b="0" i="1" smtClean="0">
                                         <a:latin typeface="Cambria Math" panose="02040503050406030204" pitchFamily="18" charset="0"/>
                                       </a:rPr>
                                       <m:t>1</m:t>
@@ -15933,7 +18014,7 @@
                                   </m:sup>
                                 </m:sSubSup>
                                 <m:r>
-                                  <a:rPr lang="en-US" b="0" i="1" smtClean="0">
+                                  <a:rPr lang="en-US" sz="1600" b="0" i="1" smtClean="0">
                                     <a:latin typeface="Cambria Math" panose="02040503050406030204" pitchFamily="18" charset="0"/>
                                   </a:rPr>
                                   <m:t>−</m:t>
@@ -15941,14 +18022,14 @@
                                 <m:sSubSup>
                                   <m:sSubSupPr>
                                     <m:ctrlPr>
-                                      <a:rPr lang="en-US" b="0" i="1" smtClean="0">
+                                      <a:rPr lang="en-US" sz="1600" b="0" i="1" smtClean="0">
                                         <a:latin typeface="Cambria Math" panose="02040503050406030204" pitchFamily="18" charset="0"/>
                                       </a:rPr>
                                     </m:ctrlPr>
                                   </m:sSubSupPr>
                                   <m:e>
                                     <m:r>
-                                      <a:rPr lang="en-US" b="0" i="1" smtClean="0">
+                                      <a:rPr lang="en-US" sz="1600" b="0" i="1" smtClean="0">
                                         <a:latin typeface="Cambria Math" panose="02040503050406030204" pitchFamily="18" charset="0"/>
                                       </a:rPr>
                                       <m:t>𝑋</m:t>
@@ -15956,7 +18037,7 @@
                                   </m:e>
                                   <m:sub>
                                     <m:r>
-                                      <a:rPr lang="en-US" b="0" i="1" smtClean="0">
+                                      <a:rPr lang="en-US" sz="1600" b="0" i="1" smtClean="0">
                                         <a:latin typeface="Cambria Math" panose="02040503050406030204" pitchFamily="18" charset="0"/>
                                       </a:rPr>
                                       <m:t>𝑚</m:t>
@@ -15964,7 +18045,7 @@
                                   </m:sub>
                                   <m:sup>
                                     <m:r>
-                                      <a:rPr lang="en-US" b="0" i="1" smtClean="0">
+                                      <a:rPr lang="en-US" sz="1600" b="0" i="1" smtClean="0">
                                         <a:latin typeface="Cambria Math" panose="02040503050406030204" pitchFamily="18" charset="0"/>
                                       </a:rPr>
                                       <m:t>0</m:t>
@@ -15972,7 +18053,7 @@
                                   </m:sup>
                                 </m:sSubSup>
                                 <m:r>
-                                  <a:rPr lang="en-US" b="0" i="1" smtClean="0">
+                                  <a:rPr lang="en-US" sz="1600" b="0" i="1" smtClean="0">
                                     <a:latin typeface="Cambria Math" panose="02040503050406030204" pitchFamily="18" charset="0"/>
                                   </a:rPr>
                                   <m:t>𝑊</m:t>
@@ -15982,7 +18063,7 @@
                           </m:e>
                           <m:sup>
                             <m:r>
-                              <a:rPr lang="en-US" b="0" i="1" smtClean="0">
+                              <a:rPr lang="en-US" sz="1600" b="0" i="1" smtClean="0">
                                 <a:latin typeface="Cambria Math" panose="02040503050406030204" pitchFamily="18" charset="0"/>
                               </a:rPr>
                               <m:t>2</m:t>
@@ -15993,24 +18074,28 @@
                     </m:nary>
                   </m:oMath>
                 </a14:m>
-                <a:endParaRPr lang="en-US" i="1" dirty="0">
+                <a:endParaRPr lang="en-US" sz="1600" i="1" dirty="0">
                   <a:latin typeface="Cambria Math" panose="02040503050406030204" pitchFamily="18" charset="0"/>
                 </a:endParaRPr>
               </a:p>
               <a:p>
+                <a:pPr marL="285750" indent="-285750">
+                  <a:buFont typeface="Arial" panose="020B0604020202020204" pitchFamily="34" charset="0"/>
+                  <a:buChar char="•"/>
+                </a:pPr>
                 <a14:m>
                   <m:oMath xmlns:m="http://schemas.openxmlformats.org/officeDocument/2006/math">
                     <m:sSub>
                       <m:sSubPr>
                         <m:ctrlPr>
-                          <a:rPr lang="en-US" b="0" i="1" smtClean="0">
+                          <a:rPr lang="en-US" sz="1600" b="0" i="1" smtClean="0">
                             <a:latin typeface="Cambria Math" panose="02040503050406030204" pitchFamily="18" charset="0"/>
                           </a:rPr>
                         </m:ctrlPr>
                       </m:sSubPr>
                       <m:e>
                         <m:r>
-                          <a:rPr lang="en-US" b="0" i="1" smtClean="0">
+                          <a:rPr lang="en-US" sz="1600" b="0" i="1" smtClean="0">
                             <a:latin typeface="Cambria Math" panose="02040503050406030204" pitchFamily="18" charset="0"/>
                           </a:rPr>
                           <m:t>𝑣</m:t>
@@ -16018,7 +18103,7 @@
                       </m:e>
                       <m:sub>
                         <m:r>
-                          <a:rPr lang="en-US" b="0" i="1" smtClean="0">
+                          <a:rPr lang="en-US" sz="1600" b="0" i="1" smtClean="0">
                             <a:latin typeface="Cambria Math" panose="02040503050406030204" pitchFamily="18" charset="0"/>
                           </a:rPr>
                           <m:t>𝑚</m:t>
@@ -16028,36 +18113,63 @@
                   </m:oMath>
                 </a14:m>
                 <a:r>
-                  <a:rPr lang="en-US" dirty="0"/>
-                  <a:t> reflects the relative importance of the m-</a:t>
+                  <a:rPr lang="en-US" sz="1600" dirty="0"/>
+                  <a:t> reflects the relative importance of the </a:t>
                 </a:r>
                 <a:r>
-                  <a:rPr lang="en-US" dirty="0" err="1"/>
+                  <a:rPr lang="en-US" sz="1600" i="1" dirty="0" err="1"/>
+                  <a:t>m</a:t>
+                </a:r>
+                <a:r>
+                  <a:rPr lang="en-US" sz="1600" baseline="30000" dirty="0" err="1"/>
                   <a:t>th</a:t>
                 </a:r>
                 <a:r>
-                  <a:rPr lang="en-US" dirty="0"/>
-                  <a:t> variable in measuring the differences in X. Improves reliability of SC</a:t>
+                  <a:rPr lang="en-US" sz="1600" dirty="0"/>
+                  <a:t> variable in measuring the differences in </a:t>
+                </a:r>
+                <a:r>
+                  <a:rPr lang="en-US" sz="1600" i="1" dirty="0"/>
+                  <a:t>X</a:t>
+                </a:r>
+                <a:r>
+                  <a:rPr lang="en-US" sz="1600" dirty="0"/>
+                  <a:t>.</a:t>
+                </a:r>
+                <a:br>
+                  <a:rPr lang="en-US" sz="1600" dirty="0"/>
+                </a:br>
+                <a:r>
+                  <a:rPr lang="en-US" sz="1600" dirty="0"/>
+                  <a:t>Improves reliability of SC</a:t>
                 </a:r>
               </a:p>
               <a:p>
+                <a:pPr marL="285750" indent="-285750">
+                  <a:buFont typeface="Arial" panose="020B0604020202020204" pitchFamily="34" charset="0"/>
+                  <a:buChar char="•"/>
+                </a:pPr>
                 <a:r>
-                  <a:rPr lang="en-US" dirty="0"/>
-                  <a:t>The SC should closely reproduce the values of variables with large predictive power of outcome. Thus they should have large </a:t>
+                  <a:rPr lang="en-US" sz="1600" b="1" dirty="0"/>
+                  <a:t>Variables with larger predictive power</a:t>
+                </a:r>
+                <a:r>
+                  <a:rPr lang="en-US" sz="1600" dirty="0"/>
+                  <a:t> of outcome should have larger </a:t>
                 </a:r>
                 <a14:m>
                   <m:oMath xmlns:m="http://schemas.openxmlformats.org/officeDocument/2006/math">
                     <m:sSub>
                       <m:sSubPr>
                         <m:ctrlPr>
-                          <a:rPr lang="en-US" b="0" i="1" smtClean="0">
+                          <a:rPr lang="en-US" sz="1600" b="0" i="1" smtClean="0">
                             <a:latin typeface="Cambria Math" panose="02040503050406030204" pitchFamily="18" charset="0"/>
                           </a:rPr>
                         </m:ctrlPr>
                       </m:sSubPr>
                       <m:e>
                         <m:r>
-                          <a:rPr lang="en-US" b="0" i="1" smtClean="0">
+                          <a:rPr lang="en-US" sz="1600" b="0" i="1" smtClean="0">
                             <a:latin typeface="Cambria Math" panose="02040503050406030204" pitchFamily="18" charset="0"/>
                           </a:rPr>
                           <m:t>𝑣</m:t>
@@ -16065,7 +18177,7 @@
                       </m:e>
                       <m:sub>
                         <m:r>
-                          <a:rPr lang="en-US" b="0" i="1" smtClean="0">
+                          <a:rPr lang="en-US" sz="1600" b="0" i="1" smtClean="0">
                             <a:latin typeface="Cambria Math" panose="02040503050406030204" pitchFamily="18" charset="0"/>
                           </a:rPr>
                           <m:t>𝑚</m:t>
@@ -16073,18 +18185,22 @@
                       </m:sub>
                     </m:sSub>
                     <m:r>
-                      <a:rPr lang="en-US" b="0" i="1" smtClean="0">
+                      <a:rPr lang="en-US" sz="1600" b="0" i="1" smtClean="0">
                         <a:latin typeface="Cambria Math" panose="02040503050406030204" pitchFamily="18" charset="0"/>
                       </a:rPr>
                       <m:t>.</m:t>
                     </m:r>
                   </m:oMath>
                 </a14:m>
-                <a:endParaRPr lang="en-US" dirty="0"/>
+                <a:endParaRPr lang="en-US" sz="1600" b="0" dirty="0"/>
               </a:p>
               <a:p>
+                <a:pPr marL="285750" indent="-285750">
+                  <a:buFont typeface="Arial" panose="020B0604020202020204" pitchFamily="34" charset="0"/>
+                  <a:buChar char="•"/>
+                </a:pPr>
                 <a:r>
-                  <a:rPr lang="en-US" dirty="0"/>
+                  <a:rPr lang="en-US" sz="1600" dirty="0"/>
                   <a:t>Choose  </a:t>
                 </a:r>
                 <a14:m>
@@ -16092,14 +18208,14 @@
                     <m:sSub>
                       <m:sSubPr>
                         <m:ctrlPr>
-                          <a:rPr lang="en-US" b="0" i="1" smtClean="0">
+                          <a:rPr lang="en-US" sz="1600" b="0" i="1" smtClean="0">
                             <a:latin typeface="Cambria Math" panose="02040503050406030204" pitchFamily="18" charset="0"/>
                           </a:rPr>
                         </m:ctrlPr>
                       </m:sSubPr>
                       <m:e>
                         <m:r>
-                          <a:rPr lang="en-US" b="0" i="1" smtClean="0">
+                          <a:rPr lang="en-US" sz="1600" b="0" i="1" smtClean="0">
                             <a:latin typeface="Cambria Math" panose="02040503050406030204" pitchFamily="18" charset="0"/>
                           </a:rPr>
                           <m:t>𝑣</m:t>
@@ -16107,7 +18223,7 @@
                       </m:e>
                       <m:sub>
                         <m:r>
-                          <a:rPr lang="en-US" b="0" i="1" smtClean="0">
+                          <a:rPr lang="en-US" sz="1600" b="0" i="1" smtClean="0">
                             <a:latin typeface="Cambria Math" panose="02040503050406030204" pitchFamily="18" charset="0"/>
                           </a:rPr>
                           <m:t>𝑚</m:t>
@@ -16117,21 +18233,29 @@
                   </m:oMath>
                 </a14:m>
                 <a:r>
-                  <a:rPr lang="en-US" dirty="0"/>
-                  <a:t>such that the mean squared prediction error of the outcome variable is minimized in preintervention</a:t>
+                  <a:rPr lang="en-US" sz="1600" dirty="0"/>
+                  <a:t> such that the mean squared prediction error of the outcome variable is minimized in preintervention</a:t>
                 </a:r>
               </a:p>
               <a:p>
+                <a:pPr marL="285750" indent="-285750">
+                  <a:buFont typeface="Arial" panose="020B0604020202020204" pitchFamily="34" charset="0"/>
+                  <a:buChar char="•"/>
+                </a:pPr>
                 <a:r>
-                  <a:rPr lang="en-US" dirty="0"/>
+                  <a:rPr lang="en-US" sz="1600" dirty="0"/>
                   <a:t>Luckily for practitioners, weights are automatically computed by software</a:t>
                 </a:r>
               </a:p>
               <a:p>
-                <a:endParaRPr lang="en-US" dirty="0"/>
+                <a:pPr marL="285750" indent="-285750">
+                  <a:buFont typeface="Arial" panose="020B0604020202020204" pitchFamily="34" charset="0"/>
+                  <a:buChar char="•"/>
+                </a:pPr>
+                <a:endParaRPr lang="en-US" sz="1600" dirty="0"/>
               </a:p>
               <a:p>
-                <a:endParaRPr lang="en-US" dirty="0"/>
+                <a:endParaRPr lang="en-US" sz="1600" dirty="0"/>
               </a:p>
             </p:txBody>
           </p:sp>
@@ -16161,7 +18285,7 @@
               <a:blipFill>
                 <a:blip r:embed="rId2"/>
                 <a:stretch>
-                  <a:fillRect l="-1430" t="-2051"/>
+                  <a:fillRect l="-1132" t="-1709"/>
                 </a:stretch>
               </a:blipFill>
             </p:spPr>
@@ -16209,7 +18333,7 @@
             <a:fld id="{7782931A-7D25-4B4B-9464-57AE418934A3}" type="slidenum">
               <a:rPr lang="en-US" smtClean="0"/>
               <a:pPr/>
-              <a:t>9</a:t>
+              <a:t>7</a:t>
             </a:fld>
             <a:endParaRPr lang="en-US"/>
           </a:p>
@@ -16219,6 +18343,392 @@
     <p:extLst>
       <p:ext uri="{BB962C8B-B14F-4D97-AF65-F5344CB8AC3E}">
         <p14:creationId xmlns:p14="http://schemas.microsoft.com/office/powerpoint/2010/main" val="626939043"/>
+      </p:ext>
+    </p:extLst>
+  </p:cSld>
+  <p:clrMapOvr>
+    <a:masterClrMapping/>
+  </p:clrMapOvr>
+</p:sld>
+</file>
+
+<file path=ppt/slides/slide8.xml><?xml version="1.0" encoding="utf-8"?>
+<p:sld xmlns:a="http://schemas.openxmlformats.org/drawingml/2006/main" xmlns:r="http://schemas.openxmlformats.org/officeDocument/2006/relationships" xmlns:p="http://schemas.openxmlformats.org/presentationml/2006/main">
+  <p:cSld>
+    <p:spTree>
+      <p:nvGrpSpPr>
+        <p:cNvPr id="1" name=""/>
+        <p:cNvGrpSpPr/>
+        <p:nvPr/>
+      </p:nvGrpSpPr>
+      <p:grpSpPr>
+        <a:xfrm>
+          <a:off x="0" y="0"/>
+          <a:ext cx="0" cy="0"/>
+          <a:chOff x="0" y="0"/>
+          <a:chExt cx="0" cy="0"/>
+        </a:xfrm>
+      </p:grpSpPr>
+      <p:sp>
+        <p:nvSpPr>
+          <p:cNvPr id="2" name="Title 1">
+            <a:extLst>
+              <a:ext uri="{FF2B5EF4-FFF2-40B4-BE49-F238E27FC236}">
+                <a16:creationId xmlns:a16="http://schemas.microsoft.com/office/drawing/2014/main" id="{A8E966EE-4FBD-534E-AAED-6C54465EF91C}"/>
+              </a:ext>
+            </a:extLst>
+          </p:cNvPr>
+          <p:cNvSpPr>
+            <a:spLocks noGrp="1"/>
+          </p:cNvSpPr>
+          <p:nvPr>
+            <p:ph type="title"/>
+          </p:nvPr>
+        </p:nvSpPr>
+        <p:spPr/>
+        <p:txBody>
+          <a:bodyPr/>
+          <a:lstStyle/>
+          <a:p>
+            <a:r>
+              <a:rPr lang="en-US" dirty="0"/>
+              <a:t>California’s Proposition 99	</a:t>
+            </a:r>
+          </a:p>
+        </p:txBody>
+      </p:sp>
+      <p:sp>
+        <p:nvSpPr>
+          <p:cNvPr id="3" name="Content Placeholder 2">
+            <a:extLst>
+              <a:ext uri="{FF2B5EF4-FFF2-40B4-BE49-F238E27FC236}">
+                <a16:creationId xmlns:a16="http://schemas.microsoft.com/office/drawing/2014/main" id="{0EC737E2-1EBF-6244-8E0A-274D170CCCE9}"/>
+              </a:ext>
+            </a:extLst>
+          </p:cNvPr>
+          <p:cNvSpPr>
+            <a:spLocks noGrp="1"/>
+          </p:cNvSpPr>
+          <p:nvPr>
+            <p:ph type="body" sz="quarter" idx="10"/>
+          </p:nvPr>
+        </p:nvSpPr>
+        <p:spPr/>
+        <p:txBody>
+          <a:bodyPr/>
+          <a:lstStyle/>
+          <a:p>
+            <a:pPr marL="342900" indent="-342900">
+              <a:buFont typeface="Arial" panose="020B0604020202020204" pitchFamily="34" charset="0"/>
+              <a:buChar char="•"/>
+            </a:pPr>
+            <a:r>
+              <a:rPr lang="en-US" sz="1800" dirty="0"/>
+              <a:t>In 1989, California passes “Proposition 99” to reduce tobacco consumption</a:t>
+            </a:r>
+          </a:p>
+          <a:p>
+            <a:pPr marL="342900" indent="-342900">
+              <a:buFont typeface="Arial" panose="020B0604020202020204" pitchFamily="34" charset="0"/>
+              <a:buChar char="•"/>
+            </a:pPr>
+            <a:r>
+              <a:rPr lang="en-US" sz="1800" dirty="0"/>
+              <a:t>Increase cigarette excise tax by 25 cents per pack and earmark revenues for anti-tobacco projects</a:t>
+            </a:r>
+          </a:p>
+          <a:p>
+            <a:pPr marL="342900" indent="-342900">
+              <a:buFont typeface="Arial" panose="020B0604020202020204" pitchFamily="34" charset="0"/>
+              <a:buChar char="•"/>
+            </a:pPr>
+            <a:r>
+              <a:rPr lang="en-US" sz="1800" dirty="0"/>
+              <a:t>ADH (2010) build a SC to estimate the effect of P99 on cigarette consumption.</a:t>
+            </a:r>
+          </a:p>
+          <a:p>
+            <a:endParaRPr lang="en-US" sz="1800" dirty="0"/>
+          </a:p>
+        </p:txBody>
+      </p:sp>
+      <p:sp>
+        <p:nvSpPr>
+          <p:cNvPr id="6" name="Slide Number Placeholder 5">
+            <a:extLst>
+              <a:ext uri="{FF2B5EF4-FFF2-40B4-BE49-F238E27FC236}">
+                <a16:creationId xmlns:a16="http://schemas.microsoft.com/office/drawing/2014/main" id="{2ADE5F9E-39DA-49B7-8AA0-FF8E2B15DEEB}"/>
+              </a:ext>
+            </a:extLst>
+          </p:cNvPr>
+          <p:cNvSpPr>
+            <a:spLocks noGrp="1"/>
+          </p:cNvSpPr>
+          <p:nvPr>
+            <p:ph type="sldNum" sz="quarter" idx="14"/>
+          </p:nvPr>
+        </p:nvSpPr>
+        <p:spPr/>
+        <p:txBody>
+          <a:bodyPr/>
+          <a:lstStyle/>
+          <a:p>
+            <a:fld id="{7782931A-7D25-4B4B-9464-57AE418934A3}" type="slidenum">
+              <a:rPr lang="en-US" smtClean="0"/>
+              <a:pPr/>
+              <a:t>8</a:t>
+            </a:fld>
+            <a:endParaRPr lang="en-US"/>
+          </a:p>
+        </p:txBody>
+      </p:sp>
+      <p:pic>
+        <p:nvPicPr>
+          <p:cNvPr id="8" name="Content Placeholder 7">
+            <a:extLst>
+              <a:ext uri="{FF2B5EF4-FFF2-40B4-BE49-F238E27FC236}">
+                <a16:creationId xmlns:a16="http://schemas.microsoft.com/office/drawing/2014/main" id="{A95326C1-2151-D60F-DAA8-490F96B30007}"/>
+              </a:ext>
+            </a:extLst>
+          </p:cNvPr>
+          <p:cNvPicPr>
+            <a:picLocks noChangeAspect="1"/>
+          </p:cNvPicPr>
+          <p:nvPr/>
+        </p:nvPicPr>
+        <p:blipFill>
+          <a:blip r:embed="rId2"/>
+          <a:stretch>
+            <a:fillRect/>
+          </a:stretch>
+        </p:blipFill>
+        <p:spPr>
+          <a:xfrm>
+            <a:off x="7894733" y="2321923"/>
+            <a:ext cx="3183915" cy="3027495"/>
+          </a:xfrm>
+          <a:prstGeom prst="rect">
+            <a:avLst/>
+          </a:prstGeom>
+        </p:spPr>
+      </p:pic>
+    </p:spTree>
+    <p:extLst>
+      <p:ext uri="{BB962C8B-B14F-4D97-AF65-F5344CB8AC3E}">
+        <p14:creationId xmlns:p14="http://schemas.microsoft.com/office/powerpoint/2010/main" val="2755748325"/>
+      </p:ext>
+    </p:extLst>
+  </p:cSld>
+  <p:clrMapOvr>
+    <a:masterClrMapping/>
+  </p:clrMapOvr>
+</p:sld>
+</file>
+
+<file path=ppt/slides/slide9.xml><?xml version="1.0" encoding="utf-8"?>
+<p:sld xmlns:a="http://schemas.openxmlformats.org/drawingml/2006/main" xmlns:r="http://schemas.openxmlformats.org/officeDocument/2006/relationships" xmlns:p="http://schemas.openxmlformats.org/presentationml/2006/main">
+  <p:cSld>
+    <p:spTree>
+      <p:nvGrpSpPr>
+        <p:cNvPr id="1" name=""/>
+        <p:cNvGrpSpPr/>
+        <p:nvPr/>
+      </p:nvGrpSpPr>
+      <p:grpSpPr>
+        <a:xfrm>
+          <a:off x="0" y="0"/>
+          <a:ext cx="0" cy="0"/>
+          <a:chOff x="0" y="0"/>
+          <a:chExt cx="0" cy="0"/>
+        </a:xfrm>
+      </p:grpSpPr>
+      <p:sp>
+        <p:nvSpPr>
+          <p:cNvPr id="2" name="Title 1">
+            <a:extLst>
+              <a:ext uri="{FF2B5EF4-FFF2-40B4-BE49-F238E27FC236}">
+                <a16:creationId xmlns:a16="http://schemas.microsoft.com/office/drawing/2014/main" id="{A8E966EE-4FBD-534E-AAED-6C54465EF91C}"/>
+              </a:ext>
+            </a:extLst>
+          </p:cNvPr>
+          <p:cNvSpPr>
+            <a:spLocks noGrp="1"/>
+          </p:cNvSpPr>
+          <p:nvPr>
+            <p:ph type="title"/>
+          </p:nvPr>
+        </p:nvSpPr>
+        <p:spPr/>
+        <p:txBody>
+          <a:bodyPr/>
+          <a:lstStyle/>
+          <a:p>
+            <a:r>
+              <a:rPr lang="en-US" dirty="0"/>
+              <a:t>California’s Proposition 99	</a:t>
+            </a:r>
+          </a:p>
+        </p:txBody>
+      </p:sp>
+      <p:sp>
+        <p:nvSpPr>
+          <p:cNvPr id="3" name="Content Placeholder 2">
+            <a:extLst>
+              <a:ext uri="{FF2B5EF4-FFF2-40B4-BE49-F238E27FC236}">
+                <a16:creationId xmlns:a16="http://schemas.microsoft.com/office/drawing/2014/main" id="{0EC737E2-1EBF-6244-8E0A-274D170CCCE9}"/>
+              </a:ext>
+            </a:extLst>
+          </p:cNvPr>
+          <p:cNvSpPr>
+            <a:spLocks noGrp="1"/>
+          </p:cNvSpPr>
+          <p:nvPr>
+            <p:ph type="body" sz="quarter" idx="10"/>
+          </p:nvPr>
+        </p:nvSpPr>
+        <p:spPr/>
+        <p:txBody>
+          <a:bodyPr/>
+          <a:lstStyle/>
+          <a:p>
+            <a:r>
+              <a:rPr lang="en-US" sz="1800" dirty="0"/>
+              <a:t>Data:</a:t>
+            </a:r>
+          </a:p>
+          <a:p>
+            <a:pPr marL="285750" indent="-285750">
+              <a:buFont typeface="Arial" panose="020B0604020202020204" pitchFamily="34" charset="0"/>
+              <a:buChar char="•"/>
+            </a:pPr>
+            <a:r>
+              <a:rPr lang="en-US" sz="1800" dirty="0"/>
+              <a:t>Cigarette sales (in packs) 1970-2000</a:t>
+            </a:r>
+          </a:p>
+          <a:p>
+            <a:pPr marL="285750" indent="-285750">
+              <a:buFont typeface="Arial" panose="020B0604020202020204" pitchFamily="34" charset="0"/>
+              <a:buChar char="•"/>
+            </a:pPr>
+            <a:r>
+              <a:rPr lang="en-US" sz="1800" dirty="0"/>
+              <a:t>Donor pool: US states that did not pass anti-tobacco legislation in 1989-2000</a:t>
+            </a:r>
+          </a:p>
+          <a:p>
+            <a:pPr marL="285750" indent="-285750">
+              <a:buFont typeface="Arial" panose="020B0604020202020204" pitchFamily="34" charset="0"/>
+              <a:buChar char="•"/>
+            </a:pPr>
+            <a:r>
+              <a:rPr lang="en-US" sz="1800" dirty="0"/>
+              <a:t>Predictors: </a:t>
+            </a:r>
+          </a:p>
+          <a:p>
+            <a:pPr marL="742950" lvl="1" indent="-285750"/>
+            <a:r>
+              <a:rPr lang="en-US" sz="1400" dirty="0"/>
+              <a:t>Average retail price of cigarettes</a:t>
+            </a:r>
+          </a:p>
+          <a:p>
+            <a:pPr marL="742950" lvl="1" indent="-285750"/>
+            <a:r>
+              <a:rPr lang="en-US" sz="1400" dirty="0"/>
+              <a:t>Per capita state personal income (logged)</a:t>
+            </a:r>
+          </a:p>
+          <a:p>
+            <a:pPr marL="742950" lvl="1" indent="-285750"/>
+            <a:r>
+              <a:rPr lang="en-US" sz="1400" dirty="0"/>
+              <a:t>Percentage of the population age 15–24</a:t>
+            </a:r>
+          </a:p>
+          <a:p>
+            <a:pPr marL="742950" lvl="1" indent="-285750"/>
+            <a:r>
+              <a:rPr lang="en-US" sz="1400" dirty="0"/>
+              <a:t>Per capita beer consumption.</a:t>
+            </a:r>
+          </a:p>
+          <a:p>
+            <a:endParaRPr lang="en-US" sz="1800" dirty="0"/>
+          </a:p>
+          <a:p>
+            <a:endParaRPr lang="en-US" sz="1800" dirty="0"/>
+          </a:p>
+          <a:p>
+            <a:endParaRPr lang="en-US" sz="1800" dirty="0"/>
+          </a:p>
+        </p:txBody>
+      </p:sp>
+      <p:sp>
+        <p:nvSpPr>
+          <p:cNvPr id="6" name="Slide Number Placeholder 5">
+            <a:extLst>
+              <a:ext uri="{FF2B5EF4-FFF2-40B4-BE49-F238E27FC236}">
+                <a16:creationId xmlns:a16="http://schemas.microsoft.com/office/drawing/2014/main" id="{2ADE5F9E-39DA-49B7-8AA0-FF8E2B15DEEB}"/>
+              </a:ext>
+            </a:extLst>
+          </p:cNvPr>
+          <p:cNvSpPr>
+            <a:spLocks noGrp="1"/>
+          </p:cNvSpPr>
+          <p:nvPr>
+            <p:ph type="sldNum" sz="quarter" idx="14"/>
+          </p:nvPr>
+        </p:nvSpPr>
+        <p:spPr/>
+        <p:txBody>
+          <a:bodyPr/>
+          <a:lstStyle/>
+          <a:p>
+            <a:fld id="{7782931A-7D25-4B4B-9464-57AE418934A3}" type="slidenum">
+              <a:rPr lang="en-US" smtClean="0"/>
+              <a:pPr/>
+              <a:t>9</a:t>
+            </a:fld>
+            <a:endParaRPr lang="en-US"/>
+          </a:p>
+        </p:txBody>
+      </p:sp>
+      <p:pic>
+        <p:nvPicPr>
+          <p:cNvPr id="8" name="Content Placeholder 7">
+            <a:extLst>
+              <a:ext uri="{FF2B5EF4-FFF2-40B4-BE49-F238E27FC236}">
+                <a16:creationId xmlns:a16="http://schemas.microsoft.com/office/drawing/2014/main" id="{A95326C1-2151-D60F-DAA8-490F96B30007}"/>
+              </a:ext>
+            </a:extLst>
+          </p:cNvPr>
+          <p:cNvPicPr>
+            <a:picLocks noChangeAspect="1"/>
+          </p:cNvPicPr>
+          <p:nvPr/>
+        </p:nvPicPr>
+        <p:blipFill>
+          <a:blip r:embed="rId2"/>
+          <a:stretch>
+            <a:fillRect/>
+          </a:stretch>
+        </p:blipFill>
+        <p:spPr>
+          <a:xfrm>
+            <a:off x="7894733" y="2321923"/>
+            <a:ext cx="3183915" cy="3027495"/>
+          </a:xfrm>
+          <a:prstGeom prst="rect">
+            <a:avLst/>
+          </a:prstGeom>
+        </p:spPr>
+      </p:pic>
+    </p:spTree>
+    <p:extLst>
+      <p:ext uri="{BB962C8B-B14F-4D97-AF65-F5344CB8AC3E}">
+        <p14:creationId xmlns:p14="http://schemas.microsoft.com/office/powerpoint/2010/main" val="1003173811"/>
       </p:ext>
     </p:extLst>
   </p:cSld>
@@ -16725,6 +19235,15 @@
 </file>
 
 <file path=customXml/item1.xml><?xml version="1.0" encoding="utf-8"?>
+<p:properties xmlns:p="http://schemas.microsoft.com/office/2006/metadata/properties" xmlns:xsi="http://www.w3.org/2001/XMLSchema-instance" xmlns:pc="http://schemas.microsoft.com/office/infopath/2007/PartnerControls">
+  <documentManagement>
+    <Status xmlns="71af3243-3dd4-4a8d-8c0d-dd76da1f02a5">Not started</Status>
+    <MediaServiceKeyPoints xmlns="71af3243-3dd4-4a8d-8c0d-dd76da1f02a5" xsi:nil="true"/>
+  </documentManagement>
+</p:properties>
+</file>
+
+<file path=customXml/item2.xml><?xml version="1.0" encoding="utf-8"?>
 <ct:contentTypeSchema xmlns:ct="http://schemas.microsoft.com/office/2006/metadata/contentType" xmlns:ma="http://schemas.microsoft.com/office/2006/metadata/properties/metaAttributes" ct:_="" ma:_="" ma:contentTypeName="Document" ma:contentTypeID="0x01010079F111ED35F8CC479449609E8A0923A6" ma:contentTypeVersion="12" ma:contentTypeDescription="Create a new document." ma:contentTypeScope="" ma:versionID="426e97fa315356fffbdcd9876fe988c2">
   <xsd:schema xmlns:xsd="http://www.w3.org/2001/XMLSchema" xmlns:xs="http://www.w3.org/2001/XMLSchema" xmlns:p="http://schemas.microsoft.com/office/2006/metadata/properties" xmlns:ns2="71af3243-3dd4-4a8d-8c0d-dd76da1f02a5" xmlns:ns3="16c05727-aa75-4e4a-9b5f-8a80a1165891" targetNamespace="http://schemas.microsoft.com/office/2006/metadata/properties" ma:root="true" ma:fieldsID="14b8f0def80e6d70ce3def20c90759ae" ns2:_="" ns3:_="">
     <xsd:import namespace="71af3243-3dd4-4a8d-8c0d-dd76da1f02a5"/>
@@ -16945,15 +19464,6 @@
 </ct:contentTypeSchema>
 </file>
 
-<file path=customXml/item2.xml><?xml version="1.0" encoding="utf-8"?>
-<p:properties xmlns:p="http://schemas.microsoft.com/office/2006/metadata/properties" xmlns:xsi="http://www.w3.org/2001/XMLSchema-instance" xmlns:pc="http://schemas.microsoft.com/office/infopath/2007/PartnerControls">
-  <documentManagement>
-    <Status xmlns="71af3243-3dd4-4a8d-8c0d-dd76da1f02a5">Not started</Status>
-    <MediaServiceKeyPoints xmlns="71af3243-3dd4-4a8d-8c0d-dd76da1f02a5" xsi:nil="true"/>
-  </documentManagement>
-</p:properties>
-</file>
-
 <file path=customXml/item3.xml><?xml version="1.0" encoding="utf-8"?>
 <?mso-contentType ?>
 <FormTemplates xmlns="http://schemas.microsoft.com/sharepoint/v3/contenttype/forms">
@@ -16964,6 +19474,23 @@
 </file>
 
 <file path=customXml/itemProps1.xml><?xml version="1.0" encoding="utf-8"?>
+<ds:datastoreItem xmlns:ds="http://schemas.openxmlformats.org/officeDocument/2006/customXml" ds:itemID="{081B53F0-FE0E-4C4C-84FF-93580062270A}">
+  <ds:schemaRefs>
+    <ds:schemaRef ds:uri="http://schemas.microsoft.com/office/2006/documentManagement/types"/>
+    <ds:schemaRef ds:uri="16c05727-aa75-4e4a-9b5f-8a80a1165891"/>
+    <ds:schemaRef ds:uri="http://purl.org/dc/dcmitype/"/>
+    <ds:schemaRef ds:uri="http://schemas.microsoft.com/office/2006/metadata/properties"/>
+    <ds:schemaRef ds:uri="http://purl.org/dc/terms/"/>
+    <ds:schemaRef ds:uri="http://schemas.microsoft.com/office/infopath/2007/PartnerControls"/>
+    <ds:schemaRef ds:uri="http://www.w3.org/XML/1998/namespace"/>
+    <ds:schemaRef ds:uri="http://schemas.openxmlformats.org/package/2006/metadata/core-properties"/>
+    <ds:schemaRef ds:uri="71af3243-3dd4-4a8d-8c0d-dd76da1f02a5"/>
+    <ds:schemaRef ds:uri="http://purl.org/dc/elements/1.1/"/>
+  </ds:schemaRefs>
+</ds:datastoreItem>
+</file>
+
+<file path=customXml/itemProps2.xml><?xml version="1.0" encoding="utf-8"?>
 <ds:datastoreItem xmlns:ds="http://schemas.openxmlformats.org/officeDocument/2006/customXml" ds:itemID="{29D363B3-DC66-45B9-8B2A-DA220F5DD197}">
   <ds:schemaRefs>
     <ds:schemaRef ds:uri="http://schemas.microsoft.com/office/2006/metadata/contentType"/>
@@ -16982,23 +19509,6 @@
 </ds:datastoreItem>
 </file>
 
-<file path=customXml/itemProps2.xml><?xml version="1.0" encoding="utf-8"?>
-<ds:datastoreItem xmlns:ds="http://schemas.openxmlformats.org/officeDocument/2006/customXml" ds:itemID="{081B53F0-FE0E-4C4C-84FF-93580062270A}">
-  <ds:schemaRefs>
-    <ds:schemaRef ds:uri="http://schemas.microsoft.com/office/2006/documentManagement/types"/>
-    <ds:schemaRef ds:uri="16c05727-aa75-4e4a-9b5f-8a80a1165891"/>
-    <ds:schemaRef ds:uri="http://purl.org/dc/dcmitype/"/>
-    <ds:schemaRef ds:uri="http://schemas.microsoft.com/office/2006/metadata/properties"/>
-    <ds:schemaRef ds:uri="http://purl.org/dc/terms/"/>
-    <ds:schemaRef ds:uri="http://schemas.microsoft.com/office/infopath/2007/PartnerControls"/>
-    <ds:schemaRef ds:uri="http://www.w3.org/XML/1998/namespace"/>
-    <ds:schemaRef ds:uri="http://schemas.openxmlformats.org/package/2006/metadata/core-properties"/>
-    <ds:schemaRef ds:uri="71af3243-3dd4-4a8d-8c0d-dd76da1f02a5"/>
-    <ds:schemaRef ds:uri="http://purl.org/dc/elements/1.1/"/>
-  </ds:schemaRefs>
-</ds:datastoreItem>
-</file>
-
 <file path=customXml/itemProps3.xml><?xml version="1.0" encoding="utf-8"?>
 <ds:datastoreItem xmlns:ds="http://schemas.openxmlformats.org/officeDocument/2006/customXml" ds:itemID="{3149A8C3-21EC-4C35-871F-CCC7148089A3}">
   <ds:schemaRefs>

--- a/SCM.pptx
+++ b/SCM.pptx
@@ -12488,8 +12488,8 @@
           </a:p>
         </p:txBody>
       </p:sp>
-      <mc:AlternateContent xmlns:mc="http://schemas.openxmlformats.org/markup-compatibility/2006">
-        <mc:Choice xmlns:a14="http://schemas.microsoft.com/office/drawing/2010/main" Requires="a14">
+      <mc:AlternateContent xmlns:mc="http://schemas.openxmlformats.org/markup-compatibility/2006" xmlns:a14="http://schemas.microsoft.com/office/drawing/2010/main">
+        <mc:Choice Requires="a14">
           <p:sp>
             <p:nvSpPr>
               <p:cNvPr id="8" name="Content Placeholder 7">
@@ -12951,7 +12951,7 @@
             </p:txBody>
           </p:sp>
         </mc:Choice>
-        <mc:Fallback>
+        <mc:Fallback xmlns="">
           <p:sp>
             <p:nvSpPr>
               <p:cNvPr id="8" name="Content Placeholder 7">
@@ -13984,8 +13984,8 @@
           </a:p>
         </p:txBody>
       </p:sp>
-      <mc:AlternateContent xmlns:mc="http://schemas.openxmlformats.org/markup-compatibility/2006">
-        <mc:Choice xmlns:a14="http://schemas.microsoft.com/office/drawing/2010/main" Requires="a14">
+      <mc:AlternateContent xmlns:mc="http://schemas.openxmlformats.org/markup-compatibility/2006" xmlns:a14="http://schemas.microsoft.com/office/drawing/2010/main">
+        <mc:Choice Requires="a14">
           <p:sp>
             <p:nvSpPr>
               <p:cNvPr id="14" name="Content Placeholder 2">
@@ -14540,7 +14540,7 @@
             </p:txBody>
           </p:sp>
         </mc:Choice>
-        <mc:Fallback>
+        <mc:Fallback xmlns="">
           <p:sp>
             <p:nvSpPr>
               <p:cNvPr id="14" name="Content Placeholder 2">
@@ -19235,15 +19235,6 @@
 </file>
 
 <file path=customXml/item1.xml><?xml version="1.0" encoding="utf-8"?>
-<p:properties xmlns:p="http://schemas.microsoft.com/office/2006/metadata/properties" xmlns:xsi="http://www.w3.org/2001/XMLSchema-instance" xmlns:pc="http://schemas.microsoft.com/office/infopath/2007/PartnerControls">
-  <documentManagement>
-    <Status xmlns="71af3243-3dd4-4a8d-8c0d-dd76da1f02a5">Not started</Status>
-    <MediaServiceKeyPoints xmlns="71af3243-3dd4-4a8d-8c0d-dd76da1f02a5" xsi:nil="true"/>
-  </documentManagement>
-</p:properties>
-</file>
-
-<file path=customXml/item2.xml><?xml version="1.0" encoding="utf-8"?>
 <ct:contentTypeSchema xmlns:ct="http://schemas.microsoft.com/office/2006/metadata/contentType" xmlns:ma="http://schemas.microsoft.com/office/2006/metadata/properties/metaAttributes" ct:_="" ma:_="" ma:contentTypeName="Document" ma:contentTypeID="0x01010079F111ED35F8CC479449609E8A0923A6" ma:contentTypeVersion="12" ma:contentTypeDescription="Create a new document." ma:contentTypeScope="" ma:versionID="426e97fa315356fffbdcd9876fe988c2">
   <xsd:schema xmlns:xsd="http://www.w3.org/2001/XMLSchema" xmlns:xs="http://www.w3.org/2001/XMLSchema" xmlns:p="http://schemas.microsoft.com/office/2006/metadata/properties" xmlns:ns2="71af3243-3dd4-4a8d-8c0d-dd76da1f02a5" xmlns:ns3="16c05727-aa75-4e4a-9b5f-8a80a1165891" targetNamespace="http://schemas.microsoft.com/office/2006/metadata/properties" ma:root="true" ma:fieldsID="14b8f0def80e6d70ce3def20c90759ae" ns2:_="" ns3:_="">
     <xsd:import namespace="71af3243-3dd4-4a8d-8c0d-dd76da1f02a5"/>
@@ -19464,6 +19455,15 @@
 </ct:contentTypeSchema>
 </file>
 
+<file path=customXml/item2.xml><?xml version="1.0" encoding="utf-8"?>
+<p:properties xmlns:p="http://schemas.microsoft.com/office/2006/metadata/properties" xmlns:xsi="http://www.w3.org/2001/XMLSchema-instance" xmlns:pc="http://schemas.microsoft.com/office/infopath/2007/PartnerControls">
+  <documentManagement>
+    <Status xmlns="71af3243-3dd4-4a8d-8c0d-dd76da1f02a5">Not started</Status>
+    <MediaServiceKeyPoints xmlns="71af3243-3dd4-4a8d-8c0d-dd76da1f02a5" xsi:nil="true"/>
+  </documentManagement>
+</p:properties>
+</file>
+
 <file path=customXml/item3.xml><?xml version="1.0" encoding="utf-8"?>
 <?mso-contentType ?>
 <FormTemplates xmlns="http://schemas.microsoft.com/sharepoint/v3/contenttype/forms">
@@ -19474,23 +19474,6 @@
 </file>
 
 <file path=customXml/itemProps1.xml><?xml version="1.0" encoding="utf-8"?>
-<ds:datastoreItem xmlns:ds="http://schemas.openxmlformats.org/officeDocument/2006/customXml" ds:itemID="{081B53F0-FE0E-4C4C-84FF-93580062270A}">
-  <ds:schemaRefs>
-    <ds:schemaRef ds:uri="http://schemas.microsoft.com/office/2006/documentManagement/types"/>
-    <ds:schemaRef ds:uri="16c05727-aa75-4e4a-9b5f-8a80a1165891"/>
-    <ds:schemaRef ds:uri="http://purl.org/dc/dcmitype/"/>
-    <ds:schemaRef ds:uri="http://schemas.microsoft.com/office/2006/metadata/properties"/>
-    <ds:schemaRef ds:uri="http://purl.org/dc/terms/"/>
-    <ds:schemaRef ds:uri="http://schemas.microsoft.com/office/infopath/2007/PartnerControls"/>
-    <ds:schemaRef ds:uri="http://www.w3.org/XML/1998/namespace"/>
-    <ds:schemaRef ds:uri="http://schemas.openxmlformats.org/package/2006/metadata/core-properties"/>
-    <ds:schemaRef ds:uri="71af3243-3dd4-4a8d-8c0d-dd76da1f02a5"/>
-    <ds:schemaRef ds:uri="http://purl.org/dc/elements/1.1/"/>
-  </ds:schemaRefs>
-</ds:datastoreItem>
-</file>
-
-<file path=customXml/itemProps2.xml><?xml version="1.0" encoding="utf-8"?>
 <ds:datastoreItem xmlns:ds="http://schemas.openxmlformats.org/officeDocument/2006/customXml" ds:itemID="{29D363B3-DC66-45B9-8B2A-DA220F5DD197}">
   <ds:schemaRefs>
     <ds:schemaRef ds:uri="http://schemas.microsoft.com/office/2006/metadata/contentType"/>
@@ -19509,6 +19492,23 @@
 </ds:datastoreItem>
 </file>
 
+<file path=customXml/itemProps2.xml><?xml version="1.0" encoding="utf-8"?>
+<ds:datastoreItem xmlns:ds="http://schemas.openxmlformats.org/officeDocument/2006/customXml" ds:itemID="{081B53F0-FE0E-4C4C-84FF-93580062270A}">
+  <ds:schemaRefs>
+    <ds:schemaRef ds:uri="http://schemas.microsoft.com/office/2006/documentManagement/types"/>
+    <ds:schemaRef ds:uri="16c05727-aa75-4e4a-9b5f-8a80a1165891"/>
+    <ds:schemaRef ds:uri="http://purl.org/dc/dcmitype/"/>
+    <ds:schemaRef ds:uri="http://schemas.microsoft.com/office/2006/metadata/properties"/>
+    <ds:schemaRef ds:uri="http://purl.org/dc/terms/"/>
+    <ds:schemaRef ds:uri="http://schemas.microsoft.com/office/infopath/2007/PartnerControls"/>
+    <ds:schemaRef ds:uri="http://www.w3.org/XML/1998/namespace"/>
+    <ds:schemaRef ds:uri="http://schemas.openxmlformats.org/package/2006/metadata/core-properties"/>
+    <ds:schemaRef ds:uri="71af3243-3dd4-4a8d-8c0d-dd76da1f02a5"/>
+    <ds:schemaRef ds:uri="http://purl.org/dc/elements/1.1/"/>
+  </ds:schemaRefs>
+</ds:datastoreItem>
+</file>
+
 <file path=customXml/itemProps3.xml><?xml version="1.0" encoding="utf-8"?>
 <ds:datastoreItem xmlns:ds="http://schemas.openxmlformats.org/officeDocument/2006/customXml" ds:itemID="{3149A8C3-21EC-4C35-871F-CCC7148089A3}">
   <ds:schemaRefs>

--- a/SCM.pptx
+++ b/SCM.pptx
@@ -5,7 +5,7 @@
     <p:sldMasterId id="2147483658" r:id="rId4"/>
   </p:sldMasterIdLst>
   <p:notesMasterIdLst>
-    <p:notesMasterId r:id="rId43"/>
+    <p:notesMasterId r:id="rId42"/>
   </p:notesMasterIdLst>
   <p:sldIdLst>
     <p:sldId id="378" r:id="rId5"/>
@@ -26,26 +26,25 @@
     <p:sldId id="366" r:id="rId20"/>
     <p:sldId id="365" r:id="rId21"/>
     <p:sldId id="367" r:id="rId22"/>
-    <p:sldId id="368" r:id="rId23"/>
-    <p:sldId id="369" r:id="rId24"/>
-    <p:sldId id="370" r:id="rId25"/>
-    <p:sldId id="379" r:id="rId26"/>
-    <p:sldId id="375" r:id="rId27"/>
-    <p:sldId id="376" r:id="rId28"/>
-    <p:sldId id="384" r:id="rId29"/>
-    <p:sldId id="380" r:id="rId30"/>
-    <p:sldId id="381" r:id="rId31"/>
-    <p:sldId id="382" r:id="rId32"/>
-    <p:sldId id="383" r:id="rId33"/>
-    <p:sldId id="385" r:id="rId34"/>
-    <p:sldId id="386" r:id="rId35"/>
-    <p:sldId id="387" r:id="rId36"/>
-    <p:sldId id="395" r:id="rId37"/>
-    <p:sldId id="389" r:id="rId38"/>
-    <p:sldId id="388" r:id="rId39"/>
-    <p:sldId id="390" r:id="rId40"/>
-    <p:sldId id="391" r:id="rId41"/>
-    <p:sldId id="392" r:id="rId42"/>
+    <p:sldId id="397" r:id="rId23"/>
+    <p:sldId id="368" r:id="rId24"/>
+    <p:sldId id="369" r:id="rId25"/>
+    <p:sldId id="375" r:id="rId26"/>
+    <p:sldId id="376" r:id="rId27"/>
+    <p:sldId id="384" r:id="rId28"/>
+    <p:sldId id="380" r:id="rId29"/>
+    <p:sldId id="381" r:id="rId30"/>
+    <p:sldId id="382" r:id="rId31"/>
+    <p:sldId id="383" r:id="rId32"/>
+    <p:sldId id="385" r:id="rId33"/>
+    <p:sldId id="386" r:id="rId34"/>
+    <p:sldId id="387" r:id="rId35"/>
+    <p:sldId id="395" r:id="rId36"/>
+    <p:sldId id="389" r:id="rId37"/>
+    <p:sldId id="388" r:id="rId38"/>
+    <p:sldId id="390" r:id="rId39"/>
+    <p:sldId id="391" r:id="rId40"/>
+    <p:sldId id="392" r:id="rId41"/>
   </p:sldIdLst>
   <p:sldSz cx="12192000" cy="6858000"/>
   <p:notesSz cx="6858000" cy="9144000"/>
@@ -247,34 +246,6 @@
 </inkml:ink>
 </file>
 
-<file path=ppt/ink/ink4.xml><?xml version="1.0" encoding="utf-8"?>
-<inkml:ink xmlns:inkml="http://www.w3.org/2003/InkML">
-  <inkml:definitions>
-    <inkml:context xml:id="ctx0">
-      <inkml:inkSource xml:id="inkSrc0">
-        <inkml:traceFormat>
-          <inkml:channel name="X" type="integer" min="-2.14748E9" max="2.14748E9" units="cm"/>
-          <inkml:channel name="Y" type="integer" min="-2.14748E9" max="2.14748E9" units="cm"/>
-          <inkml:channel name="F" type="integer" max="32767" units="dev"/>
-        </inkml:traceFormat>
-        <inkml:channelProperties>
-          <inkml:channelProperty channel="X" name="resolution" value="1000" units="1/cm"/>
-          <inkml:channelProperty channel="Y" name="resolution" value="1000" units="1/cm"/>
-          <inkml:channelProperty channel="F" name="resolution" value="0" units="1/dev"/>
-        </inkml:channelProperties>
-      </inkml:inkSource>
-      <inkml:timestamp xml:id="ts0" timeString="2024-05-08T08:35:37.125"/>
-    </inkml:context>
-    <inkml:brush xml:id="br0">
-      <inkml:brushProperty name="width" value="0.1" units="cm"/>
-      <inkml:brushProperty name="height" value="0.1" units="cm"/>
-      <inkml:brushProperty name="color" value="#E71224"/>
-    </inkml:brush>
-  </inkml:definitions>
-  <inkml:trace contextRef="#ctx0" brushRef="#br0">1 3298 24575,'1'-21'0,"0"0"0,2 0 0,0 1 0,10-32 0,33-74 0,-26 74 0,5-15 0,4 1 0,67-114 0,-80 155 0,-6 8 0,21-27 0,-27 40 0,0-1 0,1 1 0,0-1 0,0 1 0,0 1 0,0-1 0,0 1 0,1 0 0,9-4 0,82-29 0,160-38 0,-198 61 0,11-3 0,0 3 0,125-8 0,-190 21 0,0 0 0,0 1 0,0-1 0,-1 1 0,1 0 0,0 1 0,-1-1 0,1 1 0,-1-1 0,1 2 0,-1-1 0,0 0 0,0 1 0,0-1 0,0 1 0,0 1 0,-1-1 0,1 0 0,5 8 0,0 3 0,0 0 0,-1 1 0,0 0 0,7 23 0,6 8 0,4 2 0,2 0 0,3-3 0,1 0 0,3-2 0,1-1 0,69 62 0,23 18 0,45 39 0,-166-155 0,0-1 0,1 0 0,0 0 0,0-1 0,0 0 0,0 0 0,1-1 0,0 0 0,0 0 0,8 1 0,-9-3 0,0 0 0,0 0 0,0-1 0,0 0 0,0-1 0,0 1 0,-1-2 0,1 1 0,0 0 0,0-1 0,-1-1 0,9-3 0,37-21 0,-1-2 0,-2-2 0,72-61 0,84-89 0,27-22 0,-125 122 0,3 5 0,202-103 0,-311 179 0,19-10 0,0 0 0,1 2 0,-1 1 0,25-5 0,-40 10 0,0 2 0,0-1 0,0 0 0,1 1 0,-1 0 0,0 0 0,0 1 0,0-1 0,1 1 0,-1 0 0,0 1 0,0-1 0,0 1 0,0 0 0,-1 0 0,1 1 0,-1-1 0,1 1 0,-1 0 0,0 0 0,0 1 0,6 5 0,3 8 0,-1 0 0,-1 1 0,-1 0 0,-1 0 0,12 34 0,4 5 0,2-5 0,65 89 0,11 20 0,-90-135 0,2-1 0,1-1 0,1 0 0,1-1 0,26 26 0,-36-42 0,1 1 0,0-1 0,0 0 0,1-1 0,0 0 0,0-1 0,12 5 0,-15-8 0,0 1 0,1-1 0,-1-1 0,1 0 0,-1 0 0,1 0 0,-1-1 0,1 0 0,0 0 0,-1-1 0,14-3 0,-13 2 0,0-1 0,0 0 0,0 0 0,0-1 0,-1 0 0,14-9 0,40-38 0,-8 6 0,-25 22 0,-1-1 0,42-48 0,-50 51 0,96-86 0,-37 38 0,-55 46 0,16-15 0,2 2 0,59-41 0,-85 66 0,0 0 0,-1-1 0,0 0 0,-1-1 0,-1-1 0,0 0 0,0 0 0,15-29 0,360-655 0,167-559-613,-464 1050 920,-75 179-256,1 0 0,1 2 0,1 0 0,1 1 0,24-23 0,-42 46-51,1 0 0,-1 1 0,1 0 0,0-1 0,-1 1 0,1 0 0,0 0 0,0 0 0,0 0 0,0 0 0,0 1 0,0-1 0,0 0 0,0 1 0,0 0 0,0-1 0,0 1 0,0 0 0,0 0 0,0 0 0,3 1 0,-1 0 0,-1 0 0,1 0 0,0 1 0,-1-1 0,1 1 0,-1 0 0,1 0 0,-1 1 0,0-1 0,5 5 0,4 6 0,0 0 0,-1 1 0,18 30 0,89 175 0,-3-6 0,-28-90 0,-12-19 0,-65-90 0,1 0 0,1-1 0,0-1 0,1 0 0,22 16 0,-20-16 0,0 0 0,-1 0 0,-1 1 0,18 23 0,77 94 0,-11-16 0,-81-91 0,1-2 0,1 0 0,1-1 0,1 0 0,37 26 0,-52-43 0,-1 0 0,1-1 0,0 0 0,0 0 0,0 0 0,0 0 0,1-1 0,-1 0 0,0 0 0,1 0 0,-1-1 0,1 0 0,-1 0 0,0 0 0,1 0 0,-1-1 0,0 0 0,1 0 0,-1-1 0,0 0 0,0 1 0,8-5 0,7-5 0,-1-1 0,-1 0 0,1-1 0,17-18 0,35-39 0,-57 55 0,0 0 0,1 0 0,0 1 0,2 1 0,-1 1 0,25-14 0,-25 18 0,-4 1 0,1 1 0,1 1 0,-1-1 0,17-2 0,-26 7 0,0 0 0,0 1 0,0-1 0,0 1 0,0 0 0,0 0 0,0 1 0,0-1 0,0 1 0,0 0 0,0 0 0,-1 0 0,1 1 0,0-1 0,0 1 0,-1 0 0,1 0 0,-1 0 0,5 4 0,14 16 0,-1 1 0,-1 0 0,0 1 0,21 38 0,1-1 0,21 29 0,42 54 0,-100-137 0,0-1 0,1 0 0,-1-1 0,1 1 0,0-1 0,1 0 0,-1-1 0,11 6 0,-13-8 0,-1-1 0,1 0 0,-1 1 0,1-1 0,0-1 0,-1 1 0,1-1 0,0 1 0,0-1 0,0 0 0,-1-1 0,1 1 0,0 0 0,0-1 0,-1 0 0,1 0 0,0 0 0,-1-1 0,1 1 0,3-3 0,8-5 0,1-1 0,-2 0 0,1-1 0,17-18 0,52-61 0,-62 66 0,462-598 0,-463 590 0,22-30 0,-37 56 0,-1-1 0,1 1 0,0 0 0,1 0 0,-1 1 0,8-6 0,-12 10 0,0 0 0,0 1 0,0-1 0,0 0 0,-1 1 0,1-1 0,0 1 0,0-1 0,0 1 0,0 0 0,0 0 0,0 0 0,0 0 0,0 0 0,0 0 0,0 1 0,0-1 0,0 1 0,0-1 0,0 1 0,0 0 0,0-1 0,0 1 0,-1 0 0,1 0 0,3 3 0,2 2 0,0 0 0,-1 1 0,1 0 0,7 11 0,-11-14 0,23 33 0,-2 2 0,34 72 0,-36-65 0,50 75 0,-54-94 0,1-2 0,2 0 0,0-1 0,2-1 0,0-1 0,2-1 0,0-1 0,39 22 0,-55-35 0,0-1 0,-1 1 0,1 1 0,-2 0 0,1 0 0,-1 0 0,0 1 0,-1 0 0,0 0 0,8 17 0,-6-12 0,0-1 0,1 1 0,0-2 0,18 19 0,0-6 0,54 56 0,-73-72 0,49 54 0,-49-56 0,0 1 0,1-1 0,0-1 0,0 0 0,16 9 0,-20-13 0,0-1 0,0 1 0,1-1 0,-1 0 0,1 0 0,-1 0 0,1-1 0,-1 0 0,1 0 0,-1 0 0,1-1 0,-1 0 0,1 0 0,6-2 0,9-4 0,0-1 0,26-15 0,-12 7 0,17-9 0,-1-1 0,0-3 0,87-66 0,-76 44 0,82-86 0,-125 119-170,1 1-1,0 0 0,1 2 1,1 0-1,0 2 0,1 0 1,30-11-1,-23 11-6655</inkml:trace>
-</inkml:ink>
-</file>
-
 <file path=ppt/notesMasters/notesMaster1.xml><?xml version="1.0" encoding="utf-8"?>
 <p:notesMaster xmlns:a="http://schemas.openxmlformats.org/drawingml/2006/main" xmlns:r="http://schemas.openxmlformats.org/officeDocument/2006/relationships" xmlns:p="http://schemas.openxmlformats.org/presentationml/2006/main">
   <p:cSld>
@@ -357,7 +328,7 @@
           <a:p>
             <a:fld id="{6EE7A52F-9D89-7442-A8E9-48D1527B5F6B}" type="datetimeFigureOut">
               <a:rPr lang="en-US" smtClean="0"/>
-              <a:t>5/10/2024</a:t>
+              <a:t>5/13/2024</a:t>
             </a:fld>
             <a:endParaRPr lang="en-US" dirty="0"/>
           </a:p>
@@ -668,22 +639,7 @@
           <a:bodyPr/>
           <a:lstStyle/>
           <a:p>
-            <a:r>
-              <a:rPr lang="en-US" dirty="0"/>
-              <a:t>As the name says, this is a type of study design that revolves around an event happening at a point in time, after which some units are treated and some others are not. </a:t>
-            </a:r>
-          </a:p>
-          <a:p>
-            <a:r>
-              <a:rPr lang="en-US" dirty="0"/>
-              <a:t>Our goal is to study the evolution of some outcome variables over time, comparing treated and untreated, and make inference that has a interpretation as causal as possible. To put that in other words, we want to estimate unbiased treatment effects.</a:t>
-            </a:r>
-          </a:p>
-          <a:p>
-            <a:r>
-              <a:rPr lang="en-US" dirty="0"/>
-              <a:t>Events that we study (let’s call them treatment from now on, although it could be really anything) need not happen all at the same time. Consider the following question: what is the effect of having a child on the gender wage gap, also called the child penalty? In this case, people have children at different moments, so calendar time does not coincide with event time. Calendar time is the time as we record it, years, months, days. Event time is time relative to the event or treatment. This plot comes from a paper that estimates precisely the child penalty in Denmark; it shows an event study for women and an event study for men, comparing women when they give birth to women who don’t, but are otherwise comparable after accounting for observable and some fixed effects. Same for men. Not relevant to the understanding of event studies, but just look how massive the penalty is. </a:t>
-            </a:r>
+            <a:endParaRPr lang="en-US" dirty="0"/>
           </a:p>
         </p:txBody>
       </p:sp>
@@ -704,7 +660,7 @@
           <a:p>
             <a:fld id="{A89C7E07-3C67-C64C-8DA0-0404F6303970}" type="slidenum">
               <a:rPr lang="en-US" smtClean="0"/>
-              <a:t>21</a:t>
+              <a:t>22</a:t>
             </a:fld>
             <a:endParaRPr lang="en-US" dirty="0"/>
           </a:p>
@@ -713,7 +669,7 @@
     </p:spTree>
     <p:extLst>
       <p:ext uri="{BB962C8B-B14F-4D97-AF65-F5344CB8AC3E}">
-        <p14:creationId xmlns:p14="http://schemas.microsoft.com/office/powerpoint/2010/main" val="3608094539"/>
+        <p14:creationId xmlns:p14="http://schemas.microsoft.com/office/powerpoint/2010/main" val="1389846931"/>
       </p:ext>
     </p:extLst>
   </p:cSld>
@@ -767,10 +723,7 @@
           <a:bodyPr/>
           <a:lstStyle/>
           <a:p>
-            <a:r>
-              <a:rPr lang="en-US" dirty="0"/>
-              <a:t>Consider the following question: what is the effect of having a child on the gender wage gap, also called the child penalty? In this case, people have children at different moments, so calendar time does not coincide with event time. Calendar time is the time as we record it, years, months, days. Event time is time relative to the event or treatment. This plot comes from a paper that estimates precisely the child penalty in Denmark; it shows an event study for women and an event study for men, comparing women when they give birth to women who don’t, but are otherwise comparable after accounting for observable and some fixed effects. Same for men. Not relevant to the understanding of event studies, but just look how massive the penalty is. </a:t>
-            </a:r>
+            <a:endParaRPr lang="en-US" dirty="0"/>
           </a:p>
         </p:txBody>
       </p:sp>
@@ -791,7 +744,7 @@
           <a:p>
             <a:fld id="{A89C7E07-3C67-C64C-8DA0-0404F6303970}" type="slidenum">
               <a:rPr lang="en-US" smtClean="0"/>
-              <a:t>22</a:t>
+              <a:t>28</a:t>
             </a:fld>
             <a:endParaRPr lang="en-US" dirty="0"/>
           </a:p>
@@ -800,7 +753,7 @@
     </p:spTree>
     <p:extLst>
       <p:ext uri="{BB962C8B-B14F-4D97-AF65-F5344CB8AC3E}">
-        <p14:creationId xmlns:p14="http://schemas.microsoft.com/office/powerpoint/2010/main" val="4217813297"/>
+        <p14:creationId xmlns:p14="http://schemas.microsoft.com/office/powerpoint/2010/main" val="2215555821"/>
       </p:ext>
     </p:extLst>
   </p:cSld>
@@ -854,22 +807,7 @@
           <a:bodyPr/>
           <a:lstStyle/>
           <a:p>
-            <a:r>
-              <a:rPr lang="en-US" dirty="0"/>
-              <a:t>As the name says, this is a type of study design that revolves around an event happening at a point in time, after which some units are treated and some others are not. </a:t>
-            </a:r>
-          </a:p>
-          <a:p>
-            <a:r>
-              <a:rPr lang="en-US" dirty="0"/>
-              <a:t>Our goal is to study the evolution of some outcome variables over time, comparing treated and untreated, and make inference that has a interpretation as causal as possible. To put that in other words, we want to estimate unbiased treatment effects.</a:t>
-            </a:r>
-          </a:p>
-          <a:p>
-            <a:r>
-              <a:rPr lang="en-US" dirty="0"/>
-              <a:t>Events that we study (let’s call them treatment from now on, although it could be really anything) need not happen all at the same time. Consider the following question: what is the effect of having a child on the gender wage gap, also called the child penalty? In this case, people have children at different moments, so calendar time does not coincide with event time. Calendar time is the time as we record it, years, months, days. Event time is time relative to the event or treatment. </a:t>
-            </a:r>
+            <a:endParaRPr lang="en-US" dirty="0"/>
           </a:p>
         </p:txBody>
       </p:sp>
@@ -890,91 +828,7 @@
           <a:p>
             <a:fld id="{A89C7E07-3C67-C64C-8DA0-0404F6303970}" type="slidenum">
               <a:rPr lang="en-US" smtClean="0"/>
-              <a:t>23</a:t>
-            </a:fld>
-            <a:endParaRPr lang="en-US" dirty="0"/>
-          </a:p>
-        </p:txBody>
-      </p:sp>
-    </p:spTree>
-    <p:extLst>
-      <p:ext uri="{BB962C8B-B14F-4D97-AF65-F5344CB8AC3E}">
-        <p14:creationId xmlns:p14="http://schemas.microsoft.com/office/powerpoint/2010/main" val="1389846931"/>
-      </p:ext>
-    </p:extLst>
-  </p:cSld>
-  <p:clrMapOvr>
-    <a:masterClrMapping/>
-  </p:clrMapOvr>
-</p:notes>
-</file>
-
-<file path=ppt/notesSlides/notesSlide4.xml><?xml version="1.0" encoding="utf-8"?>
-<p:notes xmlns:a="http://schemas.openxmlformats.org/drawingml/2006/main" xmlns:r="http://schemas.openxmlformats.org/officeDocument/2006/relationships" xmlns:p="http://schemas.openxmlformats.org/presentationml/2006/main">
-  <p:cSld>
-    <p:spTree>
-      <p:nvGrpSpPr>
-        <p:cNvPr id="1" name=""/>
-        <p:cNvGrpSpPr/>
-        <p:nvPr/>
-      </p:nvGrpSpPr>
-      <p:grpSpPr>
-        <a:xfrm>
-          <a:off x="0" y="0"/>
-          <a:ext cx="0" cy="0"/>
-          <a:chOff x="0" y="0"/>
-          <a:chExt cx="0" cy="0"/>
-        </a:xfrm>
-      </p:grpSpPr>
-      <p:sp>
-        <p:nvSpPr>
-          <p:cNvPr id="2" name="Slide Image Placeholder 1"/>
-          <p:cNvSpPr>
-            <a:spLocks noGrp="1" noRot="1" noChangeAspect="1"/>
-          </p:cNvSpPr>
-          <p:nvPr>
-            <p:ph type="sldImg"/>
-          </p:nvPr>
-        </p:nvSpPr>
-        <p:spPr/>
-      </p:sp>
-      <p:sp>
-        <p:nvSpPr>
-          <p:cNvPr id="3" name="Notes Placeholder 2"/>
-          <p:cNvSpPr>
-            <a:spLocks noGrp="1"/>
-          </p:cNvSpPr>
-          <p:nvPr>
-            <p:ph type="body" idx="1"/>
-          </p:nvPr>
-        </p:nvSpPr>
-        <p:spPr/>
-        <p:txBody>
-          <a:bodyPr/>
-          <a:lstStyle/>
-          <a:p>
-            <a:endParaRPr lang="en-US" dirty="0"/>
-          </a:p>
-        </p:txBody>
-      </p:sp>
-      <p:sp>
-        <p:nvSpPr>
-          <p:cNvPr id="4" name="Slide Number Placeholder 3"/>
-          <p:cNvSpPr>
-            <a:spLocks noGrp="1"/>
-          </p:cNvSpPr>
-          <p:nvPr>
-            <p:ph type="sldNum" sz="quarter" idx="5"/>
-          </p:nvPr>
-        </p:nvSpPr>
-        <p:spPr/>
-        <p:txBody>
-          <a:bodyPr/>
-          <a:lstStyle/>
-          <a:p>
-            <a:fld id="{A89C7E07-3C67-C64C-8DA0-0404F6303970}" type="slidenum">
-              <a:rPr lang="en-US" smtClean="0"/>
-              <a:t>33</a:t>
+              <a:t>32</a:t>
             </a:fld>
             <a:endParaRPr lang="en-US" dirty="0"/>
           </a:p>
@@ -7685,20 +7539,14 @@
           <a:p>
             <a:r>
               <a:rPr lang="en-US" dirty="0"/>
-              <a:t>3.  No other treatments (parallel trends)</a:t>
+              <a:t>3.  No other treatments in donors not in treated unit</a:t>
             </a:r>
           </a:p>
           <a:p>
             <a:r>
               <a:rPr lang="en-US" dirty="0"/>
-              <a:t>	Smoking suddenly unfashionable in Montana</a:t>
-            </a:r>
-          </a:p>
-          <a:p>
-            <a:endParaRPr lang="en-US" dirty="0"/>
-          </a:p>
-          <a:p>
-            <a:endParaRPr lang="en-US" dirty="0"/>
+              <a:t>	Smoking suddenly unfashionable in Montana; Reduced selling hours in California</a:t>
+            </a:r>
           </a:p>
           <a:p>
             <a:endParaRPr lang="en-US" dirty="0"/>
@@ -9382,6 +9230,641 @@
           <a:chExt cx="0" cy="0"/>
         </a:xfrm>
       </p:grpSpPr>
+      <p:sp>
+        <p:nvSpPr>
+          <p:cNvPr id="2" name="Title 1">
+            <a:extLst>
+              <a:ext uri="{FF2B5EF4-FFF2-40B4-BE49-F238E27FC236}">
+                <a16:creationId xmlns:a16="http://schemas.microsoft.com/office/drawing/2014/main" id="{FE72F986-B137-8A2A-CA4B-6555EA03745B}"/>
+              </a:ext>
+            </a:extLst>
+          </p:cNvPr>
+          <p:cNvSpPr>
+            <a:spLocks noGrp="1"/>
+          </p:cNvSpPr>
+          <p:nvPr>
+            <p:ph type="title"/>
+          </p:nvPr>
+        </p:nvSpPr>
+        <p:spPr>
+          <a:xfrm>
+            <a:off x="1028700" y="3336545"/>
+            <a:ext cx="7810500" cy="645284"/>
+          </a:xfrm>
+        </p:spPr>
+        <p:txBody>
+          <a:bodyPr anchor="b">
+            <a:normAutofit/>
+          </a:bodyPr>
+          <a:lstStyle/>
+          <a:p>
+            <a:r>
+              <a:rPr lang="en-US" dirty="0"/>
+              <a:t>Questions so far?</a:t>
+            </a:r>
+          </a:p>
+        </p:txBody>
+      </p:sp>
+      <p:sp>
+        <p:nvSpPr>
+          <p:cNvPr id="13" name="Text Placeholder 2">
+            <a:extLst>
+              <a:ext uri="{FF2B5EF4-FFF2-40B4-BE49-F238E27FC236}">
+                <a16:creationId xmlns:a16="http://schemas.microsoft.com/office/drawing/2014/main" id="{74B778E5-908C-ED98-F40D-0E3C55AB753A}"/>
+              </a:ext>
+            </a:extLst>
+          </p:cNvPr>
+          <p:cNvSpPr>
+            <a:spLocks noGrp="1"/>
+          </p:cNvSpPr>
+          <p:nvPr>
+            <p:ph type="body" sz="quarter" idx="10"/>
+          </p:nvPr>
+        </p:nvSpPr>
+        <p:spPr>
+          <a:xfrm>
+            <a:off x="1028700" y="2321923"/>
+            <a:ext cx="4876800" cy="3825952"/>
+          </a:xfrm>
+        </p:spPr>
+        <p:txBody>
+          <a:bodyPr/>
+          <a:lstStyle/>
+          <a:p>
+            <a:endParaRPr lang="en-US"/>
+          </a:p>
+        </p:txBody>
+      </p:sp>
+      <p:sp>
+        <p:nvSpPr>
+          <p:cNvPr id="15" name="Text Placeholder 3">
+            <a:extLst>
+              <a:ext uri="{FF2B5EF4-FFF2-40B4-BE49-F238E27FC236}">
+                <a16:creationId xmlns:a16="http://schemas.microsoft.com/office/drawing/2014/main" id="{F4D2B5A4-345B-582E-995E-1F1DF94C0AAC}"/>
+              </a:ext>
+            </a:extLst>
+          </p:cNvPr>
+          <p:cNvSpPr>
+            <a:spLocks noGrp="1"/>
+          </p:cNvSpPr>
+          <p:nvPr>
+            <p:ph type="body" sz="quarter" idx="11"/>
+          </p:nvPr>
+        </p:nvSpPr>
+        <p:spPr>
+          <a:xfrm>
+            <a:off x="6248400" y="2286000"/>
+            <a:ext cx="4876800" cy="2746375"/>
+          </a:xfrm>
+        </p:spPr>
+        <p:txBody>
+          <a:bodyPr/>
+          <a:lstStyle/>
+          <a:p>
+            <a:endParaRPr lang="en-US" dirty="0"/>
+          </a:p>
+        </p:txBody>
+      </p:sp>
+      <p:sp>
+        <p:nvSpPr>
+          <p:cNvPr id="7" name="Slide Number Placeholder 6">
+            <a:extLst>
+              <a:ext uri="{FF2B5EF4-FFF2-40B4-BE49-F238E27FC236}">
+                <a16:creationId xmlns:a16="http://schemas.microsoft.com/office/drawing/2014/main" id="{050C5D8E-C313-2BAC-A35F-4E1D08266653}"/>
+              </a:ext>
+            </a:extLst>
+          </p:cNvPr>
+          <p:cNvSpPr>
+            <a:spLocks noGrp="1"/>
+          </p:cNvSpPr>
+          <p:nvPr>
+            <p:ph type="sldNum" sz="quarter" idx="14"/>
+          </p:nvPr>
+        </p:nvSpPr>
+        <p:spPr>
+          <a:xfrm>
+            <a:off x="11493500" y="6292334"/>
+            <a:ext cx="412750" cy="182880"/>
+          </a:xfrm>
+        </p:spPr>
+        <p:txBody>
+          <a:bodyPr anchor="ctr">
+            <a:normAutofit/>
+          </a:bodyPr>
+          <a:lstStyle/>
+          <a:p>
+            <a:pPr>
+              <a:lnSpc>
+                <a:spcPct val="90000"/>
+              </a:lnSpc>
+              <a:spcAft>
+                <a:spcPts val="600"/>
+              </a:spcAft>
+            </a:pPr>
+            <a:fld id="{7782931A-7D25-4B4B-9464-57AE418934A3}" type="slidenum">
+              <a:rPr lang="en-US" sz="600" smtClean="0"/>
+              <a:pPr>
+                <a:lnSpc>
+                  <a:spcPct val="90000"/>
+                </a:lnSpc>
+                <a:spcAft>
+                  <a:spcPts val="600"/>
+                </a:spcAft>
+              </a:pPr>
+              <a:t>19</a:t>
+            </a:fld>
+            <a:endParaRPr lang="en-US" sz="600"/>
+          </a:p>
+        </p:txBody>
+      </p:sp>
+    </p:spTree>
+    <p:extLst>
+      <p:ext uri="{BB962C8B-B14F-4D97-AF65-F5344CB8AC3E}">
+        <p14:creationId xmlns:p14="http://schemas.microsoft.com/office/powerpoint/2010/main" val="3973348632"/>
+      </p:ext>
+    </p:extLst>
+  </p:cSld>
+  <p:clrMapOvr>
+    <a:masterClrMapping/>
+  </p:clrMapOvr>
+</p:sld>
+</file>
+
+<file path=ppt/slides/slide2.xml><?xml version="1.0" encoding="utf-8"?>
+<p:sld xmlns:a="http://schemas.openxmlformats.org/drawingml/2006/main" xmlns:r="http://schemas.openxmlformats.org/officeDocument/2006/relationships" xmlns:p="http://schemas.openxmlformats.org/presentationml/2006/main">
+  <p:cSld>
+    <p:spTree>
+      <p:nvGrpSpPr>
+        <p:cNvPr id="1" name=""/>
+        <p:cNvGrpSpPr/>
+        <p:nvPr/>
+      </p:nvGrpSpPr>
+      <p:grpSpPr>
+        <a:xfrm>
+          <a:off x="0" y="0"/>
+          <a:ext cx="0" cy="0"/>
+          <a:chOff x="0" y="0"/>
+          <a:chExt cx="0" cy="0"/>
+        </a:xfrm>
+      </p:grpSpPr>
+      <p:sp>
+        <p:nvSpPr>
+          <p:cNvPr id="8" name="Title 7">
+            <a:extLst>
+              <a:ext uri="{FF2B5EF4-FFF2-40B4-BE49-F238E27FC236}">
+                <a16:creationId xmlns:a16="http://schemas.microsoft.com/office/drawing/2014/main" id="{0B193993-8D77-7F15-3AAB-CCF65A298E18}"/>
+              </a:ext>
+            </a:extLst>
+          </p:cNvPr>
+          <p:cNvSpPr>
+            <a:spLocks noGrp="1"/>
+          </p:cNvSpPr>
+          <p:nvPr>
+            <p:ph type="title"/>
+          </p:nvPr>
+        </p:nvSpPr>
+        <p:spPr/>
+        <p:txBody>
+          <a:bodyPr/>
+          <a:lstStyle/>
+          <a:p>
+            <a:r>
+              <a:rPr lang="en-US" dirty="0"/>
+              <a:t>The plan</a:t>
+            </a:r>
+          </a:p>
+        </p:txBody>
+      </p:sp>
+      <p:sp>
+        <p:nvSpPr>
+          <p:cNvPr id="9" name="Content Placeholder 8">
+            <a:extLst>
+              <a:ext uri="{FF2B5EF4-FFF2-40B4-BE49-F238E27FC236}">
+                <a16:creationId xmlns:a16="http://schemas.microsoft.com/office/drawing/2014/main" id="{E326CB49-390F-C1FE-123C-ACD2671DFBB8}"/>
+              </a:ext>
+            </a:extLst>
+          </p:cNvPr>
+          <p:cNvSpPr>
+            <a:spLocks noGrp="1"/>
+          </p:cNvSpPr>
+          <p:nvPr>
+            <p:ph sz="half" idx="1"/>
+          </p:nvPr>
+        </p:nvSpPr>
+        <p:spPr/>
+        <p:txBody>
+          <a:bodyPr/>
+          <a:lstStyle/>
+          <a:p>
+            <a:r>
+              <a:rPr lang="en-US" dirty="0"/>
+              <a:t>Overview of a few methods</a:t>
+            </a:r>
+          </a:p>
+          <a:p>
+            <a:r>
+              <a:rPr lang="en-US" dirty="0"/>
+              <a:t>Light on the math</a:t>
+            </a:r>
+          </a:p>
+          <a:p>
+            <a:r>
+              <a:rPr lang="en-US" dirty="0"/>
+              <a:t>Focus on the assumptions</a:t>
+            </a:r>
+          </a:p>
+          <a:p>
+            <a:endParaRPr lang="en-US" dirty="0"/>
+          </a:p>
+          <a:p>
+            <a:r>
+              <a:rPr lang="en-US" dirty="0"/>
+              <a:t>Be at ease and ask questions!</a:t>
+            </a:r>
+          </a:p>
+        </p:txBody>
+      </p:sp>
+      <p:sp>
+        <p:nvSpPr>
+          <p:cNvPr id="5" name="Slide Number Placeholder 4">
+            <a:extLst>
+              <a:ext uri="{FF2B5EF4-FFF2-40B4-BE49-F238E27FC236}">
+                <a16:creationId xmlns:a16="http://schemas.microsoft.com/office/drawing/2014/main" id="{EFB257E0-95F7-D1E9-C261-A8C1E30882D3}"/>
+              </a:ext>
+            </a:extLst>
+          </p:cNvPr>
+          <p:cNvSpPr>
+            <a:spLocks noGrp="1"/>
+          </p:cNvSpPr>
+          <p:nvPr>
+            <p:ph type="sldNum" sz="quarter" idx="13"/>
+          </p:nvPr>
+        </p:nvSpPr>
+        <p:spPr/>
+        <p:txBody>
+          <a:bodyPr/>
+          <a:lstStyle/>
+          <a:p>
+            <a:fld id="{7782931A-7D25-4B4B-9464-57AE418934A3}" type="slidenum">
+              <a:rPr lang="en-US" smtClean="0"/>
+              <a:pPr/>
+              <a:t>2</a:t>
+            </a:fld>
+            <a:endParaRPr lang="en-US"/>
+          </a:p>
+        </p:txBody>
+      </p:sp>
+      <p:pic>
+        <p:nvPicPr>
+          <p:cNvPr id="7" name="Picture 6" descr="A collage of a person&#10;&#10;Description automatically generated">
+            <a:extLst>
+              <a:ext uri="{FF2B5EF4-FFF2-40B4-BE49-F238E27FC236}">
+                <a16:creationId xmlns:a16="http://schemas.microsoft.com/office/drawing/2014/main" id="{9D2B0938-AD80-60E8-0F1B-7E1C5807025A}"/>
+              </a:ext>
+            </a:extLst>
+          </p:cNvPr>
+          <p:cNvPicPr>
+            <a:picLocks noChangeAspect="1"/>
+          </p:cNvPicPr>
+          <p:nvPr/>
+        </p:nvPicPr>
+        <p:blipFill>
+          <a:blip r:embed="rId2">
+            <a:extLst>
+              <a:ext uri="{28A0092B-C50C-407E-A947-70E740481C1C}">
+                <a14:useLocalDpi xmlns:a14="http://schemas.microsoft.com/office/drawing/2010/main" val="0"/>
+              </a:ext>
+            </a:extLst>
+          </a:blip>
+          <a:stretch>
+            <a:fillRect/>
+          </a:stretch>
+        </p:blipFill>
+        <p:spPr>
+          <a:xfrm>
+            <a:off x="6807386" y="95250"/>
+            <a:ext cx="4762500" cy="6762750"/>
+          </a:xfrm>
+          <a:prstGeom prst="rect">
+            <a:avLst/>
+          </a:prstGeom>
+        </p:spPr>
+      </p:pic>
+      <p:grpSp>
+        <p:nvGrpSpPr>
+          <p:cNvPr id="22" name="Group 21">
+            <a:extLst>
+              <a:ext uri="{FF2B5EF4-FFF2-40B4-BE49-F238E27FC236}">
+                <a16:creationId xmlns:a16="http://schemas.microsoft.com/office/drawing/2014/main" id="{1924157C-7103-022E-7BB4-FCC63FBDAC10}"/>
+              </a:ext>
+            </a:extLst>
+          </p:cNvPr>
+          <p:cNvGrpSpPr/>
+          <p:nvPr/>
+        </p:nvGrpSpPr>
+        <p:grpSpPr>
+          <a:xfrm>
+            <a:off x="6807386" y="111632"/>
+            <a:ext cx="4762500" cy="6746368"/>
+            <a:chOff x="1333500" y="76245"/>
+            <a:chExt cx="4762500" cy="6746368"/>
+          </a:xfrm>
+        </p:grpSpPr>
+        <p:pic>
+          <p:nvPicPr>
+            <p:cNvPr id="19" name="Picture 18" descr="A collage of a person&#10;&#10;Description automatically generated">
+              <a:extLst>
+                <a:ext uri="{FF2B5EF4-FFF2-40B4-BE49-F238E27FC236}">
+                  <a16:creationId xmlns:a16="http://schemas.microsoft.com/office/drawing/2014/main" id="{7D77EE8B-3ADE-A2F5-03E5-D67B64E871FA}"/>
+                </a:ext>
+              </a:extLst>
+            </p:cNvPr>
+            <p:cNvPicPr>
+              <a:picLocks noChangeAspect="1"/>
+            </p:cNvPicPr>
+            <p:nvPr/>
+          </p:nvPicPr>
+          <p:blipFill rotWithShape="1">
+            <a:blip r:embed="rId2">
+              <a:extLst>
+                <a:ext uri="{28A0092B-C50C-407E-A947-70E740481C1C}">
+                  <a14:useLocalDpi xmlns:a14="http://schemas.microsoft.com/office/drawing/2010/main" val="0"/>
+                </a:ext>
+              </a:extLst>
+            </a:blip>
+            <a:srcRect t="-248" b="80176"/>
+            <a:stretch/>
+          </p:blipFill>
+          <p:spPr>
+            <a:xfrm>
+              <a:off x="1333500" y="3957014"/>
+              <a:ext cx="4762500" cy="1357422"/>
+            </a:xfrm>
+            <a:prstGeom prst="rect">
+              <a:avLst/>
+            </a:prstGeom>
+          </p:spPr>
+        </p:pic>
+        <p:pic>
+          <p:nvPicPr>
+            <p:cNvPr id="20" name="Picture 19" descr="A collage of a person&#10;&#10;Description automatically generated">
+              <a:extLst>
+                <a:ext uri="{FF2B5EF4-FFF2-40B4-BE49-F238E27FC236}">
+                  <a16:creationId xmlns:a16="http://schemas.microsoft.com/office/drawing/2014/main" id="{9C23DB87-1E02-B28B-EA4B-4C789ACA0C7C}"/>
+                </a:ext>
+              </a:extLst>
+            </p:cNvPr>
+            <p:cNvPicPr>
+              <a:picLocks noChangeAspect="1"/>
+            </p:cNvPicPr>
+            <p:nvPr/>
+          </p:nvPicPr>
+          <p:blipFill rotWithShape="1">
+            <a:blip r:embed="rId2">
+              <a:extLst>
+                <a:ext uri="{28A0092B-C50C-407E-A947-70E740481C1C}">
+                  <a14:useLocalDpi xmlns:a14="http://schemas.microsoft.com/office/drawing/2010/main" val="0"/>
+                </a:ext>
+              </a:extLst>
+            </a:blip>
+            <a:srcRect t="78274"/>
+            <a:stretch/>
+          </p:blipFill>
+          <p:spPr>
+            <a:xfrm>
+              <a:off x="1333500" y="5353316"/>
+              <a:ext cx="4762500" cy="1469297"/>
+            </a:xfrm>
+            <a:prstGeom prst="rect">
+              <a:avLst/>
+            </a:prstGeom>
+          </p:spPr>
+        </p:pic>
+        <p:pic>
+          <p:nvPicPr>
+            <p:cNvPr id="21" name="Picture 20" descr="A collage of a person&#10;&#10;Description automatically generated">
+              <a:extLst>
+                <a:ext uri="{FF2B5EF4-FFF2-40B4-BE49-F238E27FC236}">
+                  <a16:creationId xmlns:a16="http://schemas.microsoft.com/office/drawing/2014/main" id="{463C6CA7-F21C-362B-1628-A94321163399}"/>
+                </a:ext>
+              </a:extLst>
+            </p:cNvPr>
+            <p:cNvPicPr>
+              <a:picLocks noChangeAspect="1"/>
+            </p:cNvPicPr>
+            <p:nvPr/>
+          </p:nvPicPr>
+          <p:blipFill rotWithShape="1">
+            <a:blip r:embed="rId2">
+              <a:extLst>
+                <a:ext uri="{28A0092B-C50C-407E-A947-70E740481C1C}">
+                  <a14:useLocalDpi xmlns:a14="http://schemas.microsoft.com/office/drawing/2010/main" val="0"/>
+                </a:ext>
+              </a:extLst>
+            </a:blip>
+            <a:srcRect t="20239" b="21717"/>
+            <a:stretch/>
+          </p:blipFill>
+          <p:spPr>
+            <a:xfrm>
+              <a:off x="1333500" y="76245"/>
+              <a:ext cx="4762500" cy="3925362"/>
+            </a:xfrm>
+            <a:prstGeom prst="rect">
+              <a:avLst/>
+            </a:prstGeom>
+          </p:spPr>
+        </p:pic>
+      </p:grpSp>
+      <p:pic>
+        <p:nvPicPr>
+          <p:cNvPr id="3" name="Graphic 2">
+            <a:extLst>
+              <a:ext uri="{FF2B5EF4-FFF2-40B4-BE49-F238E27FC236}">
+                <a16:creationId xmlns:a16="http://schemas.microsoft.com/office/drawing/2014/main" id="{D879281B-7CDD-AE83-CF49-05E0DBA486E5}"/>
+              </a:ext>
+            </a:extLst>
+          </p:cNvPr>
+          <p:cNvPicPr>
+            <a:picLocks noChangeAspect="1"/>
+          </p:cNvPicPr>
+          <p:nvPr/>
+        </p:nvPicPr>
+        <p:blipFill>
+          <a:blip r:embed="rId3">
+            <a:extLst>
+              <a:ext uri="{28A0092B-C50C-407E-A947-70E740481C1C}">
+                <a14:useLocalDpi xmlns:a14="http://schemas.microsoft.com/office/drawing/2010/main" val="0"/>
+              </a:ext>
+              <a:ext uri="{96DAC541-7B7A-43D3-8B79-37D633B846F1}">
+                <asvg:svgBlip xmlns:asvg="http://schemas.microsoft.com/office/drawing/2016/SVG/main" r:embed="rId4"/>
+              </a:ext>
+            </a:extLst>
+          </a:blip>
+          <a:stretch>
+            <a:fillRect/>
+          </a:stretch>
+        </p:blipFill>
+        <p:spPr>
+          <a:xfrm>
+            <a:off x="2265984" y="4291263"/>
+            <a:ext cx="2402232" cy="2402232"/>
+          </a:xfrm>
+          <a:prstGeom prst="rect">
+            <a:avLst/>
+          </a:prstGeom>
+        </p:spPr>
+      </p:pic>
+    </p:spTree>
+    <p:extLst>
+      <p:ext uri="{BB962C8B-B14F-4D97-AF65-F5344CB8AC3E}">
+        <p14:creationId xmlns:p14="http://schemas.microsoft.com/office/powerpoint/2010/main" val="219956889"/>
+      </p:ext>
+    </p:extLst>
+  </p:cSld>
+  <p:clrMapOvr>
+    <a:masterClrMapping/>
+  </p:clrMapOvr>
+  <p:timing>
+    <p:tnLst>
+      <p:par>
+        <p:cTn id="1" dur="indefinite" restart="never" nodeType="tmRoot">
+          <p:childTnLst>
+            <p:seq concurrent="1" nextAc="seek">
+              <p:cTn id="2" dur="indefinite" nodeType="mainSeq">
+                <p:childTnLst>
+                  <p:par>
+                    <p:cTn id="3" fill="hold">
+                      <p:stCondLst>
+                        <p:cond delay="indefinite"/>
+                      </p:stCondLst>
+                      <p:childTnLst>
+                        <p:par>
+                          <p:cTn id="4" fill="hold">
+                            <p:stCondLst>
+                              <p:cond delay="0"/>
+                            </p:stCondLst>
+                            <p:childTnLst>
+                              <p:par>
+                                <p:cTn id="5" presetID="1" presetClass="entr" presetSubtype="0" fill="hold" nodeType="clickEffect">
+                                  <p:stCondLst>
+                                    <p:cond delay="0"/>
+                                  </p:stCondLst>
+                                  <p:childTnLst>
+                                    <p:set>
+                                      <p:cBhvr>
+                                        <p:cTn id="6" dur="1" fill="hold">
+                                          <p:stCondLst>
+                                            <p:cond delay="0"/>
+                                          </p:stCondLst>
+                                        </p:cTn>
+                                        <p:tgtEl>
+                                          <p:spTgt spid="7"/>
+                                        </p:tgtEl>
+                                        <p:attrNameLst>
+                                          <p:attrName>style.visibility</p:attrName>
+                                        </p:attrNameLst>
+                                      </p:cBhvr>
+                                      <p:to>
+                                        <p:strVal val="visible"/>
+                                      </p:to>
+                                    </p:set>
+                                  </p:childTnLst>
+                                </p:cTn>
+                              </p:par>
+                            </p:childTnLst>
+                          </p:cTn>
+                        </p:par>
+                      </p:childTnLst>
+                    </p:cTn>
+                  </p:par>
+                  <p:par>
+                    <p:cTn id="7" fill="hold">
+                      <p:stCondLst>
+                        <p:cond delay="indefinite"/>
+                      </p:stCondLst>
+                      <p:childTnLst>
+                        <p:par>
+                          <p:cTn id="8" fill="hold">
+                            <p:stCondLst>
+                              <p:cond delay="0"/>
+                            </p:stCondLst>
+                            <p:childTnLst>
+                              <p:par>
+                                <p:cTn id="9" presetID="1" presetClass="entr" presetSubtype="0" fill="hold" nodeType="clickEffect">
+                                  <p:stCondLst>
+                                    <p:cond delay="0"/>
+                                  </p:stCondLst>
+                                  <p:childTnLst>
+                                    <p:set>
+                                      <p:cBhvr>
+                                        <p:cTn id="10" dur="1" fill="hold">
+                                          <p:stCondLst>
+                                            <p:cond delay="0"/>
+                                          </p:stCondLst>
+                                        </p:cTn>
+                                        <p:tgtEl>
+                                          <p:spTgt spid="22"/>
+                                        </p:tgtEl>
+                                        <p:attrNameLst>
+                                          <p:attrName>style.visibility</p:attrName>
+                                        </p:attrNameLst>
+                                      </p:cBhvr>
+                                      <p:to>
+                                        <p:strVal val="visible"/>
+                                      </p:to>
+                                    </p:set>
+                                  </p:childTnLst>
+                                </p:cTn>
+                              </p:par>
+                            </p:childTnLst>
+                          </p:cTn>
+                        </p:par>
+                      </p:childTnLst>
+                    </p:cTn>
+                  </p:par>
+                </p:childTnLst>
+              </p:cTn>
+              <p:prevCondLst>
+                <p:cond evt="onPrev" delay="0">
+                  <p:tgtEl>
+                    <p:sldTgt/>
+                  </p:tgtEl>
+                </p:cond>
+              </p:prevCondLst>
+              <p:nextCondLst>
+                <p:cond evt="onNext" delay="0">
+                  <p:tgtEl>
+                    <p:sldTgt/>
+                  </p:tgtEl>
+                </p:cond>
+              </p:nextCondLst>
+            </p:seq>
+          </p:childTnLst>
+        </p:cTn>
+      </p:par>
+    </p:tnLst>
+  </p:timing>
+</p:sld>
+</file>
+
+<file path=ppt/slides/slide20.xml><?xml version="1.0" encoding="utf-8"?>
+<p:sld xmlns:a="http://schemas.openxmlformats.org/drawingml/2006/main" xmlns:r="http://schemas.openxmlformats.org/officeDocument/2006/relationships" xmlns:p="http://schemas.openxmlformats.org/presentationml/2006/main">
+  <p:cSld>
+    <p:spTree>
+      <p:nvGrpSpPr>
+        <p:cNvPr id="1" name=""/>
+        <p:cNvGrpSpPr/>
+        <p:nvPr/>
+      </p:nvGrpSpPr>
+      <p:grpSpPr>
+        <a:xfrm>
+          <a:off x="0" y="0"/>
+          <a:ext cx="0" cy="0"/>
+          <a:chOff x="0" y="0"/>
+          <a:chExt cx="0" cy="0"/>
+        </a:xfrm>
+      </p:grpSpPr>
       <p:pic>
         <p:nvPicPr>
           <p:cNvPr id="5" name="Content Placeholder 4" descr="A collage of a person holding a pill&#10;&#10;Description automatically generated">
@@ -9672,7 +10155,7 @@
 </p:sld>
 </file>
 
-<file path=ppt/slides/slide2.xml><?xml version="1.0" encoding="utf-8"?>
+<file path=ppt/slides/slide21.xml><?xml version="1.0" encoding="utf-8"?>
 <p:sld xmlns:a="http://schemas.openxmlformats.org/drawingml/2006/main" xmlns:r="http://schemas.openxmlformats.org/officeDocument/2006/relationships" xmlns:p="http://schemas.openxmlformats.org/presentationml/2006/main">
   <p:cSld>
     <p:spTree>
@@ -9691,10 +10174,10 @@
       </p:grpSpPr>
       <p:sp>
         <p:nvSpPr>
-          <p:cNvPr id="8" name="Title 7">
-            <a:extLst>
-              <a:ext uri="{FF2B5EF4-FFF2-40B4-BE49-F238E27FC236}">
-                <a16:creationId xmlns:a16="http://schemas.microsoft.com/office/drawing/2014/main" id="{0B193993-8D77-7F15-3AAB-CCF65A298E18}"/>
+          <p:cNvPr id="3" name="Title 2">
+            <a:extLst>
+              <a:ext uri="{FF2B5EF4-FFF2-40B4-BE49-F238E27FC236}">
+                <a16:creationId xmlns:a16="http://schemas.microsoft.com/office/drawing/2014/main" id="{66650016-66D3-D263-6037-AD85847C2848}"/>
               </a:ext>
             </a:extLst>
           </p:cNvPr>
@@ -9712,25 +10195,25 @@
           <a:p>
             <a:r>
               <a:rPr lang="en-US" dirty="0"/>
-              <a:t>The plan</a:t>
-            </a:r>
-          </a:p>
-        </p:txBody>
-      </p:sp>
-      <p:sp>
-        <p:nvSpPr>
-          <p:cNvPr id="9" name="Content Placeholder 8">
-            <a:extLst>
-              <a:ext uri="{FF2B5EF4-FFF2-40B4-BE49-F238E27FC236}">
-                <a16:creationId xmlns:a16="http://schemas.microsoft.com/office/drawing/2014/main" id="{E326CB49-390F-C1FE-123C-ACD2671DFBB8}"/>
-              </a:ext>
-            </a:extLst>
-          </p:cNvPr>
-          <p:cNvSpPr>
-            <a:spLocks noGrp="1"/>
-          </p:cNvSpPr>
-          <p:nvPr>
-            <p:ph sz="half" idx="1"/>
+              <a:t>Event studies in finance</a:t>
+            </a:r>
+          </a:p>
+        </p:txBody>
+      </p:sp>
+      <p:sp>
+        <p:nvSpPr>
+          <p:cNvPr id="5" name="Content Placeholder 4">
+            <a:extLst>
+              <a:ext uri="{FF2B5EF4-FFF2-40B4-BE49-F238E27FC236}">
+                <a16:creationId xmlns:a16="http://schemas.microsoft.com/office/drawing/2014/main" id="{2CC13FAB-DEB9-6EBA-CCB0-05348F3BDD74}"/>
+              </a:ext>
+            </a:extLst>
+          </p:cNvPr>
+          <p:cNvSpPr>
+            <a:spLocks noGrp="1"/>
+          </p:cNvSpPr>
+          <p:nvPr>
+            <p:ph sz="quarter" idx="11"/>
           </p:nvPr>
         </p:nvSpPr>
         <p:spPr/>
@@ -9738,399 +10221,24 @@
           <a:bodyPr/>
           <a:lstStyle/>
           <a:p>
-            <a:r>
-              <a:rPr lang="en-US" dirty="0"/>
-              <a:t>Overview of a few methods</a:t>
-            </a:r>
-          </a:p>
-          <a:p>
-            <a:r>
-              <a:rPr lang="en-US" dirty="0"/>
-              <a:t>Light on the math</a:t>
-            </a:r>
-          </a:p>
-          <a:p>
-            <a:r>
-              <a:rPr lang="en-US" dirty="0"/>
-              <a:t>Focus on the assumptions</a:t>
-            </a:r>
-          </a:p>
-          <a:p>
-            <a:endParaRPr lang="en-US" dirty="0"/>
-          </a:p>
-          <a:p>
-            <a:r>
-              <a:rPr lang="en-US" dirty="0"/>
-              <a:t>Be at ease and ask questions!</a:t>
-            </a:r>
-          </a:p>
-        </p:txBody>
-      </p:sp>
-      <p:sp>
-        <p:nvSpPr>
-          <p:cNvPr id="5" name="Slide Number Placeholder 4">
-            <a:extLst>
-              <a:ext uri="{FF2B5EF4-FFF2-40B4-BE49-F238E27FC236}">
-                <a16:creationId xmlns:a16="http://schemas.microsoft.com/office/drawing/2014/main" id="{EFB257E0-95F7-D1E9-C261-A8C1E30882D3}"/>
-              </a:ext>
-            </a:extLst>
-          </p:cNvPr>
-          <p:cNvSpPr>
-            <a:spLocks noGrp="1"/>
-          </p:cNvSpPr>
-          <p:nvPr>
-            <p:ph type="sldNum" sz="quarter" idx="13"/>
-          </p:nvPr>
-        </p:nvSpPr>
-        <p:spPr/>
-        <p:txBody>
-          <a:bodyPr/>
-          <a:lstStyle/>
-          <a:p>
-            <a:fld id="{7782931A-7D25-4B4B-9464-57AE418934A3}" type="slidenum">
-              <a:rPr lang="en-US" smtClean="0"/>
-              <a:pPr/>
-              <a:t>2</a:t>
-            </a:fld>
             <a:endParaRPr lang="en-US"/>
           </a:p>
         </p:txBody>
       </p:sp>
-      <p:pic>
-        <p:nvPicPr>
-          <p:cNvPr id="7" name="Picture 6" descr="A collage of a person&#10;&#10;Description automatically generated">
-            <a:extLst>
-              <a:ext uri="{FF2B5EF4-FFF2-40B4-BE49-F238E27FC236}">
-                <a16:creationId xmlns:a16="http://schemas.microsoft.com/office/drawing/2014/main" id="{9D2B0938-AD80-60E8-0F1B-7E1C5807025A}"/>
-              </a:ext>
-            </a:extLst>
-          </p:cNvPr>
-          <p:cNvPicPr>
-            <a:picLocks noChangeAspect="1"/>
-          </p:cNvPicPr>
-          <p:nvPr/>
-        </p:nvPicPr>
-        <p:blipFill>
-          <a:blip r:embed="rId2">
-            <a:extLst>
-              <a:ext uri="{28A0092B-C50C-407E-A947-70E740481C1C}">
-                <a14:useLocalDpi xmlns:a14="http://schemas.microsoft.com/office/drawing/2010/main" val="0"/>
-              </a:ext>
-            </a:extLst>
-          </a:blip>
-          <a:stretch>
-            <a:fillRect/>
-          </a:stretch>
-        </p:blipFill>
-        <p:spPr>
-          <a:xfrm>
-            <a:off x="6807386" y="95250"/>
-            <a:ext cx="4762500" cy="6762750"/>
-          </a:xfrm>
-          <a:prstGeom prst="rect">
-            <a:avLst/>
-          </a:prstGeom>
-        </p:spPr>
-      </p:pic>
-      <p:grpSp>
-        <p:nvGrpSpPr>
-          <p:cNvPr id="22" name="Group 21">
-            <a:extLst>
-              <a:ext uri="{FF2B5EF4-FFF2-40B4-BE49-F238E27FC236}">
-                <a16:creationId xmlns:a16="http://schemas.microsoft.com/office/drawing/2014/main" id="{1924157C-7103-022E-7BB4-FCC63FBDAC10}"/>
-              </a:ext>
-            </a:extLst>
-          </p:cNvPr>
-          <p:cNvGrpSpPr/>
-          <p:nvPr/>
-        </p:nvGrpSpPr>
-        <p:grpSpPr>
-          <a:xfrm>
-            <a:off x="6807386" y="111632"/>
-            <a:ext cx="4762500" cy="6746368"/>
-            <a:chOff x="1333500" y="76245"/>
-            <a:chExt cx="4762500" cy="6746368"/>
-          </a:xfrm>
-        </p:grpSpPr>
-        <p:pic>
-          <p:nvPicPr>
-            <p:cNvPr id="19" name="Picture 18" descr="A collage of a person&#10;&#10;Description automatically generated">
-              <a:extLst>
-                <a:ext uri="{FF2B5EF4-FFF2-40B4-BE49-F238E27FC236}">
-                  <a16:creationId xmlns:a16="http://schemas.microsoft.com/office/drawing/2014/main" id="{7D77EE8B-3ADE-A2F5-03E5-D67B64E871FA}"/>
-                </a:ext>
-              </a:extLst>
-            </p:cNvPr>
-            <p:cNvPicPr>
-              <a:picLocks noChangeAspect="1"/>
-            </p:cNvPicPr>
-            <p:nvPr/>
-          </p:nvPicPr>
-          <p:blipFill rotWithShape="1">
-            <a:blip r:embed="rId2">
-              <a:extLst>
-                <a:ext uri="{28A0092B-C50C-407E-A947-70E740481C1C}">
-                  <a14:useLocalDpi xmlns:a14="http://schemas.microsoft.com/office/drawing/2010/main" val="0"/>
-                </a:ext>
-              </a:extLst>
-            </a:blip>
-            <a:srcRect t="-248" b="80176"/>
-            <a:stretch/>
-          </p:blipFill>
-          <p:spPr>
-            <a:xfrm>
-              <a:off x="1333500" y="3957014"/>
-              <a:ext cx="4762500" cy="1357422"/>
-            </a:xfrm>
-            <a:prstGeom prst="rect">
-              <a:avLst/>
-            </a:prstGeom>
-          </p:spPr>
-        </p:pic>
-        <p:pic>
-          <p:nvPicPr>
-            <p:cNvPr id="20" name="Picture 19" descr="A collage of a person&#10;&#10;Description automatically generated">
-              <a:extLst>
-                <a:ext uri="{FF2B5EF4-FFF2-40B4-BE49-F238E27FC236}">
-                  <a16:creationId xmlns:a16="http://schemas.microsoft.com/office/drawing/2014/main" id="{9C23DB87-1E02-B28B-EA4B-4C789ACA0C7C}"/>
-                </a:ext>
-              </a:extLst>
-            </p:cNvPr>
-            <p:cNvPicPr>
-              <a:picLocks noChangeAspect="1"/>
-            </p:cNvPicPr>
-            <p:nvPr/>
-          </p:nvPicPr>
-          <p:blipFill rotWithShape="1">
-            <a:blip r:embed="rId2">
-              <a:extLst>
-                <a:ext uri="{28A0092B-C50C-407E-A947-70E740481C1C}">
-                  <a14:useLocalDpi xmlns:a14="http://schemas.microsoft.com/office/drawing/2010/main" val="0"/>
-                </a:ext>
-              </a:extLst>
-            </a:blip>
-            <a:srcRect t="78274"/>
-            <a:stretch/>
-          </p:blipFill>
-          <p:spPr>
-            <a:xfrm>
-              <a:off x="1333500" y="5353316"/>
-              <a:ext cx="4762500" cy="1469297"/>
-            </a:xfrm>
-            <a:prstGeom prst="rect">
-              <a:avLst/>
-            </a:prstGeom>
-          </p:spPr>
-        </p:pic>
-        <p:pic>
-          <p:nvPicPr>
-            <p:cNvPr id="21" name="Picture 20" descr="A collage of a person&#10;&#10;Description automatically generated">
-              <a:extLst>
-                <a:ext uri="{FF2B5EF4-FFF2-40B4-BE49-F238E27FC236}">
-                  <a16:creationId xmlns:a16="http://schemas.microsoft.com/office/drawing/2014/main" id="{463C6CA7-F21C-362B-1628-A94321163399}"/>
-                </a:ext>
-              </a:extLst>
-            </p:cNvPr>
-            <p:cNvPicPr>
-              <a:picLocks noChangeAspect="1"/>
-            </p:cNvPicPr>
-            <p:nvPr/>
-          </p:nvPicPr>
-          <p:blipFill rotWithShape="1">
-            <a:blip r:embed="rId2">
-              <a:extLst>
-                <a:ext uri="{28A0092B-C50C-407E-A947-70E740481C1C}">
-                  <a14:useLocalDpi xmlns:a14="http://schemas.microsoft.com/office/drawing/2010/main" val="0"/>
-                </a:ext>
-              </a:extLst>
-            </a:blip>
-            <a:srcRect t="20239" b="21717"/>
-            <a:stretch/>
-          </p:blipFill>
-          <p:spPr>
-            <a:xfrm>
-              <a:off x="1333500" y="76245"/>
-              <a:ext cx="4762500" cy="3925362"/>
-            </a:xfrm>
-            <a:prstGeom prst="rect">
-              <a:avLst/>
-            </a:prstGeom>
-          </p:spPr>
-        </p:pic>
-      </p:grpSp>
-      <p:pic>
-        <p:nvPicPr>
-          <p:cNvPr id="3" name="Graphic 2">
-            <a:extLst>
-              <a:ext uri="{FF2B5EF4-FFF2-40B4-BE49-F238E27FC236}">
-                <a16:creationId xmlns:a16="http://schemas.microsoft.com/office/drawing/2014/main" id="{D879281B-7CDD-AE83-CF49-05E0DBA486E5}"/>
-              </a:ext>
-            </a:extLst>
-          </p:cNvPr>
-          <p:cNvPicPr>
-            <a:picLocks noChangeAspect="1"/>
-          </p:cNvPicPr>
-          <p:nvPr/>
-        </p:nvPicPr>
-        <p:blipFill>
-          <a:blip r:embed="rId3">
-            <a:extLst>
-              <a:ext uri="{28A0092B-C50C-407E-A947-70E740481C1C}">
-                <a14:useLocalDpi xmlns:a14="http://schemas.microsoft.com/office/drawing/2010/main" val="0"/>
-              </a:ext>
-              <a:ext uri="{96DAC541-7B7A-43D3-8B79-37D633B846F1}">
-                <asvg:svgBlip xmlns:asvg="http://schemas.microsoft.com/office/drawing/2016/SVG/main" r:embed="rId4"/>
-              </a:ext>
-            </a:extLst>
-          </a:blip>
-          <a:stretch>
-            <a:fillRect/>
-          </a:stretch>
-        </p:blipFill>
-        <p:spPr>
-          <a:xfrm>
-            <a:off x="2265984" y="4291263"/>
-            <a:ext cx="2402232" cy="2402232"/>
-          </a:xfrm>
-          <a:prstGeom prst="rect">
-            <a:avLst/>
-          </a:prstGeom>
-        </p:spPr>
-      </p:pic>
     </p:spTree>
     <p:extLst>
       <p:ext uri="{BB962C8B-B14F-4D97-AF65-F5344CB8AC3E}">
-        <p14:creationId xmlns:p14="http://schemas.microsoft.com/office/powerpoint/2010/main" val="219956889"/>
+        <p14:creationId xmlns:p14="http://schemas.microsoft.com/office/powerpoint/2010/main" val="898824003"/>
       </p:ext>
     </p:extLst>
   </p:cSld>
   <p:clrMapOvr>
     <a:masterClrMapping/>
   </p:clrMapOvr>
-  <p:timing>
-    <p:tnLst>
-      <p:par>
-        <p:cTn id="1" dur="indefinite" restart="never" nodeType="tmRoot">
-          <p:childTnLst>
-            <p:seq concurrent="1" nextAc="seek">
-              <p:cTn id="2" dur="indefinite" nodeType="mainSeq">
-                <p:childTnLst>
-                  <p:par>
-                    <p:cTn id="3" fill="hold">
-                      <p:stCondLst>
-                        <p:cond delay="indefinite"/>
-                      </p:stCondLst>
-                      <p:childTnLst>
-                        <p:par>
-                          <p:cTn id="4" fill="hold">
-                            <p:stCondLst>
-                              <p:cond delay="0"/>
-                            </p:stCondLst>
-                            <p:childTnLst>
-                              <p:par>
-                                <p:cTn id="5" presetID="1" presetClass="entr" presetSubtype="0" fill="hold" nodeType="clickEffect">
-                                  <p:stCondLst>
-                                    <p:cond delay="0"/>
-                                  </p:stCondLst>
-                                  <p:childTnLst>
-                                    <p:set>
-                                      <p:cBhvr>
-                                        <p:cTn id="6" dur="1" fill="hold">
-                                          <p:stCondLst>
-                                            <p:cond delay="0"/>
-                                          </p:stCondLst>
-                                        </p:cTn>
-                                        <p:tgtEl>
-                                          <p:spTgt spid="7"/>
-                                        </p:tgtEl>
-                                        <p:attrNameLst>
-                                          <p:attrName>style.visibility</p:attrName>
-                                        </p:attrNameLst>
-                                      </p:cBhvr>
-                                      <p:to>
-                                        <p:strVal val="visible"/>
-                                      </p:to>
-                                    </p:set>
-                                  </p:childTnLst>
-                                </p:cTn>
-                              </p:par>
-                            </p:childTnLst>
-                          </p:cTn>
-                        </p:par>
-                      </p:childTnLst>
-                    </p:cTn>
-                  </p:par>
-                  <p:par>
-                    <p:cTn id="7" fill="hold">
-                      <p:stCondLst>
-                        <p:cond delay="indefinite"/>
-                      </p:stCondLst>
-                      <p:childTnLst>
-                        <p:par>
-                          <p:cTn id="8" fill="hold">
-                            <p:stCondLst>
-                              <p:cond delay="0"/>
-                            </p:stCondLst>
-                            <p:childTnLst>
-                              <p:par>
-                                <p:cTn id="9" presetID="1" presetClass="entr" presetSubtype="0" fill="hold" nodeType="clickEffect">
-                                  <p:stCondLst>
-                                    <p:cond delay="0"/>
-                                  </p:stCondLst>
-                                  <p:childTnLst>
-                                    <p:set>
-                                      <p:cBhvr>
-                                        <p:cTn id="10" dur="1" fill="hold">
-                                          <p:stCondLst>
-                                            <p:cond delay="0"/>
-                                          </p:stCondLst>
-                                        </p:cTn>
-                                        <p:tgtEl>
-                                          <p:spTgt spid="22"/>
-                                        </p:tgtEl>
-                                        <p:attrNameLst>
-                                          <p:attrName>style.visibility</p:attrName>
-                                        </p:attrNameLst>
-                                      </p:cBhvr>
-                                      <p:to>
-                                        <p:strVal val="visible"/>
-                                      </p:to>
-                                    </p:set>
-                                  </p:childTnLst>
-                                </p:cTn>
-                              </p:par>
-                            </p:childTnLst>
-                          </p:cTn>
-                        </p:par>
-                      </p:childTnLst>
-                    </p:cTn>
-                  </p:par>
-                </p:childTnLst>
-              </p:cTn>
-              <p:prevCondLst>
-                <p:cond evt="onPrev" delay="0">
-                  <p:tgtEl>
-                    <p:sldTgt/>
-                  </p:tgtEl>
-                </p:cond>
-              </p:prevCondLst>
-              <p:nextCondLst>
-                <p:cond evt="onNext" delay="0">
-                  <p:tgtEl>
-                    <p:sldTgt/>
-                  </p:tgtEl>
-                </p:cond>
-              </p:nextCondLst>
-            </p:seq>
-          </p:childTnLst>
-        </p:cTn>
-      </p:par>
-    </p:tnLst>
-  </p:timing>
 </p:sld>
 </file>
 
-<file path=ppt/slides/slide20.xml><?xml version="1.0" encoding="utf-8"?>
+<file path=ppt/slides/slide22.xml><?xml version="1.0" encoding="utf-8"?>
 <p:sld xmlns:a="http://schemas.openxmlformats.org/drawingml/2006/main" xmlns:r="http://schemas.openxmlformats.org/officeDocument/2006/relationships" xmlns:p="http://schemas.openxmlformats.org/presentationml/2006/main">
   <p:cSld>
     <p:spTree>
@@ -10149,712 +10257,6 @@
       </p:grpSpPr>
       <p:sp>
         <p:nvSpPr>
-          <p:cNvPr id="3" name="Title 2">
-            <a:extLst>
-              <a:ext uri="{FF2B5EF4-FFF2-40B4-BE49-F238E27FC236}">
-                <a16:creationId xmlns:a16="http://schemas.microsoft.com/office/drawing/2014/main" id="{66650016-66D3-D263-6037-AD85847C2848}"/>
-              </a:ext>
-            </a:extLst>
-          </p:cNvPr>
-          <p:cNvSpPr>
-            <a:spLocks noGrp="1"/>
-          </p:cNvSpPr>
-          <p:nvPr>
-            <p:ph type="title"/>
-          </p:nvPr>
-        </p:nvSpPr>
-        <p:spPr/>
-        <p:txBody>
-          <a:bodyPr/>
-          <a:lstStyle/>
-          <a:p>
-            <a:r>
-              <a:rPr lang="en-US" dirty="0"/>
-              <a:t>Event studies in finance</a:t>
-            </a:r>
-          </a:p>
-        </p:txBody>
-      </p:sp>
-      <p:sp>
-        <p:nvSpPr>
-          <p:cNvPr id="5" name="Content Placeholder 4">
-            <a:extLst>
-              <a:ext uri="{FF2B5EF4-FFF2-40B4-BE49-F238E27FC236}">
-                <a16:creationId xmlns:a16="http://schemas.microsoft.com/office/drawing/2014/main" id="{2CC13FAB-DEB9-6EBA-CCB0-05348F3BDD74}"/>
-              </a:ext>
-            </a:extLst>
-          </p:cNvPr>
-          <p:cNvSpPr>
-            <a:spLocks noGrp="1"/>
-          </p:cNvSpPr>
-          <p:nvPr>
-            <p:ph sz="quarter" idx="11"/>
-          </p:nvPr>
-        </p:nvSpPr>
-        <p:spPr/>
-        <p:txBody>
-          <a:bodyPr/>
-          <a:lstStyle/>
-          <a:p>
-            <a:endParaRPr lang="en-US"/>
-          </a:p>
-        </p:txBody>
-      </p:sp>
-    </p:spTree>
-    <p:extLst>
-      <p:ext uri="{BB962C8B-B14F-4D97-AF65-F5344CB8AC3E}">
-        <p14:creationId xmlns:p14="http://schemas.microsoft.com/office/powerpoint/2010/main" val="898824003"/>
-      </p:ext>
-    </p:extLst>
-  </p:cSld>
-  <p:clrMapOvr>
-    <a:masterClrMapping/>
-  </p:clrMapOvr>
-</p:sld>
-</file>
-
-<file path=ppt/slides/slide21.xml><?xml version="1.0" encoding="utf-8"?>
-<p:sld xmlns:a="http://schemas.openxmlformats.org/drawingml/2006/main" xmlns:r="http://schemas.openxmlformats.org/officeDocument/2006/relationships" xmlns:p="http://schemas.openxmlformats.org/presentationml/2006/main" show="0">
-  <p:cSld>
-    <p:spTree>
-      <p:nvGrpSpPr>
-        <p:cNvPr id="1" name=""/>
-        <p:cNvGrpSpPr/>
-        <p:nvPr/>
-      </p:nvGrpSpPr>
-      <p:grpSpPr>
-        <a:xfrm>
-          <a:off x="0" y="0"/>
-          <a:ext cx="0" cy="0"/>
-          <a:chOff x="0" y="0"/>
-          <a:chExt cx="0" cy="0"/>
-        </a:xfrm>
-      </p:grpSpPr>
-      <p:sp>
-        <p:nvSpPr>
-          <p:cNvPr id="3" name="Title 2">
-            <a:extLst>
-              <a:ext uri="{FF2B5EF4-FFF2-40B4-BE49-F238E27FC236}">
-                <a16:creationId xmlns:a16="http://schemas.microsoft.com/office/drawing/2014/main" id="{60B28B5C-F24D-F4A6-4EE1-40D1DFEC6E81}"/>
-              </a:ext>
-            </a:extLst>
-          </p:cNvPr>
-          <p:cNvSpPr>
-            <a:spLocks noGrp="1"/>
-          </p:cNvSpPr>
-          <p:nvPr>
-            <p:ph type="title"/>
-          </p:nvPr>
-        </p:nvSpPr>
-        <p:spPr/>
-        <p:txBody>
-          <a:bodyPr/>
-          <a:lstStyle/>
-          <a:p>
-            <a:r>
-              <a:rPr lang="en-US" dirty="0"/>
-              <a:t>Setup</a:t>
-            </a:r>
-          </a:p>
-        </p:txBody>
-      </p:sp>
-      <p:sp>
-        <p:nvSpPr>
-          <p:cNvPr id="2" name="Text Placeholder 1">
-            <a:extLst>
-              <a:ext uri="{FF2B5EF4-FFF2-40B4-BE49-F238E27FC236}">
-                <a16:creationId xmlns:a16="http://schemas.microsoft.com/office/drawing/2014/main" id="{0B199357-665F-7911-3324-78BC20AB24C3}"/>
-              </a:ext>
-            </a:extLst>
-          </p:cNvPr>
-          <p:cNvSpPr>
-            <a:spLocks noGrp="1"/>
-          </p:cNvSpPr>
-          <p:nvPr>
-            <p:ph type="body" sz="quarter" idx="10"/>
-          </p:nvPr>
-        </p:nvSpPr>
-        <p:spPr/>
-        <p:txBody>
-          <a:bodyPr/>
-          <a:lstStyle/>
-          <a:p>
-            <a:r>
-              <a:rPr lang="en-US" dirty="0"/>
-              <a:t>An event happening at some point in time</a:t>
-            </a:r>
-          </a:p>
-          <a:p>
-            <a:r>
-              <a:rPr lang="en-US" dirty="0"/>
-              <a:t>We want to estimate the causal effect on some treated units</a:t>
-            </a:r>
-          </a:p>
-          <a:p>
-            <a:r>
-              <a:rPr lang="en-US" dirty="0"/>
-              <a:t>Calendar time, Event time</a:t>
-            </a:r>
-          </a:p>
-          <a:p>
-            <a:endParaRPr lang="en-US" dirty="0"/>
-          </a:p>
-        </p:txBody>
-      </p:sp>
-      <p:sp>
-        <p:nvSpPr>
-          <p:cNvPr id="4" name="Text Placeholder 3">
-            <a:extLst>
-              <a:ext uri="{FF2B5EF4-FFF2-40B4-BE49-F238E27FC236}">
-                <a16:creationId xmlns:a16="http://schemas.microsoft.com/office/drawing/2014/main" id="{9B604819-F6EF-9EF4-B459-5E02ECFE529A}"/>
-              </a:ext>
-            </a:extLst>
-          </p:cNvPr>
-          <p:cNvSpPr>
-            <a:spLocks noGrp="1"/>
-          </p:cNvSpPr>
-          <p:nvPr>
-            <p:ph type="body" sz="quarter" idx="11"/>
-          </p:nvPr>
-        </p:nvSpPr>
-        <p:spPr/>
-        <p:txBody>
-          <a:bodyPr/>
-          <a:lstStyle/>
-          <a:p>
-            <a:endParaRPr lang="en-US"/>
-          </a:p>
-        </p:txBody>
-      </p:sp>
-      <p:sp>
-        <p:nvSpPr>
-          <p:cNvPr id="5" name="Slide Number Placeholder 4">
-            <a:extLst>
-              <a:ext uri="{FF2B5EF4-FFF2-40B4-BE49-F238E27FC236}">
-                <a16:creationId xmlns:a16="http://schemas.microsoft.com/office/drawing/2014/main" id="{0093C61C-D1AF-BE02-130F-D7D3C676FFE0}"/>
-              </a:ext>
-            </a:extLst>
-          </p:cNvPr>
-          <p:cNvSpPr>
-            <a:spLocks noGrp="1"/>
-          </p:cNvSpPr>
-          <p:nvPr>
-            <p:ph type="sldNum" sz="quarter" idx="14"/>
-          </p:nvPr>
-        </p:nvSpPr>
-        <p:spPr/>
-        <p:txBody>
-          <a:bodyPr/>
-          <a:lstStyle/>
-          <a:p>
-            <a:fld id="{7782931A-7D25-4B4B-9464-57AE418934A3}" type="slidenum">
-              <a:rPr lang="en-US" smtClean="0"/>
-              <a:pPr/>
-              <a:t>21</a:t>
-            </a:fld>
-            <a:endParaRPr lang="en-US"/>
-          </a:p>
-        </p:txBody>
-      </p:sp>
-      <p:grpSp>
-        <p:nvGrpSpPr>
-          <p:cNvPr id="25" name="Group 24">
-            <a:extLst>
-              <a:ext uri="{FF2B5EF4-FFF2-40B4-BE49-F238E27FC236}">
-                <a16:creationId xmlns:a16="http://schemas.microsoft.com/office/drawing/2014/main" id="{685461E1-E769-46B5-6F51-03112D6B9413}"/>
-              </a:ext>
-            </a:extLst>
-          </p:cNvPr>
-          <p:cNvGrpSpPr/>
-          <p:nvPr/>
-        </p:nvGrpSpPr>
-        <p:grpSpPr>
-          <a:xfrm>
-            <a:off x="1568966" y="4046426"/>
-            <a:ext cx="4386648" cy="2428788"/>
-            <a:chOff x="-2273643" y="4015946"/>
-            <a:chExt cx="4386648" cy="2428788"/>
-          </a:xfrm>
-        </p:grpSpPr>
-        <p:cxnSp>
-          <p:nvCxnSpPr>
-            <p:cNvPr id="16" name="Straight Arrow Connector 15">
-              <a:extLst>
-                <a:ext uri="{FF2B5EF4-FFF2-40B4-BE49-F238E27FC236}">
-                  <a16:creationId xmlns:a16="http://schemas.microsoft.com/office/drawing/2014/main" id="{E3ED01F1-63BD-5ACE-66A6-E1D24762F602}"/>
-                </a:ext>
-              </a:extLst>
-            </p:cNvPr>
-            <p:cNvCxnSpPr>
-              <a:cxnSpLocks/>
-            </p:cNvCxnSpPr>
-            <p:nvPr/>
-          </p:nvCxnSpPr>
-          <p:spPr>
-            <a:xfrm>
-              <a:off x="-2273643" y="6292334"/>
-              <a:ext cx="4386648" cy="0"/>
-            </a:xfrm>
-            <a:prstGeom prst="straightConnector1">
-              <a:avLst/>
-            </a:prstGeom>
-            <a:ln w="38100">
-              <a:tailEnd type="triangle"/>
-            </a:ln>
-          </p:spPr>
-          <p:style>
-            <a:lnRef idx="1">
-              <a:schemeClr val="dk1"/>
-            </a:lnRef>
-            <a:fillRef idx="0">
-              <a:schemeClr val="dk1"/>
-            </a:fillRef>
-            <a:effectRef idx="0">
-              <a:schemeClr val="dk1"/>
-            </a:effectRef>
-            <a:fontRef idx="minor">
-              <a:schemeClr val="tx1"/>
-            </a:fontRef>
-          </p:style>
-        </p:cxnSp>
-        <p:cxnSp>
-          <p:nvCxnSpPr>
-            <p:cNvPr id="17" name="Straight Arrow Connector 16">
-              <a:extLst>
-                <a:ext uri="{FF2B5EF4-FFF2-40B4-BE49-F238E27FC236}">
-                  <a16:creationId xmlns:a16="http://schemas.microsoft.com/office/drawing/2014/main" id="{4FB7F4F5-D2D0-4317-477F-E539AE2B6315}"/>
-                </a:ext>
-              </a:extLst>
-            </p:cNvPr>
-            <p:cNvCxnSpPr>
-              <a:cxnSpLocks/>
-            </p:cNvCxnSpPr>
-            <p:nvPr/>
-          </p:nvCxnSpPr>
-          <p:spPr>
-            <a:xfrm flipV="1">
-              <a:off x="-2121243" y="4015946"/>
-              <a:ext cx="0" cy="2428788"/>
-            </a:xfrm>
-            <a:prstGeom prst="straightConnector1">
-              <a:avLst/>
-            </a:prstGeom>
-            <a:ln w="38100">
-              <a:tailEnd type="triangle"/>
-            </a:ln>
-          </p:spPr>
-          <p:style>
-            <a:lnRef idx="1">
-              <a:schemeClr val="dk1"/>
-            </a:lnRef>
-            <a:fillRef idx="0">
-              <a:schemeClr val="dk1"/>
-            </a:fillRef>
-            <a:effectRef idx="0">
-              <a:schemeClr val="dk1"/>
-            </a:effectRef>
-            <a:fontRef idx="minor">
-              <a:schemeClr val="tx1"/>
-            </a:fontRef>
-          </p:style>
-        </p:cxnSp>
-        <p:cxnSp>
-          <p:nvCxnSpPr>
-            <p:cNvPr id="23" name="Straight Arrow Connector 22">
-              <a:extLst>
-                <a:ext uri="{FF2B5EF4-FFF2-40B4-BE49-F238E27FC236}">
-                  <a16:creationId xmlns:a16="http://schemas.microsoft.com/office/drawing/2014/main" id="{71276811-3600-C15B-5A2F-FA568CE2F5E5}"/>
-                </a:ext>
-              </a:extLst>
-            </p:cNvPr>
-            <p:cNvCxnSpPr/>
-            <p:nvPr/>
-          </p:nvCxnSpPr>
-          <p:spPr>
-            <a:xfrm>
-              <a:off x="-135924" y="4146104"/>
-              <a:ext cx="0" cy="2298630"/>
-            </a:xfrm>
-            <a:prstGeom prst="straightConnector1">
-              <a:avLst/>
-            </a:prstGeom>
-            <a:ln w="19050" cap="flat" cmpd="sng" algn="ctr">
-              <a:solidFill>
-                <a:schemeClr val="dk1"/>
-              </a:solidFill>
-              <a:prstDash val="dash"/>
-              <a:round/>
-              <a:headEnd type="none" w="med" len="med"/>
-              <a:tailEnd type="none" w="med" len="med"/>
-            </a:ln>
-          </p:spPr>
-          <p:style>
-            <a:lnRef idx="0">
-              <a:scrgbClr r="0" g="0" b="0"/>
-            </a:lnRef>
-            <a:fillRef idx="0">
-              <a:scrgbClr r="0" g="0" b="0"/>
-            </a:fillRef>
-            <a:effectRef idx="0">
-              <a:scrgbClr r="0" g="0" b="0"/>
-            </a:effectRef>
-            <a:fontRef idx="minor">
-              <a:schemeClr val="tx1"/>
-            </a:fontRef>
-          </p:style>
-        </p:cxnSp>
-        <mc:AlternateContent xmlns:mc="http://schemas.openxmlformats.org/markup-compatibility/2006" xmlns:p14="http://schemas.microsoft.com/office/powerpoint/2010/main">
-          <mc:Choice Requires="p14">
-            <p:contentPart p14:bwMode="auto" r:id="rId3">
-              <p14:nvContentPartPr>
-                <p14:cNvPr id="24" name="Ink 23">
-                  <a:extLst>
-                    <a:ext uri="{FF2B5EF4-FFF2-40B4-BE49-F238E27FC236}">
-                      <a16:creationId xmlns:a16="http://schemas.microsoft.com/office/drawing/2014/main" id="{866A9874-8727-2163-E2DA-5738B139157D}"/>
-                    </a:ext>
-                  </a:extLst>
-                </p14:cNvPr>
-                <p14:cNvContentPartPr/>
-                <p14:nvPr/>
-              </p14:nvContentPartPr>
-              <p14:xfrm>
-                <a:off x="-1952368" y="4595449"/>
-                <a:ext cx="3964320" cy="1187640"/>
-              </p14:xfrm>
-            </p:contentPart>
-          </mc:Choice>
-          <mc:Fallback xmlns="">
-            <p:pic>
-              <p:nvPicPr>
-                <p:cNvPr id="24" name="Ink 23">
-                  <a:extLst>
-                    <a:ext uri="{FF2B5EF4-FFF2-40B4-BE49-F238E27FC236}">
-                      <a16:creationId xmlns:a16="http://schemas.microsoft.com/office/drawing/2014/main" id="{866A9874-8727-2163-E2DA-5738B139157D}"/>
-                    </a:ext>
-                  </a:extLst>
-                </p:cNvPr>
-                <p:cNvPicPr/>
-                <p:nvPr/>
-              </p:nvPicPr>
-              <p:blipFill>
-                <a:blip r:embed="rId4"/>
-                <a:stretch>
-                  <a:fillRect/>
-                </a:stretch>
-              </p:blipFill>
-              <p:spPr>
-                <a:xfrm>
-                  <a:off x="-1970008" y="4577449"/>
-                  <a:ext cx="3999960" cy="1223280"/>
-                </a:xfrm>
-                <a:prstGeom prst="rect">
-                  <a:avLst/>
-                </a:prstGeom>
-              </p:spPr>
-            </p:pic>
-          </mc:Fallback>
-        </mc:AlternateContent>
-      </p:grpSp>
-      <p:sp>
-        <p:nvSpPr>
-          <p:cNvPr id="26" name="TextBox 25">
-            <a:extLst>
-              <a:ext uri="{FF2B5EF4-FFF2-40B4-BE49-F238E27FC236}">
-                <a16:creationId xmlns:a16="http://schemas.microsoft.com/office/drawing/2014/main" id="{C8BFC7B0-0E35-89DC-C874-A95DAF4AC828}"/>
-              </a:ext>
-            </a:extLst>
-          </p:cNvPr>
-          <p:cNvSpPr txBox="1"/>
-          <p:nvPr/>
-        </p:nvSpPr>
-        <p:spPr>
-          <a:xfrm>
-            <a:off x="6153322" y="6186885"/>
-            <a:ext cx="1285102" cy="461665"/>
-          </a:xfrm>
-          <a:prstGeom prst="rect">
-            <a:avLst/>
-          </a:prstGeom>
-          <a:noFill/>
-        </p:spPr>
-        <p:txBody>
-          <a:bodyPr wrap="square" rtlCol="0">
-            <a:spAutoFit/>
-          </a:bodyPr>
-          <a:lstStyle/>
-          <a:p>
-            <a:r>
-              <a:rPr lang="en-US" sz="2400" dirty="0">
-                <a:solidFill>
-                  <a:schemeClr val="bg1"/>
-                </a:solidFill>
-                <a:latin typeface="Abadi Extra Light" panose="020B0204020104020204" pitchFamily="34" charset="0"/>
-              </a:rPr>
-              <a:t>Time</a:t>
-            </a:r>
-          </a:p>
-        </p:txBody>
-      </p:sp>
-    </p:spTree>
-    <p:extLst>
-      <p:ext uri="{BB962C8B-B14F-4D97-AF65-F5344CB8AC3E}">
-        <p14:creationId xmlns:p14="http://schemas.microsoft.com/office/powerpoint/2010/main" val="1969665205"/>
-      </p:ext>
-    </p:extLst>
-  </p:cSld>
-  <p:clrMapOvr>
-    <a:masterClrMapping/>
-  </p:clrMapOvr>
-</p:sld>
-</file>
-
-<file path=ppt/slides/slide22.xml><?xml version="1.0" encoding="utf-8"?>
-<p:sld xmlns:a="http://schemas.openxmlformats.org/drawingml/2006/main" xmlns:r="http://schemas.openxmlformats.org/officeDocument/2006/relationships" xmlns:p="http://schemas.openxmlformats.org/presentationml/2006/main" show="0">
-  <p:cSld>
-    <p:spTree>
-      <p:nvGrpSpPr>
-        <p:cNvPr id="1" name=""/>
-        <p:cNvGrpSpPr/>
-        <p:nvPr/>
-      </p:nvGrpSpPr>
-      <p:grpSpPr>
-        <a:xfrm>
-          <a:off x="0" y="0"/>
-          <a:ext cx="0" cy="0"/>
-          <a:chOff x="0" y="0"/>
-          <a:chExt cx="0" cy="0"/>
-        </a:xfrm>
-      </p:grpSpPr>
-      <p:sp>
-        <p:nvSpPr>
-          <p:cNvPr id="8" name="Title 7">
-            <a:extLst>
-              <a:ext uri="{FF2B5EF4-FFF2-40B4-BE49-F238E27FC236}">
-                <a16:creationId xmlns:a16="http://schemas.microsoft.com/office/drawing/2014/main" id="{06C9F876-67EC-07EA-DB70-E2DA7A45863B}"/>
-              </a:ext>
-            </a:extLst>
-          </p:cNvPr>
-          <p:cNvSpPr>
-            <a:spLocks noGrp="1"/>
-          </p:cNvSpPr>
-          <p:nvPr>
-            <p:ph type="title"/>
-          </p:nvPr>
-        </p:nvSpPr>
-        <p:spPr/>
-        <p:txBody>
-          <a:bodyPr/>
-          <a:lstStyle/>
-          <a:p>
-            <a:r>
-              <a:rPr lang="en-US" dirty="0"/>
-              <a:t>Event time vs</a:t>
-            </a:r>
-            <a:br>
-              <a:rPr lang="en-US" dirty="0"/>
-            </a:br>
-            <a:r>
-              <a:rPr lang="en-US" dirty="0"/>
-              <a:t>Calendar time</a:t>
-            </a:r>
-          </a:p>
-        </p:txBody>
-      </p:sp>
-      <p:sp>
-        <p:nvSpPr>
-          <p:cNvPr id="9" name="Content Placeholder 8">
-            <a:extLst>
-              <a:ext uri="{FF2B5EF4-FFF2-40B4-BE49-F238E27FC236}">
-                <a16:creationId xmlns:a16="http://schemas.microsoft.com/office/drawing/2014/main" id="{8316D74E-1C83-0FA8-782E-4F28D4367A5A}"/>
-              </a:ext>
-            </a:extLst>
-          </p:cNvPr>
-          <p:cNvSpPr>
-            <a:spLocks noGrp="1"/>
-          </p:cNvSpPr>
-          <p:nvPr>
-            <p:ph sz="half" idx="1"/>
-          </p:nvPr>
-        </p:nvSpPr>
-        <p:spPr/>
-        <p:txBody>
-          <a:bodyPr/>
-          <a:lstStyle/>
-          <a:p>
-            <a:r>
-              <a:rPr lang="en-US" dirty="0"/>
-              <a:t>What is the effect of having a child on the gender wage gap, also called the child penalty?</a:t>
-            </a:r>
-          </a:p>
-          <a:p>
-            <a:endParaRPr lang="en-US" dirty="0"/>
-          </a:p>
-          <a:p>
-            <a:r>
-              <a:rPr lang="en-US" dirty="0"/>
-              <a:t>Event time: time relative to having a child </a:t>
-            </a:r>
-          </a:p>
-        </p:txBody>
-      </p:sp>
-      <p:sp>
-        <p:nvSpPr>
-          <p:cNvPr id="5" name="Date Placeholder 4">
-            <a:extLst>
-              <a:ext uri="{FF2B5EF4-FFF2-40B4-BE49-F238E27FC236}">
-                <a16:creationId xmlns:a16="http://schemas.microsoft.com/office/drawing/2014/main" id="{1DF01035-AC5C-D6DF-5CF0-F69A00F4C457}"/>
-              </a:ext>
-            </a:extLst>
-          </p:cNvPr>
-          <p:cNvSpPr>
-            <a:spLocks noGrp="1"/>
-          </p:cNvSpPr>
-          <p:nvPr>
-            <p:ph type="dt" sz="half" idx="11"/>
-          </p:nvPr>
-        </p:nvSpPr>
-        <p:spPr/>
-        <p:txBody>
-          <a:bodyPr/>
-          <a:lstStyle/>
-          <a:p>
-            <a:r>
-              <a:rPr lang="en-US"/>
-              <a:t>September 3, 20XX </a:t>
-            </a:r>
-            <a:endParaRPr lang="en-US" dirty="0"/>
-          </a:p>
-        </p:txBody>
-      </p:sp>
-      <p:sp>
-        <p:nvSpPr>
-          <p:cNvPr id="6" name="Footer Placeholder 5">
-            <a:extLst>
-              <a:ext uri="{FF2B5EF4-FFF2-40B4-BE49-F238E27FC236}">
-                <a16:creationId xmlns:a16="http://schemas.microsoft.com/office/drawing/2014/main" id="{6ABB242B-ED83-4213-FDE1-E2B280A706C9}"/>
-              </a:ext>
-            </a:extLst>
-          </p:cNvPr>
-          <p:cNvSpPr>
-            <a:spLocks noGrp="1"/>
-          </p:cNvSpPr>
-          <p:nvPr>
-            <p:ph type="ftr" sz="quarter" idx="12"/>
-          </p:nvPr>
-        </p:nvSpPr>
-        <p:spPr/>
-        <p:txBody>
-          <a:bodyPr/>
-          <a:lstStyle/>
-          <a:p>
-            <a:r>
-              <a:rPr lang="en-US">
-                <a:solidFill>
-                  <a:schemeClr val="bg1"/>
-                </a:solidFill>
-              </a:rPr>
-              <a:t>Annual Review</a:t>
-            </a:r>
-            <a:endParaRPr lang="en-US" dirty="0">
-              <a:solidFill>
-                <a:schemeClr val="bg1"/>
-              </a:solidFill>
-            </a:endParaRPr>
-          </a:p>
-        </p:txBody>
-      </p:sp>
-      <p:sp>
-        <p:nvSpPr>
-          <p:cNvPr id="7" name="Slide Number Placeholder 6">
-            <a:extLst>
-              <a:ext uri="{FF2B5EF4-FFF2-40B4-BE49-F238E27FC236}">
-                <a16:creationId xmlns:a16="http://schemas.microsoft.com/office/drawing/2014/main" id="{5420F198-0A36-5500-F441-210FD861B0DF}"/>
-              </a:ext>
-            </a:extLst>
-          </p:cNvPr>
-          <p:cNvSpPr>
-            <a:spLocks noGrp="1"/>
-          </p:cNvSpPr>
-          <p:nvPr>
-            <p:ph type="sldNum" sz="quarter" idx="13"/>
-          </p:nvPr>
-        </p:nvSpPr>
-        <p:spPr/>
-        <p:txBody>
-          <a:bodyPr/>
-          <a:lstStyle/>
-          <a:p>
-            <a:fld id="{7782931A-7D25-4B4B-9464-57AE418934A3}" type="slidenum">
-              <a:rPr lang="en-US" smtClean="0"/>
-              <a:pPr/>
-              <a:t>22</a:t>
-            </a:fld>
-            <a:endParaRPr lang="en-US"/>
-          </a:p>
-        </p:txBody>
-      </p:sp>
-      <p:pic>
-        <p:nvPicPr>
-          <p:cNvPr id="16" name="Picture 15">
-            <a:extLst>
-              <a:ext uri="{FF2B5EF4-FFF2-40B4-BE49-F238E27FC236}">
-                <a16:creationId xmlns:a16="http://schemas.microsoft.com/office/drawing/2014/main" id="{01764F6D-9EBC-5445-E81D-BA0BE0ABE97C}"/>
-              </a:ext>
-            </a:extLst>
-          </p:cNvPr>
-          <p:cNvPicPr>
-            <a:picLocks noChangeAspect="1"/>
-          </p:cNvPicPr>
-          <p:nvPr/>
-        </p:nvPicPr>
-        <p:blipFill>
-          <a:blip r:embed="rId3"/>
-          <a:stretch>
-            <a:fillRect/>
-          </a:stretch>
-        </p:blipFill>
-        <p:spPr>
-          <a:xfrm>
-            <a:off x="6016344" y="999068"/>
-            <a:ext cx="6026460" cy="5258070"/>
-          </a:xfrm>
-          <a:prstGeom prst="rect">
-            <a:avLst/>
-          </a:prstGeom>
-        </p:spPr>
-      </p:pic>
-    </p:spTree>
-    <p:extLst>
-      <p:ext uri="{BB962C8B-B14F-4D97-AF65-F5344CB8AC3E}">
-        <p14:creationId xmlns:p14="http://schemas.microsoft.com/office/powerpoint/2010/main" val="1418929259"/>
-      </p:ext>
-    </p:extLst>
-  </p:cSld>
-  <p:clrMapOvr>
-    <a:masterClrMapping/>
-  </p:clrMapOvr>
-</p:sld>
-</file>
-
-<file path=ppt/slides/slide23.xml><?xml version="1.0" encoding="utf-8"?>
-<p:sld xmlns:a="http://schemas.openxmlformats.org/drawingml/2006/main" xmlns:r="http://schemas.openxmlformats.org/officeDocument/2006/relationships" xmlns:p="http://schemas.openxmlformats.org/presentationml/2006/main">
-  <p:cSld>
-    <p:spTree>
-      <p:nvGrpSpPr>
-        <p:cNvPr id="1" name=""/>
-        <p:cNvGrpSpPr/>
-        <p:nvPr/>
-      </p:nvGrpSpPr>
-      <p:grpSpPr>
-        <a:xfrm>
-          <a:off x="0" y="0"/>
-          <a:ext cx="0" cy="0"/>
-          <a:chOff x="0" y="0"/>
-          <a:chExt cx="0" cy="0"/>
-        </a:xfrm>
-      </p:grpSpPr>
-      <p:sp>
-        <p:nvSpPr>
           <p:cNvPr id="2" name="Title 1">
             <a:extLst>
               <a:ext uri="{FF2B5EF4-FFF2-40B4-BE49-F238E27FC236}">
@@ -10936,7 +10338,7 @@
             </a:pPr>
             <a:r>
               <a:rPr lang="en-US" sz="1800" dirty="0"/>
-              <a:t>Estimate the pre-event correlation of treated firms with the market</a:t>
+              <a:t>Estimate the pre-event correlation of stock return of treated firms with the market</a:t>
             </a:r>
           </a:p>
           <a:p>
@@ -11071,7 +10473,7 @@
             <a:fld id="{7782931A-7D25-4B4B-9464-57AE418934A3}" type="slidenum">
               <a:rPr lang="en-US" smtClean="0"/>
               <a:pPr/>
-              <a:t>23</a:t>
+              <a:t>22</a:t>
             </a:fld>
             <a:endParaRPr lang="en-US"/>
           </a:p>
@@ -11404,7 +10806,7 @@
 </p:sld>
 </file>
 
-<file path=ppt/slides/slide24.xml><?xml version="1.0" encoding="utf-8"?>
+<file path=ppt/slides/slide23.xml><?xml version="1.0" encoding="utf-8"?>
 <p:sld xmlns:a="http://schemas.openxmlformats.org/drawingml/2006/main" xmlns:r="http://schemas.openxmlformats.org/officeDocument/2006/relationships" xmlns:p="http://schemas.openxmlformats.org/presentationml/2006/main">
   <p:cSld>
     <p:spTree>
@@ -11628,7 +11030,7 @@
             <a:fld id="{7782931A-7D25-4B4B-9464-57AE418934A3}" type="slidenum">
               <a:rPr lang="en-US" smtClean="0"/>
               <a:pPr/>
-              <a:t>24</a:t>
+              <a:t>23</a:t>
             </a:fld>
             <a:endParaRPr lang="en-US"/>
           </a:p>
@@ -11682,7 +11084,7 @@
 </p:sld>
 </file>
 
-<file path=ppt/slides/slide25.xml><?xml version="1.0" encoding="utf-8"?>
+<file path=ppt/slides/slide24.xml><?xml version="1.0" encoding="utf-8"?>
 <p:sld xmlns:a="http://schemas.openxmlformats.org/drawingml/2006/main" xmlns:r="http://schemas.openxmlformats.org/officeDocument/2006/relationships" xmlns:p="http://schemas.openxmlformats.org/presentationml/2006/main">
   <p:cSld>
     <p:spTree>
@@ -12155,7 +11557,7 @@
             <a:fld id="{7782931A-7D25-4B4B-9464-57AE418934A3}" type="slidenum">
               <a:rPr lang="en-US" smtClean="0"/>
               <a:pPr/>
-              <a:t>25</a:t>
+              <a:t>24</a:t>
             </a:fld>
             <a:endParaRPr lang="en-US"/>
           </a:p>
@@ -12174,7 +11576,7 @@
 </p:sld>
 </file>
 
-<file path=ppt/slides/slide26.xml><?xml version="1.0" encoding="utf-8"?>
+<file path=ppt/slides/slide25.xml><?xml version="1.0" encoding="utf-8"?>
 <p:sld xmlns:a="http://schemas.openxmlformats.org/drawingml/2006/main" xmlns:r="http://schemas.openxmlformats.org/officeDocument/2006/relationships" xmlns:p="http://schemas.openxmlformats.org/presentationml/2006/main">
   <p:cSld>
     <p:spTree>
@@ -12334,7 +11736,7 @@
             <a:fld id="{7782931A-7D25-4B4B-9464-57AE418934A3}" type="slidenum">
               <a:rPr lang="en-US" smtClean="0"/>
               <a:pPr/>
-              <a:t>26</a:t>
+              <a:t>25</a:t>
             </a:fld>
             <a:endParaRPr lang="en-US"/>
           </a:p>
@@ -12410,10 +11812,221 @@
   <p:clrMapOvr>
     <a:masterClrMapping/>
   </p:clrMapOvr>
+  <p:timing>
+    <p:tnLst>
+      <p:par>
+        <p:cTn id="1" dur="indefinite" restart="never" nodeType="tmRoot">
+          <p:childTnLst>
+            <p:seq concurrent="1" nextAc="seek">
+              <p:cTn id="2" dur="indefinite" nodeType="mainSeq">
+                <p:childTnLst>
+                  <p:par>
+                    <p:cTn id="3" fill="hold">
+                      <p:stCondLst>
+                        <p:cond delay="indefinite"/>
+                      </p:stCondLst>
+                      <p:childTnLst>
+                        <p:par>
+                          <p:cTn id="4" fill="hold">
+                            <p:stCondLst>
+                              <p:cond delay="0"/>
+                            </p:stCondLst>
+                            <p:childTnLst>
+                              <p:par>
+                                <p:cTn id="5" presetID="1" presetClass="entr" presetSubtype="0" fill="hold" grpId="0" nodeType="clickEffect">
+                                  <p:stCondLst>
+                                    <p:cond delay="0"/>
+                                  </p:stCondLst>
+                                  <p:childTnLst>
+                                    <p:set>
+                                      <p:cBhvr>
+                                        <p:cTn id="6" dur="1" fill="hold">
+                                          <p:stCondLst>
+                                            <p:cond delay="0"/>
+                                          </p:stCondLst>
+                                        </p:cTn>
+                                        <p:tgtEl>
+                                          <p:spTgt spid="3">
+                                            <p:txEl>
+                                              <p:pRg st="0" end="0"/>
+                                            </p:txEl>
+                                          </p:spTgt>
+                                        </p:tgtEl>
+                                        <p:attrNameLst>
+                                          <p:attrName>style.visibility</p:attrName>
+                                        </p:attrNameLst>
+                                      </p:cBhvr>
+                                      <p:to>
+                                        <p:strVal val="visible"/>
+                                      </p:to>
+                                    </p:set>
+                                  </p:childTnLst>
+                                </p:cTn>
+                              </p:par>
+                            </p:childTnLst>
+                          </p:cTn>
+                        </p:par>
+                      </p:childTnLst>
+                    </p:cTn>
+                  </p:par>
+                  <p:par>
+                    <p:cTn id="7" fill="hold">
+                      <p:stCondLst>
+                        <p:cond delay="indefinite"/>
+                      </p:stCondLst>
+                      <p:childTnLst>
+                        <p:par>
+                          <p:cTn id="8" fill="hold">
+                            <p:stCondLst>
+                              <p:cond delay="0"/>
+                            </p:stCondLst>
+                            <p:childTnLst>
+                              <p:par>
+                                <p:cTn id="9" presetID="1" presetClass="entr" presetSubtype="0" fill="hold" grpId="0" nodeType="clickEffect">
+                                  <p:stCondLst>
+                                    <p:cond delay="0"/>
+                                  </p:stCondLst>
+                                  <p:childTnLst>
+                                    <p:set>
+                                      <p:cBhvr>
+                                        <p:cTn id="10" dur="1" fill="hold">
+                                          <p:stCondLst>
+                                            <p:cond delay="0"/>
+                                          </p:stCondLst>
+                                        </p:cTn>
+                                        <p:tgtEl>
+                                          <p:spTgt spid="3">
+                                            <p:txEl>
+                                              <p:pRg st="1" end="1"/>
+                                            </p:txEl>
+                                          </p:spTgt>
+                                        </p:tgtEl>
+                                        <p:attrNameLst>
+                                          <p:attrName>style.visibility</p:attrName>
+                                        </p:attrNameLst>
+                                      </p:cBhvr>
+                                      <p:to>
+                                        <p:strVal val="visible"/>
+                                      </p:to>
+                                    </p:set>
+                                  </p:childTnLst>
+                                </p:cTn>
+                              </p:par>
+                              <p:par>
+                                <p:cTn id="11" presetID="1" presetClass="entr" presetSubtype="0" fill="hold" grpId="0" nodeType="withEffect">
+                                  <p:stCondLst>
+                                    <p:cond delay="0"/>
+                                  </p:stCondLst>
+                                  <p:childTnLst>
+                                    <p:set>
+                                      <p:cBhvr>
+                                        <p:cTn id="12" dur="1" fill="hold">
+                                          <p:stCondLst>
+                                            <p:cond delay="0"/>
+                                          </p:stCondLst>
+                                        </p:cTn>
+                                        <p:tgtEl>
+                                          <p:spTgt spid="3">
+                                            <p:txEl>
+                                              <p:pRg st="2" end="2"/>
+                                            </p:txEl>
+                                          </p:spTgt>
+                                        </p:tgtEl>
+                                        <p:attrNameLst>
+                                          <p:attrName>style.visibility</p:attrName>
+                                        </p:attrNameLst>
+                                      </p:cBhvr>
+                                      <p:to>
+                                        <p:strVal val="visible"/>
+                                      </p:to>
+                                    </p:set>
+                                  </p:childTnLst>
+                                </p:cTn>
+                              </p:par>
+                            </p:childTnLst>
+                          </p:cTn>
+                        </p:par>
+                      </p:childTnLst>
+                    </p:cTn>
+                  </p:par>
+                  <p:par>
+                    <p:cTn id="13" fill="hold">
+                      <p:stCondLst>
+                        <p:cond delay="indefinite"/>
+                      </p:stCondLst>
+                      <p:childTnLst>
+                        <p:par>
+                          <p:cTn id="14" fill="hold">
+                            <p:stCondLst>
+                              <p:cond delay="0"/>
+                            </p:stCondLst>
+                            <p:childTnLst>
+                              <p:par>
+                                <p:cTn id="15" presetID="1" presetClass="entr" presetSubtype="0" fill="hold" grpId="0" nodeType="clickEffect">
+                                  <p:stCondLst>
+                                    <p:cond delay="0"/>
+                                  </p:stCondLst>
+                                  <p:childTnLst>
+                                    <p:set>
+                                      <p:cBhvr>
+                                        <p:cTn id="16" dur="1" fill="hold">
+                                          <p:stCondLst>
+                                            <p:cond delay="0"/>
+                                          </p:stCondLst>
+                                        </p:cTn>
+                                        <p:tgtEl>
+                                          <p:spTgt spid="3">
+                                            <p:txEl>
+                                              <p:pRg st="3" end="3"/>
+                                            </p:txEl>
+                                          </p:spTgt>
+                                        </p:tgtEl>
+                                        <p:attrNameLst>
+                                          <p:attrName>style.visibility</p:attrName>
+                                        </p:attrNameLst>
+                                      </p:cBhvr>
+                                      <p:to>
+                                        <p:strVal val="visible"/>
+                                      </p:to>
+                                    </p:set>
+                                  </p:childTnLst>
+                                </p:cTn>
+                              </p:par>
+                            </p:childTnLst>
+                          </p:cTn>
+                        </p:par>
+                      </p:childTnLst>
+                    </p:cTn>
+                  </p:par>
+                </p:childTnLst>
+              </p:cTn>
+              <p:prevCondLst>
+                <p:cond evt="onPrev" delay="0">
+                  <p:tgtEl>
+                    <p:sldTgt/>
+                  </p:tgtEl>
+                </p:cond>
+              </p:prevCondLst>
+              <p:nextCondLst>
+                <p:cond evt="onNext" delay="0">
+                  <p:tgtEl>
+                    <p:sldTgt/>
+                  </p:tgtEl>
+                </p:cond>
+              </p:nextCondLst>
+            </p:seq>
+          </p:childTnLst>
+        </p:cTn>
+      </p:par>
+    </p:tnLst>
+    <p:bldLst>
+      <p:bldP spid="3" grpId="0" build="p"/>
+    </p:bldLst>
+  </p:timing>
 </p:sld>
 </file>
 
-<file path=ppt/slides/slide27.xml><?xml version="1.0" encoding="utf-8"?>
+<file path=ppt/slides/slide26.xml><?xml version="1.0" encoding="utf-8"?>
 <p:sld xmlns:a="http://schemas.openxmlformats.org/drawingml/2006/main" xmlns:r="http://schemas.openxmlformats.org/officeDocument/2006/relationships" xmlns:p="http://schemas.openxmlformats.org/presentationml/2006/main">
   <p:cSld>
     <p:spTree>
@@ -12482,7 +12095,7 @@
             <a:fld id="{7782931A-7D25-4B4B-9464-57AE418934A3}" type="slidenum">
               <a:rPr lang="en-US" smtClean="0"/>
               <a:pPr/>
-              <a:t>27</a:t>
+              <a:t>26</a:t>
             </a:fld>
             <a:endParaRPr lang="en-US"/>
           </a:p>
@@ -13008,7 +12621,7 @@
 </p:sld>
 </file>
 
-<file path=ppt/slides/slide28.xml><?xml version="1.0" encoding="utf-8"?>
+<file path=ppt/slides/slide27.xml><?xml version="1.0" encoding="utf-8"?>
 <p:sld xmlns:a="http://schemas.openxmlformats.org/drawingml/2006/main" xmlns:r="http://schemas.openxmlformats.org/officeDocument/2006/relationships" xmlns:p="http://schemas.openxmlformats.org/presentationml/2006/main">
   <p:cSld>
     <p:spTree>
@@ -13170,7 +12783,7 @@
             <a:fld id="{7782931A-7D25-4B4B-9464-57AE418934A3}" type="slidenum">
               <a:rPr lang="en-US" smtClean="0"/>
               <a:pPr/>
-              <a:t>28</a:t>
+              <a:t>27</a:t>
             </a:fld>
             <a:endParaRPr lang="en-US"/>
           </a:p>
@@ -13225,6 +12838,230 @@
 </p:sld>
 </file>
 
+<file path=ppt/slides/slide28.xml><?xml version="1.0" encoding="utf-8"?>
+<p:sld xmlns:a="http://schemas.openxmlformats.org/drawingml/2006/main" xmlns:r="http://schemas.openxmlformats.org/officeDocument/2006/relationships" xmlns:p="http://schemas.openxmlformats.org/presentationml/2006/main">
+  <p:cSld>
+    <p:spTree>
+      <p:nvGrpSpPr>
+        <p:cNvPr id="1" name=""/>
+        <p:cNvGrpSpPr/>
+        <p:nvPr/>
+      </p:nvGrpSpPr>
+      <p:grpSpPr>
+        <a:xfrm>
+          <a:off x="0" y="0"/>
+          <a:ext cx="0" cy="0"/>
+          <a:chOff x="0" y="0"/>
+          <a:chExt cx="0" cy="0"/>
+        </a:xfrm>
+      </p:grpSpPr>
+      <p:sp>
+        <p:nvSpPr>
+          <p:cNvPr id="12" name="Title 1">
+            <a:extLst>
+              <a:ext uri="{FF2B5EF4-FFF2-40B4-BE49-F238E27FC236}">
+                <a16:creationId xmlns:a16="http://schemas.microsoft.com/office/drawing/2014/main" id="{04C88F6E-1B76-D040-2FBC-3862555D625B}"/>
+              </a:ext>
+            </a:extLst>
+          </p:cNvPr>
+          <p:cNvSpPr>
+            <a:spLocks noGrp="1"/>
+          </p:cNvSpPr>
+          <p:nvPr>
+            <p:ph type="title"/>
+          </p:nvPr>
+        </p:nvSpPr>
+        <p:spPr>
+          <a:xfrm>
+            <a:off x="1028700" y="999068"/>
+            <a:ext cx="11031220" cy="645284"/>
+          </a:xfrm>
+        </p:spPr>
+        <p:txBody>
+          <a:bodyPr/>
+          <a:lstStyle/>
+          <a:p>
+            <a:r>
+              <a:rPr lang="en-US" dirty="0"/>
+              <a:t>COVID-19 lockdown and air pollution</a:t>
+            </a:r>
+            <a:br>
+              <a:rPr lang="en-US" dirty="0"/>
+            </a:br>
+            <a:r>
+              <a:rPr lang="en-US" sz="2800" dirty="0"/>
+              <a:t>Granella et al. (2021)</a:t>
+            </a:r>
+          </a:p>
+        </p:txBody>
+      </p:sp>
+      <p:sp>
+        <p:nvSpPr>
+          <p:cNvPr id="14" name="Content Placeholder 2">
+            <a:extLst>
+              <a:ext uri="{FF2B5EF4-FFF2-40B4-BE49-F238E27FC236}">
+                <a16:creationId xmlns:a16="http://schemas.microsoft.com/office/drawing/2014/main" id="{8A108D71-8EE2-D38D-F23F-9AD0A9886C3C}"/>
+              </a:ext>
+            </a:extLst>
+          </p:cNvPr>
+          <p:cNvSpPr>
+            <a:spLocks noGrp="1"/>
+          </p:cNvSpPr>
+          <p:nvPr>
+            <p:ph sz="half" idx="1"/>
+          </p:nvPr>
+        </p:nvSpPr>
+        <p:spPr>
+          <a:xfrm>
+            <a:off x="1028700" y="2286003"/>
+            <a:ext cx="10246104" cy="3568696"/>
+          </a:xfrm>
+        </p:spPr>
+        <p:txBody>
+          <a:bodyPr/>
+          <a:lstStyle/>
+          <a:p>
+            <a:pPr algn="ctr"/>
+            <a:endParaRPr lang="en-US" i="1" dirty="0"/>
+          </a:p>
+          <a:p>
+            <a:pPr algn="ctr"/>
+            <a:r>
+              <a:rPr lang="en-US" i="1" dirty="0"/>
+              <a:t>What was the effect of the 2020 lockdown on air pollution?</a:t>
+            </a:r>
+          </a:p>
+          <a:p>
+            <a:pPr marL="285750" indent="-285750">
+              <a:buFont typeface="Arial" panose="020B0604020202020204" pitchFamily="34" charset="0"/>
+              <a:buChar char="•"/>
+            </a:pPr>
+            <a:endParaRPr lang="en-US" dirty="0"/>
+          </a:p>
+          <a:p>
+            <a:pPr marL="285750" indent="-285750">
+              <a:buFont typeface="Arial" panose="020B0604020202020204" pitchFamily="34" charset="0"/>
+              <a:buChar char="•"/>
+            </a:pPr>
+            <a:r>
+              <a:rPr lang="en-US" dirty="0"/>
+              <a:t>Lombardy is one of the most polluted regions in OECD countries</a:t>
+            </a:r>
+          </a:p>
+          <a:p>
+            <a:pPr marL="285750" indent="-285750">
+              <a:buFont typeface="Arial" panose="020B0604020202020204" pitchFamily="34" charset="0"/>
+              <a:buChar char="•"/>
+            </a:pPr>
+            <a:r>
+              <a:rPr lang="en-US" dirty="0"/>
+              <a:t>Reasons: geography, density, productive activities and agriculture</a:t>
+            </a:r>
+          </a:p>
+          <a:p>
+            <a:pPr marL="285750" indent="-285750">
+              <a:buFont typeface="Arial" panose="020B0604020202020204" pitchFamily="34" charset="0"/>
+              <a:buChar char="•"/>
+            </a:pPr>
+            <a:r>
+              <a:rPr lang="en-US" dirty="0"/>
+              <a:t>Pollution highly dependent on weather in nonlinear ways</a:t>
+            </a:r>
+          </a:p>
+          <a:p>
+            <a:pPr marL="742950" lvl="1" indent="-285750">
+              <a:buFont typeface="Arial" panose="020B0604020202020204" pitchFamily="34" charset="0"/>
+              <a:buChar char="•"/>
+            </a:pPr>
+            <a:r>
+              <a:rPr lang="en-US" sz="1600" dirty="0"/>
+              <a:t> Cannot compare before vs during or 2019 vs 2020</a:t>
+            </a:r>
+          </a:p>
+          <a:p>
+            <a:pPr marL="285750" indent="-285750">
+              <a:buFont typeface="Arial" panose="020B0604020202020204" pitchFamily="34" charset="0"/>
+              <a:buChar char="•"/>
+            </a:pPr>
+            <a:r>
+              <a:rPr lang="en-US" dirty="0"/>
+              <a:t>Exploit instead this dependency</a:t>
+            </a:r>
+          </a:p>
+          <a:p>
+            <a:pPr marL="285750" indent="-285750">
+              <a:buFont typeface="Arial" panose="020B0604020202020204" pitchFamily="34" charset="0"/>
+              <a:buChar char="•"/>
+            </a:pPr>
+            <a:endParaRPr lang="en-US" dirty="0"/>
+          </a:p>
+        </p:txBody>
+      </p:sp>
+      <p:sp>
+        <p:nvSpPr>
+          <p:cNvPr id="7" name="Slide Number Placeholder 6">
+            <a:extLst>
+              <a:ext uri="{FF2B5EF4-FFF2-40B4-BE49-F238E27FC236}">
+                <a16:creationId xmlns:a16="http://schemas.microsoft.com/office/drawing/2014/main" id="{EE9DEF58-6FD1-CA6E-951A-ABBCC4E6B596}"/>
+              </a:ext>
+            </a:extLst>
+          </p:cNvPr>
+          <p:cNvSpPr>
+            <a:spLocks noGrp="1"/>
+          </p:cNvSpPr>
+          <p:nvPr>
+            <p:ph type="sldNum" sz="quarter" idx="13"/>
+          </p:nvPr>
+        </p:nvSpPr>
+        <p:spPr>
+          <a:xfrm>
+            <a:off x="11493500" y="6292334"/>
+            <a:ext cx="412750" cy="182880"/>
+          </a:xfrm>
+        </p:spPr>
+        <p:txBody>
+          <a:bodyPr anchor="ctr">
+            <a:normAutofit/>
+          </a:bodyPr>
+          <a:lstStyle/>
+          <a:p>
+            <a:pPr>
+              <a:lnSpc>
+                <a:spcPct val="90000"/>
+              </a:lnSpc>
+              <a:spcAft>
+                <a:spcPts val="600"/>
+              </a:spcAft>
+            </a:pPr>
+            <a:fld id="{7782931A-7D25-4B4B-9464-57AE418934A3}" type="slidenum">
+              <a:rPr lang="en-US" sz="600" smtClean="0"/>
+              <a:pPr>
+                <a:lnSpc>
+                  <a:spcPct val="90000"/>
+                </a:lnSpc>
+                <a:spcAft>
+                  <a:spcPts val="600"/>
+                </a:spcAft>
+              </a:pPr>
+              <a:t>28</a:t>
+            </a:fld>
+            <a:endParaRPr lang="en-US" sz="600"/>
+          </a:p>
+        </p:txBody>
+      </p:sp>
+    </p:spTree>
+    <p:extLst>
+      <p:ext uri="{BB962C8B-B14F-4D97-AF65-F5344CB8AC3E}">
+        <p14:creationId xmlns:p14="http://schemas.microsoft.com/office/powerpoint/2010/main" val="4081422939"/>
+      </p:ext>
+    </p:extLst>
+  </p:cSld>
+  <p:clrMapOvr>
+    <a:masterClrMapping/>
+  </p:clrMapOvr>
+</p:sld>
+</file>
+
 <file path=ppt/slides/slide29.xml><?xml version="1.0" encoding="utf-8"?>
 <p:sld xmlns:a="http://schemas.openxmlformats.org/drawingml/2006/main" xmlns:r="http://schemas.openxmlformats.org/officeDocument/2006/relationships" xmlns:p="http://schemas.openxmlformats.org/presentationml/2006/main">
   <p:cSld>
@@ -13268,145 +13105,39 @@
           <a:bodyPr/>
           <a:lstStyle/>
           <a:p>
-            <a:r>
-              <a:rPr lang="en-US" dirty="0"/>
-              <a:t>COVID-19 lockdown and air pollution</a:t>
-            </a:r>
-            <a:br>
-              <a:rPr lang="en-US" dirty="0"/>
-            </a:br>
-            <a:r>
-              <a:rPr lang="en-US" sz="2800" dirty="0"/>
-              <a:t>Granella et al. (2021)</a:t>
-            </a:r>
-          </a:p>
-        </p:txBody>
-      </p:sp>
-      <p:sp>
-        <p:nvSpPr>
-          <p:cNvPr id="14" name="Content Placeholder 2">
-            <a:extLst>
-              <a:ext uri="{FF2B5EF4-FFF2-40B4-BE49-F238E27FC236}">
-                <a16:creationId xmlns:a16="http://schemas.microsoft.com/office/drawing/2014/main" id="{8A108D71-8EE2-D38D-F23F-9AD0A9886C3C}"/>
-              </a:ext>
-            </a:extLst>
-          </p:cNvPr>
-          <p:cNvSpPr>
-            <a:spLocks noGrp="1"/>
-          </p:cNvSpPr>
+            <a:endParaRPr lang="en-US" sz="2800" dirty="0"/>
+          </a:p>
+        </p:txBody>
+      </p:sp>
+      <p:pic>
+        <p:nvPicPr>
+          <p:cNvPr id="3" name="Content Placeholder 2">
+            <a:extLst>
+              <a:ext uri="{FF2B5EF4-FFF2-40B4-BE49-F238E27FC236}">
+                <a16:creationId xmlns:a16="http://schemas.microsoft.com/office/drawing/2014/main" id="{459D1920-2F41-67C2-22A8-7378F645CC31}"/>
+              </a:ext>
+            </a:extLst>
+          </p:cNvPr>
+          <p:cNvPicPr>
+            <a:picLocks noGrp="1" noChangeAspect="1"/>
+          </p:cNvPicPr>
           <p:nvPr>
             <p:ph sz="half" idx="1"/>
           </p:nvPr>
-        </p:nvSpPr>
+        </p:nvPicPr>
+        <p:blipFill>
+          <a:blip r:embed="rId2"/>
+          <a:stretch>
+            <a:fillRect/>
+          </a:stretch>
+        </p:blipFill>
         <p:spPr>
           <a:xfrm>
-            <a:off x="1028700" y="2286003"/>
-            <a:ext cx="10246104" cy="3568696"/>
+            <a:off x="1815880" y="532802"/>
+            <a:ext cx="8579291" cy="2857647"/>
           </a:xfrm>
         </p:spPr>
-        <p:txBody>
-          <a:bodyPr/>
-          <a:lstStyle/>
-          <a:p>
-            <a:pPr marL="285750" indent="-285750">
-              <a:buFont typeface="Arial" panose="020B0604020202020204" pitchFamily="34" charset="0"/>
-              <a:buChar char="•"/>
-            </a:pPr>
-            <a:r>
-              <a:rPr lang="en-US" dirty="0"/>
-              <a:t>Lombardy is one of the most polluted regions in OECD countries</a:t>
-            </a:r>
-          </a:p>
-          <a:p>
-            <a:pPr marL="285750" indent="-285750">
-              <a:buFont typeface="Arial" panose="020B0604020202020204" pitchFamily="34" charset="0"/>
-              <a:buChar char="•"/>
-            </a:pPr>
-            <a:r>
-              <a:rPr lang="en-US" dirty="0"/>
-              <a:t>Reasons: geography, density, productive activities and agriculture</a:t>
-            </a:r>
-          </a:p>
-          <a:p>
-            <a:pPr marL="285750" indent="-285750">
-              <a:buFont typeface="Arial" panose="020B0604020202020204" pitchFamily="34" charset="0"/>
-              <a:buChar char="•"/>
-            </a:pPr>
-            <a:r>
-              <a:rPr lang="en-US" dirty="0"/>
-              <a:t>Formation, transport, and dispersion of pollutants are complex phenomena: </a:t>
-            </a:r>
-            <a:br>
-              <a:rPr lang="en-US" dirty="0"/>
-            </a:br>
-            <a:r>
-              <a:rPr lang="en-US" dirty="0"/>
-              <a:t>not easy to know how reducing emissions of pollutants would translate to reduction of concentrations. </a:t>
-            </a:r>
-          </a:p>
-          <a:p>
-            <a:pPr marL="285750" indent="-285750">
-              <a:buFont typeface="Arial" panose="020B0604020202020204" pitchFamily="34" charset="0"/>
-              <a:buChar char="•"/>
-            </a:pPr>
-            <a:r>
-              <a:rPr lang="en-US" dirty="0"/>
-              <a:t>COVID-19 lockdown can provide insights</a:t>
-            </a:r>
-          </a:p>
-          <a:p>
-            <a:pPr marL="285750" indent="-285750">
-              <a:buFont typeface="Arial" panose="020B0604020202020204" pitchFamily="34" charset="0"/>
-              <a:buChar char="•"/>
-            </a:pPr>
-            <a:r>
-              <a:rPr lang="en-US" dirty="0"/>
-              <a:t>What was the effect of the lockdown on air pollution?</a:t>
-            </a:r>
-          </a:p>
-          <a:p>
-            <a:pPr marL="285750" indent="-285750">
-              <a:buFont typeface="Arial" panose="020B0604020202020204" pitchFamily="34" charset="0"/>
-              <a:buChar char="•"/>
-            </a:pPr>
-            <a:r>
-              <a:rPr lang="en-US" b="1" dirty="0"/>
-              <a:t>But</a:t>
-            </a:r>
-            <a:r>
-              <a:rPr lang="en-US" dirty="0"/>
-              <a:t>: pollution highly dependent on weather</a:t>
-            </a:r>
-          </a:p>
-          <a:p>
-            <a:pPr marL="742950" lvl="1" indent="-285750">
-              <a:buFont typeface="Arial" panose="020B0604020202020204" pitchFamily="34" charset="0"/>
-              <a:buChar char="•"/>
-            </a:pPr>
-            <a:r>
-              <a:rPr lang="en-US" sz="1600" dirty="0"/>
-              <a:t> Cannot compare before vs during or 2019 vs 2020</a:t>
-            </a:r>
-          </a:p>
-          <a:p>
-            <a:pPr marL="285750" indent="-285750">
-              <a:buFont typeface="Arial" panose="020B0604020202020204" pitchFamily="34" charset="0"/>
-              <a:buChar char="•"/>
-            </a:pPr>
-            <a:r>
-              <a:rPr lang="en-US" dirty="0"/>
-              <a:t>Exploit instead this dependency</a:t>
-            </a:r>
-          </a:p>
-          <a:p>
-            <a:pPr marL="285750" indent="-285750">
-              <a:buFont typeface="Arial" panose="020B0604020202020204" pitchFamily="34" charset="0"/>
-              <a:buChar char="•"/>
-            </a:pPr>
-            <a:endParaRPr lang="en-US" dirty="0"/>
-          </a:p>
-        </p:txBody>
-      </p:sp>
+      </p:pic>
       <p:sp>
         <p:nvSpPr>
           <p:cNvPr id="7" name="Slide Number Placeholder 6">
@@ -13454,252 +13185,6 @@
                 </a:spcAft>
               </a:pPr>
               <a:t>29</a:t>
-            </a:fld>
-            <a:endParaRPr lang="en-US" sz="600"/>
-          </a:p>
-        </p:txBody>
-      </p:sp>
-    </p:spTree>
-    <p:extLst>
-      <p:ext uri="{BB962C8B-B14F-4D97-AF65-F5344CB8AC3E}">
-        <p14:creationId xmlns:p14="http://schemas.microsoft.com/office/powerpoint/2010/main" val="4081422939"/>
-      </p:ext>
-    </p:extLst>
-  </p:cSld>
-  <p:clrMapOvr>
-    <a:masterClrMapping/>
-  </p:clrMapOvr>
-</p:sld>
-</file>
-
-<file path=ppt/slides/slide3.xml><?xml version="1.0" encoding="utf-8"?>
-<p:sld xmlns:a="http://schemas.openxmlformats.org/drawingml/2006/main" xmlns:r="http://schemas.openxmlformats.org/officeDocument/2006/relationships" xmlns:p="http://schemas.openxmlformats.org/presentationml/2006/main">
-  <p:cSld>
-    <p:spTree>
-      <p:nvGrpSpPr>
-        <p:cNvPr id="1" name=""/>
-        <p:cNvGrpSpPr/>
-        <p:nvPr/>
-      </p:nvGrpSpPr>
-      <p:grpSpPr>
-        <a:xfrm>
-          <a:off x="0" y="0"/>
-          <a:ext cx="0" cy="0"/>
-          <a:chOff x="0" y="0"/>
-          <a:chExt cx="0" cy="0"/>
-        </a:xfrm>
-      </p:grpSpPr>
-      <p:sp>
-        <p:nvSpPr>
-          <p:cNvPr id="9" name="Title 8">
-            <a:extLst>
-              <a:ext uri="{FF2B5EF4-FFF2-40B4-BE49-F238E27FC236}">
-                <a16:creationId xmlns:a16="http://schemas.microsoft.com/office/drawing/2014/main" id="{9C99CF7C-AFAB-48F1-8FC3-CCCE989822A6}"/>
-              </a:ext>
-            </a:extLst>
-          </p:cNvPr>
-          <p:cNvSpPr>
-            <a:spLocks noGrp="1"/>
-          </p:cNvSpPr>
-          <p:nvPr>
-            <p:ph type="title"/>
-          </p:nvPr>
-        </p:nvSpPr>
-        <p:spPr/>
-        <p:txBody>
-          <a:bodyPr/>
-          <a:lstStyle/>
-          <a:p>
-            <a:r>
-              <a:rPr lang="en-US" dirty="0"/>
-              <a:t>Synthetic control methods</a:t>
-            </a:r>
-          </a:p>
-        </p:txBody>
-      </p:sp>
-      <p:sp>
-        <p:nvSpPr>
-          <p:cNvPr id="3" name="Content Placeholder 2">
-            <a:extLst>
-              <a:ext uri="{FF2B5EF4-FFF2-40B4-BE49-F238E27FC236}">
-                <a16:creationId xmlns:a16="http://schemas.microsoft.com/office/drawing/2014/main" id="{CA8ECC17-4660-124A-8996-54F15FD169C0}"/>
-              </a:ext>
-            </a:extLst>
-          </p:cNvPr>
-          <p:cNvSpPr>
-            <a:spLocks noGrp="1"/>
-          </p:cNvSpPr>
-          <p:nvPr>
-            <p:ph sz="quarter" idx="11"/>
-          </p:nvPr>
-        </p:nvSpPr>
-        <p:spPr/>
-        <p:txBody>
-          <a:bodyPr/>
-          <a:lstStyle/>
-          <a:p>
-            <a:r>
-              <a:rPr lang="en-US" dirty="0"/>
-              <a:t>Abadie, Diamon &amp; </a:t>
-            </a:r>
-            <a:r>
-              <a:rPr lang="en-US" dirty="0" err="1"/>
-              <a:t>Heinmueller</a:t>
-            </a:r>
-            <a:r>
-              <a:rPr lang="en-US" dirty="0"/>
-              <a:t> (2010) and Abadie, Diamond &amp; </a:t>
-            </a:r>
-            <a:r>
-              <a:rPr lang="en-US" dirty="0" err="1"/>
-              <a:t>Heinmueller</a:t>
-            </a:r>
-            <a:r>
-              <a:rPr lang="en-US" dirty="0"/>
-              <a:t> (2014) </a:t>
-            </a:r>
-          </a:p>
-          <a:p>
-            <a:endParaRPr lang="en-US" dirty="0"/>
-          </a:p>
-        </p:txBody>
-      </p:sp>
-    </p:spTree>
-    <p:extLst>
-      <p:ext uri="{BB962C8B-B14F-4D97-AF65-F5344CB8AC3E}">
-        <p14:creationId xmlns:p14="http://schemas.microsoft.com/office/powerpoint/2010/main" val="2605473726"/>
-      </p:ext>
-    </p:extLst>
-  </p:cSld>
-  <p:clrMapOvr>
-    <a:masterClrMapping/>
-  </p:clrMapOvr>
-</p:sld>
-</file>
-
-<file path=ppt/slides/slide30.xml><?xml version="1.0" encoding="utf-8"?>
-<p:sld xmlns:a="http://schemas.openxmlformats.org/drawingml/2006/main" xmlns:r="http://schemas.openxmlformats.org/officeDocument/2006/relationships" xmlns:p="http://schemas.openxmlformats.org/presentationml/2006/main">
-  <p:cSld>
-    <p:spTree>
-      <p:nvGrpSpPr>
-        <p:cNvPr id="1" name=""/>
-        <p:cNvGrpSpPr/>
-        <p:nvPr/>
-      </p:nvGrpSpPr>
-      <p:grpSpPr>
-        <a:xfrm>
-          <a:off x="0" y="0"/>
-          <a:ext cx="0" cy="0"/>
-          <a:chOff x="0" y="0"/>
-          <a:chExt cx="0" cy="0"/>
-        </a:xfrm>
-      </p:grpSpPr>
-      <p:sp>
-        <p:nvSpPr>
-          <p:cNvPr id="12" name="Title 1">
-            <a:extLst>
-              <a:ext uri="{FF2B5EF4-FFF2-40B4-BE49-F238E27FC236}">
-                <a16:creationId xmlns:a16="http://schemas.microsoft.com/office/drawing/2014/main" id="{04C88F6E-1B76-D040-2FBC-3862555D625B}"/>
-              </a:ext>
-            </a:extLst>
-          </p:cNvPr>
-          <p:cNvSpPr>
-            <a:spLocks noGrp="1"/>
-          </p:cNvSpPr>
-          <p:nvPr>
-            <p:ph type="title"/>
-          </p:nvPr>
-        </p:nvSpPr>
-        <p:spPr>
-          <a:xfrm>
-            <a:off x="1028700" y="999068"/>
-            <a:ext cx="11031220" cy="645284"/>
-          </a:xfrm>
-        </p:spPr>
-        <p:txBody>
-          <a:bodyPr/>
-          <a:lstStyle/>
-          <a:p>
-            <a:endParaRPr lang="en-US" sz="2800" dirty="0"/>
-          </a:p>
-        </p:txBody>
-      </p:sp>
-      <p:pic>
-        <p:nvPicPr>
-          <p:cNvPr id="3" name="Content Placeholder 2">
-            <a:extLst>
-              <a:ext uri="{FF2B5EF4-FFF2-40B4-BE49-F238E27FC236}">
-                <a16:creationId xmlns:a16="http://schemas.microsoft.com/office/drawing/2014/main" id="{459D1920-2F41-67C2-22A8-7378F645CC31}"/>
-              </a:ext>
-            </a:extLst>
-          </p:cNvPr>
-          <p:cNvPicPr>
-            <a:picLocks noGrp="1" noChangeAspect="1"/>
-          </p:cNvPicPr>
-          <p:nvPr>
-            <p:ph sz="half" idx="1"/>
-          </p:nvPr>
-        </p:nvPicPr>
-        <p:blipFill>
-          <a:blip r:embed="rId2"/>
-          <a:stretch>
-            <a:fillRect/>
-          </a:stretch>
-        </p:blipFill>
-        <p:spPr>
-          <a:xfrm>
-            <a:off x="1815880" y="532802"/>
-            <a:ext cx="8579291" cy="2857647"/>
-          </a:xfrm>
-        </p:spPr>
-      </p:pic>
-      <p:sp>
-        <p:nvSpPr>
-          <p:cNvPr id="7" name="Slide Number Placeholder 6">
-            <a:extLst>
-              <a:ext uri="{FF2B5EF4-FFF2-40B4-BE49-F238E27FC236}">
-                <a16:creationId xmlns:a16="http://schemas.microsoft.com/office/drawing/2014/main" id="{EE9DEF58-6FD1-CA6E-951A-ABBCC4E6B596}"/>
-              </a:ext>
-            </a:extLst>
-          </p:cNvPr>
-          <p:cNvSpPr>
-            <a:spLocks noGrp="1"/>
-          </p:cNvSpPr>
-          <p:nvPr>
-            <p:ph type="sldNum" sz="quarter" idx="13"/>
-          </p:nvPr>
-        </p:nvSpPr>
-        <p:spPr>
-          <a:xfrm>
-            <a:off x="11493500" y="6292334"/>
-            <a:ext cx="412750" cy="182880"/>
-          </a:xfrm>
-        </p:spPr>
-        <p:txBody>
-          <a:bodyPr anchor="ctr">
-            <a:normAutofit/>
-          </a:bodyPr>
-          <a:lstStyle/>
-          <a:p>
-            <a:pPr>
-              <a:lnSpc>
-                <a:spcPct val="90000"/>
-              </a:lnSpc>
-              <a:spcAft>
-                <a:spcPts val="600"/>
-              </a:spcAft>
-            </a:pPr>
-            <a:fld id="{7782931A-7D25-4B4B-9464-57AE418934A3}" type="slidenum">
-              <a:rPr lang="en-US" sz="600" smtClean="0"/>
-              <a:pPr>
-                <a:lnSpc>
-                  <a:spcPct val="90000"/>
-                </a:lnSpc>
-                <a:spcAft>
-                  <a:spcPts val="600"/>
-                </a:spcAft>
-              </a:pPr>
-              <a:t>30</a:t>
             </a:fld>
             <a:endParaRPr lang="en-US" sz="600"/>
           </a:p>
@@ -13748,7 +13233,112 @@
 </p:sld>
 </file>
 
-<file path=ppt/slides/slide31.xml><?xml version="1.0" encoding="utf-8"?>
+<file path=ppt/slides/slide3.xml><?xml version="1.0" encoding="utf-8"?>
+<p:sld xmlns:a="http://schemas.openxmlformats.org/drawingml/2006/main" xmlns:r="http://schemas.openxmlformats.org/officeDocument/2006/relationships" xmlns:p="http://schemas.openxmlformats.org/presentationml/2006/main">
+  <p:cSld>
+    <p:spTree>
+      <p:nvGrpSpPr>
+        <p:cNvPr id="1" name=""/>
+        <p:cNvGrpSpPr/>
+        <p:nvPr/>
+      </p:nvGrpSpPr>
+      <p:grpSpPr>
+        <a:xfrm>
+          <a:off x="0" y="0"/>
+          <a:ext cx="0" cy="0"/>
+          <a:chOff x="0" y="0"/>
+          <a:chExt cx="0" cy="0"/>
+        </a:xfrm>
+      </p:grpSpPr>
+      <p:sp>
+        <p:nvSpPr>
+          <p:cNvPr id="9" name="Title 8">
+            <a:extLst>
+              <a:ext uri="{FF2B5EF4-FFF2-40B4-BE49-F238E27FC236}">
+                <a16:creationId xmlns:a16="http://schemas.microsoft.com/office/drawing/2014/main" id="{9C99CF7C-AFAB-48F1-8FC3-CCCE989822A6}"/>
+              </a:ext>
+            </a:extLst>
+          </p:cNvPr>
+          <p:cNvSpPr>
+            <a:spLocks noGrp="1"/>
+          </p:cNvSpPr>
+          <p:nvPr>
+            <p:ph type="title"/>
+          </p:nvPr>
+        </p:nvSpPr>
+        <p:spPr/>
+        <p:txBody>
+          <a:bodyPr/>
+          <a:lstStyle/>
+          <a:p>
+            <a:r>
+              <a:rPr lang="en-US" dirty="0"/>
+              <a:t>Synthetic control methods</a:t>
+            </a:r>
+          </a:p>
+        </p:txBody>
+      </p:sp>
+      <p:sp>
+        <p:nvSpPr>
+          <p:cNvPr id="3" name="Content Placeholder 2">
+            <a:extLst>
+              <a:ext uri="{FF2B5EF4-FFF2-40B4-BE49-F238E27FC236}">
+                <a16:creationId xmlns:a16="http://schemas.microsoft.com/office/drawing/2014/main" id="{CA8ECC17-4660-124A-8996-54F15FD169C0}"/>
+              </a:ext>
+            </a:extLst>
+          </p:cNvPr>
+          <p:cNvSpPr>
+            <a:spLocks noGrp="1"/>
+          </p:cNvSpPr>
+          <p:nvPr>
+            <p:ph sz="quarter" idx="11"/>
+          </p:nvPr>
+        </p:nvSpPr>
+        <p:spPr/>
+        <p:txBody>
+          <a:bodyPr/>
+          <a:lstStyle/>
+          <a:p>
+            <a:r>
+              <a:rPr lang="en-US" dirty="0"/>
+              <a:t>Abadie, Diamon &amp; </a:t>
+            </a:r>
+            <a:r>
+              <a:rPr lang="en-US" dirty="0" err="1"/>
+              <a:t>Heinmueller</a:t>
+            </a:r>
+            <a:r>
+              <a:rPr lang="en-US" dirty="0"/>
+              <a:t> (2010) and Abadie, Diamond &amp; </a:t>
+            </a:r>
+            <a:r>
+              <a:rPr lang="en-US" dirty="0" err="1"/>
+              <a:t>Heinmueller</a:t>
+            </a:r>
+            <a:r>
+              <a:rPr lang="en-US" dirty="0"/>
+              <a:t> (2014) </a:t>
+            </a:r>
+          </a:p>
+          <a:p>
+            <a:endParaRPr lang="en-US" dirty="0"/>
+          </a:p>
+        </p:txBody>
+      </p:sp>
+    </p:spTree>
+    <p:extLst>
+      <p:ext uri="{BB962C8B-B14F-4D97-AF65-F5344CB8AC3E}">
+        <p14:creationId xmlns:p14="http://schemas.microsoft.com/office/powerpoint/2010/main" val="2605473726"/>
+      </p:ext>
+    </p:extLst>
+  </p:cSld>
+  <p:clrMapOvr>
+    <a:masterClrMapping/>
+  </p:clrMapOvr>
+</p:sld>
+</file>
+
+<file path=ppt/slides/slide30.xml><?xml version="1.0" encoding="utf-8"?>
 <p:sld xmlns:a="http://schemas.openxmlformats.org/drawingml/2006/main" xmlns:r="http://schemas.openxmlformats.org/officeDocument/2006/relationships" xmlns:p="http://schemas.openxmlformats.org/presentationml/2006/main">
   <p:cSld>
     <p:spTree>
@@ -13914,7 +13504,7 @@
                   <a:spcPts val="600"/>
                 </a:spcAft>
               </a:pPr>
-              <a:t>31</a:t>
+              <a:t>30</a:t>
             </a:fld>
             <a:endParaRPr lang="en-US" sz="600"/>
           </a:p>
@@ -13933,7 +13523,7 @@
 </p:sld>
 </file>
 
-<file path=ppt/slides/slide32.xml><?xml version="1.0" encoding="utf-8"?>
+<file path=ppt/slides/slide31.xml><?xml version="1.0" encoding="utf-8"?>
 <p:sld xmlns:a="http://schemas.openxmlformats.org/drawingml/2006/main" xmlns:r="http://schemas.openxmlformats.org/officeDocument/2006/relationships" xmlns:p="http://schemas.openxmlformats.org/presentationml/2006/main">
   <p:cSld>
     <p:spTree>
@@ -13984,8 +13574,8 @@
           </a:p>
         </p:txBody>
       </p:sp>
-      <mc:AlternateContent xmlns:mc="http://schemas.openxmlformats.org/markup-compatibility/2006" xmlns:a14="http://schemas.microsoft.com/office/drawing/2010/main">
-        <mc:Choice Requires="a14">
+      <mc:AlternateContent xmlns:mc="http://schemas.openxmlformats.org/markup-compatibility/2006">
+        <mc:Choice xmlns:a14="http://schemas.microsoft.com/office/drawing/2010/main" Requires="a14">
           <p:sp>
             <p:nvSpPr>
               <p:cNvPr id="14" name="Content Placeholder 2">
@@ -14108,6 +13698,43 @@
                                 <a:latin typeface="Cambria Math" panose="02040503050406030204" pitchFamily="18" charset="0"/>
                               </a:rPr>
                               <m:t>𝑟</m:t>
+                            </m:r>
+                          </m:e>
+                          <m:sub>
+                            <m:r>
+                              <a:rPr lang="en-US" b="0" i="1" smtClean="0">
+                                <a:latin typeface="Cambria Math" panose="02040503050406030204" pitchFamily="18" charset="0"/>
+                              </a:rPr>
+                              <m:t>𝑡</m:t>
+                            </m:r>
+                          </m:sub>
+                        </m:sSub>
+                        <m:r>
+                          <a:rPr lang="en-US" b="0" i="1" smtClean="0">
+                            <a:latin typeface="Cambria Math" panose="02040503050406030204" pitchFamily="18" charset="0"/>
+                          </a:rPr>
+                          <m:t>, </m:t>
+                        </m:r>
+                        <m:r>
+                          <a:rPr lang="en-US" b="0" i="1" smtClean="0">
+                            <a:latin typeface="Cambria Math" panose="02040503050406030204" pitchFamily="18" charset="0"/>
+                          </a:rPr>
+                          <m:t>𝑆𝑒𝑎𝑠𝑜</m:t>
+                        </m:r>
+                        <m:sSub>
+                          <m:sSubPr>
+                            <m:ctrlPr>
+                              <a:rPr lang="en-US" b="0" i="1" smtClean="0">
+                                <a:latin typeface="Cambria Math" panose="02040503050406030204" pitchFamily="18" charset="0"/>
+                              </a:rPr>
+                            </m:ctrlPr>
+                          </m:sSubPr>
+                          <m:e>
+                            <m:r>
+                              <a:rPr lang="en-US" b="0" i="1" smtClean="0">
+                                <a:latin typeface="Cambria Math" panose="02040503050406030204" pitchFamily="18" charset="0"/>
+                              </a:rPr>
+                              <m:t>𝑛</m:t>
                             </m:r>
                           </m:e>
                           <m:sub>
@@ -14301,6 +13928,43 @@
                                 <a:latin typeface="Cambria Math" panose="02040503050406030204" pitchFamily="18" charset="0"/>
                               </a:rPr>
                               <m:t>𝑟</m:t>
+                            </m:r>
+                          </m:e>
+                          <m:sub>
+                            <m:r>
+                              <a:rPr lang="en-US" b="0" i="1" smtClean="0">
+                                <a:latin typeface="Cambria Math" panose="02040503050406030204" pitchFamily="18" charset="0"/>
+                              </a:rPr>
+                              <m:t>𝑡</m:t>
+                            </m:r>
+                          </m:sub>
+                        </m:sSub>
+                        <m:r>
+                          <a:rPr lang="en-US" b="0" i="1" smtClean="0">
+                            <a:latin typeface="Cambria Math" panose="02040503050406030204" pitchFamily="18" charset="0"/>
+                          </a:rPr>
+                          <m:t>, </m:t>
+                        </m:r>
+                        <m:r>
+                          <a:rPr lang="en-US" b="0" i="1" smtClean="0">
+                            <a:latin typeface="Cambria Math" panose="02040503050406030204" pitchFamily="18" charset="0"/>
+                          </a:rPr>
+                          <m:t>𝑆𝑒𝑎𝑠𝑜</m:t>
+                        </m:r>
+                        <m:sSub>
+                          <m:sSubPr>
+                            <m:ctrlPr>
+                              <a:rPr lang="en-US" b="0" i="1" smtClean="0">
+                                <a:latin typeface="Cambria Math" panose="02040503050406030204" pitchFamily="18" charset="0"/>
+                              </a:rPr>
+                            </m:ctrlPr>
+                          </m:sSubPr>
+                          <m:e>
+                            <m:r>
+                              <a:rPr lang="en-US" b="0" i="1" smtClean="0">
+                                <a:latin typeface="Cambria Math" panose="02040503050406030204" pitchFamily="18" charset="0"/>
+                              </a:rPr>
+                              <m:t>𝑛</m:t>
                             </m:r>
                           </m:e>
                           <m:sub>
@@ -14540,7 +14204,7 @@
             </p:txBody>
           </p:sp>
         </mc:Choice>
-        <mc:Fallback xmlns="">
+        <mc:Fallback>
           <p:sp>
             <p:nvSpPr>
               <p:cNvPr id="14" name="Content Placeholder 2">
@@ -14630,7 +14294,7 @@
                   <a:spcPts val="600"/>
                 </a:spcAft>
               </a:pPr>
-              <a:t>32</a:t>
+              <a:t>31</a:t>
             </a:fld>
             <a:endParaRPr lang="en-US" sz="600"/>
           </a:p>
@@ -14649,7 +14313,7 @@
 </p:sld>
 </file>
 
-<file path=ppt/slides/slide33.xml><?xml version="1.0" encoding="utf-8"?>
+<file path=ppt/slides/slide32.xml><?xml version="1.0" encoding="utf-8"?>
 <p:sld xmlns:a="http://schemas.openxmlformats.org/drawingml/2006/main" xmlns:r="http://schemas.openxmlformats.org/officeDocument/2006/relationships" xmlns:p="http://schemas.openxmlformats.org/presentationml/2006/main">
   <p:cSld>
     <p:spTree>
@@ -14813,7 +14477,7 @@
                   <a:spcPts val="600"/>
                 </a:spcAft>
               </a:pPr>
-              <a:t>33</a:t>
+              <a:t>32</a:t>
             </a:fld>
             <a:endParaRPr lang="en-US" sz="600"/>
           </a:p>
@@ -15004,7 +14668,7 @@
 </p:sld>
 </file>
 
-<file path=ppt/slides/slide34.xml><?xml version="1.0" encoding="utf-8"?>
+<file path=ppt/slides/slide33.xml><?xml version="1.0" encoding="utf-8"?>
 <p:sld xmlns:a="http://schemas.openxmlformats.org/drawingml/2006/main" xmlns:r="http://schemas.openxmlformats.org/officeDocument/2006/relationships" xmlns:p="http://schemas.openxmlformats.org/presentationml/2006/main">
   <p:cSld>
     <p:spTree>
@@ -15131,7 +14795,7 @@
                   <a:spcPts val="600"/>
                 </a:spcAft>
               </a:pPr>
-              <a:t>34</a:t>
+              <a:t>33</a:t>
             </a:fld>
             <a:endParaRPr lang="en-US" sz="600"/>
           </a:p>
@@ -15180,7 +14844,7 @@
 </p:sld>
 </file>
 
-<file path=ppt/slides/slide35.xml><?xml version="1.0" encoding="utf-8"?>
+<file path=ppt/slides/slide34.xml><?xml version="1.0" encoding="utf-8"?>
 <p:sld xmlns:a="http://schemas.openxmlformats.org/drawingml/2006/main" xmlns:r="http://schemas.openxmlformats.org/officeDocument/2006/relationships" xmlns:p="http://schemas.openxmlformats.org/presentationml/2006/main">
   <p:cSld>
     <p:spTree>
@@ -15312,7 +14976,7 @@
                   <a:spcPts val="600"/>
                 </a:spcAft>
               </a:pPr>
-              <a:t>35</a:t>
+              <a:t>34</a:t>
             </a:fld>
             <a:endParaRPr lang="en-US" sz="600"/>
           </a:p>
@@ -15360,7 +15024,7 @@
 </p:sld>
 </file>
 
-<file path=ppt/slides/slide36.xml><?xml version="1.0" encoding="utf-8"?>
+<file path=ppt/slides/slide35.xml><?xml version="1.0" encoding="utf-8"?>
 <p:sld xmlns:a="http://schemas.openxmlformats.org/drawingml/2006/main" xmlns:r="http://schemas.openxmlformats.org/officeDocument/2006/relationships" xmlns:p="http://schemas.openxmlformats.org/presentationml/2006/main">
   <p:cSld>
     <p:spTree>
@@ -15463,7 +15127,7 @@
                   <a:spcPts val="600"/>
                 </a:spcAft>
               </a:pPr>
-              <a:t>36</a:t>
+              <a:t>35</a:t>
             </a:fld>
             <a:endParaRPr lang="en-US" sz="600"/>
           </a:p>
@@ -15512,7 +15176,7 @@
 </p:sld>
 </file>
 
-<file path=ppt/slides/slide37.xml><?xml version="1.0" encoding="utf-8"?>
+<file path=ppt/slides/slide36.xml><?xml version="1.0" encoding="utf-8"?>
 <p:sld xmlns:a="http://schemas.openxmlformats.org/drawingml/2006/main" xmlns:r="http://schemas.openxmlformats.org/officeDocument/2006/relationships" xmlns:p="http://schemas.openxmlformats.org/presentationml/2006/main">
   <p:cSld>
     <p:spTree>
@@ -15599,7 +15263,7 @@
                   <a:spcPts val="600"/>
                 </a:spcAft>
               </a:pPr>
-              <a:t>37</a:t>
+              <a:t>36</a:t>
             </a:fld>
             <a:endParaRPr lang="en-US" sz="600"/>
           </a:p>
@@ -15633,6 +15297,15 @@
         <p:txBody>
           <a:bodyPr/>
           <a:lstStyle/>
+          <a:p>
+            <a:pPr marL="0" indent="0">
+              <a:buNone/>
+            </a:pPr>
+            <a:r>
+              <a:rPr lang="en-US" sz="1800" u="sng" dirty="0"/>
+              <a:t>If necessary assumptions hold:</a:t>
+            </a:r>
+          </a:p>
           <a:p>
             <a:r>
               <a:rPr lang="en-US" sz="1800" dirty="0"/>
@@ -15693,7 +15366,7 @@
 </p:sld>
 </file>
 
-<file path=ppt/slides/slide38.xml><?xml version="1.0" encoding="utf-8"?>
+<file path=ppt/slides/slide37.xml><?xml version="1.0" encoding="utf-8"?>
 <p:sld xmlns:a="http://schemas.openxmlformats.org/drawingml/2006/main" xmlns:r="http://schemas.openxmlformats.org/officeDocument/2006/relationships" xmlns:p="http://schemas.openxmlformats.org/presentationml/2006/main">
   <p:cSld>
     <p:spTree>
@@ -15831,7 +15504,7 @@
             <a:fld id="{7782931A-7D25-4B4B-9464-57AE418934A3}" type="slidenum">
               <a:rPr lang="en-US" smtClean="0"/>
               <a:pPr/>
-              <a:t>38</a:t>
+              <a:t>37</a:t>
             </a:fld>
             <a:endParaRPr lang="en-US"/>
           </a:p>
@@ -16008,29 +15681,15 @@
               <a:buFont typeface="Arial" panose="020B0604020202020204" pitchFamily="34" charset="0"/>
               <a:buChar char="•"/>
             </a:pPr>
-            <a:r>
-              <a:rPr lang="en-US" sz="1600" b="1" dirty="0"/>
-              <a:t>Selection of comparison units</a:t>
-            </a:r>
-            <a:r>
-              <a:rPr lang="en-US" sz="1600" dirty="0"/>
-              <a:t> is crucial: if not sufficiently similar to the unit of interest, one might mistake underlying differences with the effects of the treatment.</a:t>
-            </a:r>
+            <a:endParaRPr lang="en-US" sz="1600" dirty="0"/>
           </a:p>
           <a:p>
             <a:pPr marL="285750" indent="-285750">
               <a:buFont typeface="Arial" panose="020B0604020202020204" pitchFamily="34" charset="0"/>
               <a:buChar char="•"/>
             </a:pPr>
-            <a:endParaRPr lang="en-US" sz="1600" dirty="0"/>
-          </a:p>
-          <a:p>
-            <a:pPr marL="285750" indent="-285750">
-              <a:buFont typeface="Arial" panose="020B0604020202020204" pitchFamily="34" charset="0"/>
-              <a:buChar char="•"/>
-            </a:pPr>
-            <a:r>
-              <a:rPr lang="en-US" sz="1600" dirty="0"/>
+            <a:r>
+              <a:rPr lang="en-US" sz="1600" b="1" dirty="0"/>
               <a:t>SCM: builds an average of comparison units, selected and weighted in a systematic way based on preintervention observables.</a:t>
             </a:r>
           </a:p>
@@ -16123,56 +15782,7 @@
                                         <p:tgtEl>
                                           <p:spTgt spid="3">
                                             <p:txEl>
-                                              <p:pRg st="7" end="7"/>
-                                            </p:txEl>
-                                          </p:spTgt>
-                                        </p:tgtEl>
-                                        <p:attrNameLst>
-                                          <p:attrName>style.visibility</p:attrName>
-                                        </p:attrNameLst>
-                                      </p:cBhvr>
-                                      <p:to>
-                                        <p:strVal val="visible"/>
-                                      </p:to>
-                                    </p:set>
-                                  </p:childTnLst>
-                                </p:cTn>
-                              </p:par>
-                            </p:childTnLst>
-                          </p:cTn>
-                        </p:par>
-                      </p:childTnLst>
-                    </p:cTn>
-                  </p:par>
-                  <p:par>
-                    <p:cTn id="7" fill="hold">
-                      <p:stCondLst>
-                        <p:cond delay="indefinite"/>
-                      </p:stCondLst>
-                      <p:childTnLst>
-                        <p:par>
-                          <p:cTn id="8" fill="hold">
-                            <p:stCondLst>
-                              <p:cond delay="0"/>
-                            </p:stCondLst>
-                            <p:childTnLst>
-                              <p:par>
-                                <p:cTn id="9" presetID="1" presetClass="entr" presetSubtype="0" fill="hold" nodeType="clickEffect">
-                                  <p:stCondLst>
-                                    <p:cond delay="0"/>
-                                  </p:stCondLst>
-                                  <p:childTnLst>
-                                    <p:set>
-                                      <p:cBhvr>
-                                        <p:cTn id="10" dur="1" fill="hold">
-                                          <p:stCondLst>
-                                            <p:cond delay="0"/>
-                                          </p:stCondLst>
-                                        </p:cTn>
-                                        <p:tgtEl>
-                                          <p:spTgt spid="3">
-                                            <p:txEl>
-                                              <p:pRg st="9" end="9"/>
+                                              <p:pRg st="8" end="8"/>
                                             </p:txEl>
                                           </p:spTgt>
                                         </p:tgtEl>
@@ -16268,8 +15878,8 @@
           </a:p>
         </p:txBody>
       </p:sp>
-      <mc:AlternateContent xmlns:mc="http://schemas.openxmlformats.org/markup-compatibility/2006" xmlns:a14="http://schemas.microsoft.com/office/drawing/2010/main">
-        <mc:Choice Requires="a14">
+      <mc:AlternateContent xmlns:mc="http://schemas.openxmlformats.org/markup-compatibility/2006">
+        <mc:Choice xmlns:a14="http://schemas.microsoft.com/office/drawing/2010/main" Requires="a14">
           <p:sp>
             <p:nvSpPr>
               <p:cNvPr id="3" name="Content Placeholder 2">
@@ -16344,12 +15954,31 @@
                         </m:ctrlPr>
                       </m:accPr>
                       <m:e>
-                        <m:r>
-                          <a:rPr lang="en-US" i="1" dirty="0">
-                            <a:latin typeface="Cambria Math" panose="02040503050406030204" pitchFamily="18" charset="0"/>
-                          </a:rPr>
-                          <m:t>𝑌</m:t>
-                        </m:r>
+                        <m:sSup>
+                          <m:sSupPr>
+                            <m:ctrlPr>
+                              <a:rPr lang="en-US" b="0" i="1" dirty="0" smtClean="0">
+                                <a:latin typeface="Cambria Math" panose="02040503050406030204" pitchFamily="18" charset="0"/>
+                              </a:rPr>
+                            </m:ctrlPr>
+                          </m:sSupPr>
+                          <m:e>
+                            <m:r>
+                              <a:rPr lang="en-US" i="1" dirty="0">
+                                <a:latin typeface="Cambria Math" panose="02040503050406030204" pitchFamily="18" charset="0"/>
+                              </a:rPr>
+                              <m:t>𝑌</m:t>
+                            </m:r>
+                          </m:e>
+                          <m:sup>
+                            <m:r>
+                              <a:rPr lang="en-US" b="0" i="1" dirty="0" smtClean="0">
+                                <a:latin typeface="Cambria Math" panose="02040503050406030204" pitchFamily="18" charset="0"/>
+                              </a:rPr>
+                              <m:t>1</m:t>
+                            </m:r>
+                          </m:sup>
+                        </m:sSup>
                       </m:e>
                     </m:acc>
                     <m:r>
@@ -16388,10 +16017,10 @@
                       </m:e>
                       <m:sup>
                         <m:r>
-                          <a:rPr lang="en-US" i="1">
+                          <a:rPr lang="en-US" b="0" i="1" smtClean="0">
                             <a:latin typeface="Cambria Math" panose="02040503050406030204" pitchFamily="18" charset="0"/>
                           </a:rPr>
-                          <m:t>𝐶</m:t>
+                          <m:t>0</m:t>
                         </m:r>
                       </m:sup>
                     </m:sSup>
@@ -16461,14 +16090,14 @@
                       </a:rPr>
                       <m:t>=</m:t>
                     </m:r>
-                    <m:sSub>
-                      <m:sSubPr>
+                    <m:sSubSup>
+                      <m:sSubSupPr>
                         <m:ctrlPr>
                           <a:rPr lang="en-US" b="0" i="1" smtClean="0">
                             <a:latin typeface="Cambria Math" panose="02040503050406030204" pitchFamily="18" charset="0"/>
                           </a:rPr>
                         </m:ctrlPr>
-                      </m:sSubPr>
+                      </m:sSubSupPr>
                       <m:e>
                         <m:r>
                           <a:rPr lang="en-US" b="0" i="1" smtClean="0">
@@ -16485,7 +16114,15 @@
                           <m:t>𝑡</m:t>
                         </m:r>
                       </m:sub>
-                    </m:sSub>
+                      <m:sup>
+                        <m:r>
+                          <a:rPr lang="en-US" b="0" i="1" smtClean="0">
+                            <a:latin typeface="Cambria Math" panose="02040503050406030204" pitchFamily="18" charset="0"/>
+                          </a:rPr>
+                          <m:t>1</m:t>
+                        </m:r>
+                      </m:sup>
+                    </m:sSubSup>
                     <m:r>
                       <a:rPr lang="en-US" b="0" i="1" smtClean="0">
                         <a:latin typeface="Cambria Math" panose="02040503050406030204" pitchFamily="18" charset="0"/>
@@ -16511,12 +16148,31 @@
                             </m:ctrlPr>
                           </m:accPr>
                           <m:e>
-                            <m:r>
-                              <a:rPr lang="en-US" b="0" i="1" smtClean="0">
-                                <a:latin typeface="Cambria Math" panose="02040503050406030204" pitchFamily="18" charset="0"/>
-                              </a:rPr>
-                              <m:t>𝑌</m:t>
-                            </m:r>
+                            <m:sSup>
+                              <m:sSupPr>
+                                <m:ctrlPr>
+                                  <a:rPr lang="en-US" b="0" i="1" smtClean="0">
+                                    <a:latin typeface="Cambria Math" panose="02040503050406030204" pitchFamily="18" charset="0"/>
+                                  </a:rPr>
+                                </m:ctrlPr>
+                              </m:sSupPr>
+                              <m:e>
+                                <m:r>
+                                  <a:rPr lang="en-US" b="0" i="1" smtClean="0">
+                                    <a:latin typeface="Cambria Math" panose="02040503050406030204" pitchFamily="18" charset="0"/>
+                                  </a:rPr>
+                                  <m:t>𝑌</m:t>
+                                </m:r>
+                              </m:e>
+                              <m:sup>
+                                <m:r>
+                                  <a:rPr lang="en-US" b="0" i="1" smtClean="0">
+                                    <a:latin typeface="Cambria Math" panose="02040503050406030204" pitchFamily="18" charset="0"/>
+                                  </a:rPr>
+                                  <m:t>1</m:t>
+                                </m:r>
+                              </m:sup>
+                            </m:sSup>
                           </m:e>
                         </m:acc>
                       </m:e>
@@ -16549,7 +16205,7 @@
             </p:txBody>
           </p:sp>
         </mc:Choice>
-        <mc:Fallback xmlns="">
+        <mc:Fallback>
           <p:sp>
             <p:nvSpPr>
               <p:cNvPr id="3" name="Content Placeholder 2">
@@ -16795,11 +16451,7 @@
                                           </p:stCondLst>
                                         </p:cTn>
                                         <p:tgtEl>
-                                          <p:spTgt spid="3">
-                                            <p:txEl>
-                                              <p:pRg st="2" end="2"/>
-                                            </p:txEl>
-                                          </p:spTgt>
+                                          <p:spTgt spid="10"/>
                                         </p:tgtEl>
                                         <p:attrNameLst>
                                           <p:attrName>style.visibility</p:attrName>
@@ -16839,100 +16491,6 @@
                                     <p:set>
                                       <p:cBhvr>
                                         <p:cTn id="10" dur="1" fill="hold">
-                                          <p:stCondLst>
-                                            <p:cond delay="0"/>
-                                          </p:stCondLst>
-                                        </p:cTn>
-                                        <p:tgtEl>
-                                          <p:spTgt spid="10"/>
-                                        </p:tgtEl>
-                                        <p:attrNameLst>
-                                          <p:attrName>style.visibility</p:attrName>
-                                        </p:attrNameLst>
-                                      </p:cBhvr>
-                                      <p:to>
-                                        <p:strVal val="visible"/>
-                                      </p:to>
-                                    </p:set>
-                                  </p:childTnLst>
-                                </p:cTn>
-                              </p:par>
-                            </p:childTnLst>
-                          </p:cTn>
-                        </p:par>
-                      </p:childTnLst>
-                    </p:cTn>
-                  </p:par>
-                  <p:par>
-                    <p:cTn id="11" fill="hold">
-                      <p:stCondLst>
-                        <p:cond delay="indefinite"/>
-                      </p:stCondLst>
-                      <p:childTnLst>
-                        <p:par>
-                          <p:cTn id="12" fill="hold">
-                            <p:stCondLst>
-                              <p:cond delay="0"/>
-                            </p:stCondLst>
-                            <p:childTnLst>
-                              <p:par>
-                                <p:cTn id="13" presetID="1" presetClass="entr" presetSubtype="0" fill="hold" nodeType="clickEffect">
-                                  <p:stCondLst>
-                                    <p:cond delay="0"/>
-                                  </p:stCondLst>
-                                  <p:childTnLst>
-                                    <p:set>
-                                      <p:cBhvr>
-                                        <p:cTn id="14" dur="1" fill="hold">
-                                          <p:stCondLst>
-                                            <p:cond delay="0"/>
-                                          </p:stCondLst>
-                                        </p:cTn>
-                                        <p:tgtEl>
-                                          <p:spTgt spid="3">
-                                            <p:txEl>
-                                              <p:pRg st="3" end="3"/>
-                                            </p:txEl>
-                                          </p:spTgt>
-                                        </p:tgtEl>
-                                        <p:attrNameLst>
-                                          <p:attrName>style.visibility</p:attrName>
-                                        </p:attrNameLst>
-                                      </p:cBhvr>
-                                      <p:to>
-                                        <p:strVal val="visible"/>
-                                      </p:to>
-                                    </p:set>
-                                  </p:childTnLst>
-                                </p:cTn>
-                              </p:par>
-                            </p:childTnLst>
-                          </p:cTn>
-                        </p:par>
-                      </p:childTnLst>
-                    </p:cTn>
-                  </p:par>
-                  <p:par>
-                    <p:cTn id="15" fill="hold">
-                      <p:stCondLst>
-                        <p:cond delay="indefinite"/>
-                      </p:stCondLst>
-                      <p:childTnLst>
-                        <p:par>
-                          <p:cTn id="16" fill="hold">
-                            <p:stCondLst>
-                              <p:cond delay="0"/>
-                            </p:stCondLst>
-                            <p:childTnLst>
-                              <p:par>
-                                <p:cTn id="17" presetID="1" presetClass="entr" presetSubtype="0" fill="hold" nodeType="clickEffect">
-                                  <p:stCondLst>
-                                    <p:cond delay="0"/>
-                                  </p:stCondLst>
-                                  <p:childTnLst>
-                                    <p:set>
-                                      <p:cBhvr>
-                                        <p:cTn id="18" dur="1" fill="hold">
                                           <p:stCondLst>
                                             <p:cond delay="0"/>
                                           </p:stCondLst>
@@ -17032,8 +16590,8 @@
           </a:p>
         </p:txBody>
       </p:sp>
-      <mc:AlternateContent xmlns:mc="http://schemas.openxmlformats.org/markup-compatibility/2006" xmlns:a14="http://schemas.microsoft.com/office/drawing/2010/main">
-        <mc:Choice Requires="a14">
+      <mc:AlternateContent xmlns:mc="http://schemas.openxmlformats.org/markup-compatibility/2006">
+        <mc:Choice xmlns:a14="http://schemas.microsoft.com/office/drawing/2010/main" Requires="a14">
           <p:sp>
             <p:nvSpPr>
               <p:cNvPr id="3" name="Content Placeholder 2">
@@ -17648,7 +17206,7 @@
                 </a14:m>
                 <a:r>
                   <a:rPr lang="en-US" sz="1600" dirty="0"/>
-                  <a:t> should not be extreme (higher or lower than </a:t>
+                  <a:t> impossible to be replicated if extreme (higher or lower than </a:t>
                 </a:r>
                 <a14:m>
                   <m:oMath xmlns:m="http://schemas.openxmlformats.org/officeDocument/2006/math">
@@ -17681,7 +17239,7 @@
                 </a14:m>
                 <a:r>
                   <a:rPr lang="en-US" sz="1600" dirty="0"/>
-                  <a:t>) ! </a:t>
+                  <a:t>)</a:t>
                 </a:r>
               </a:p>
               <a:p>
@@ -17696,7 +17254,7 @@
             </p:txBody>
           </p:sp>
         </mc:Choice>
-        <mc:Fallback xmlns="">
+        <mc:Fallback>
           <p:sp>
             <p:nvSpPr>
               <p:cNvPr id="3" name="Content Placeholder 2">
@@ -19235,6 +18793,15 @@
 </file>
 
 <file path=customXml/item1.xml><?xml version="1.0" encoding="utf-8"?>
+<p:properties xmlns:p="http://schemas.microsoft.com/office/2006/metadata/properties" xmlns:xsi="http://www.w3.org/2001/XMLSchema-instance" xmlns:pc="http://schemas.microsoft.com/office/infopath/2007/PartnerControls">
+  <documentManagement>
+    <Status xmlns="71af3243-3dd4-4a8d-8c0d-dd76da1f02a5">Not started</Status>
+    <MediaServiceKeyPoints xmlns="71af3243-3dd4-4a8d-8c0d-dd76da1f02a5" xsi:nil="true"/>
+  </documentManagement>
+</p:properties>
+</file>
+
+<file path=customXml/item2.xml><?xml version="1.0" encoding="utf-8"?>
 <ct:contentTypeSchema xmlns:ct="http://schemas.microsoft.com/office/2006/metadata/contentType" xmlns:ma="http://schemas.microsoft.com/office/2006/metadata/properties/metaAttributes" ct:_="" ma:_="" ma:contentTypeName="Document" ma:contentTypeID="0x01010079F111ED35F8CC479449609E8A0923A6" ma:contentTypeVersion="12" ma:contentTypeDescription="Create a new document." ma:contentTypeScope="" ma:versionID="426e97fa315356fffbdcd9876fe988c2">
   <xsd:schema xmlns:xsd="http://www.w3.org/2001/XMLSchema" xmlns:xs="http://www.w3.org/2001/XMLSchema" xmlns:p="http://schemas.microsoft.com/office/2006/metadata/properties" xmlns:ns2="71af3243-3dd4-4a8d-8c0d-dd76da1f02a5" xmlns:ns3="16c05727-aa75-4e4a-9b5f-8a80a1165891" targetNamespace="http://schemas.microsoft.com/office/2006/metadata/properties" ma:root="true" ma:fieldsID="14b8f0def80e6d70ce3def20c90759ae" ns2:_="" ns3:_="">
     <xsd:import namespace="71af3243-3dd4-4a8d-8c0d-dd76da1f02a5"/>
@@ -19455,15 +19022,6 @@
 </ct:contentTypeSchema>
 </file>
 
-<file path=customXml/item2.xml><?xml version="1.0" encoding="utf-8"?>
-<p:properties xmlns:p="http://schemas.microsoft.com/office/2006/metadata/properties" xmlns:xsi="http://www.w3.org/2001/XMLSchema-instance" xmlns:pc="http://schemas.microsoft.com/office/infopath/2007/PartnerControls">
-  <documentManagement>
-    <Status xmlns="71af3243-3dd4-4a8d-8c0d-dd76da1f02a5">Not started</Status>
-    <MediaServiceKeyPoints xmlns="71af3243-3dd4-4a8d-8c0d-dd76da1f02a5" xsi:nil="true"/>
-  </documentManagement>
-</p:properties>
-</file>
-
 <file path=customXml/item3.xml><?xml version="1.0" encoding="utf-8"?>
 <?mso-contentType ?>
 <FormTemplates xmlns="http://schemas.microsoft.com/sharepoint/v3/contenttype/forms">
@@ -19474,6 +19032,23 @@
 </file>
 
 <file path=customXml/itemProps1.xml><?xml version="1.0" encoding="utf-8"?>
+<ds:datastoreItem xmlns:ds="http://schemas.openxmlformats.org/officeDocument/2006/customXml" ds:itemID="{081B53F0-FE0E-4C4C-84FF-93580062270A}">
+  <ds:schemaRefs>
+    <ds:schemaRef ds:uri="http://schemas.microsoft.com/office/2006/documentManagement/types"/>
+    <ds:schemaRef ds:uri="16c05727-aa75-4e4a-9b5f-8a80a1165891"/>
+    <ds:schemaRef ds:uri="http://purl.org/dc/dcmitype/"/>
+    <ds:schemaRef ds:uri="http://schemas.microsoft.com/office/2006/metadata/properties"/>
+    <ds:schemaRef ds:uri="http://purl.org/dc/terms/"/>
+    <ds:schemaRef ds:uri="http://schemas.microsoft.com/office/infopath/2007/PartnerControls"/>
+    <ds:schemaRef ds:uri="http://www.w3.org/XML/1998/namespace"/>
+    <ds:schemaRef ds:uri="http://schemas.openxmlformats.org/package/2006/metadata/core-properties"/>
+    <ds:schemaRef ds:uri="71af3243-3dd4-4a8d-8c0d-dd76da1f02a5"/>
+    <ds:schemaRef ds:uri="http://purl.org/dc/elements/1.1/"/>
+  </ds:schemaRefs>
+</ds:datastoreItem>
+</file>
+
+<file path=customXml/itemProps2.xml><?xml version="1.0" encoding="utf-8"?>
 <ds:datastoreItem xmlns:ds="http://schemas.openxmlformats.org/officeDocument/2006/customXml" ds:itemID="{29D363B3-DC66-45B9-8B2A-DA220F5DD197}">
   <ds:schemaRefs>
     <ds:schemaRef ds:uri="http://schemas.microsoft.com/office/2006/metadata/contentType"/>
@@ -19492,23 +19067,6 @@
 </ds:datastoreItem>
 </file>
 
-<file path=customXml/itemProps2.xml><?xml version="1.0" encoding="utf-8"?>
-<ds:datastoreItem xmlns:ds="http://schemas.openxmlformats.org/officeDocument/2006/customXml" ds:itemID="{081B53F0-FE0E-4C4C-84FF-93580062270A}">
-  <ds:schemaRefs>
-    <ds:schemaRef ds:uri="http://schemas.microsoft.com/office/2006/documentManagement/types"/>
-    <ds:schemaRef ds:uri="16c05727-aa75-4e4a-9b5f-8a80a1165891"/>
-    <ds:schemaRef ds:uri="http://purl.org/dc/dcmitype/"/>
-    <ds:schemaRef ds:uri="http://schemas.microsoft.com/office/2006/metadata/properties"/>
-    <ds:schemaRef ds:uri="http://purl.org/dc/terms/"/>
-    <ds:schemaRef ds:uri="http://schemas.microsoft.com/office/infopath/2007/PartnerControls"/>
-    <ds:schemaRef ds:uri="http://www.w3.org/XML/1998/namespace"/>
-    <ds:schemaRef ds:uri="http://schemas.openxmlformats.org/package/2006/metadata/core-properties"/>
-    <ds:schemaRef ds:uri="71af3243-3dd4-4a8d-8c0d-dd76da1f02a5"/>
-    <ds:schemaRef ds:uri="http://purl.org/dc/elements/1.1/"/>
-  </ds:schemaRefs>
-</ds:datastoreItem>
-</file>
-
 <file path=customXml/itemProps3.xml><?xml version="1.0" encoding="utf-8"?>
 <ds:datastoreItem xmlns:ds="http://schemas.openxmlformats.org/officeDocument/2006/customXml" ds:itemID="{3149A8C3-21EC-4C35-871F-CCC7148089A3}">
   <ds:schemaRefs>

--- a/SCM.pptx
+++ b/SCM.pptx
@@ -13574,8 +13574,8 @@
           </a:p>
         </p:txBody>
       </p:sp>
-      <mc:AlternateContent xmlns:mc="http://schemas.openxmlformats.org/markup-compatibility/2006">
-        <mc:Choice xmlns:a14="http://schemas.microsoft.com/office/drawing/2010/main" Requires="a14">
+      <mc:AlternateContent xmlns:mc="http://schemas.openxmlformats.org/markup-compatibility/2006" xmlns:a14="http://schemas.microsoft.com/office/drawing/2010/main">
+        <mc:Choice Requires="a14">
           <p:sp>
             <p:nvSpPr>
               <p:cNvPr id="14" name="Content Placeholder 2">
@@ -14204,7 +14204,7 @@
             </p:txBody>
           </p:sp>
         </mc:Choice>
-        <mc:Fallback>
+        <mc:Fallback xmlns="">
           <p:sp>
             <p:nvSpPr>
               <p:cNvPr id="14" name="Content Placeholder 2">
@@ -15303,7 +15303,7 @@
             </a:pPr>
             <a:r>
               <a:rPr lang="en-US" sz="1800" u="sng" dirty="0"/>
-              <a:t>If necessary assumptions hold:</a:t>
+              <a:t>If necessary, assumptions hold:</a:t>
             </a:r>
           </a:p>
           <a:p>
@@ -15878,8 +15878,8 @@
           </a:p>
         </p:txBody>
       </p:sp>
-      <mc:AlternateContent xmlns:mc="http://schemas.openxmlformats.org/markup-compatibility/2006">
-        <mc:Choice xmlns:a14="http://schemas.microsoft.com/office/drawing/2010/main" Requires="a14">
+      <mc:AlternateContent xmlns:mc="http://schemas.openxmlformats.org/markup-compatibility/2006" xmlns:a14="http://schemas.microsoft.com/office/drawing/2010/main">
+        <mc:Choice Requires="a14">
           <p:sp>
             <p:nvSpPr>
               <p:cNvPr id="3" name="Content Placeholder 2">
@@ -16205,7 +16205,7 @@
             </p:txBody>
           </p:sp>
         </mc:Choice>
-        <mc:Fallback>
+        <mc:Fallback xmlns="">
           <p:sp>
             <p:nvSpPr>
               <p:cNvPr id="3" name="Content Placeholder 2">
@@ -16590,8 +16590,8 @@
           </a:p>
         </p:txBody>
       </p:sp>
-      <mc:AlternateContent xmlns:mc="http://schemas.openxmlformats.org/markup-compatibility/2006">
-        <mc:Choice xmlns:a14="http://schemas.microsoft.com/office/drawing/2010/main" Requires="a14">
+      <mc:AlternateContent xmlns:mc="http://schemas.openxmlformats.org/markup-compatibility/2006" xmlns:a14="http://schemas.microsoft.com/office/drawing/2010/main">
+        <mc:Choice Requires="a14">
           <p:sp>
             <p:nvSpPr>
               <p:cNvPr id="3" name="Content Placeholder 2">
@@ -17254,7 +17254,7 @@
             </p:txBody>
           </p:sp>
         </mc:Choice>
-        <mc:Fallback>
+        <mc:Fallback xmlns="">
           <p:sp>
             <p:nvSpPr>
               <p:cNvPr id="3" name="Content Placeholder 2">
@@ -17396,8 +17396,8 @@
           </a:p>
         </p:txBody>
       </p:sp>
-      <mc:AlternateContent xmlns:mc="http://schemas.openxmlformats.org/markup-compatibility/2006" xmlns:a14="http://schemas.microsoft.com/office/drawing/2010/main">
-        <mc:Choice Requires="a14">
+      <mc:AlternateContent xmlns:mc="http://schemas.openxmlformats.org/markup-compatibility/2006">
+        <mc:Choice xmlns:a14="http://schemas.microsoft.com/office/drawing/2010/main" Requires="a14">
           <p:sp>
             <p:nvSpPr>
               <p:cNvPr id="3" name="Content Placeholder 2">
@@ -17759,7 +17759,7 @@
                 </a:pPr>
                 <a:r>
                   <a:rPr lang="en-US" sz="1600" dirty="0"/>
-                  <a:t>Choose  </a:t>
+                  <a:t>ADH (2010): Choose  </a:t>
                 </a:r>
                 <a14:m>
                   <m:oMath xmlns:m="http://schemas.openxmlformats.org/officeDocument/2006/math">
@@ -17818,7 +17818,7 @@
             </p:txBody>
           </p:sp>
         </mc:Choice>
-        <mc:Fallback xmlns="">
+        <mc:Fallback>
           <p:sp>
             <p:nvSpPr>
               <p:cNvPr id="3" name="Content Placeholder 2">
@@ -18793,15 +18793,6 @@
 </file>
 
 <file path=customXml/item1.xml><?xml version="1.0" encoding="utf-8"?>
-<p:properties xmlns:p="http://schemas.microsoft.com/office/2006/metadata/properties" xmlns:xsi="http://www.w3.org/2001/XMLSchema-instance" xmlns:pc="http://schemas.microsoft.com/office/infopath/2007/PartnerControls">
-  <documentManagement>
-    <Status xmlns="71af3243-3dd4-4a8d-8c0d-dd76da1f02a5">Not started</Status>
-    <MediaServiceKeyPoints xmlns="71af3243-3dd4-4a8d-8c0d-dd76da1f02a5" xsi:nil="true"/>
-  </documentManagement>
-</p:properties>
-</file>
-
-<file path=customXml/item2.xml><?xml version="1.0" encoding="utf-8"?>
 <ct:contentTypeSchema xmlns:ct="http://schemas.microsoft.com/office/2006/metadata/contentType" xmlns:ma="http://schemas.microsoft.com/office/2006/metadata/properties/metaAttributes" ct:_="" ma:_="" ma:contentTypeName="Document" ma:contentTypeID="0x01010079F111ED35F8CC479449609E8A0923A6" ma:contentTypeVersion="12" ma:contentTypeDescription="Create a new document." ma:contentTypeScope="" ma:versionID="426e97fa315356fffbdcd9876fe988c2">
   <xsd:schema xmlns:xsd="http://www.w3.org/2001/XMLSchema" xmlns:xs="http://www.w3.org/2001/XMLSchema" xmlns:p="http://schemas.microsoft.com/office/2006/metadata/properties" xmlns:ns2="71af3243-3dd4-4a8d-8c0d-dd76da1f02a5" xmlns:ns3="16c05727-aa75-4e4a-9b5f-8a80a1165891" targetNamespace="http://schemas.microsoft.com/office/2006/metadata/properties" ma:root="true" ma:fieldsID="14b8f0def80e6d70ce3def20c90759ae" ns2:_="" ns3:_="">
     <xsd:import namespace="71af3243-3dd4-4a8d-8c0d-dd76da1f02a5"/>
@@ -19022,6 +19013,15 @@
 </ct:contentTypeSchema>
 </file>
 
+<file path=customXml/item2.xml><?xml version="1.0" encoding="utf-8"?>
+<p:properties xmlns:p="http://schemas.microsoft.com/office/2006/metadata/properties" xmlns:xsi="http://www.w3.org/2001/XMLSchema-instance" xmlns:pc="http://schemas.microsoft.com/office/infopath/2007/PartnerControls">
+  <documentManagement>
+    <Status xmlns="71af3243-3dd4-4a8d-8c0d-dd76da1f02a5">Not started</Status>
+    <MediaServiceKeyPoints xmlns="71af3243-3dd4-4a8d-8c0d-dd76da1f02a5" xsi:nil="true"/>
+  </documentManagement>
+</p:properties>
+</file>
+
 <file path=customXml/item3.xml><?xml version="1.0" encoding="utf-8"?>
 <?mso-contentType ?>
 <FormTemplates xmlns="http://schemas.microsoft.com/sharepoint/v3/contenttype/forms">
@@ -19032,23 +19032,6 @@
 </file>
 
 <file path=customXml/itemProps1.xml><?xml version="1.0" encoding="utf-8"?>
-<ds:datastoreItem xmlns:ds="http://schemas.openxmlformats.org/officeDocument/2006/customXml" ds:itemID="{081B53F0-FE0E-4C4C-84FF-93580062270A}">
-  <ds:schemaRefs>
-    <ds:schemaRef ds:uri="http://schemas.microsoft.com/office/2006/documentManagement/types"/>
-    <ds:schemaRef ds:uri="16c05727-aa75-4e4a-9b5f-8a80a1165891"/>
-    <ds:schemaRef ds:uri="http://purl.org/dc/dcmitype/"/>
-    <ds:schemaRef ds:uri="http://schemas.microsoft.com/office/2006/metadata/properties"/>
-    <ds:schemaRef ds:uri="http://purl.org/dc/terms/"/>
-    <ds:schemaRef ds:uri="http://schemas.microsoft.com/office/infopath/2007/PartnerControls"/>
-    <ds:schemaRef ds:uri="http://www.w3.org/XML/1998/namespace"/>
-    <ds:schemaRef ds:uri="http://schemas.openxmlformats.org/package/2006/metadata/core-properties"/>
-    <ds:schemaRef ds:uri="71af3243-3dd4-4a8d-8c0d-dd76da1f02a5"/>
-    <ds:schemaRef ds:uri="http://purl.org/dc/elements/1.1/"/>
-  </ds:schemaRefs>
-</ds:datastoreItem>
-</file>
-
-<file path=customXml/itemProps2.xml><?xml version="1.0" encoding="utf-8"?>
 <ds:datastoreItem xmlns:ds="http://schemas.openxmlformats.org/officeDocument/2006/customXml" ds:itemID="{29D363B3-DC66-45B9-8B2A-DA220F5DD197}">
   <ds:schemaRefs>
     <ds:schemaRef ds:uri="http://schemas.microsoft.com/office/2006/metadata/contentType"/>
@@ -19067,6 +19050,23 @@
 </ds:datastoreItem>
 </file>
 
+<file path=customXml/itemProps2.xml><?xml version="1.0" encoding="utf-8"?>
+<ds:datastoreItem xmlns:ds="http://schemas.openxmlformats.org/officeDocument/2006/customXml" ds:itemID="{081B53F0-FE0E-4C4C-84FF-93580062270A}">
+  <ds:schemaRefs>
+    <ds:schemaRef ds:uri="http://schemas.microsoft.com/office/2006/documentManagement/types"/>
+    <ds:schemaRef ds:uri="16c05727-aa75-4e4a-9b5f-8a80a1165891"/>
+    <ds:schemaRef ds:uri="http://purl.org/dc/dcmitype/"/>
+    <ds:schemaRef ds:uri="http://schemas.microsoft.com/office/2006/metadata/properties"/>
+    <ds:schemaRef ds:uri="http://purl.org/dc/terms/"/>
+    <ds:schemaRef ds:uri="http://schemas.microsoft.com/office/infopath/2007/PartnerControls"/>
+    <ds:schemaRef ds:uri="http://www.w3.org/XML/1998/namespace"/>
+    <ds:schemaRef ds:uri="http://schemas.openxmlformats.org/package/2006/metadata/core-properties"/>
+    <ds:schemaRef ds:uri="71af3243-3dd4-4a8d-8c0d-dd76da1f02a5"/>
+    <ds:schemaRef ds:uri="http://purl.org/dc/elements/1.1/"/>
+  </ds:schemaRefs>
+</ds:datastoreItem>
+</file>
+
 <file path=customXml/itemProps3.xml><?xml version="1.0" encoding="utf-8"?>
 <ds:datastoreItem xmlns:ds="http://schemas.openxmlformats.org/officeDocument/2006/customXml" ds:itemID="{3149A8C3-21EC-4C35-871F-CCC7148089A3}">
   <ds:schemaRefs>
